--- a/FAA/Practica 2 AAD/AAD_11.pptx
+++ b/FAA/Practica 2 AAD/AAD_11.pptx
@@ -8,10 +8,10 @@
     <p:sldMasterId id="2147483715" r:id="rId4"/>
   </p:sldMasterIdLst>
   <p:notesMasterIdLst>
-    <p:notesMasterId r:id="rId16"/>
+    <p:notesMasterId r:id="rId17"/>
   </p:notesMasterIdLst>
   <p:handoutMasterIdLst>
-    <p:handoutMasterId r:id="rId17"/>
+    <p:handoutMasterId r:id="rId18"/>
   </p:handoutMasterIdLst>
   <p:sldIdLst>
     <p:sldId id="458" r:id="rId5"/>
@@ -19,12 +19,13 @@
     <p:sldId id="460" r:id="rId7"/>
     <p:sldId id="461" r:id="rId8"/>
     <p:sldId id="464" r:id="rId9"/>
-    <p:sldId id="465" r:id="rId10"/>
-    <p:sldId id="470" r:id="rId11"/>
-    <p:sldId id="471" r:id="rId12"/>
-    <p:sldId id="473" r:id="rId13"/>
-    <p:sldId id="474" r:id="rId14"/>
-    <p:sldId id="472" r:id="rId15"/>
+    <p:sldId id="475" r:id="rId10"/>
+    <p:sldId id="465" r:id="rId11"/>
+    <p:sldId id="470" r:id="rId12"/>
+    <p:sldId id="471" r:id="rId13"/>
+    <p:sldId id="473" r:id="rId14"/>
+    <p:sldId id="474" r:id="rId15"/>
+    <p:sldId id="472" r:id="rId16"/>
   </p:sldIdLst>
   <p:sldSz cx="9144000" cy="6858000" type="screen4x3"/>
   <p:notesSz cx="6797675" cy="9926638"/>
@@ -1108,6 +1109,93 @@
 </p:notes>
 </file>
 
+<file path=ppt/notesSlides/notesSlide12.xml><?xml version="1.0" encoding="utf-8"?>
+<p:notes xmlns:a="http://schemas.openxmlformats.org/drawingml/2006/main" xmlns:r="http://schemas.openxmlformats.org/officeDocument/2006/relationships" xmlns:p="http://schemas.openxmlformats.org/presentationml/2006/main">
+  <p:cSld>
+    <p:spTree>
+      <p:nvGrpSpPr>
+        <p:cNvPr id="1" name=""/>
+        <p:cNvGrpSpPr/>
+        <p:nvPr/>
+      </p:nvGrpSpPr>
+      <p:grpSpPr>
+        <a:xfrm>
+          <a:off x="0" y="0"/>
+          <a:ext cx="0" cy="0"/>
+          <a:chOff x="0" y="0"/>
+          <a:chExt cx="0" cy="0"/>
+        </a:xfrm>
+      </p:grpSpPr>
+      <p:sp>
+        <p:nvSpPr>
+          <p:cNvPr id="2" name="1 Marcador de imagen de diapositiva"/>
+          <p:cNvSpPr>
+            <a:spLocks noGrp="1" noRot="1" noChangeAspect="1"/>
+          </p:cNvSpPr>
+          <p:nvPr>
+            <p:ph type="sldImg"/>
+          </p:nvPr>
+        </p:nvSpPr>
+        <p:spPr/>
+      </p:sp>
+      <p:sp>
+        <p:nvSpPr>
+          <p:cNvPr id="3" name="2 Marcador de notas"/>
+          <p:cNvSpPr>
+            <a:spLocks noGrp="1"/>
+          </p:cNvSpPr>
+          <p:nvPr>
+            <p:ph type="body" idx="1"/>
+          </p:nvPr>
+        </p:nvSpPr>
+        <p:spPr/>
+        <p:txBody>
+          <a:bodyPr>
+            <a:normAutofit/>
+          </a:bodyPr>
+          <a:lstStyle/>
+          <a:p>
+            <a:endParaRPr lang="es-ES"/>
+          </a:p>
+        </p:txBody>
+      </p:sp>
+      <p:sp>
+        <p:nvSpPr>
+          <p:cNvPr id="4" name="3 Marcador de número de diapositiva"/>
+          <p:cNvSpPr>
+            <a:spLocks noGrp="1"/>
+          </p:cNvSpPr>
+          <p:nvPr>
+            <p:ph type="sldNum" sz="quarter" idx="10"/>
+          </p:nvPr>
+        </p:nvSpPr>
+        <p:spPr/>
+        <p:txBody>
+          <a:bodyPr/>
+          <a:lstStyle/>
+          <a:p>
+            <a:pPr>
+              <a:defRPr/>
+            </a:pPr>
+            <a:fld id="{E4417C57-0912-4A8B-AF1C-2323F237DC17}" type="slidenum">
+              <a:rPr lang="es-ES" smtClean="0"/>
+              <a:pPr>
+                <a:defRPr/>
+              </a:pPr>
+              <a:t>12</a:t>
+            </a:fld>
+            <a:endParaRPr lang="es-ES"/>
+          </a:p>
+        </p:txBody>
+      </p:sp>
+    </p:spTree>
+  </p:cSld>
+  <p:clrMapOvr>
+    <a:masterClrMapping/>
+  </p:clrMapOvr>
+</p:notes>
+</file>
+
 <file path=ppt/notesSlides/notesSlide2.xml><?xml version="1.0" encoding="utf-8"?>
 <p:notes xmlns:a="http://schemas.openxmlformats.org/drawingml/2006/main" xmlns:r="http://schemas.openxmlformats.org/officeDocument/2006/relationships" xmlns:p="http://schemas.openxmlformats.org/presentationml/2006/main">
   <p:cSld>
@@ -1514,7 +1602,7 @@
           <a:bodyPr/>
           <a:lstStyle/>
           <a:p>
-            <a:fld id="{402BE296-9D34-48ED-A881-2C82EC77E999}" type="slidenum">
+            <a:fld id="{AEA87966-E7D9-4DEB-A21E-9FB158531495}" type="slidenum">
               <a:rPr lang="es-ES_tradnl"/>
               <a:pPr/>
               <a:t>6</a:t>
@@ -1525,7 +1613,7 @@
       </p:sp>
       <p:sp>
         <p:nvSpPr>
-          <p:cNvPr id="729090" name="Rectangle 2"/>
+          <p:cNvPr id="727042" name="Rectangle 2"/>
           <p:cNvSpPr>
             <a:spLocks noGrp="1" noRot="1" noChangeAspect="1" noChangeArrowheads="1" noTextEdit="1"/>
           </p:cNvSpPr>
@@ -1543,7 +1631,7 @@
       </p:sp>
       <p:sp>
         <p:nvSpPr>
-          <p:cNvPr id="729091" name="Rectangle 3"/>
+          <p:cNvPr id="727043" name="Rectangle 3"/>
           <p:cNvSpPr>
             <a:spLocks noGrp="1" noChangeArrowheads="1"/>
           </p:cNvSpPr>
@@ -1566,6 +1654,11 @@
         </p:txBody>
       </p:sp>
     </p:spTree>
+    <p:extLst>
+      <p:ext uri="{BB962C8B-B14F-4D97-AF65-F5344CB8AC3E}">
+        <p14:creationId xmlns:p14="http://schemas.microsoft.com/office/powerpoint/2010/main" val="1606580922"/>
+      </p:ext>
+    </p:extLst>
   </p:cSld>
   <p:clrMapOvr>
     <a:masterClrMapping/>
@@ -1607,7 +1700,7 @@
           <a:bodyPr/>
           <a:lstStyle/>
           <a:p>
-            <a:fld id="{DC434A40-F244-443A-98C5-7C5A3D53C0B9}" type="slidenum">
+            <a:fld id="{402BE296-9D34-48ED-A881-2C82EC77E999}" type="slidenum">
               <a:rPr lang="es-ES_tradnl"/>
               <a:pPr/>
               <a:t>7</a:t>
@@ -1618,7 +1711,7 @@
       </p:sp>
       <p:sp>
         <p:nvSpPr>
-          <p:cNvPr id="739330" name="Rectangle 2"/>
+          <p:cNvPr id="729090" name="Rectangle 2"/>
           <p:cNvSpPr>
             <a:spLocks noGrp="1" noRot="1" noChangeAspect="1" noChangeArrowheads="1" noTextEdit="1"/>
           </p:cNvSpPr>
@@ -1636,7 +1729,7 @@
       </p:sp>
       <p:sp>
         <p:nvSpPr>
-          <p:cNvPr id="739331" name="Rectangle 3"/>
+          <p:cNvPr id="729091" name="Rectangle 3"/>
           <p:cNvSpPr>
             <a:spLocks noGrp="1" noChangeArrowheads="1"/>
           </p:cNvSpPr>
@@ -1685,62 +1778,68 @@
       </p:grpSpPr>
       <p:sp>
         <p:nvSpPr>
-          <p:cNvPr id="2" name="1 Marcador de imagen de diapositiva"/>
-          <p:cNvSpPr>
-            <a:spLocks noGrp="1" noRot="1" noChangeAspect="1"/>
-          </p:cNvSpPr>
-          <p:nvPr>
-            <p:ph type="sldImg"/>
-          </p:nvPr>
-        </p:nvSpPr>
-        <p:spPr/>
-      </p:sp>
-      <p:sp>
-        <p:nvSpPr>
-          <p:cNvPr id="3" name="2 Marcador de notas"/>
-          <p:cNvSpPr>
-            <a:spLocks noGrp="1"/>
-          </p:cNvSpPr>
-          <p:nvPr>
-            <p:ph type="body" idx="1"/>
-          </p:nvPr>
-        </p:nvSpPr>
-        <p:spPr/>
-        <p:txBody>
-          <a:bodyPr>
-            <a:normAutofit/>
-          </a:bodyPr>
-          <a:lstStyle/>
-          <a:p>
-            <a:endParaRPr lang="es-ES"/>
-          </a:p>
-        </p:txBody>
-      </p:sp>
-      <p:sp>
-        <p:nvSpPr>
-          <p:cNvPr id="4" name="3 Marcador de número de diapositiva"/>
-          <p:cNvSpPr>
-            <a:spLocks noGrp="1"/>
-          </p:cNvSpPr>
-          <p:nvPr>
-            <p:ph type="sldNum" sz="quarter" idx="10"/>
-          </p:nvPr>
-        </p:nvSpPr>
-        <p:spPr/>
+          <p:cNvPr id="7" name="Rectangle 7"/>
+          <p:cNvSpPr>
+            <a:spLocks noGrp="1" noChangeArrowheads="1"/>
+          </p:cNvSpPr>
+          <p:nvPr>
+            <p:ph type="sldNum" sz="quarter" idx="5"/>
+          </p:nvPr>
+        </p:nvSpPr>
+        <p:spPr>
+          <a:ln/>
+        </p:spPr>
         <p:txBody>
           <a:bodyPr/>
           <a:lstStyle/>
           <a:p>
-            <a:pPr>
-              <a:defRPr/>
-            </a:pPr>
-            <a:fld id="{E4417C57-0912-4A8B-AF1C-2323F237DC17}" type="slidenum">
-              <a:rPr lang="es-ES" smtClean="0"/>
-              <a:pPr>
-                <a:defRPr/>
-              </a:pPr>
+            <a:fld id="{DC434A40-F244-443A-98C5-7C5A3D53C0B9}" type="slidenum">
+              <a:rPr lang="es-ES_tradnl"/>
+              <a:pPr/>
               <a:t>8</a:t>
             </a:fld>
+            <a:endParaRPr lang="es-ES_tradnl"/>
+          </a:p>
+        </p:txBody>
+      </p:sp>
+      <p:sp>
+        <p:nvSpPr>
+          <p:cNvPr id="739330" name="Rectangle 2"/>
+          <p:cNvSpPr>
+            <a:spLocks noGrp="1" noRot="1" noChangeAspect="1" noChangeArrowheads="1" noTextEdit="1"/>
+          </p:cNvSpPr>
+          <p:nvPr>
+            <p:ph type="sldImg"/>
+          </p:nvPr>
+        </p:nvSpPr>
+        <p:spPr>
+          <a:xfrm>
+            <a:off x="904875" y="763588"/>
+            <a:ext cx="4975225" cy="3732212"/>
+          </a:xfrm>
+          <a:ln/>
+        </p:spPr>
+      </p:sp>
+      <p:sp>
+        <p:nvSpPr>
+          <p:cNvPr id="739331" name="Rectangle 3"/>
+          <p:cNvSpPr>
+            <a:spLocks noGrp="1" noChangeArrowheads="1"/>
+          </p:cNvSpPr>
+          <p:nvPr>
+            <p:ph type="body" idx="1"/>
+          </p:nvPr>
+        </p:nvSpPr>
+        <p:spPr>
+          <a:xfrm>
+            <a:off x="914225" y="4725493"/>
+            <a:ext cx="4953491" cy="4494561"/>
+          </a:xfrm>
+        </p:spPr>
+        <p:txBody>
+          <a:bodyPr/>
+          <a:lstStyle/>
+          <a:p>
             <a:endParaRPr lang="es-ES"/>
           </a:p>
         </p:txBody>
@@ -2059,7 +2158,7 @@
               <a:pPr>
                 <a:defRPr/>
               </a:pPr>
-              <a:t>25/04/2019</a:t>
+              <a:t>04/05/2019</a:t>
             </a:fld>
             <a:endParaRPr lang="es-ES"/>
           </a:p>
@@ -3387,7 +3486,7 @@
               <a:pPr>
                 <a:defRPr/>
               </a:pPr>
-              <a:t>25/04/2019</a:t>
+              <a:t>04/05/2019</a:t>
             </a:fld>
             <a:endParaRPr lang="es-ES" dirty="0"/>
           </a:p>
@@ -3577,7 +3676,7 @@
               <a:pPr>
                 <a:defRPr/>
               </a:pPr>
-              <a:t>25/04/2019</a:t>
+              <a:t>04/05/2019</a:t>
             </a:fld>
             <a:endParaRPr lang="es-ES" dirty="0"/>
           </a:p>
@@ -3844,7 +3943,7 @@
               <a:pPr>
                 <a:defRPr/>
               </a:pPr>
-              <a:t>25/04/2019</a:t>
+              <a:t>04/05/2019</a:t>
             </a:fld>
             <a:endParaRPr lang="es-ES" dirty="0"/>
           </a:p>
@@ -4151,7 +4250,7 @@
               <a:pPr>
                 <a:defRPr/>
               </a:pPr>
-              <a:t>25/04/2019</a:t>
+              <a:t>04/05/2019</a:t>
             </a:fld>
             <a:endParaRPr lang="es-ES" dirty="0"/>
           </a:p>
@@ -4592,7 +4691,7 @@
               <a:pPr>
                 <a:defRPr/>
               </a:pPr>
-              <a:t>25/04/2019</a:t>
+              <a:t>04/05/2019</a:t>
             </a:fld>
             <a:endParaRPr lang="es-ES" dirty="0"/>
           </a:p>
@@ -4889,7 +4988,7 @@
               <a:pPr>
                 <a:defRPr/>
               </a:pPr>
-              <a:t>25/04/2019</a:t>
+              <a:t>04/05/2019</a:t>
             </a:fld>
             <a:endParaRPr lang="es-ES" dirty="0"/>
           </a:p>
@@ -5006,7 +5105,7 @@
               <a:pPr>
                 <a:defRPr/>
               </a:pPr>
-              <a:t>25/04/2019</a:t>
+              <a:t>04/05/2019</a:t>
             </a:fld>
             <a:endParaRPr lang="es-ES" dirty="0"/>
           </a:p>
@@ -5303,7 +5402,7 @@
               <a:pPr>
                 <a:defRPr/>
               </a:pPr>
-              <a:t>25/04/2019</a:t>
+              <a:t>04/05/2019</a:t>
             </a:fld>
             <a:endParaRPr lang="es-ES" dirty="0"/>
           </a:p>
@@ -5580,7 +5679,7 @@
               <a:pPr>
                 <a:defRPr/>
               </a:pPr>
-              <a:t>25/04/2019</a:t>
+              <a:t>04/05/2019</a:t>
             </a:fld>
             <a:endParaRPr lang="es-ES" dirty="0"/>
           </a:p>
@@ -5770,7 +5869,7 @@
               <a:pPr>
                 <a:defRPr/>
               </a:pPr>
-              <a:t>25/04/2019</a:t>
+              <a:t>04/05/2019</a:t>
             </a:fld>
             <a:endParaRPr lang="es-ES" dirty="0"/>
           </a:p>
@@ -5970,7 +6069,7 @@
               <a:pPr>
                 <a:defRPr/>
               </a:pPr>
-              <a:t>25/04/2019</a:t>
+              <a:t>04/05/2019</a:t>
             </a:fld>
             <a:endParaRPr lang="es-ES" dirty="0"/>
           </a:p>
@@ -6232,7 +6331,7 @@
               <a:pPr>
                 <a:defRPr/>
               </a:pPr>
-              <a:t>25/04/2019</a:t>
+              <a:t>04/05/2019</a:t>
             </a:fld>
             <a:endParaRPr lang="es-ES"/>
           </a:p>
@@ -6422,7 +6521,7 @@
               <a:pPr>
                 <a:defRPr/>
               </a:pPr>
-              <a:t>25/04/2019</a:t>
+              <a:t>04/05/2019</a:t>
             </a:fld>
             <a:endParaRPr lang="es-ES"/>
           </a:p>
@@ -6689,7 +6788,7 @@
               <a:pPr>
                 <a:defRPr/>
               </a:pPr>
-              <a:t>25/04/2019</a:t>
+              <a:t>04/05/2019</a:t>
             </a:fld>
             <a:endParaRPr lang="es-ES"/>
           </a:p>
@@ -6996,7 +7095,7 @@
               <a:pPr>
                 <a:defRPr/>
               </a:pPr>
-              <a:t>25/04/2019</a:t>
+              <a:t>04/05/2019</a:t>
             </a:fld>
             <a:endParaRPr lang="es-ES"/>
           </a:p>
@@ -7528,7 +7627,7 @@
               <a:pPr>
                 <a:defRPr/>
               </a:pPr>
-              <a:t>25/04/2019</a:t>
+              <a:t>04/05/2019</a:t>
             </a:fld>
             <a:endParaRPr lang="es-ES"/>
           </a:p>
@@ -7667,7 +7766,7 @@
               <a:pPr>
                 <a:defRPr/>
               </a:pPr>
-              <a:t>25/04/2019</a:t>
+              <a:t>04/05/2019</a:t>
             </a:fld>
             <a:endParaRPr lang="es-ES"/>
           </a:p>
@@ -7784,7 +7883,7 @@
               <a:pPr>
                 <a:defRPr/>
               </a:pPr>
-              <a:t>25/04/2019</a:t>
+              <a:t>04/05/2019</a:t>
             </a:fld>
             <a:endParaRPr lang="es-ES"/>
           </a:p>
@@ -8081,7 +8180,7 @@
               <a:pPr>
                 <a:defRPr/>
               </a:pPr>
-              <a:t>25/04/2019</a:t>
+              <a:t>04/05/2019</a:t>
             </a:fld>
             <a:endParaRPr lang="es-ES"/>
           </a:p>
@@ -8358,7 +8457,7 @@
               <a:pPr>
                 <a:defRPr/>
               </a:pPr>
-              <a:t>25/04/2019</a:t>
+              <a:t>04/05/2019</a:t>
             </a:fld>
             <a:endParaRPr lang="es-ES"/>
           </a:p>
@@ -8548,7 +8647,7 @@
               <a:pPr>
                 <a:defRPr/>
               </a:pPr>
-              <a:t>25/04/2019</a:t>
+              <a:t>04/05/2019</a:t>
             </a:fld>
             <a:endParaRPr lang="es-ES"/>
           </a:p>
@@ -8748,7 +8847,7 @@
               <a:pPr>
                 <a:defRPr/>
               </a:pPr>
-              <a:t>25/04/2019</a:t>
+              <a:t>04/05/2019</a:t>
             </a:fld>
             <a:endParaRPr lang="es-ES"/>
           </a:p>
@@ -9010,7 +9109,7 @@
               <a:pPr>
                 <a:defRPr/>
               </a:pPr>
-              <a:t>25/04/2019</a:t>
+              <a:t>04/05/2019</a:t>
             </a:fld>
             <a:endParaRPr lang="es-ES"/>
           </a:p>
@@ -9200,7 +9299,7 @@
               <a:pPr>
                 <a:defRPr/>
               </a:pPr>
-              <a:t>25/04/2019</a:t>
+              <a:t>04/05/2019</a:t>
             </a:fld>
             <a:endParaRPr lang="es-ES"/>
           </a:p>
@@ -9467,7 +9566,7 @@
               <a:pPr>
                 <a:defRPr/>
               </a:pPr>
-              <a:t>25/04/2019</a:t>
+              <a:t>04/05/2019</a:t>
             </a:fld>
             <a:endParaRPr lang="es-ES"/>
           </a:p>
@@ -9951,7 +10050,7 @@
               <a:pPr>
                 <a:defRPr/>
               </a:pPr>
-              <a:t>25/04/2019</a:t>
+              <a:t>04/05/2019</a:t>
             </a:fld>
             <a:endParaRPr lang="es-ES"/>
           </a:p>
@@ -10392,7 +10491,7 @@
               <a:pPr>
                 <a:defRPr/>
               </a:pPr>
-              <a:t>25/04/2019</a:t>
+              <a:t>04/05/2019</a:t>
             </a:fld>
             <a:endParaRPr lang="es-ES"/>
           </a:p>
@@ -10531,7 +10630,7 @@
               <a:pPr>
                 <a:defRPr/>
               </a:pPr>
-              <a:t>25/04/2019</a:t>
+              <a:t>04/05/2019</a:t>
             </a:fld>
             <a:endParaRPr lang="es-ES"/>
           </a:p>
@@ -10648,7 +10747,7 @@
               <a:pPr>
                 <a:defRPr/>
               </a:pPr>
-              <a:t>25/04/2019</a:t>
+              <a:t>04/05/2019</a:t>
             </a:fld>
             <a:endParaRPr lang="es-ES"/>
           </a:p>
@@ -10945,7 +11044,7 @@
               <a:pPr>
                 <a:defRPr/>
               </a:pPr>
-              <a:t>25/04/2019</a:t>
+              <a:t>04/05/2019</a:t>
             </a:fld>
             <a:endParaRPr lang="es-ES"/>
           </a:p>
@@ -11222,7 +11321,7 @@
               <a:pPr>
                 <a:defRPr/>
               </a:pPr>
-              <a:t>25/04/2019</a:t>
+              <a:t>04/05/2019</a:t>
             </a:fld>
             <a:endParaRPr lang="es-ES"/>
           </a:p>
@@ -11412,7 +11511,7 @@
               <a:pPr>
                 <a:defRPr/>
               </a:pPr>
-              <a:t>25/04/2019</a:t>
+              <a:t>04/05/2019</a:t>
             </a:fld>
             <a:endParaRPr lang="es-ES"/>
           </a:p>
@@ -11612,7 +11711,7 @@
               <a:pPr>
                 <a:defRPr/>
               </a:pPr>
-              <a:t>25/04/2019</a:t>
+              <a:t>04/05/2019</a:t>
             </a:fld>
             <a:endParaRPr lang="es-ES"/>
           </a:p>
@@ -13888,7 +13987,7 @@
               <a:pPr>
                 <a:defRPr/>
               </a:pPr>
-              <a:t>25/04/2019</a:t>
+              <a:t>04/05/2019</a:t>
             </a:fld>
             <a:endParaRPr lang="es-ES" dirty="0"/>
           </a:p>
@@ -15899,8 +15998,21 @@
                   <a:srgbClr val="C00000"/>
                 </a:solidFill>
               </a:rPr>
-              <a:t>9. Gráfica de Coste.</a:t>
-            </a:r>
+              <a:t>8. </a:t>
+            </a:r>
+            <a:r>
+              <a:rPr lang="es-ES" sz="2000" b="1">
+                <a:solidFill>
+                  <a:srgbClr val="C00000"/>
+                </a:solidFill>
+              </a:rPr>
+              <a:t>Codificación.</a:t>
+            </a:r>
+            <a:endParaRPr lang="es-ES" sz="2000" b="1" dirty="0">
+              <a:solidFill>
+                <a:srgbClr val="C00000"/>
+              </a:solidFill>
+            </a:endParaRPr>
           </a:p>
         </p:txBody>
       </p:sp>
@@ -15963,6 +16075,76 @@
           <a:bodyPr/>
           <a:lstStyle/>
           <a:p>
+            <a:r>
+              <a:rPr lang="es-ES" sz="2000" b="1" dirty="0">
+                <a:solidFill>
+                  <a:srgbClr val="C00000"/>
+                </a:solidFill>
+              </a:rPr>
+              <a:t>9. Gráfica de Coste.</a:t>
+            </a:r>
+          </a:p>
+        </p:txBody>
+      </p:sp>
+    </p:spTree>
+  </p:cSld>
+  <p:clrMapOvr>
+    <a:masterClrMapping/>
+  </p:clrMapOvr>
+</p:sld>
+</file>
+
+<file path=ppt/slides/slide12.xml><?xml version="1.0" encoding="utf-8"?>
+<p:sld xmlns:a="http://schemas.openxmlformats.org/drawingml/2006/main" xmlns:r="http://schemas.openxmlformats.org/officeDocument/2006/relationships" xmlns:p="http://schemas.openxmlformats.org/presentationml/2006/main">
+  <p:cSld>
+    <p:spTree>
+      <p:nvGrpSpPr>
+        <p:cNvPr id="1" name=""/>
+        <p:cNvGrpSpPr/>
+        <p:nvPr/>
+      </p:nvGrpSpPr>
+      <p:grpSpPr>
+        <a:xfrm>
+          <a:off x="0" y="0"/>
+          <a:ext cx="0" cy="0"/>
+          <a:chOff x="0" y="0"/>
+          <a:chExt cx="0" cy="0"/>
+        </a:xfrm>
+      </p:grpSpPr>
+      <p:sp>
+        <p:nvSpPr>
+          <p:cNvPr id="2" name="1 Marcador de contenido"/>
+          <p:cNvSpPr>
+            <a:spLocks noGrp="1"/>
+          </p:cNvSpPr>
+          <p:nvPr>
+            <p:ph idx="1"/>
+          </p:nvPr>
+        </p:nvSpPr>
+        <p:spPr/>
+        <p:txBody>
+          <a:bodyPr/>
+          <a:lstStyle/>
+          <a:p>
+            <a:endParaRPr lang="es-ES"/>
+          </a:p>
+        </p:txBody>
+      </p:sp>
+      <p:sp>
+        <p:nvSpPr>
+          <p:cNvPr id="3" name="2 Título"/>
+          <p:cNvSpPr>
+            <a:spLocks noGrp="1"/>
+          </p:cNvSpPr>
+          <p:nvPr>
+            <p:ph type="title"/>
+          </p:nvPr>
+        </p:nvSpPr>
+        <p:spPr/>
+        <p:txBody>
+          <a:bodyPr/>
+          <a:lstStyle/>
+          <a:p>
             <a:pPr lvl="0"/>
             <a:r>
               <a:rPr lang="es-ES" sz="2000" b="1" dirty="0">
@@ -16202,7 +16384,7 @@
           <a:bodyPr/>
           <a:lstStyle/>
           <a:p>
-            <a:endParaRPr lang="es-ES"/>
+            <a:endParaRPr lang="es-ES" dirty="0"/>
           </a:p>
         </p:txBody>
       </p:sp>
@@ -16275,25 +16457,6 @@
       </p:grpSpPr>
       <p:sp>
         <p:nvSpPr>
-          <p:cNvPr id="4" name="3 Marcador de contenido"/>
-          <p:cNvSpPr>
-            <a:spLocks noGrp="1"/>
-          </p:cNvSpPr>
-          <p:nvPr>
-            <p:ph idx="1"/>
-          </p:nvPr>
-        </p:nvSpPr>
-        <p:spPr/>
-        <p:txBody>
-          <a:bodyPr/>
-          <a:lstStyle/>
-          <a:p>
-            <a:endParaRPr lang="es-ES"/>
-          </a:p>
-        </p:txBody>
-      </p:sp>
-      <p:sp>
-        <p:nvSpPr>
           <p:cNvPr id="726018" name="Rectangle 2"/>
           <p:cNvSpPr>
             <a:spLocks noGrp="1" noChangeArrowheads="1"/>
@@ -16326,11 +16489,2098 @@
           </a:p>
         </p:txBody>
       </p:sp>
+      <p:pic>
+        <p:nvPicPr>
+          <p:cNvPr id="18" name="Imagen 17">
+            <a:extLst>
+              <a:ext uri="{FF2B5EF4-FFF2-40B4-BE49-F238E27FC236}">
+                <a16:creationId xmlns:a16="http://schemas.microsoft.com/office/drawing/2014/main" id="{8DC31EDE-170B-469C-B2EB-43C6E399C43C}"/>
+              </a:ext>
+            </a:extLst>
+          </p:cNvPr>
+          <p:cNvPicPr>
+            <a:picLocks noChangeAspect="1"/>
+          </p:cNvPicPr>
+          <p:nvPr/>
+        </p:nvPicPr>
+        <p:blipFill>
+          <a:blip r:embed="rId3">
+            <a:extLst>
+              <a:ext uri="{28A0092B-C50C-407E-A947-70E740481C1C}">
+                <a14:useLocalDpi xmlns:a14="http://schemas.microsoft.com/office/drawing/2010/main" val="0"/>
+              </a:ext>
+            </a:extLst>
+          </a:blip>
+          <a:stretch>
+            <a:fillRect/>
+          </a:stretch>
+        </p:blipFill>
+        <p:spPr>
+          <a:xfrm>
+            <a:off x="969378" y="2708920"/>
+            <a:ext cx="7205244" cy="1440160"/>
+          </a:xfrm>
+          <a:prstGeom prst="rect">
+            <a:avLst/>
+          </a:prstGeom>
+        </p:spPr>
+      </p:pic>
+      <p:pic>
+        <p:nvPicPr>
+          <p:cNvPr id="30" name="Imagen 29">
+            <a:extLst>
+              <a:ext uri="{FF2B5EF4-FFF2-40B4-BE49-F238E27FC236}">
+                <a16:creationId xmlns:a16="http://schemas.microsoft.com/office/drawing/2014/main" id="{019F91DF-301D-4629-AFB6-719A0FFE1A6E}"/>
+              </a:ext>
+            </a:extLst>
+          </p:cNvPr>
+          <p:cNvPicPr>
+            <a:picLocks noChangeAspect="1"/>
+          </p:cNvPicPr>
+          <p:nvPr/>
+        </p:nvPicPr>
+        <p:blipFill>
+          <a:blip r:embed="rId4">
+            <a:extLst>
+              <a:ext uri="{28A0092B-C50C-407E-A947-70E740481C1C}">
+                <a14:useLocalDpi xmlns:a14="http://schemas.microsoft.com/office/drawing/2010/main" val="0"/>
+              </a:ext>
+            </a:extLst>
+          </a:blip>
+          <a:stretch>
+            <a:fillRect/>
+          </a:stretch>
+        </p:blipFill>
+        <p:spPr>
+          <a:xfrm>
+            <a:off x="3939472" y="2793861"/>
+            <a:ext cx="1261023" cy="1261023"/>
+          </a:xfrm>
+          <a:prstGeom prst="rect">
+            <a:avLst/>
+          </a:prstGeom>
+        </p:spPr>
+      </p:pic>
+      <p:pic>
+        <p:nvPicPr>
+          <p:cNvPr id="32" name="Imagen 31">
+            <a:extLst>
+              <a:ext uri="{FF2B5EF4-FFF2-40B4-BE49-F238E27FC236}">
+                <a16:creationId xmlns:a16="http://schemas.microsoft.com/office/drawing/2014/main" id="{C9CF4061-7876-4CD3-BA3C-AAA048C1DE99}"/>
+              </a:ext>
+            </a:extLst>
+          </p:cNvPr>
+          <p:cNvPicPr>
+            <a:picLocks noChangeAspect="1"/>
+          </p:cNvPicPr>
+          <p:nvPr/>
+        </p:nvPicPr>
+        <p:blipFill>
+          <a:blip r:embed="rId5">
+            <a:extLst>
+              <a:ext uri="{28A0092B-C50C-407E-A947-70E740481C1C}">
+                <a14:useLocalDpi xmlns:a14="http://schemas.microsoft.com/office/drawing/2010/main" val="0"/>
+              </a:ext>
+            </a:extLst>
+          </a:blip>
+          <a:stretch>
+            <a:fillRect/>
+          </a:stretch>
+        </p:blipFill>
+        <p:spPr>
+          <a:xfrm>
+            <a:off x="2504880" y="2793271"/>
+            <a:ext cx="1261023" cy="1261023"/>
+          </a:xfrm>
+          <a:prstGeom prst="rect">
+            <a:avLst/>
+          </a:prstGeom>
+        </p:spPr>
+      </p:pic>
+      <p:pic>
+        <p:nvPicPr>
+          <p:cNvPr id="34" name="Imagen 33">
+            <a:extLst>
+              <a:ext uri="{FF2B5EF4-FFF2-40B4-BE49-F238E27FC236}">
+                <a16:creationId xmlns:a16="http://schemas.microsoft.com/office/drawing/2014/main" id="{D5373405-370D-4726-B8B1-4F5BBEB4C1A8}"/>
+              </a:ext>
+            </a:extLst>
+          </p:cNvPr>
+          <p:cNvPicPr>
+            <a:picLocks noChangeAspect="1"/>
+          </p:cNvPicPr>
+          <p:nvPr/>
+        </p:nvPicPr>
+        <p:blipFill>
+          <a:blip r:embed="rId6">
+            <a:extLst>
+              <a:ext uri="{28A0092B-C50C-407E-A947-70E740481C1C}">
+                <a14:useLocalDpi xmlns:a14="http://schemas.microsoft.com/office/drawing/2010/main" val="0"/>
+              </a:ext>
+            </a:extLst>
+          </a:blip>
+          <a:stretch>
+            <a:fillRect/>
+          </a:stretch>
+        </p:blipFill>
+        <p:spPr>
+          <a:xfrm>
+            <a:off x="5381506" y="2810689"/>
+            <a:ext cx="1261023" cy="1261023"/>
+          </a:xfrm>
+          <a:prstGeom prst="rect">
+            <a:avLst/>
+          </a:prstGeom>
+        </p:spPr>
+      </p:pic>
+      <p:pic>
+        <p:nvPicPr>
+          <p:cNvPr id="36" name="Imagen 35">
+            <a:extLst>
+              <a:ext uri="{FF2B5EF4-FFF2-40B4-BE49-F238E27FC236}">
+                <a16:creationId xmlns:a16="http://schemas.microsoft.com/office/drawing/2014/main" id="{B19B2854-79E6-49AE-9EE7-10B5B987AC9E}"/>
+              </a:ext>
+            </a:extLst>
+          </p:cNvPr>
+          <p:cNvPicPr>
+            <a:picLocks noChangeAspect="1"/>
+          </p:cNvPicPr>
+          <p:nvPr/>
+        </p:nvPicPr>
+        <p:blipFill>
+          <a:blip r:embed="rId7">
+            <a:extLst>
+              <a:ext uri="{28A0092B-C50C-407E-A947-70E740481C1C}">
+                <a14:useLocalDpi xmlns:a14="http://schemas.microsoft.com/office/drawing/2010/main" val="0"/>
+              </a:ext>
+            </a:extLst>
+          </a:blip>
+          <a:stretch>
+            <a:fillRect/>
+          </a:stretch>
+        </p:blipFill>
+        <p:spPr>
+          <a:xfrm>
+            <a:off x="1054398" y="2798487"/>
+            <a:ext cx="1261023" cy="1261023"/>
+          </a:xfrm>
+          <a:prstGeom prst="rect">
+            <a:avLst/>
+          </a:prstGeom>
+        </p:spPr>
+      </p:pic>
+      <p:pic>
+        <p:nvPicPr>
+          <p:cNvPr id="38" name="Imagen 37">
+            <a:extLst>
+              <a:ext uri="{FF2B5EF4-FFF2-40B4-BE49-F238E27FC236}">
+                <a16:creationId xmlns:a16="http://schemas.microsoft.com/office/drawing/2014/main" id="{AEB6062A-683C-488D-8B5B-F295C39BAEDD}"/>
+              </a:ext>
+            </a:extLst>
+          </p:cNvPr>
+          <p:cNvPicPr>
+            <a:picLocks noChangeAspect="1"/>
+          </p:cNvPicPr>
+          <p:nvPr/>
+        </p:nvPicPr>
+        <p:blipFill>
+          <a:blip r:embed="rId8">
+            <a:extLst>
+              <a:ext uri="{28A0092B-C50C-407E-A947-70E740481C1C}">
+                <a14:useLocalDpi xmlns:a14="http://schemas.microsoft.com/office/drawing/2010/main" val="0"/>
+              </a:ext>
+            </a:extLst>
+          </a:blip>
+          <a:stretch>
+            <a:fillRect/>
+          </a:stretch>
+        </p:blipFill>
+        <p:spPr>
+          <a:xfrm>
+            <a:off x="6830375" y="2798488"/>
+            <a:ext cx="1261023" cy="1261023"/>
+          </a:xfrm>
+          <a:prstGeom prst="rect">
+            <a:avLst/>
+          </a:prstGeom>
+        </p:spPr>
+      </p:pic>
+      <p:pic>
+        <p:nvPicPr>
+          <p:cNvPr id="44" name="Imagen 43">
+            <a:extLst>
+              <a:ext uri="{FF2B5EF4-FFF2-40B4-BE49-F238E27FC236}">
+                <a16:creationId xmlns:a16="http://schemas.microsoft.com/office/drawing/2014/main" id="{EE90A8BA-4310-498C-9A8A-91E27E67C8B1}"/>
+              </a:ext>
+            </a:extLst>
+          </p:cNvPr>
+          <p:cNvPicPr>
+            <a:picLocks noChangeAspect="1"/>
+          </p:cNvPicPr>
+          <p:nvPr/>
+        </p:nvPicPr>
+        <p:blipFill>
+          <a:blip r:embed="rId9">
+            <a:extLst>
+              <a:ext uri="{28A0092B-C50C-407E-A947-70E740481C1C}">
+                <a14:useLocalDpi xmlns:a14="http://schemas.microsoft.com/office/drawing/2010/main" val="0"/>
+              </a:ext>
+            </a:extLst>
+          </a:blip>
+          <a:stretch>
+            <a:fillRect/>
+          </a:stretch>
+        </p:blipFill>
+        <p:spPr>
+          <a:xfrm>
+            <a:off x="826590" y="2564904"/>
+            <a:ext cx="1752592" cy="1752592"/>
+          </a:xfrm>
+          <a:prstGeom prst="rect">
+            <a:avLst/>
+          </a:prstGeom>
+        </p:spPr>
+      </p:pic>
+      <p:pic>
+        <p:nvPicPr>
+          <p:cNvPr id="46" name="Imagen 45">
+            <a:extLst>
+              <a:ext uri="{FF2B5EF4-FFF2-40B4-BE49-F238E27FC236}">
+                <a16:creationId xmlns:a16="http://schemas.microsoft.com/office/drawing/2014/main" id="{B2A8F240-7C32-4F7E-8B2E-95AE2067595F}"/>
+              </a:ext>
+            </a:extLst>
+          </p:cNvPr>
+          <p:cNvPicPr>
+            <a:picLocks noChangeAspect="1"/>
+          </p:cNvPicPr>
+          <p:nvPr/>
+        </p:nvPicPr>
+        <p:blipFill>
+          <a:blip r:embed="rId10">
+            <a:extLst>
+              <a:ext uri="{28A0092B-C50C-407E-A947-70E740481C1C}">
+                <a14:useLocalDpi xmlns:a14="http://schemas.microsoft.com/office/drawing/2010/main" val="0"/>
+              </a:ext>
+            </a:extLst>
+          </a:blip>
+          <a:stretch>
+            <a:fillRect/>
+          </a:stretch>
+        </p:blipFill>
+        <p:spPr>
+          <a:xfrm>
+            <a:off x="1392624" y="1582288"/>
+            <a:ext cx="620524" cy="864094"/>
+          </a:xfrm>
+          <a:prstGeom prst="rect">
+            <a:avLst/>
+          </a:prstGeom>
+        </p:spPr>
+      </p:pic>
+      <p:pic>
+        <p:nvPicPr>
+          <p:cNvPr id="48" name="Imagen 47">
+            <a:extLst>
+              <a:ext uri="{FF2B5EF4-FFF2-40B4-BE49-F238E27FC236}">
+                <a16:creationId xmlns:a16="http://schemas.microsoft.com/office/drawing/2014/main" id="{F5D3E3E1-4123-4A2B-9958-AB8B69D27738}"/>
+              </a:ext>
+            </a:extLst>
+          </p:cNvPr>
+          <p:cNvPicPr>
+            <a:picLocks noChangeAspect="1"/>
+          </p:cNvPicPr>
+          <p:nvPr/>
+        </p:nvPicPr>
+        <p:blipFill>
+          <a:blip r:embed="rId9">
+            <a:extLst>
+              <a:ext uri="{28A0092B-C50C-407E-A947-70E740481C1C}">
+                <a14:useLocalDpi xmlns:a14="http://schemas.microsoft.com/office/drawing/2010/main" val="0"/>
+              </a:ext>
+            </a:extLst>
+          </a:blip>
+          <a:stretch>
+            <a:fillRect/>
+          </a:stretch>
+        </p:blipFill>
+        <p:spPr>
+          <a:xfrm>
+            <a:off x="2259095" y="2564904"/>
+            <a:ext cx="1752592" cy="1752592"/>
+          </a:xfrm>
+          <a:prstGeom prst="rect">
+            <a:avLst/>
+          </a:prstGeom>
+        </p:spPr>
+      </p:pic>
+      <p:pic>
+        <p:nvPicPr>
+          <p:cNvPr id="50" name="Imagen 49">
+            <a:extLst>
+              <a:ext uri="{FF2B5EF4-FFF2-40B4-BE49-F238E27FC236}">
+                <a16:creationId xmlns:a16="http://schemas.microsoft.com/office/drawing/2014/main" id="{E450C363-0B14-4B42-B5E8-0C4349AB2F84}"/>
+              </a:ext>
+            </a:extLst>
+          </p:cNvPr>
+          <p:cNvPicPr>
+            <a:picLocks noChangeAspect="1"/>
+          </p:cNvPicPr>
+          <p:nvPr/>
+        </p:nvPicPr>
+        <p:blipFill>
+          <a:blip r:embed="rId9">
+            <a:extLst>
+              <a:ext uri="{28A0092B-C50C-407E-A947-70E740481C1C}">
+                <a14:useLocalDpi xmlns:a14="http://schemas.microsoft.com/office/drawing/2010/main" val="0"/>
+              </a:ext>
+            </a:extLst>
+          </a:blip>
+          <a:stretch>
+            <a:fillRect/>
+          </a:stretch>
+        </p:blipFill>
+        <p:spPr>
+          <a:xfrm>
+            <a:off x="3709781" y="2547486"/>
+            <a:ext cx="1752592" cy="1752592"/>
+          </a:xfrm>
+          <a:prstGeom prst="rect">
+            <a:avLst/>
+          </a:prstGeom>
+        </p:spPr>
+      </p:pic>
+      <p:pic>
+        <p:nvPicPr>
+          <p:cNvPr id="51" name="Imagen 50">
+            <a:extLst>
+              <a:ext uri="{FF2B5EF4-FFF2-40B4-BE49-F238E27FC236}">
+                <a16:creationId xmlns:a16="http://schemas.microsoft.com/office/drawing/2014/main" id="{E2A9F947-BAE0-45D9-8AE9-520C053AF5DF}"/>
+              </a:ext>
+            </a:extLst>
+          </p:cNvPr>
+          <p:cNvPicPr>
+            <a:picLocks noChangeAspect="1"/>
+          </p:cNvPicPr>
+          <p:nvPr/>
+        </p:nvPicPr>
+        <p:blipFill>
+          <a:blip r:embed="rId9">
+            <a:extLst>
+              <a:ext uri="{28A0092B-C50C-407E-A947-70E740481C1C}">
+                <a14:useLocalDpi xmlns:a14="http://schemas.microsoft.com/office/drawing/2010/main" val="0"/>
+              </a:ext>
+            </a:extLst>
+          </a:blip>
+          <a:stretch>
+            <a:fillRect/>
+          </a:stretch>
+        </p:blipFill>
+        <p:spPr>
+          <a:xfrm>
+            <a:off x="5142286" y="2530068"/>
+            <a:ext cx="1752592" cy="1752592"/>
+          </a:xfrm>
+          <a:prstGeom prst="rect">
+            <a:avLst/>
+          </a:prstGeom>
+        </p:spPr>
+      </p:pic>
+      <p:pic>
+        <p:nvPicPr>
+          <p:cNvPr id="52" name="Imagen 51">
+            <a:extLst>
+              <a:ext uri="{FF2B5EF4-FFF2-40B4-BE49-F238E27FC236}">
+                <a16:creationId xmlns:a16="http://schemas.microsoft.com/office/drawing/2014/main" id="{A12CA455-FD6E-4BF3-858D-C9B83AD72B40}"/>
+              </a:ext>
+            </a:extLst>
+          </p:cNvPr>
+          <p:cNvPicPr>
+            <a:picLocks noChangeAspect="1"/>
+          </p:cNvPicPr>
+          <p:nvPr/>
+        </p:nvPicPr>
+        <p:blipFill>
+          <a:blip r:embed="rId11">
+            <a:extLst>
+              <a:ext uri="{28A0092B-C50C-407E-A947-70E740481C1C}">
+                <a14:useLocalDpi xmlns:a14="http://schemas.microsoft.com/office/drawing/2010/main" val="0"/>
+              </a:ext>
+            </a:extLst>
+          </a:blip>
+          <a:stretch>
+            <a:fillRect/>
+          </a:stretch>
+        </p:blipFill>
+        <p:spPr>
+          <a:xfrm>
+            <a:off x="1108962" y="4375647"/>
+            <a:ext cx="1141191" cy="680180"/>
+          </a:xfrm>
+          <a:prstGeom prst="rect">
+            <a:avLst/>
+          </a:prstGeom>
+        </p:spPr>
+      </p:pic>
+      <p:pic>
+        <p:nvPicPr>
+          <p:cNvPr id="53" name="Imagen 52">
+            <a:extLst>
+              <a:ext uri="{FF2B5EF4-FFF2-40B4-BE49-F238E27FC236}">
+                <a16:creationId xmlns:a16="http://schemas.microsoft.com/office/drawing/2014/main" id="{6EF5F573-B698-4D11-B771-4D8009B928D0}"/>
+              </a:ext>
+            </a:extLst>
+          </p:cNvPr>
+          <p:cNvPicPr>
+            <a:picLocks noChangeAspect="1"/>
+          </p:cNvPicPr>
+          <p:nvPr/>
+        </p:nvPicPr>
+        <p:blipFill>
+          <a:blip r:embed="rId11">
+            <a:extLst>
+              <a:ext uri="{28A0092B-C50C-407E-A947-70E740481C1C}">
+                <a14:useLocalDpi xmlns:a14="http://schemas.microsoft.com/office/drawing/2010/main" val="0"/>
+              </a:ext>
+            </a:extLst>
+          </a:blip>
+          <a:stretch>
+            <a:fillRect/>
+          </a:stretch>
+        </p:blipFill>
+        <p:spPr>
+          <a:xfrm>
+            <a:off x="2579182" y="4375647"/>
+            <a:ext cx="1141191" cy="680180"/>
+          </a:xfrm>
+          <a:prstGeom prst="rect">
+            <a:avLst/>
+          </a:prstGeom>
+        </p:spPr>
+      </p:pic>
+      <p:pic>
+        <p:nvPicPr>
+          <p:cNvPr id="54" name="Imagen 53">
+            <a:extLst>
+              <a:ext uri="{FF2B5EF4-FFF2-40B4-BE49-F238E27FC236}">
+                <a16:creationId xmlns:a16="http://schemas.microsoft.com/office/drawing/2014/main" id="{C249B146-471C-48B5-A8E9-BEF3B5F7EFE9}"/>
+              </a:ext>
+            </a:extLst>
+          </p:cNvPr>
+          <p:cNvPicPr>
+            <a:picLocks noChangeAspect="1"/>
+          </p:cNvPicPr>
+          <p:nvPr/>
+        </p:nvPicPr>
+        <p:blipFill>
+          <a:blip r:embed="rId11">
+            <a:extLst>
+              <a:ext uri="{28A0092B-C50C-407E-A947-70E740481C1C}">
+                <a14:useLocalDpi xmlns:a14="http://schemas.microsoft.com/office/drawing/2010/main" val="0"/>
+              </a:ext>
+            </a:extLst>
+          </a:blip>
+          <a:stretch>
+            <a:fillRect/>
+          </a:stretch>
+        </p:blipFill>
+        <p:spPr>
+          <a:xfrm>
+            <a:off x="4044466" y="4334914"/>
+            <a:ext cx="1141191" cy="680180"/>
+          </a:xfrm>
+          <a:prstGeom prst="rect">
+            <a:avLst/>
+          </a:prstGeom>
+        </p:spPr>
+      </p:pic>
+      <p:pic>
+        <p:nvPicPr>
+          <p:cNvPr id="55" name="Imagen 54">
+            <a:extLst>
+              <a:ext uri="{FF2B5EF4-FFF2-40B4-BE49-F238E27FC236}">
+                <a16:creationId xmlns:a16="http://schemas.microsoft.com/office/drawing/2014/main" id="{127DBC73-D4CE-4D58-819D-56E586AE02E6}"/>
+              </a:ext>
+            </a:extLst>
+          </p:cNvPr>
+          <p:cNvPicPr>
+            <a:picLocks noChangeAspect="1"/>
+          </p:cNvPicPr>
+          <p:nvPr/>
+        </p:nvPicPr>
+        <p:blipFill>
+          <a:blip r:embed="rId11">
+            <a:extLst>
+              <a:ext uri="{28A0092B-C50C-407E-A947-70E740481C1C}">
+                <a14:useLocalDpi xmlns:a14="http://schemas.microsoft.com/office/drawing/2010/main" val="0"/>
+              </a:ext>
+            </a:extLst>
+          </a:blip>
+          <a:stretch>
+            <a:fillRect/>
+          </a:stretch>
+        </p:blipFill>
+        <p:spPr>
+          <a:xfrm>
+            <a:off x="5441421" y="4317496"/>
+            <a:ext cx="1141191" cy="680180"/>
+          </a:xfrm>
+          <a:prstGeom prst="rect">
+            <a:avLst/>
+          </a:prstGeom>
+        </p:spPr>
+      </p:pic>
+      <p:pic>
+        <p:nvPicPr>
+          <p:cNvPr id="56" name="Imagen 55">
+            <a:extLst>
+              <a:ext uri="{FF2B5EF4-FFF2-40B4-BE49-F238E27FC236}">
+                <a16:creationId xmlns:a16="http://schemas.microsoft.com/office/drawing/2014/main" id="{15CACF3F-0916-4B88-BCB5-63F100F4C0EC}"/>
+              </a:ext>
+            </a:extLst>
+          </p:cNvPr>
+          <p:cNvPicPr>
+            <a:picLocks noChangeAspect="1"/>
+          </p:cNvPicPr>
+          <p:nvPr/>
+        </p:nvPicPr>
+        <p:blipFill>
+          <a:blip r:embed="rId11">
+            <a:extLst>
+              <a:ext uri="{28A0092B-C50C-407E-A947-70E740481C1C}">
+                <a14:useLocalDpi xmlns:a14="http://schemas.microsoft.com/office/drawing/2010/main" val="0"/>
+              </a:ext>
+            </a:extLst>
+          </a:blip>
+          <a:stretch>
+            <a:fillRect/>
+          </a:stretch>
+        </p:blipFill>
+        <p:spPr>
+          <a:xfrm>
+            <a:off x="6802758" y="4342123"/>
+            <a:ext cx="1141191" cy="680180"/>
+          </a:xfrm>
+          <a:prstGeom prst="rect">
+            <a:avLst/>
+          </a:prstGeom>
+        </p:spPr>
+      </p:pic>
     </p:spTree>
   </p:cSld>
   <p:clrMapOvr>
     <a:masterClrMapping/>
   </p:clrMapOvr>
+  <p:timing>
+    <p:tnLst>
+      <p:par>
+        <p:cTn id="1" dur="indefinite" restart="never" nodeType="tmRoot">
+          <p:childTnLst>
+            <p:seq concurrent="1" nextAc="seek">
+              <p:cTn id="2" dur="indefinite" nodeType="mainSeq">
+                <p:childTnLst>
+                  <p:par>
+                    <p:cTn id="3" fill="hold">
+                      <p:stCondLst>
+                        <p:cond delay="indefinite"/>
+                      </p:stCondLst>
+                      <p:childTnLst>
+                        <p:par>
+                          <p:cTn id="4" fill="hold">
+                            <p:stCondLst>
+                              <p:cond delay="0"/>
+                            </p:stCondLst>
+                            <p:childTnLst>
+                              <p:par>
+                                <p:cTn id="5" presetID="2" presetClass="entr" presetSubtype="8" fill="hold" nodeType="clickEffect">
+                                  <p:stCondLst>
+                                    <p:cond delay="0"/>
+                                  </p:stCondLst>
+                                  <p:childTnLst>
+                                    <p:set>
+                                      <p:cBhvr>
+                                        <p:cTn id="6" dur="1" fill="hold">
+                                          <p:stCondLst>
+                                            <p:cond delay="0"/>
+                                          </p:stCondLst>
+                                        </p:cTn>
+                                        <p:tgtEl>
+                                          <p:spTgt spid="46"/>
+                                        </p:tgtEl>
+                                        <p:attrNameLst>
+                                          <p:attrName>style.visibility</p:attrName>
+                                        </p:attrNameLst>
+                                      </p:cBhvr>
+                                      <p:to>
+                                        <p:strVal val="visible"/>
+                                      </p:to>
+                                    </p:set>
+                                    <p:anim calcmode="lin" valueType="num">
+                                      <p:cBhvr additive="base">
+                                        <p:cTn id="7" dur="500" fill="hold"/>
+                                        <p:tgtEl>
+                                          <p:spTgt spid="46"/>
+                                        </p:tgtEl>
+                                        <p:attrNameLst>
+                                          <p:attrName>ppt_x</p:attrName>
+                                        </p:attrNameLst>
+                                      </p:cBhvr>
+                                      <p:tavLst>
+                                        <p:tav tm="0">
+                                          <p:val>
+                                            <p:strVal val="0-#ppt_w/2"/>
+                                          </p:val>
+                                        </p:tav>
+                                        <p:tav tm="100000">
+                                          <p:val>
+                                            <p:strVal val="#ppt_x"/>
+                                          </p:val>
+                                        </p:tav>
+                                      </p:tavLst>
+                                    </p:anim>
+                                    <p:anim calcmode="lin" valueType="num">
+                                      <p:cBhvr additive="base">
+                                        <p:cTn id="8" dur="500" fill="hold"/>
+                                        <p:tgtEl>
+                                          <p:spTgt spid="46"/>
+                                        </p:tgtEl>
+                                        <p:attrNameLst>
+                                          <p:attrName>ppt_y</p:attrName>
+                                        </p:attrNameLst>
+                                      </p:cBhvr>
+                                      <p:tavLst>
+                                        <p:tav tm="0">
+                                          <p:val>
+                                            <p:strVal val="#ppt_y"/>
+                                          </p:val>
+                                        </p:tav>
+                                        <p:tav tm="100000">
+                                          <p:val>
+                                            <p:strVal val="#ppt_y"/>
+                                          </p:val>
+                                        </p:tav>
+                                      </p:tavLst>
+                                    </p:anim>
+                                  </p:childTnLst>
+                                </p:cTn>
+                              </p:par>
+                            </p:childTnLst>
+                          </p:cTn>
+                        </p:par>
+                      </p:childTnLst>
+                    </p:cTn>
+                  </p:par>
+                  <p:par>
+                    <p:cTn id="9" fill="hold">
+                      <p:stCondLst>
+                        <p:cond delay="indefinite"/>
+                      </p:stCondLst>
+                      <p:childTnLst>
+                        <p:par>
+                          <p:cTn id="10" fill="hold">
+                            <p:stCondLst>
+                              <p:cond delay="0"/>
+                            </p:stCondLst>
+                            <p:childTnLst>
+                              <p:par>
+                                <p:cTn id="11" presetID="2" presetClass="entr" presetSubtype="8" fill="hold" nodeType="clickEffect">
+                                  <p:stCondLst>
+                                    <p:cond delay="0"/>
+                                  </p:stCondLst>
+                                  <p:childTnLst>
+                                    <p:set>
+                                      <p:cBhvr>
+                                        <p:cTn id="12" dur="1" fill="hold">
+                                          <p:stCondLst>
+                                            <p:cond delay="0"/>
+                                          </p:stCondLst>
+                                        </p:cTn>
+                                        <p:tgtEl>
+                                          <p:spTgt spid="44"/>
+                                        </p:tgtEl>
+                                        <p:attrNameLst>
+                                          <p:attrName>style.visibility</p:attrName>
+                                        </p:attrNameLst>
+                                      </p:cBhvr>
+                                      <p:to>
+                                        <p:strVal val="visible"/>
+                                      </p:to>
+                                    </p:set>
+                                    <p:anim calcmode="lin" valueType="num">
+                                      <p:cBhvr additive="base">
+                                        <p:cTn id="13" dur="500" fill="hold"/>
+                                        <p:tgtEl>
+                                          <p:spTgt spid="44"/>
+                                        </p:tgtEl>
+                                        <p:attrNameLst>
+                                          <p:attrName>ppt_x</p:attrName>
+                                        </p:attrNameLst>
+                                      </p:cBhvr>
+                                      <p:tavLst>
+                                        <p:tav tm="0">
+                                          <p:val>
+                                            <p:strVal val="0-#ppt_w/2"/>
+                                          </p:val>
+                                        </p:tav>
+                                        <p:tav tm="100000">
+                                          <p:val>
+                                            <p:strVal val="#ppt_x"/>
+                                          </p:val>
+                                        </p:tav>
+                                      </p:tavLst>
+                                    </p:anim>
+                                    <p:anim calcmode="lin" valueType="num">
+                                      <p:cBhvr additive="base">
+                                        <p:cTn id="14" dur="500" fill="hold"/>
+                                        <p:tgtEl>
+                                          <p:spTgt spid="44"/>
+                                        </p:tgtEl>
+                                        <p:attrNameLst>
+                                          <p:attrName>ppt_y</p:attrName>
+                                        </p:attrNameLst>
+                                      </p:cBhvr>
+                                      <p:tavLst>
+                                        <p:tav tm="0">
+                                          <p:val>
+                                            <p:strVal val="#ppt_y"/>
+                                          </p:val>
+                                        </p:tav>
+                                        <p:tav tm="100000">
+                                          <p:val>
+                                            <p:strVal val="#ppt_y"/>
+                                          </p:val>
+                                        </p:tav>
+                                      </p:tavLst>
+                                    </p:anim>
+                                  </p:childTnLst>
+                                </p:cTn>
+                              </p:par>
+                            </p:childTnLst>
+                          </p:cTn>
+                        </p:par>
+                      </p:childTnLst>
+                    </p:cTn>
+                  </p:par>
+                  <p:par>
+                    <p:cTn id="15" fill="hold">
+                      <p:stCondLst>
+                        <p:cond delay="indefinite"/>
+                      </p:stCondLst>
+                      <p:childTnLst>
+                        <p:par>
+                          <p:cTn id="16" fill="hold">
+                            <p:stCondLst>
+                              <p:cond delay="0"/>
+                            </p:stCondLst>
+                            <p:childTnLst>
+                              <p:par>
+                                <p:cTn id="17" presetID="63" presetClass="path" presetSubtype="0" accel="50000" decel="50000" fill="hold" nodeType="clickEffect">
+                                  <p:stCondLst>
+                                    <p:cond delay="0"/>
+                                  </p:stCondLst>
+                                  <p:childTnLst>
+                                    <p:animMotion origin="layout" path="M -4.72222E-6 -1.85185E-6 L 0.15625 -1.85185E-6 " pathEditMode="fixed" rAng="0" ptsTypes="AA">
+                                      <p:cBhvr>
+                                        <p:cTn id="18" dur="1000" fill="hold"/>
+                                        <p:tgtEl>
+                                          <p:spTgt spid="44"/>
+                                        </p:tgtEl>
+                                        <p:attrNameLst>
+                                          <p:attrName>ppt_x</p:attrName>
+                                          <p:attrName>ppt_y</p:attrName>
+                                        </p:attrNameLst>
+                                      </p:cBhvr>
+                                      <p:rCtr x="7813" y="0"/>
+                                    </p:animMotion>
+                                  </p:childTnLst>
+                                </p:cTn>
+                              </p:par>
+                            </p:childTnLst>
+                          </p:cTn>
+                        </p:par>
+                      </p:childTnLst>
+                    </p:cTn>
+                  </p:par>
+                  <p:par>
+                    <p:cTn id="19" fill="hold">
+                      <p:stCondLst>
+                        <p:cond delay="indefinite"/>
+                      </p:stCondLst>
+                      <p:childTnLst>
+                        <p:par>
+                          <p:cTn id="20" fill="hold">
+                            <p:stCondLst>
+                              <p:cond delay="0"/>
+                            </p:stCondLst>
+                            <p:childTnLst>
+                              <p:par>
+                                <p:cTn id="21" presetID="63" presetClass="path" presetSubtype="0" accel="50000" decel="50000" fill="hold" nodeType="clickEffect">
+                                  <p:stCondLst>
+                                    <p:cond delay="0"/>
+                                  </p:stCondLst>
+                                  <p:childTnLst>
+                                    <p:animMotion origin="layout" path="M 0.15625 -1.85185E-6 L 0.31372 -1.85185E-6 " pathEditMode="fixed" rAng="0" ptsTypes="AA">
+                                      <p:cBhvr>
+                                        <p:cTn id="22" dur="1000" fill="hold"/>
+                                        <p:tgtEl>
+                                          <p:spTgt spid="44"/>
+                                        </p:tgtEl>
+                                        <p:attrNameLst>
+                                          <p:attrName>ppt_x</p:attrName>
+                                          <p:attrName>ppt_y</p:attrName>
+                                        </p:attrNameLst>
+                                      </p:cBhvr>
+                                      <p:rCtr x="8264" y="0"/>
+                                    </p:animMotion>
+                                  </p:childTnLst>
+                                </p:cTn>
+                              </p:par>
+                            </p:childTnLst>
+                          </p:cTn>
+                        </p:par>
+                      </p:childTnLst>
+                    </p:cTn>
+                  </p:par>
+                  <p:par>
+                    <p:cTn id="23" fill="hold">
+                      <p:stCondLst>
+                        <p:cond delay="indefinite"/>
+                      </p:stCondLst>
+                      <p:childTnLst>
+                        <p:par>
+                          <p:cTn id="24" fill="hold">
+                            <p:stCondLst>
+                              <p:cond delay="0"/>
+                            </p:stCondLst>
+                            <p:childTnLst>
+                              <p:par>
+                                <p:cTn id="25" presetID="10" presetClass="exit" presetSubtype="0" fill="hold" nodeType="clickEffect">
+                                  <p:stCondLst>
+                                    <p:cond delay="0"/>
+                                  </p:stCondLst>
+                                  <p:childTnLst>
+                                    <p:animEffect transition="out" filter="fade">
+                                      <p:cBhvr>
+                                        <p:cTn id="26" dur="500"/>
+                                        <p:tgtEl>
+                                          <p:spTgt spid="44"/>
+                                        </p:tgtEl>
+                                      </p:cBhvr>
+                                    </p:animEffect>
+                                    <p:set>
+                                      <p:cBhvr>
+                                        <p:cTn id="27" dur="1" fill="hold">
+                                          <p:stCondLst>
+                                            <p:cond delay="499"/>
+                                          </p:stCondLst>
+                                        </p:cTn>
+                                        <p:tgtEl>
+                                          <p:spTgt spid="44"/>
+                                        </p:tgtEl>
+                                        <p:attrNameLst>
+                                          <p:attrName>style.visibility</p:attrName>
+                                        </p:attrNameLst>
+                                      </p:cBhvr>
+                                      <p:to>
+                                        <p:strVal val="hidden"/>
+                                      </p:to>
+                                    </p:set>
+                                  </p:childTnLst>
+                                </p:cTn>
+                              </p:par>
+                            </p:childTnLst>
+                          </p:cTn>
+                        </p:par>
+                        <p:par>
+                          <p:cTn id="28" fill="hold">
+                            <p:stCondLst>
+                              <p:cond delay="500"/>
+                            </p:stCondLst>
+                            <p:childTnLst>
+                              <p:par>
+                                <p:cTn id="29" presetID="63" presetClass="path" presetSubtype="0" accel="50000" decel="50000" fill="hold" nodeType="afterEffect">
+                                  <p:stCondLst>
+                                    <p:cond delay="0"/>
+                                  </p:stCondLst>
+                                  <p:childTnLst>
+                                    <p:animMotion origin="layout" path="M -1.38889E-6 0 L 0.3158 0 " pathEditMode="relative" rAng="0" ptsTypes="AA">
+                                      <p:cBhvr>
+                                        <p:cTn id="30" dur="1000" fill="hold"/>
+                                        <p:tgtEl>
+                                          <p:spTgt spid="36"/>
+                                        </p:tgtEl>
+                                        <p:attrNameLst>
+                                          <p:attrName>ppt_x</p:attrName>
+                                          <p:attrName>ppt_y</p:attrName>
+                                        </p:attrNameLst>
+                                      </p:cBhvr>
+                                      <p:rCtr x="15781" y="0"/>
+                                    </p:animMotion>
+                                  </p:childTnLst>
+                                </p:cTn>
+                              </p:par>
+                              <p:par>
+                                <p:cTn id="31" presetID="35" presetClass="path" presetSubtype="0" accel="50000" decel="50000" fill="hold" nodeType="withEffect">
+                                  <p:stCondLst>
+                                    <p:cond delay="0"/>
+                                  </p:stCondLst>
+                                  <p:childTnLst>
+                                    <p:animMotion origin="layout" path="M 3.61111E-6 4.44444E-6 L -0.31354 0.00255 " pathEditMode="relative" rAng="0" ptsTypes="AA">
+                                      <p:cBhvr>
+                                        <p:cTn id="32" dur="1000" fill="hold"/>
+                                        <p:tgtEl>
+                                          <p:spTgt spid="30"/>
+                                        </p:tgtEl>
+                                        <p:attrNameLst>
+                                          <p:attrName>ppt_x</p:attrName>
+                                          <p:attrName>ppt_y</p:attrName>
+                                        </p:attrNameLst>
+                                      </p:cBhvr>
+                                      <p:rCtr x="-15747" y="0"/>
+                                    </p:animMotion>
+                                  </p:childTnLst>
+                                </p:cTn>
+                              </p:par>
+                            </p:childTnLst>
+                          </p:cTn>
+                        </p:par>
+                      </p:childTnLst>
+                    </p:cTn>
+                  </p:par>
+                  <p:par>
+                    <p:cTn id="33" fill="hold">
+                      <p:stCondLst>
+                        <p:cond delay="indefinite"/>
+                      </p:stCondLst>
+                      <p:childTnLst>
+                        <p:par>
+                          <p:cTn id="34" fill="hold">
+                            <p:stCondLst>
+                              <p:cond delay="0"/>
+                            </p:stCondLst>
+                            <p:childTnLst>
+                              <p:par>
+                                <p:cTn id="35" presetID="63" presetClass="path" presetSubtype="0" accel="50000" decel="50000" fill="hold" nodeType="clickEffect">
+                                  <p:stCondLst>
+                                    <p:cond delay="0"/>
+                                  </p:stCondLst>
+                                  <p:childTnLst>
+                                    <p:animMotion origin="layout" path="M -1.11111E-6 0 L 0.15642 0 " pathEditMode="relative" rAng="0" ptsTypes="AA">
+                                      <p:cBhvr>
+                                        <p:cTn id="36" dur="1000" fill="hold"/>
+                                        <p:tgtEl>
+                                          <p:spTgt spid="46"/>
+                                        </p:tgtEl>
+                                        <p:attrNameLst>
+                                          <p:attrName>ppt_x</p:attrName>
+                                          <p:attrName>ppt_y</p:attrName>
+                                        </p:attrNameLst>
+                                      </p:cBhvr>
+                                      <p:rCtr x="7813" y="0"/>
+                                    </p:animMotion>
+                                  </p:childTnLst>
+                                </p:cTn>
+                              </p:par>
+                              <p:par>
+                                <p:cTn id="37" presetID="10" presetClass="entr" presetSubtype="0" fill="hold" nodeType="withEffect">
+                                  <p:stCondLst>
+                                    <p:cond delay="0"/>
+                                  </p:stCondLst>
+                                  <p:childTnLst>
+                                    <p:set>
+                                      <p:cBhvr>
+                                        <p:cTn id="38" dur="1" fill="hold">
+                                          <p:stCondLst>
+                                            <p:cond delay="0"/>
+                                          </p:stCondLst>
+                                        </p:cTn>
+                                        <p:tgtEl>
+                                          <p:spTgt spid="52"/>
+                                        </p:tgtEl>
+                                        <p:attrNameLst>
+                                          <p:attrName>style.visibility</p:attrName>
+                                        </p:attrNameLst>
+                                      </p:cBhvr>
+                                      <p:to>
+                                        <p:strVal val="visible"/>
+                                      </p:to>
+                                    </p:set>
+                                    <p:animEffect transition="in" filter="fade">
+                                      <p:cBhvr>
+                                        <p:cTn id="39" dur="500"/>
+                                        <p:tgtEl>
+                                          <p:spTgt spid="52"/>
+                                        </p:tgtEl>
+                                      </p:cBhvr>
+                                    </p:animEffect>
+                                  </p:childTnLst>
+                                </p:cTn>
+                              </p:par>
+                            </p:childTnLst>
+                          </p:cTn>
+                        </p:par>
+                      </p:childTnLst>
+                    </p:cTn>
+                  </p:par>
+                  <p:par>
+                    <p:cTn id="40" fill="hold">
+                      <p:stCondLst>
+                        <p:cond delay="indefinite"/>
+                      </p:stCondLst>
+                      <p:childTnLst>
+                        <p:par>
+                          <p:cTn id="41" fill="hold">
+                            <p:stCondLst>
+                              <p:cond delay="0"/>
+                            </p:stCondLst>
+                            <p:childTnLst>
+                              <p:par>
+                                <p:cTn id="42" presetID="2" presetClass="entr" presetSubtype="8" fill="hold" nodeType="clickEffect">
+                                  <p:stCondLst>
+                                    <p:cond delay="0"/>
+                                  </p:stCondLst>
+                                  <p:childTnLst>
+                                    <p:set>
+                                      <p:cBhvr>
+                                        <p:cTn id="43" dur="1" fill="hold">
+                                          <p:stCondLst>
+                                            <p:cond delay="0"/>
+                                          </p:stCondLst>
+                                        </p:cTn>
+                                        <p:tgtEl>
+                                          <p:spTgt spid="48"/>
+                                        </p:tgtEl>
+                                        <p:attrNameLst>
+                                          <p:attrName>style.visibility</p:attrName>
+                                        </p:attrNameLst>
+                                      </p:cBhvr>
+                                      <p:to>
+                                        <p:strVal val="visible"/>
+                                      </p:to>
+                                    </p:set>
+                                    <p:anim calcmode="lin" valueType="num">
+                                      <p:cBhvr additive="base">
+                                        <p:cTn id="44" dur="500" fill="hold"/>
+                                        <p:tgtEl>
+                                          <p:spTgt spid="48"/>
+                                        </p:tgtEl>
+                                        <p:attrNameLst>
+                                          <p:attrName>ppt_x</p:attrName>
+                                        </p:attrNameLst>
+                                      </p:cBhvr>
+                                      <p:tavLst>
+                                        <p:tav tm="0">
+                                          <p:val>
+                                            <p:strVal val="0-#ppt_w/2"/>
+                                          </p:val>
+                                        </p:tav>
+                                        <p:tav tm="100000">
+                                          <p:val>
+                                            <p:strVal val="#ppt_x"/>
+                                          </p:val>
+                                        </p:tav>
+                                      </p:tavLst>
+                                    </p:anim>
+                                    <p:anim calcmode="lin" valueType="num">
+                                      <p:cBhvr additive="base">
+                                        <p:cTn id="45" dur="500" fill="hold"/>
+                                        <p:tgtEl>
+                                          <p:spTgt spid="48"/>
+                                        </p:tgtEl>
+                                        <p:attrNameLst>
+                                          <p:attrName>ppt_y</p:attrName>
+                                        </p:attrNameLst>
+                                      </p:cBhvr>
+                                      <p:tavLst>
+                                        <p:tav tm="0">
+                                          <p:val>
+                                            <p:strVal val="#ppt_y"/>
+                                          </p:val>
+                                        </p:tav>
+                                        <p:tav tm="100000">
+                                          <p:val>
+                                            <p:strVal val="#ppt_y"/>
+                                          </p:val>
+                                        </p:tav>
+                                      </p:tavLst>
+                                    </p:anim>
+                                  </p:childTnLst>
+                                </p:cTn>
+                              </p:par>
+                            </p:childTnLst>
+                          </p:cTn>
+                        </p:par>
+                      </p:childTnLst>
+                    </p:cTn>
+                  </p:par>
+                  <p:par>
+                    <p:cTn id="46" fill="hold">
+                      <p:stCondLst>
+                        <p:cond delay="indefinite"/>
+                      </p:stCondLst>
+                      <p:childTnLst>
+                        <p:par>
+                          <p:cTn id="47" fill="hold">
+                            <p:stCondLst>
+                              <p:cond delay="0"/>
+                            </p:stCondLst>
+                            <p:childTnLst>
+                              <p:par>
+                                <p:cTn id="48" presetID="10" presetClass="exit" presetSubtype="0" fill="hold" nodeType="clickEffect">
+                                  <p:stCondLst>
+                                    <p:cond delay="0"/>
+                                  </p:stCondLst>
+                                  <p:childTnLst>
+                                    <p:animEffect transition="out" filter="fade">
+                                      <p:cBhvr>
+                                        <p:cTn id="49" dur="500"/>
+                                        <p:tgtEl>
+                                          <p:spTgt spid="48"/>
+                                        </p:tgtEl>
+                                      </p:cBhvr>
+                                    </p:animEffect>
+                                    <p:set>
+                                      <p:cBhvr>
+                                        <p:cTn id="50" dur="1" fill="hold">
+                                          <p:stCondLst>
+                                            <p:cond delay="499"/>
+                                          </p:stCondLst>
+                                        </p:cTn>
+                                        <p:tgtEl>
+                                          <p:spTgt spid="48"/>
+                                        </p:tgtEl>
+                                        <p:attrNameLst>
+                                          <p:attrName>style.visibility</p:attrName>
+                                        </p:attrNameLst>
+                                      </p:cBhvr>
+                                      <p:to>
+                                        <p:strVal val="hidden"/>
+                                      </p:to>
+                                    </p:set>
+                                  </p:childTnLst>
+                                </p:cTn>
+                              </p:par>
+                            </p:childTnLst>
+                          </p:cTn>
+                        </p:par>
+                      </p:childTnLst>
+                    </p:cTn>
+                  </p:par>
+                  <p:par>
+                    <p:cTn id="51" fill="hold">
+                      <p:stCondLst>
+                        <p:cond delay="indefinite"/>
+                      </p:stCondLst>
+                      <p:childTnLst>
+                        <p:par>
+                          <p:cTn id="52" fill="hold">
+                            <p:stCondLst>
+                              <p:cond delay="0"/>
+                            </p:stCondLst>
+                            <p:childTnLst>
+                              <p:par>
+                                <p:cTn id="53" presetID="63" presetClass="path" presetSubtype="0" accel="50000" decel="50000" fill="hold" nodeType="clickEffect">
+                                  <p:stCondLst>
+                                    <p:cond delay="0"/>
+                                  </p:stCondLst>
+                                  <p:childTnLst>
+                                    <p:animMotion origin="layout" path="M 0.15642 0 L 0.31389 0 " pathEditMode="relative" rAng="0" ptsTypes="AA">
+                                      <p:cBhvr>
+                                        <p:cTn id="54" dur="1000" fill="hold"/>
+                                        <p:tgtEl>
+                                          <p:spTgt spid="46"/>
+                                        </p:tgtEl>
+                                        <p:attrNameLst>
+                                          <p:attrName>ppt_x</p:attrName>
+                                          <p:attrName>ppt_y</p:attrName>
+                                        </p:attrNameLst>
+                                      </p:cBhvr>
+                                      <p:rCtr x="7865" y="0"/>
+                                    </p:animMotion>
+                                  </p:childTnLst>
+                                </p:cTn>
+                              </p:par>
+                              <p:par>
+                                <p:cTn id="55" presetID="10" presetClass="entr" presetSubtype="0" fill="hold" nodeType="withEffect">
+                                  <p:stCondLst>
+                                    <p:cond delay="0"/>
+                                  </p:stCondLst>
+                                  <p:childTnLst>
+                                    <p:set>
+                                      <p:cBhvr>
+                                        <p:cTn id="56" dur="1" fill="hold">
+                                          <p:stCondLst>
+                                            <p:cond delay="0"/>
+                                          </p:stCondLst>
+                                        </p:cTn>
+                                        <p:tgtEl>
+                                          <p:spTgt spid="53"/>
+                                        </p:tgtEl>
+                                        <p:attrNameLst>
+                                          <p:attrName>style.visibility</p:attrName>
+                                        </p:attrNameLst>
+                                      </p:cBhvr>
+                                      <p:to>
+                                        <p:strVal val="visible"/>
+                                      </p:to>
+                                    </p:set>
+                                    <p:animEffect transition="in" filter="fade">
+                                      <p:cBhvr>
+                                        <p:cTn id="57" dur="500"/>
+                                        <p:tgtEl>
+                                          <p:spTgt spid="53"/>
+                                        </p:tgtEl>
+                                      </p:cBhvr>
+                                    </p:animEffect>
+                                  </p:childTnLst>
+                                </p:cTn>
+                              </p:par>
+                            </p:childTnLst>
+                          </p:cTn>
+                        </p:par>
+                      </p:childTnLst>
+                    </p:cTn>
+                  </p:par>
+                  <p:par>
+                    <p:cTn id="58" fill="hold">
+                      <p:stCondLst>
+                        <p:cond delay="indefinite"/>
+                      </p:stCondLst>
+                      <p:childTnLst>
+                        <p:par>
+                          <p:cTn id="59" fill="hold">
+                            <p:stCondLst>
+                              <p:cond delay="0"/>
+                            </p:stCondLst>
+                            <p:childTnLst>
+                              <p:par>
+                                <p:cTn id="60" presetID="2" presetClass="entr" presetSubtype="8" fill="hold" nodeType="clickEffect">
+                                  <p:stCondLst>
+                                    <p:cond delay="0"/>
+                                  </p:stCondLst>
+                                  <p:childTnLst>
+                                    <p:set>
+                                      <p:cBhvr>
+                                        <p:cTn id="61" dur="1" fill="hold">
+                                          <p:stCondLst>
+                                            <p:cond delay="0"/>
+                                          </p:stCondLst>
+                                        </p:cTn>
+                                        <p:tgtEl>
+                                          <p:spTgt spid="50"/>
+                                        </p:tgtEl>
+                                        <p:attrNameLst>
+                                          <p:attrName>style.visibility</p:attrName>
+                                        </p:attrNameLst>
+                                      </p:cBhvr>
+                                      <p:to>
+                                        <p:strVal val="visible"/>
+                                      </p:to>
+                                    </p:set>
+                                    <p:anim calcmode="lin" valueType="num">
+                                      <p:cBhvr additive="base">
+                                        <p:cTn id="62" dur="500" fill="hold"/>
+                                        <p:tgtEl>
+                                          <p:spTgt spid="50"/>
+                                        </p:tgtEl>
+                                        <p:attrNameLst>
+                                          <p:attrName>ppt_x</p:attrName>
+                                        </p:attrNameLst>
+                                      </p:cBhvr>
+                                      <p:tavLst>
+                                        <p:tav tm="0">
+                                          <p:val>
+                                            <p:strVal val="0-#ppt_w/2"/>
+                                          </p:val>
+                                        </p:tav>
+                                        <p:tav tm="100000">
+                                          <p:val>
+                                            <p:strVal val="#ppt_x"/>
+                                          </p:val>
+                                        </p:tav>
+                                      </p:tavLst>
+                                    </p:anim>
+                                    <p:anim calcmode="lin" valueType="num">
+                                      <p:cBhvr additive="base">
+                                        <p:cTn id="63" dur="500" fill="hold"/>
+                                        <p:tgtEl>
+                                          <p:spTgt spid="50"/>
+                                        </p:tgtEl>
+                                        <p:attrNameLst>
+                                          <p:attrName>ppt_y</p:attrName>
+                                        </p:attrNameLst>
+                                      </p:cBhvr>
+                                      <p:tavLst>
+                                        <p:tav tm="0">
+                                          <p:val>
+                                            <p:strVal val="#ppt_y"/>
+                                          </p:val>
+                                        </p:tav>
+                                        <p:tav tm="100000">
+                                          <p:val>
+                                            <p:strVal val="#ppt_y"/>
+                                          </p:val>
+                                        </p:tav>
+                                      </p:tavLst>
+                                    </p:anim>
+                                  </p:childTnLst>
+                                </p:cTn>
+                              </p:par>
+                            </p:childTnLst>
+                          </p:cTn>
+                        </p:par>
+                      </p:childTnLst>
+                    </p:cTn>
+                  </p:par>
+                  <p:par>
+                    <p:cTn id="64" fill="hold">
+                      <p:stCondLst>
+                        <p:cond delay="indefinite"/>
+                      </p:stCondLst>
+                      <p:childTnLst>
+                        <p:par>
+                          <p:cTn id="65" fill="hold">
+                            <p:stCondLst>
+                              <p:cond delay="0"/>
+                            </p:stCondLst>
+                            <p:childTnLst>
+                              <p:par>
+                                <p:cTn id="66" presetID="63" presetClass="path" presetSubtype="0" accel="50000" decel="50000" fill="hold" nodeType="clickEffect">
+                                  <p:stCondLst>
+                                    <p:cond delay="0"/>
+                                  </p:stCondLst>
+                                  <p:childTnLst>
+                                    <p:animMotion origin="layout" path="M -2.5E-6 4.44444E-6 L 0.15591 4.44444E-6 " pathEditMode="relative" rAng="0" ptsTypes="AA">
+                                      <p:cBhvr>
+                                        <p:cTn id="67" dur="1000" fill="hold"/>
+                                        <p:tgtEl>
+                                          <p:spTgt spid="50"/>
+                                        </p:tgtEl>
+                                        <p:attrNameLst>
+                                          <p:attrName>ppt_x</p:attrName>
+                                          <p:attrName>ppt_y</p:attrName>
+                                        </p:attrNameLst>
+                                      </p:cBhvr>
+                                      <p:rCtr x="7795" y="0"/>
+                                    </p:animMotion>
+                                  </p:childTnLst>
+                                </p:cTn>
+                              </p:par>
+                            </p:childTnLst>
+                          </p:cTn>
+                        </p:par>
+                      </p:childTnLst>
+                    </p:cTn>
+                  </p:par>
+                  <p:par>
+                    <p:cTn id="68" fill="hold">
+                      <p:stCondLst>
+                        <p:cond delay="indefinite"/>
+                      </p:stCondLst>
+                      <p:childTnLst>
+                        <p:par>
+                          <p:cTn id="69" fill="hold">
+                            <p:stCondLst>
+                              <p:cond delay="0"/>
+                            </p:stCondLst>
+                            <p:childTnLst>
+                              <p:par>
+                                <p:cTn id="70" presetID="10" presetClass="exit" presetSubtype="0" fill="hold" nodeType="clickEffect">
+                                  <p:stCondLst>
+                                    <p:cond delay="0"/>
+                                  </p:stCondLst>
+                                  <p:childTnLst>
+                                    <p:animEffect transition="out" filter="fade">
+                                      <p:cBhvr>
+                                        <p:cTn id="71" dur="500"/>
+                                        <p:tgtEl>
+                                          <p:spTgt spid="50"/>
+                                        </p:tgtEl>
+                                      </p:cBhvr>
+                                    </p:animEffect>
+                                    <p:set>
+                                      <p:cBhvr>
+                                        <p:cTn id="72" dur="1" fill="hold">
+                                          <p:stCondLst>
+                                            <p:cond delay="499"/>
+                                          </p:stCondLst>
+                                        </p:cTn>
+                                        <p:tgtEl>
+                                          <p:spTgt spid="50"/>
+                                        </p:tgtEl>
+                                        <p:attrNameLst>
+                                          <p:attrName>style.visibility</p:attrName>
+                                        </p:attrNameLst>
+                                      </p:cBhvr>
+                                      <p:to>
+                                        <p:strVal val="hidden"/>
+                                      </p:to>
+                                    </p:set>
+                                  </p:childTnLst>
+                                </p:cTn>
+                              </p:par>
+                            </p:childTnLst>
+                          </p:cTn>
+                        </p:par>
+                      </p:childTnLst>
+                    </p:cTn>
+                  </p:par>
+                  <p:par>
+                    <p:cTn id="73" fill="hold">
+                      <p:stCondLst>
+                        <p:cond delay="indefinite"/>
+                      </p:stCondLst>
+                      <p:childTnLst>
+                        <p:par>
+                          <p:cTn id="74" fill="hold">
+                            <p:stCondLst>
+                              <p:cond delay="0"/>
+                            </p:stCondLst>
+                            <p:childTnLst>
+                              <p:par>
+                                <p:cTn id="75" presetID="35" presetClass="path" presetSubtype="0" accel="50000" decel="50000" fill="hold" nodeType="clickEffect">
+                                  <p:stCondLst>
+                                    <p:cond delay="0"/>
+                                  </p:stCondLst>
+                                  <p:childTnLst>
+                                    <p:animMotion origin="layout" path="M 4.72222E-6 -1.85185E-6 L -0.15764 -0.00255 " pathEditMode="relative" rAng="0" ptsTypes="AA">
+                                      <p:cBhvr>
+                                        <p:cTn id="76" dur="1000" fill="hold"/>
+                                        <p:tgtEl>
+                                          <p:spTgt spid="34"/>
+                                        </p:tgtEl>
+                                        <p:attrNameLst>
+                                          <p:attrName>ppt_x</p:attrName>
+                                          <p:attrName>ppt_y</p:attrName>
+                                        </p:attrNameLst>
+                                      </p:cBhvr>
+                                      <p:rCtr x="-7795" y="0"/>
+                                    </p:animMotion>
+                                  </p:childTnLst>
+                                </p:cTn>
+                              </p:par>
+                              <p:par>
+                                <p:cTn id="77" presetID="63" presetClass="path" presetSubtype="0" accel="50000" decel="50000" fill="hold" nodeType="withEffect">
+                                  <p:stCondLst>
+                                    <p:cond delay="0"/>
+                                  </p:stCondLst>
+                                  <p:childTnLst>
+                                    <p:animMotion origin="layout" path="M 0.3158 0.00185 L 0.47327 0.00185 " pathEditMode="relative" rAng="0" ptsTypes="AA">
+                                      <p:cBhvr>
+                                        <p:cTn id="78" dur="1000" fill="hold"/>
+                                        <p:tgtEl>
+                                          <p:spTgt spid="36"/>
+                                        </p:tgtEl>
+                                        <p:attrNameLst>
+                                          <p:attrName>ppt_x</p:attrName>
+                                          <p:attrName>ppt_y</p:attrName>
+                                        </p:attrNameLst>
+                                      </p:cBhvr>
+                                      <p:rCtr x="7865" y="0"/>
+                                    </p:animMotion>
+                                  </p:childTnLst>
+                                </p:cTn>
+                              </p:par>
+                            </p:childTnLst>
+                          </p:cTn>
+                        </p:par>
+                      </p:childTnLst>
+                    </p:cTn>
+                  </p:par>
+                  <p:par>
+                    <p:cTn id="79" fill="hold">
+                      <p:stCondLst>
+                        <p:cond delay="indefinite"/>
+                      </p:stCondLst>
+                      <p:childTnLst>
+                        <p:par>
+                          <p:cTn id="80" fill="hold">
+                            <p:stCondLst>
+                              <p:cond delay="0"/>
+                            </p:stCondLst>
+                            <p:childTnLst>
+                              <p:par>
+                                <p:cTn id="81" presetID="63" presetClass="path" presetSubtype="0" accel="50000" decel="50000" fill="hold" nodeType="clickEffect">
+                                  <p:stCondLst>
+                                    <p:cond delay="0"/>
+                                  </p:stCondLst>
+                                  <p:childTnLst>
+                                    <p:animMotion origin="layout" path="M 0.31389 0 L 0.47136 0 " pathEditMode="relative" rAng="0" ptsTypes="AA">
+                                      <p:cBhvr>
+                                        <p:cTn id="82" dur="1000" fill="hold"/>
+                                        <p:tgtEl>
+                                          <p:spTgt spid="46"/>
+                                        </p:tgtEl>
+                                        <p:attrNameLst>
+                                          <p:attrName>ppt_x</p:attrName>
+                                          <p:attrName>ppt_y</p:attrName>
+                                        </p:attrNameLst>
+                                      </p:cBhvr>
+                                      <p:rCtr x="7882" y="0"/>
+                                    </p:animMotion>
+                                  </p:childTnLst>
+                                </p:cTn>
+                              </p:par>
+                              <p:par>
+                                <p:cTn id="83" presetID="10" presetClass="entr" presetSubtype="0" fill="hold" nodeType="withEffect">
+                                  <p:stCondLst>
+                                    <p:cond delay="0"/>
+                                  </p:stCondLst>
+                                  <p:childTnLst>
+                                    <p:set>
+                                      <p:cBhvr>
+                                        <p:cTn id="84" dur="1" fill="hold">
+                                          <p:stCondLst>
+                                            <p:cond delay="0"/>
+                                          </p:stCondLst>
+                                        </p:cTn>
+                                        <p:tgtEl>
+                                          <p:spTgt spid="54"/>
+                                        </p:tgtEl>
+                                        <p:attrNameLst>
+                                          <p:attrName>style.visibility</p:attrName>
+                                        </p:attrNameLst>
+                                      </p:cBhvr>
+                                      <p:to>
+                                        <p:strVal val="visible"/>
+                                      </p:to>
+                                    </p:set>
+                                    <p:animEffect transition="in" filter="fade">
+                                      <p:cBhvr>
+                                        <p:cTn id="85" dur="500"/>
+                                        <p:tgtEl>
+                                          <p:spTgt spid="54"/>
+                                        </p:tgtEl>
+                                      </p:cBhvr>
+                                    </p:animEffect>
+                                  </p:childTnLst>
+                                </p:cTn>
+                              </p:par>
+                            </p:childTnLst>
+                          </p:cTn>
+                        </p:par>
+                      </p:childTnLst>
+                    </p:cTn>
+                  </p:par>
+                  <p:par>
+                    <p:cTn id="86" fill="hold">
+                      <p:stCondLst>
+                        <p:cond delay="indefinite"/>
+                      </p:stCondLst>
+                      <p:childTnLst>
+                        <p:par>
+                          <p:cTn id="87" fill="hold">
+                            <p:stCondLst>
+                              <p:cond delay="0"/>
+                            </p:stCondLst>
+                            <p:childTnLst>
+                              <p:par>
+                                <p:cTn id="88" presetID="2" presetClass="entr" presetSubtype="8" fill="hold" nodeType="clickEffect">
+                                  <p:stCondLst>
+                                    <p:cond delay="0"/>
+                                  </p:stCondLst>
+                                  <p:childTnLst>
+                                    <p:set>
+                                      <p:cBhvr>
+                                        <p:cTn id="89" dur="1" fill="hold">
+                                          <p:stCondLst>
+                                            <p:cond delay="0"/>
+                                          </p:stCondLst>
+                                        </p:cTn>
+                                        <p:tgtEl>
+                                          <p:spTgt spid="51"/>
+                                        </p:tgtEl>
+                                        <p:attrNameLst>
+                                          <p:attrName>style.visibility</p:attrName>
+                                        </p:attrNameLst>
+                                      </p:cBhvr>
+                                      <p:to>
+                                        <p:strVal val="visible"/>
+                                      </p:to>
+                                    </p:set>
+                                    <p:anim calcmode="lin" valueType="num">
+                                      <p:cBhvr additive="base">
+                                        <p:cTn id="90" dur="500" fill="hold"/>
+                                        <p:tgtEl>
+                                          <p:spTgt spid="51"/>
+                                        </p:tgtEl>
+                                        <p:attrNameLst>
+                                          <p:attrName>ppt_x</p:attrName>
+                                        </p:attrNameLst>
+                                      </p:cBhvr>
+                                      <p:tavLst>
+                                        <p:tav tm="0">
+                                          <p:val>
+                                            <p:strVal val="0-#ppt_w/2"/>
+                                          </p:val>
+                                        </p:tav>
+                                        <p:tav tm="100000">
+                                          <p:val>
+                                            <p:strVal val="#ppt_x"/>
+                                          </p:val>
+                                        </p:tav>
+                                      </p:tavLst>
+                                    </p:anim>
+                                    <p:anim calcmode="lin" valueType="num">
+                                      <p:cBhvr additive="base">
+                                        <p:cTn id="91" dur="500" fill="hold"/>
+                                        <p:tgtEl>
+                                          <p:spTgt spid="51"/>
+                                        </p:tgtEl>
+                                        <p:attrNameLst>
+                                          <p:attrName>ppt_y</p:attrName>
+                                        </p:attrNameLst>
+                                      </p:cBhvr>
+                                      <p:tavLst>
+                                        <p:tav tm="0">
+                                          <p:val>
+                                            <p:strVal val="#ppt_y"/>
+                                          </p:val>
+                                        </p:tav>
+                                        <p:tav tm="100000">
+                                          <p:val>
+                                            <p:strVal val="#ppt_y"/>
+                                          </p:val>
+                                        </p:tav>
+                                      </p:tavLst>
+                                    </p:anim>
+                                  </p:childTnLst>
+                                </p:cTn>
+                              </p:par>
+                            </p:childTnLst>
+                          </p:cTn>
+                        </p:par>
+                      </p:childTnLst>
+                    </p:cTn>
+                  </p:par>
+                  <p:par>
+                    <p:cTn id="92" fill="hold">
+                      <p:stCondLst>
+                        <p:cond delay="indefinite"/>
+                      </p:stCondLst>
+                      <p:childTnLst>
+                        <p:par>
+                          <p:cTn id="93" fill="hold">
+                            <p:stCondLst>
+                              <p:cond delay="0"/>
+                            </p:stCondLst>
+                            <p:childTnLst>
+                              <p:par>
+                                <p:cTn id="94" presetID="10" presetClass="exit" presetSubtype="0" fill="hold" nodeType="clickEffect">
+                                  <p:stCondLst>
+                                    <p:cond delay="0"/>
+                                  </p:stCondLst>
+                                  <p:childTnLst>
+                                    <p:animEffect transition="out" filter="fade">
+                                      <p:cBhvr>
+                                        <p:cTn id="95" dur="500"/>
+                                        <p:tgtEl>
+                                          <p:spTgt spid="51"/>
+                                        </p:tgtEl>
+                                      </p:cBhvr>
+                                    </p:animEffect>
+                                    <p:set>
+                                      <p:cBhvr>
+                                        <p:cTn id="96" dur="1" fill="hold">
+                                          <p:stCondLst>
+                                            <p:cond delay="499"/>
+                                          </p:stCondLst>
+                                        </p:cTn>
+                                        <p:tgtEl>
+                                          <p:spTgt spid="51"/>
+                                        </p:tgtEl>
+                                        <p:attrNameLst>
+                                          <p:attrName>style.visibility</p:attrName>
+                                        </p:attrNameLst>
+                                      </p:cBhvr>
+                                      <p:to>
+                                        <p:strVal val="hidden"/>
+                                      </p:to>
+                                    </p:set>
+                                  </p:childTnLst>
+                                </p:cTn>
+                              </p:par>
+                            </p:childTnLst>
+                          </p:cTn>
+                        </p:par>
+                      </p:childTnLst>
+                    </p:cTn>
+                  </p:par>
+                  <p:par>
+                    <p:cTn id="97" fill="hold">
+                      <p:stCondLst>
+                        <p:cond delay="indefinite"/>
+                      </p:stCondLst>
+                      <p:childTnLst>
+                        <p:par>
+                          <p:cTn id="98" fill="hold">
+                            <p:stCondLst>
+                              <p:cond delay="0"/>
+                            </p:stCondLst>
+                            <p:childTnLst>
+                              <p:par>
+                                <p:cTn id="99" presetID="2" presetClass="exit" presetSubtype="2" fill="hold" nodeType="clickEffect">
+                                  <p:stCondLst>
+                                    <p:cond delay="0"/>
+                                  </p:stCondLst>
+                                  <p:childTnLst>
+                                    <p:anim calcmode="lin" valueType="num">
+                                      <p:cBhvr additive="base">
+                                        <p:cTn id="100" dur="500"/>
+                                        <p:tgtEl>
+                                          <p:spTgt spid="46"/>
+                                        </p:tgtEl>
+                                        <p:attrNameLst>
+                                          <p:attrName>ppt_x</p:attrName>
+                                        </p:attrNameLst>
+                                      </p:cBhvr>
+                                      <p:tavLst>
+                                        <p:tav tm="0">
+                                          <p:val>
+                                            <p:strVal val="ppt_x"/>
+                                          </p:val>
+                                        </p:tav>
+                                        <p:tav tm="100000">
+                                          <p:val>
+                                            <p:strVal val="1+ppt_w/2"/>
+                                          </p:val>
+                                        </p:tav>
+                                      </p:tavLst>
+                                    </p:anim>
+                                    <p:anim calcmode="lin" valueType="num">
+                                      <p:cBhvr additive="base">
+                                        <p:cTn id="101" dur="500"/>
+                                        <p:tgtEl>
+                                          <p:spTgt spid="46"/>
+                                        </p:tgtEl>
+                                        <p:attrNameLst>
+                                          <p:attrName>ppt_y</p:attrName>
+                                        </p:attrNameLst>
+                                      </p:cBhvr>
+                                      <p:tavLst>
+                                        <p:tav tm="0">
+                                          <p:val>
+                                            <p:strVal val="ppt_y"/>
+                                          </p:val>
+                                        </p:tav>
+                                        <p:tav tm="100000">
+                                          <p:val>
+                                            <p:strVal val="ppt_y"/>
+                                          </p:val>
+                                        </p:tav>
+                                      </p:tavLst>
+                                    </p:anim>
+                                    <p:set>
+                                      <p:cBhvr>
+                                        <p:cTn id="102" dur="1" fill="hold">
+                                          <p:stCondLst>
+                                            <p:cond delay="499"/>
+                                          </p:stCondLst>
+                                        </p:cTn>
+                                        <p:tgtEl>
+                                          <p:spTgt spid="46"/>
+                                        </p:tgtEl>
+                                        <p:attrNameLst>
+                                          <p:attrName>style.visibility</p:attrName>
+                                        </p:attrNameLst>
+                                      </p:cBhvr>
+                                      <p:to>
+                                        <p:strVal val="hidden"/>
+                                      </p:to>
+                                    </p:set>
+                                  </p:childTnLst>
+                                </p:cTn>
+                              </p:par>
+                              <p:par>
+                                <p:cTn id="103" presetID="10" presetClass="entr" presetSubtype="0" fill="hold" nodeType="withEffect">
+                                  <p:stCondLst>
+                                    <p:cond delay="0"/>
+                                  </p:stCondLst>
+                                  <p:childTnLst>
+                                    <p:set>
+                                      <p:cBhvr>
+                                        <p:cTn id="104" dur="1" fill="hold">
+                                          <p:stCondLst>
+                                            <p:cond delay="0"/>
+                                          </p:stCondLst>
+                                        </p:cTn>
+                                        <p:tgtEl>
+                                          <p:spTgt spid="55"/>
+                                        </p:tgtEl>
+                                        <p:attrNameLst>
+                                          <p:attrName>style.visibility</p:attrName>
+                                        </p:attrNameLst>
+                                      </p:cBhvr>
+                                      <p:to>
+                                        <p:strVal val="visible"/>
+                                      </p:to>
+                                    </p:set>
+                                    <p:animEffect transition="in" filter="fade">
+                                      <p:cBhvr>
+                                        <p:cTn id="105" dur="500"/>
+                                        <p:tgtEl>
+                                          <p:spTgt spid="55"/>
+                                        </p:tgtEl>
+                                      </p:cBhvr>
+                                    </p:animEffect>
+                                  </p:childTnLst>
+                                </p:cTn>
+                              </p:par>
+                              <p:par>
+                                <p:cTn id="106" presetID="10" presetClass="entr" presetSubtype="0" fill="hold" nodeType="withEffect">
+                                  <p:stCondLst>
+                                    <p:cond delay="0"/>
+                                  </p:stCondLst>
+                                  <p:childTnLst>
+                                    <p:set>
+                                      <p:cBhvr>
+                                        <p:cTn id="107" dur="1" fill="hold">
+                                          <p:stCondLst>
+                                            <p:cond delay="0"/>
+                                          </p:stCondLst>
+                                        </p:cTn>
+                                        <p:tgtEl>
+                                          <p:spTgt spid="56"/>
+                                        </p:tgtEl>
+                                        <p:attrNameLst>
+                                          <p:attrName>style.visibility</p:attrName>
+                                        </p:attrNameLst>
+                                      </p:cBhvr>
+                                      <p:to>
+                                        <p:strVal val="visible"/>
+                                      </p:to>
+                                    </p:set>
+                                    <p:animEffect transition="in" filter="fade">
+                                      <p:cBhvr>
+                                        <p:cTn id="108" dur="500"/>
+                                        <p:tgtEl>
+                                          <p:spTgt spid="56"/>
+                                        </p:tgtEl>
+                                      </p:cBhvr>
+                                    </p:animEffect>
+                                  </p:childTnLst>
+                                </p:cTn>
+                              </p:par>
+                            </p:childTnLst>
+                          </p:cTn>
+                        </p:par>
+                      </p:childTnLst>
+                    </p:cTn>
+                  </p:par>
+                  <p:par>
+                    <p:cTn id="109" fill="hold">
+                      <p:stCondLst>
+                        <p:cond delay="indefinite"/>
+                      </p:stCondLst>
+                      <p:childTnLst>
+                        <p:par>
+                          <p:cTn id="110" fill="hold">
+                            <p:stCondLst>
+                              <p:cond delay="0"/>
+                            </p:stCondLst>
+                            <p:childTnLst>
+                              <p:par>
+                                <p:cTn id="111" presetID="10" presetClass="exit" presetSubtype="0" fill="hold" nodeType="clickEffect">
+                                  <p:stCondLst>
+                                    <p:cond delay="0"/>
+                                  </p:stCondLst>
+                                  <p:childTnLst>
+                                    <p:animEffect transition="out" filter="fade">
+                                      <p:cBhvr>
+                                        <p:cTn id="112" dur="500"/>
+                                        <p:tgtEl>
+                                          <p:spTgt spid="52"/>
+                                        </p:tgtEl>
+                                      </p:cBhvr>
+                                    </p:animEffect>
+                                    <p:set>
+                                      <p:cBhvr>
+                                        <p:cTn id="113" dur="1" fill="hold">
+                                          <p:stCondLst>
+                                            <p:cond delay="499"/>
+                                          </p:stCondLst>
+                                        </p:cTn>
+                                        <p:tgtEl>
+                                          <p:spTgt spid="52"/>
+                                        </p:tgtEl>
+                                        <p:attrNameLst>
+                                          <p:attrName>style.visibility</p:attrName>
+                                        </p:attrNameLst>
+                                      </p:cBhvr>
+                                      <p:to>
+                                        <p:strVal val="hidden"/>
+                                      </p:to>
+                                    </p:set>
+                                  </p:childTnLst>
+                                </p:cTn>
+                              </p:par>
+                              <p:par>
+                                <p:cTn id="114" presetID="10" presetClass="exit" presetSubtype="0" fill="hold" nodeType="withEffect">
+                                  <p:stCondLst>
+                                    <p:cond delay="0"/>
+                                  </p:stCondLst>
+                                  <p:childTnLst>
+                                    <p:animEffect transition="out" filter="fade">
+                                      <p:cBhvr>
+                                        <p:cTn id="115" dur="500"/>
+                                        <p:tgtEl>
+                                          <p:spTgt spid="53"/>
+                                        </p:tgtEl>
+                                      </p:cBhvr>
+                                    </p:animEffect>
+                                    <p:set>
+                                      <p:cBhvr>
+                                        <p:cTn id="116" dur="1" fill="hold">
+                                          <p:stCondLst>
+                                            <p:cond delay="499"/>
+                                          </p:stCondLst>
+                                        </p:cTn>
+                                        <p:tgtEl>
+                                          <p:spTgt spid="53"/>
+                                        </p:tgtEl>
+                                        <p:attrNameLst>
+                                          <p:attrName>style.visibility</p:attrName>
+                                        </p:attrNameLst>
+                                      </p:cBhvr>
+                                      <p:to>
+                                        <p:strVal val="hidden"/>
+                                      </p:to>
+                                    </p:set>
+                                  </p:childTnLst>
+                                </p:cTn>
+                              </p:par>
+                              <p:par>
+                                <p:cTn id="117" presetID="10" presetClass="exit" presetSubtype="0" fill="hold" nodeType="withEffect">
+                                  <p:stCondLst>
+                                    <p:cond delay="0"/>
+                                  </p:stCondLst>
+                                  <p:childTnLst>
+                                    <p:animEffect transition="out" filter="fade">
+                                      <p:cBhvr>
+                                        <p:cTn id="118" dur="500"/>
+                                        <p:tgtEl>
+                                          <p:spTgt spid="54"/>
+                                        </p:tgtEl>
+                                      </p:cBhvr>
+                                    </p:animEffect>
+                                    <p:set>
+                                      <p:cBhvr>
+                                        <p:cTn id="119" dur="1" fill="hold">
+                                          <p:stCondLst>
+                                            <p:cond delay="499"/>
+                                          </p:stCondLst>
+                                        </p:cTn>
+                                        <p:tgtEl>
+                                          <p:spTgt spid="54"/>
+                                        </p:tgtEl>
+                                        <p:attrNameLst>
+                                          <p:attrName>style.visibility</p:attrName>
+                                        </p:attrNameLst>
+                                      </p:cBhvr>
+                                      <p:to>
+                                        <p:strVal val="hidden"/>
+                                      </p:to>
+                                    </p:set>
+                                  </p:childTnLst>
+                                </p:cTn>
+                              </p:par>
+                              <p:par>
+                                <p:cTn id="120" presetID="10" presetClass="exit" presetSubtype="0" fill="hold" nodeType="withEffect">
+                                  <p:stCondLst>
+                                    <p:cond delay="0"/>
+                                  </p:stCondLst>
+                                  <p:childTnLst>
+                                    <p:animEffect transition="out" filter="fade">
+                                      <p:cBhvr>
+                                        <p:cTn id="121" dur="500"/>
+                                        <p:tgtEl>
+                                          <p:spTgt spid="55"/>
+                                        </p:tgtEl>
+                                      </p:cBhvr>
+                                    </p:animEffect>
+                                    <p:set>
+                                      <p:cBhvr>
+                                        <p:cTn id="122" dur="1" fill="hold">
+                                          <p:stCondLst>
+                                            <p:cond delay="499"/>
+                                          </p:stCondLst>
+                                        </p:cTn>
+                                        <p:tgtEl>
+                                          <p:spTgt spid="55"/>
+                                        </p:tgtEl>
+                                        <p:attrNameLst>
+                                          <p:attrName>style.visibility</p:attrName>
+                                        </p:attrNameLst>
+                                      </p:cBhvr>
+                                      <p:to>
+                                        <p:strVal val="hidden"/>
+                                      </p:to>
+                                    </p:set>
+                                  </p:childTnLst>
+                                </p:cTn>
+                              </p:par>
+                              <p:par>
+                                <p:cTn id="123" presetID="10" presetClass="exit" presetSubtype="0" fill="hold" nodeType="withEffect">
+                                  <p:stCondLst>
+                                    <p:cond delay="0"/>
+                                  </p:stCondLst>
+                                  <p:childTnLst>
+                                    <p:animEffect transition="out" filter="fade">
+                                      <p:cBhvr>
+                                        <p:cTn id="124" dur="500"/>
+                                        <p:tgtEl>
+                                          <p:spTgt spid="56"/>
+                                        </p:tgtEl>
+                                      </p:cBhvr>
+                                    </p:animEffect>
+                                    <p:set>
+                                      <p:cBhvr>
+                                        <p:cTn id="125" dur="1" fill="hold">
+                                          <p:stCondLst>
+                                            <p:cond delay="499"/>
+                                          </p:stCondLst>
+                                        </p:cTn>
+                                        <p:tgtEl>
+                                          <p:spTgt spid="56"/>
+                                        </p:tgtEl>
+                                        <p:attrNameLst>
+                                          <p:attrName>style.visibility</p:attrName>
+                                        </p:attrNameLst>
+                                      </p:cBhvr>
+                                      <p:to>
+                                        <p:strVal val="hidden"/>
+                                      </p:to>
+                                    </p:set>
+                                  </p:childTnLst>
+                                </p:cTn>
+                              </p:par>
+                            </p:childTnLst>
+                          </p:cTn>
+                        </p:par>
+                      </p:childTnLst>
+                    </p:cTn>
+                  </p:par>
+                </p:childTnLst>
+              </p:cTn>
+              <p:prevCondLst>
+                <p:cond evt="onPrev" delay="0">
+                  <p:tgtEl>
+                    <p:sldTgt/>
+                  </p:tgtEl>
+                </p:cond>
+              </p:prevCondLst>
+              <p:nextCondLst>
+                <p:cond evt="onNext" delay="0">
+                  <p:tgtEl>
+                    <p:sldTgt/>
+                  </p:tgtEl>
+                </p:cond>
+              </p:nextCondLst>
+            </p:seq>
+          </p:childTnLst>
+        </p:cTn>
+      </p:par>
+    </p:tnLst>
+  </p:timing>
 </p:sld>
 </file>
 
@@ -16353,26 +18603,7 @@
       </p:grpSpPr>
       <p:sp>
         <p:nvSpPr>
-          <p:cNvPr id="4" name="3 Marcador de contenido"/>
-          <p:cNvSpPr>
-            <a:spLocks noGrp="1"/>
-          </p:cNvSpPr>
-          <p:nvPr>
-            <p:ph idx="1"/>
-          </p:nvPr>
-        </p:nvSpPr>
-        <p:spPr/>
-        <p:txBody>
-          <a:bodyPr/>
-          <a:lstStyle/>
-          <a:p>
-            <a:endParaRPr lang="es-ES" dirty="0"/>
-          </a:p>
-        </p:txBody>
-      </p:sp>
-      <p:sp>
-        <p:nvSpPr>
-          <p:cNvPr id="728066" name="Rectangle 2"/>
+          <p:cNvPr id="726018" name="Rectangle 2"/>
           <p:cNvSpPr>
             <a:spLocks noGrp="1" noChangeArrowheads="1"/>
           </p:cNvSpPr>
@@ -16391,7 +18622,7 @@
                   <a:schemeClr val="accent2"/>
                 </a:solidFill>
               </a:rPr>
-              <a:t>5. </a:t>
+              <a:t>4. </a:t>
             </a:r>
             <a:r>
               <a:rPr lang="es-ES_tradnl" sz="2000" b="1" dirty="0">
@@ -16399,16 +18630,4525 @@
                   <a:schemeClr val="accent2"/>
                 </a:solidFill>
               </a:rPr>
-              <a:t>Análisis.</a:t>
-            </a:r>
-          </a:p>
-        </p:txBody>
-      </p:sp>
+              <a:t>Traza.</a:t>
+            </a:r>
+          </a:p>
+        </p:txBody>
+      </p:sp>
+      <p:pic>
+        <p:nvPicPr>
+          <p:cNvPr id="18" name="Imagen 17">
+            <a:extLst>
+              <a:ext uri="{FF2B5EF4-FFF2-40B4-BE49-F238E27FC236}">
+                <a16:creationId xmlns:a16="http://schemas.microsoft.com/office/drawing/2014/main" id="{8DC31EDE-170B-469C-B2EB-43C6E399C43C}"/>
+              </a:ext>
+            </a:extLst>
+          </p:cNvPr>
+          <p:cNvPicPr>
+            <a:picLocks noChangeAspect="1"/>
+          </p:cNvPicPr>
+          <p:nvPr/>
+        </p:nvPicPr>
+        <p:blipFill>
+          <a:blip r:embed="rId3">
+            <a:extLst>
+              <a:ext uri="{28A0092B-C50C-407E-A947-70E740481C1C}">
+                <a14:useLocalDpi xmlns:a14="http://schemas.microsoft.com/office/drawing/2010/main" val="0"/>
+              </a:ext>
+            </a:extLst>
+          </a:blip>
+          <a:stretch>
+            <a:fillRect/>
+          </a:stretch>
+        </p:blipFill>
+        <p:spPr>
+          <a:xfrm>
+            <a:off x="969378" y="2708920"/>
+            <a:ext cx="7205244" cy="1440160"/>
+          </a:xfrm>
+          <a:prstGeom prst="rect">
+            <a:avLst/>
+          </a:prstGeom>
+        </p:spPr>
+      </p:pic>
+      <p:pic>
+        <p:nvPicPr>
+          <p:cNvPr id="30" name="Imagen 29">
+            <a:extLst>
+              <a:ext uri="{FF2B5EF4-FFF2-40B4-BE49-F238E27FC236}">
+                <a16:creationId xmlns:a16="http://schemas.microsoft.com/office/drawing/2014/main" id="{019F91DF-301D-4629-AFB6-719A0FFE1A6E}"/>
+              </a:ext>
+            </a:extLst>
+          </p:cNvPr>
+          <p:cNvPicPr>
+            <a:picLocks noChangeAspect="1"/>
+          </p:cNvPicPr>
+          <p:nvPr/>
+        </p:nvPicPr>
+        <p:blipFill>
+          <a:blip r:embed="rId4">
+            <a:extLst>
+              <a:ext uri="{28A0092B-C50C-407E-A947-70E740481C1C}">
+                <a14:useLocalDpi xmlns:a14="http://schemas.microsoft.com/office/drawing/2010/main" val="0"/>
+              </a:ext>
+            </a:extLst>
+          </a:blip>
+          <a:stretch>
+            <a:fillRect/>
+          </a:stretch>
+        </p:blipFill>
+        <p:spPr>
+          <a:xfrm>
+            <a:off x="5401686" y="2789993"/>
+            <a:ext cx="1261023" cy="1261023"/>
+          </a:xfrm>
+          <a:prstGeom prst="rect">
+            <a:avLst/>
+          </a:prstGeom>
+        </p:spPr>
+      </p:pic>
+      <p:pic>
+        <p:nvPicPr>
+          <p:cNvPr id="32" name="Imagen 31">
+            <a:extLst>
+              <a:ext uri="{FF2B5EF4-FFF2-40B4-BE49-F238E27FC236}">
+                <a16:creationId xmlns:a16="http://schemas.microsoft.com/office/drawing/2014/main" id="{C9CF4061-7876-4CD3-BA3C-AAA048C1DE99}"/>
+              </a:ext>
+            </a:extLst>
+          </p:cNvPr>
+          <p:cNvPicPr>
+            <a:picLocks noChangeAspect="1"/>
+          </p:cNvPicPr>
+          <p:nvPr/>
+        </p:nvPicPr>
+        <p:blipFill>
+          <a:blip r:embed="rId5">
+            <a:extLst>
+              <a:ext uri="{28A0092B-C50C-407E-A947-70E740481C1C}">
+                <a14:useLocalDpi xmlns:a14="http://schemas.microsoft.com/office/drawing/2010/main" val="0"/>
+              </a:ext>
+            </a:extLst>
+          </a:blip>
+          <a:stretch>
+            <a:fillRect/>
+          </a:stretch>
+        </p:blipFill>
+        <p:spPr>
+          <a:xfrm>
+            <a:off x="6799559" y="2789992"/>
+            <a:ext cx="1261023" cy="1261023"/>
+          </a:xfrm>
+          <a:prstGeom prst="rect">
+            <a:avLst/>
+          </a:prstGeom>
+        </p:spPr>
+      </p:pic>
+      <p:pic>
+        <p:nvPicPr>
+          <p:cNvPr id="34" name="Imagen 33">
+            <a:extLst>
+              <a:ext uri="{FF2B5EF4-FFF2-40B4-BE49-F238E27FC236}">
+                <a16:creationId xmlns:a16="http://schemas.microsoft.com/office/drawing/2014/main" id="{D5373405-370D-4726-B8B1-4F5BBEB4C1A8}"/>
+              </a:ext>
+            </a:extLst>
+          </p:cNvPr>
+          <p:cNvPicPr>
+            <a:picLocks noChangeAspect="1"/>
+          </p:cNvPicPr>
+          <p:nvPr/>
+        </p:nvPicPr>
+        <p:blipFill>
+          <a:blip r:embed="rId6">
+            <a:extLst>
+              <a:ext uri="{28A0092B-C50C-407E-A947-70E740481C1C}">
+                <a14:useLocalDpi xmlns:a14="http://schemas.microsoft.com/office/drawing/2010/main" val="0"/>
+              </a:ext>
+            </a:extLst>
+          </a:blip>
+          <a:stretch>
+            <a:fillRect/>
+          </a:stretch>
+        </p:blipFill>
+        <p:spPr>
+          <a:xfrm>
+            <a:off x="1049047" y="2807003"/>
+            <a:ext cx="1261023" cy="1261023"/>
+          </a:xfrm>
+          <a:prstGeom prst="rect">
+            <a:avLst/>
+          </a:prstGeom>
+        </p:spPr>
+      </p:pic>
+      <p:pic>
+        <p:nvPicPr>
+          <p:cNvPr id="36" name="Imagen 35">
+            <a:extLst>
+              <a:ext uri="{FF2B5EF4-FFF2-40B4-BE49-F238E27FC236}">
+                <a16:creationId xmlns:a16="http://schemas.microsoft.com/office/drawing/2014/main" id="{B19B2854-79E6-49AE-9EE7-10B5B987AC9E}"/>
+              </a:ext>
+            </a:extLst>
+          </p:cNvPr>
+          <p:cNvPicPr>
+            <a:picLocks noChangeAspect="1"/>
+          </p:cNvPicPr>
+          <p:nvPr/>
+        </p:nvPicPr>
+        <p:blipFill>
+          <a:blip r:embed="rId7">
+            <a:extLst>
+              <a:ext uri="{28A0092B-C50C-407E-A947-70E740481C1C}">
+                <a14:useLocalDpi xmlns:a14="http://schemas.microsoft.com/office/drawing/2010/main" val="0"/>
+              </a:ext>
+            </a:extLst>
+          </a:blip>
+          <a:stretch>
+            <a:fillRect/>
+          </a:stretch>
+        </p:blipFill>
+        <p:spPr>
+          <a:xfrm>
+            <a:off x="2501186" y="2805489"/>
+            <a:ext cx="1261023" cy="1261023"/>
+          </a:xfrm>
+          <a:prstGeom prst="rect">
+            <a:avLst/>
+          </a:prstGeom>
+        </p:spPr>
+      </p:pic>
+      <p:pic>
+        <p:nvPicPr>
+          <p:cNvPr id="38" name="Imagen 37">
+            <a:extLst>
+              <a:ext uri="{FF2B5EF4-FFF2-40B4-BE49-F238E27FC236}">
+                <a16:creationId xmlns:a16="http://schemas.microsoft.com/office/drawing/2014/main" id="{AEB6062A-683C-488D-8B5B-F295C39BAEDD}"/>
+              </a:ext>
+            </a:extLst>
+          </p:cNvPr>
+          <p:cNvPicPr>
+            <a:picLocks noChangeAspect="1"/>
+          </p:cNvPicPr>
+          <p:nvPr/>
+        </p:nvPicPr>
+        <p:blipFill>
+          <a:blip r:embed="rId8">
+            <a:extLst>
+              <a:ext uri="{28A0092B-C50C-407E-A947-70E740481C1C}">
+                <a14:useLocalDpi xmlns:a14="http://schemas.microsoft.com/office/drawing/2010/main" val="0"/>
+              </a:ext>
+            </a:extLst>
+          </a:blip>
+          <a:stretch>
+            <a:fillRect/>
+          </a:stretch>
+        </p:blipFill>
+        <p:spPr>
+          <a:xfrm>
+            <a:off x="3941488" y="2798488"/>
+            <a:ext cx="1261023" cy="1261023"/>
+          </a:xfrm>
+          <a:prstGeom prst="rect">
+            <a:avLst/>
+          </a:prstGeom>
+        </p:spPr>
+      </p:pic>
+      <p:pic>
+        <p:nvPicPr>
+          <p:cNvPr id="3" name="Imagen 2">
+            <a:extLst>
+              <a:ext uri="{FF2B5EF4-FFF2-40B4-BE49-F238E27FC236}">
+                <a16:creationId xmlns:a16="http://schemas.microsoft.com/office/drawing/2014/main" id="{71FD18FD-130F-485F-A7C1-4F2176FFBDF1}"/>
+              </a:ext>
+            </a:extLst>
+          </p:cNvPr>
+          <p:cNvPicPr>
+            <a:picLocks noChangeAspect="1"/>
+          </p:cNvPicPr>
+          <p:nvPr/>
+        </p:nvPicPr>
+        <p:blipFill>
+          <a:blip r:embed="rId9">
+            <a:extLst>
+              <a:ext uri="{28A0092B-C50C-407E-A947-70E740481C1C}">
+                <a14:useLocalDpi xmlns:a14="http://schemas.microsoft.com/office/drawing/2010/main" val="0"/>
+              </a:ext>
+            </a:extLst>
+          </a:blip>
+          <a:stretch>
+            <a:fillRect/>
+          </a:stretch>
+        </p:blipFill>
+        <p:spPr>
+          <a:xfrm>
+            <a:off x="7260724" y="2107334"/>
+            <a:ext cx="1439462" cy="952426"/>
+          </a:xfrm>
+          <a:prstGeom prst="rect">
+            <a:avLst/>
+          </a:prstGeom>
+        </p:spPr>
+      </p:pic>
+      <p:pic>
+        <p:nvPicPr>
+          <p:cNvPr id="5" name="Imagen 4">
+            <a:extLst>
+              <a:ext uri="{FF2B5EF4-FFF2-40B4-BE49-F238E27FC236}">
+                <a16:creationId xmlns:a16="http://schemas.microsoft.com/office/drawing/2014/main" id="{8A3FE51B-1E08-4916-87DB-AD3BA26E0874}"/>
+              </a:ext>
+            </a:extLst>
+          </p:cNvPr>
+          <p:cNvPicPr>
+            <a:picLocks noChangeAspect="1"/>
+          </p:cNvPicPr>
+          <p:nvPr/>
+        </p:nvPicPr>
+        <p:blipFill>
+          <a:blip r:embed="rId10">
+            <a:extLst>
+              <a:ext uri="{28A0092B-C50C-407E-A947-70E740481C1C}">
+                <a14:useLocalDpi xmlns:a14="http://schemas.microsoft.com/office/drawing/2010/main" val="0"/>
+              </a:ext>
+            </a:extLst>
+          </a:blip>
+          <a:stretch>
+            <a:fillRect/>
+          </a:stretch>
+        </p:blipFill>
+        <p:spPr>
+          <a:xfrm>
+            <a:off x="420150" y="2142263"/>
+            <a:ext cx="1401326" cy="916658"/>
+          </a:xfrm>
+          <a:prstGeom prst="rect">
+            <a:avLst/>
+          </a:prstGeom>
+        </p:spPr>
+      </p:pic>
+      <p:pic>
+        <p:nvPicPr>
+          <p:cNvPr id="19" name="Imagen 18">
+            <a:extLst>
+              <a:ext uri="{FF2B5EF4-FFF2-40B4-BE49-F238E27FC236}">
+                <a16:creationId xmlns:a16="http://schemas.microsoft.com/office/drawing/2014/main" id="{FE516828-E92A-415F-B4E9-61D5D6C8EB51}"/>
+              </a:ext>
+            </a:extLst>
+          </p:cNvPr>
+          <p:cNvPicPr>
+            <a:picLocks noChangeAspect="1"/>
+          </p:cNvPicPr>
+          <p:nvPr/>
+        </p:nvPicPr>
+        <p:blipFill>
+          <a:blip r:embed="rId10">
+            <a:extLst>
+              <a:ext uri="{28A0092B-C50C-407E-A947-70E740481C1C}">
+                <a14:useLocalDpi xmlns:a14="http://schemas.microsoft.com/office/drawing/2010/main" val="0"/>
+              </a:ext>
+            </a:extLst>
+          </a:blip>
+          <a:stretch>
+            <a:fillRect/>
+          </a:stretch>
+        </p:blipFill>
+        <p:spPr>
+          <a:xfrm>
+            <a:off x="1955954" y="2046367"/>
+            <a:ext cx="1401326" cy="916658"/>
+          </a:xfrm>
+          <a:prstGeom prst="rect">
+            <a:avLst/>
+          </a:prstGeom>
+        </p:spPr>
+      </p:pic>
+      <p:pic>
+        <p:nvPicPr>
+          <p:cNvPr id="20" name="Imagen 19">
+            <a:extLst>
+              <a:ext uri="{FF2B5EF4-FFF2-40B4-BE49-F238E27FC236}">
+                <a16:creationId xmlns:a16="http://schemas.microsoft.com/office/drawing/2014/main" id="{2FCE2C34-F066-4FCE-8C78-F2B974761839}"/>
+              </a:ext>
+            </a:extLst>
+          </p:cNvPr>
+          <p:cNvPicPr>
+            <a:picLocks noChangeAspect="1"/>
+          </p:cNvPicPr>
+          <p:nvPr/>
+        </p:nvPicPr>
+        <p:blipFill>
+          <a:blip r:embed="rId9">
+            <a:extLst>
+              <a:ext uri="{28A0092B-C50C-407E-A947-70E740481C1C}">
+                <a14:useLocalDpi xmlns:a14="http://schemas.microsoft.com/office/drawing/2010/main" val="0"/>
+              </a:ext>
+            </a:extLst>
+          </a:blip>
+          <a:stretch>
+            <a:fillRect/>
+          </a:stretch>
+        </p:blipFill>
+        <p:spPr>
+          <a:xfrm>
+            <a:off x="5821262" y="2053678"/>
+            <a:ext cx="1439462" cy="952426"/>
+          </a:xfrm>
+          <a:prstGeom prst="rect">
+            <a:avLst/>
+          </a:prstGeom>
+        </p:spPr>
+      </p:pic>
+      <p:pic>
+        <p:nvPicPr>
+          <p:cNvPr id="21" name="Imagen 20">
+            <a:extLst>
+              <a:ext uri="{FF2B5EF4-FFF2-40B4-BE49-F238E27FC236}">
+                <a16:creationId xmlns:a16="http://schemas.microsoft.com/office/drawing/2014/main" id="{38031E8C-C48D-4F94-9D29-D5DF36D8C29A}"/>
+              </a:ext>
+            </a:extLst>
+          </p:cNvPr>
+          <p:cNvPicPr>
+            <a:picLocks noChangeAspect="1"/>
+          </p:cNvPicPr>
+          <p:nvPr/>
+        </p:nvPicPr>
+        <p:blipFill>
+          <a:blip r:embed="rId9">
+            <a:extLst>
+              <a:ext uri="{28A0092B-C50C-407E-A947-70E740481C1C}">
+                <a14:useLocalDpi xmlns:a14="http://schemas.microsoft.com/office/drawing/2010/main" val="0"/>
+              </a:ext>
+            </a:extLst>
+          </a:blip>
+          <a:stretch>
+            <a:fillRect/>
+          </a:stretch>
+        </p:blipFill>
+        <p:spPr>
+          <a:xfrm>
+            <a:off x="4451373" y="2071000"/>
+            <a:ext cx="1439462" cy="952426"/>
+          </a:xfrm>
+          <a:prstGeom prst="rect">
+            <a:avLst/>
+          </a:prstGeom>
+        </p:spPr>
+      </p:pic>
+      <p:pic>
+        <p:nvPicPr>
+          <p:cNvPr id="22" name="Imagen 21">
+            <a:extLst>
+              <a:ext uri="{FF2B5EF4-FFF2-40B4-BE49-F238E27FC236}">
+                <a16:creationId xmlns:a16="http://schemas.microsoft.com/office/drawing/2014/main" id="{859D39DC-A0A8-4ACC-8949-77893BB83207}"/>
+              </a:ext>
+            </a:extLst>
+          </p:cNvPr>
+          <p:cNvPicPr>
+            <a:picLocks noChangeAspect="1"/>
+          </p:cNvPicPr>
+          <p:nvPr/>
+        </p:nvPicPr>
+        <p:blipFill>
+          <a:blip r:embed="rId9">
+            <a:extLst>
+              <a:ext uri="{28A0092B-C50C-407E-A947-70E740481C1C}">
+                <a14:useLocalDpi xmlns:a14="http://schemas.microsoft.com/office/drawing/2010/main" val="0"/>
+              </a:ext>
+            </a:extLst>
+          </a:blip>
+          <a:stretch>
+            <a:fillRect/>
+          </a:stretch>
+        </p:blipFill>
+        <p:spPr>
+          <a:xfrm>
+            <a:off x="3007692" y="2051386"/>
+            <a:ext cx="1439462" cy="952426"/>
+          </a:xfrm>
+          <a:prstGeom prst="rect">
+            <a:avLst/>
+          </a:prstGeom>
+        </p:spPr>
+      </p:pic>
+      <p:pic>
+        <p:nvPicPr>
+          <p:cNvPr id="23" name="Imagen 22">
+            <a:extLst>
+              <a:ext uri="{FF2B5EF4-FFF2-40B4-BE49-F238E27FC236}">
+                <a16:creationId xmlns:a16="http://schemas.microsoft.com/office/drawing/2014/main" id="{2B4C2029-89C7-430E-85B7-9557D3EDCE30}"/>
+              </a:ext>
+            </a:extLst>
+          </p:cNvPr>
+          <p:cNvPicPr>
+            <a:picLocks noChangeAspect="1"/>
+          </p:cNvPicPr>
+          <p:nvPr/>
+        </p:nvPicPr>
+        <p:blipFill>
+          <a:blip r:embed="rId10">
+            <a:extLst>
+              <a:ext uri="{28A0092B-C50C-407E-A947-70E740481C1C}">
+                <a14:useLocalDpi xmlns:a14="http://schemas.microsoft.com/office/drawing/2010/main" val="0"/>
+              </a:ext>
+            </a:extLst>
+          </a:blip>
+          <a:stretch>
+            <a:fillRect/>
+          </a:stretch>
+        </p:blipFill>
+        <p:spPr>
+          <a:xfrm>
+            <a:off x="3223998" y="2017874"/>
+            <a:ext cx="1401326" cy="916658"/>
+          </a:xfrm>
+          <a:prstGeom prst="rect">
+            <a:avLst/>
+          </a:prstGeom>
+        </p:spPr>
+      </p:pic>
+      <p:pic>
+        <p:nvPicPr>
+          <p:cNvPr id="7" name="Imagen 6">
+            <a:extLst>
+              <a:ext uri="{FF2B5EF4-FFF2-40B4-BE49-F238E27FC236}">
+                <a16:creationId xmlns:a16="http://schemas.microsoft.com/office/drawing/2014/main" id="{E967536D-CD01-4B93-B42D-99872B2B68A0}"/>
+              </a:ext>
+            </a:extLst>
+          </p:cNvPr>
+          <p:cNvPicPr>
+            <a:picLocks noChangeAspect="1"/>
+          </p:cNvPicPr>
+          <p:nvPr/>
+        </p:nvPicPr>
+        <p:blipFill>
+          <a:blip r:embed="rId11">
+            <a:extLst>
+              <a:ext uri="{28A0092B-C50C-407E-A947-70E740481C1C}">
+                <a14:useLocalDpi xmlns:a14="http://schemas.microsoft.com/office/drawing/2010/main" val="0"/>
+              </a:ext>
+            </a:extLst>
+          </a:blip>
+          <a:stretch>
+            <a:fillRect/>
+          </a:stretch>
+        </p:blipFill>
+        <p:spPr>
+          <a:xfrm>
+            <a:off x="9194811" y="2433681"/>
+            <a:ext cx="9144000" cy="1973644"/>
+          </a:xfrm>
+          <a:prstGeom prst="rect">
+            <a:avLst/>
+          </a:prstGeom>
+        </p:spPr>
+      </p:pic>
+      <p:pic>
+        <p:nvPicPr>
+          <p:cNvPr id="25" name="Imagen 24">
+            <a:extLst>
+              <a:ext uri="{FF2B5EF4-FFF2-40B4-BE49-F238E27FC236}">
+                <a16:creationId xmlns:a16="http://schemas.microsoft.com/office/drawing/2014/main" id="{22CFE196-54DB-49D9-8F97-2BA4535DC027}"/>
+              </a:ext>
+            </a:extLst>
+          </p:cNvPr>
+          <p:cNvPicPr>
+            <a:picLocks noChangeAspect="1"/>
+          </p:cNvPicPr>
+          <p:nvPr/>
+        </p:nvPicPr>
+        <p:blipFill>
+          <a:blip r:embed="rId9">
+            <a:extLst>
+              <a:ext uri="{28A0092B-C50C-407E-A947-70E740481C1C}">
+                <a14:useLocalDpi xmlns:a14="http://schemas.microsoft.com/office/drawing/2010/main" val="0"/>
+              </a:ext>
+            </a:extLst>
+          </a:blip>
+          <a:stretch>
+            <a:fillRect/>
+          </a:stretch>
+        </p:blipFill>
+        <p:spPr>
+          <a:xfrm>
+            <a:off x="1713870" y="2100302"/>
+            <a:ext cx="1439462" cy="952426"/>
+          </a:xfrm>
+          <a:prstGeom prst="rect">
+            <a:avLst/>
+          </a:prstGeom>
+        </p:spPr>
+      </p:pic>
+      <p:pic>
+        <p:nvPicPr>
+          <p:cNvPr id="9" name="Imagen 8">
+            <a:extLst>
+              <a:ext uri="{FF2B5EF4-FFF2-40B4-BE49-F238E27FC236}">
+                <a16:creationId xmlns:a16="http://schemas.microsoft.com/office/drawing/2014/main" id="{0566E398-0DA5-4E25-892C-20AB888AB446}"/>
+              </a:ext>
+            </a:extLst>
+          </p:cNvPr>
+          <p:cNvPicPr>
+            <a:picLocks noChangeAspect="1"/>
+          </p:cNvPicPr>
+          <p:nvPr/>
+        </p:nvPicPr>
+        <p:blipFill>
+          <a:blip r:embed="rId11">
+            <a:extLst>
+              <a:ext uri="{28A0092B-C50C-407E-A947-70E740481C1C}">
+                <a14:useLocalDpi xmlns:a14="http://schemas.microsoft.com/office/drawing/2010/main" val="0"/>
+              </a:ext>
+            </a:extLst>
+          </a:blip>
+          <a:stretch>
+            <a:fillRect/>
+          </a:stretch>
+        </p:blipFill>
+        <p:spPr>
+          <a:xfrm>
+            <a:off x="-9333052" y="2433681"/>
+            <a:ext cx="9144000" cy="1973644"/>
+          </a:xfrm>
+          <a:prstGeom prst="rect">
+            <a:avLst/>
+          </a:prstGeom>
+        </p:spPr>
+      </p:pic>
+      <p:pic>
+        <p:nvPicPr>
+          <p:cNvPr id="11" name="Imagen 10">
+            <a:extLst>
+              <a:ext uri="{FF2B5EF4-FFF2-40B4-BE49-F238E27FC236}">
+                <a16:creationId xmlns:a16="http://schemas.microsoft.com/office/drawing/2014/main" id="{A8D1A7C8-7B07-4977-BA73-6BE6B244A200}"/>
+              </a:ext>
+            </a:extLst>
+          </p:cNvPr>
+          <p:cNvPicPr>
+            <a:picLocks noChangeAspect="1"/>
+          </p:cNvPicPr>
+          <p:nvPr/>
+        </p:nvPicPr>
+        <p:blipFill>
+          <a:blip r:embed="rId12">
+            <a:extLst>
+              <a:ext uri="{28A0092B-C50C-407E-A947-70E740481C1C}">
+                <a14:useLocalDpi xmlns:a14="http://schemas.microsoft.com/office/drawing/2010/main" val="0"/>
+              </a:ext>
+            </a:extLst>
+          </a:blip>
+          <a:stretch>
+            <a:fillRect/>
+          </a:stretch>
+        </p:blipFill>
+        <p:spPr>
+          <a:xfrm>
+            <a:off x="1108962" y="4581128"/>
+            <a:ext cx="1141191" cy="680180"/>
+          </a:xfrm>
+          <a:prstGeom prst="rect">
+            <a:avLst/>
+          </a:prstGeom>
+        </p:spPr>
+      </p:pic>
+      <p:pic>
+        <p:nvPicPr>
+          <p:cNvPr id="31" name="Imagen 30">
+            <a:extLst>
+              <a:ext uri="{FF2B5EF4-FFF2-40B4-BE49-F238E27FC236}">
+                <a16:creationId xmlns:a16="http://schemas.microsoft.com/office/drawing/2014/main" id="{BF608CE5-9ADA-431F-8FCA-E95D0205610B}"/>
+              </a:ext>
+            </a:extLst>
+          </p:cNvPr>
+          <p:cNvPicPr>
+            <a:picLocks noChangeAspect="1"/>
+          </p:cNvPicPr>
+          <p:nvPr/>
+        </p:nvPicPr>
+        <p:blipFill>
+          <a:blip r:embed="rId12">
+            <a:extLst>
+              <a:ext uri="{28A0092B-C50C-407E-A947-70E740481C1C}">
+                <a14:useLocalDpi xmlns:a14="http://schemas.microsoft.com/office/drawing/2010/main" val="0"/>
+              </a:ext>
+            </a:extLst>
+          </a:blip>
+          <a:stretch>
+            <a:fillRect/>
+          </a:stretch>
+        </p:blipFill>
+        <p:spPr>
+          <a:xfrm>
+            <a:off x="2561101" y="4581128"/>
+            <a:ext cx="1141191" cy="680180"/>
+          </a:xfrm>
+          <a:prstGeom prst="rect">
+            <a:avLst/>
+          </a:prstGeom>
+        </p:spPr>
+      </p:pic>
+      <p:pic>
+        <p:nvPicPr>
+          <p:cNvPr id="33" name="Imagen 32">
+            <a:extLst>
+              <a:ext uri="{FF2B5EF4-FFF2-40B4-BE49-F238E27FC236}">
+                <a16:creationId xmlns:a16="http://schemas.microsoft.com/office/drawing/2014/main" id="{4F089641-75B4-4412-9A52-119678E7EE32}"/>
+              </a:ext>
+            </a:extLst>
+          </p:cNvPr>
+          <p:cNvPicPr>
+            <a:picLocks noChangeAspect="1"/>
+          </p:cNvPicPr>
+          <p:nvPr/>
+        </p:nvPicPr>
+        <p:blipFill>
+          <a:blip r:embed="rId10">
+            <a:extLst>
+              <a:ext uri="{28A0092B-C50C-407E-A947-70E740481C1C}">
+                <a14:useLocalDpi xmlns:a14="http://schemas.microsoft.com/office/drawing/2010/main" val="0"/>
+              </a:ext>
+            </a:extLst>
+          </a:blip>
+          <a:stretch>
+            <a:fillRect/>
+          </a:stretch>
+        </p:blipFill>
+        <p:spPr>
+          <a:xfrm>
+            <a:off x="4719266" y="2071000"/>
+            <a:ext cx="1401326" cy="916658"/>
+          </a:xfrm>
+          <a:prstGeom prst="rect">
+            <a:avLst/>
+          </a:prstGeom>
+        </p:spPr>
+      </p:pic>
+      <p:pic>
+        <p:nvPicPr>
+          <p:cNvPr id="35" name="Imagen 34">
+            <a:extLst>
+              <a:ext uri="{FF2B5EF4-FFF2-40B4-BE49-F238E27FC236}">
+                <a16:creationId xmlns:a16="http://schemas.microsoft.com/office/drawing/2014/main" id="{84345948-D7A4-4598-8745-0EE1755D97A9}"/>
+              </a:ext>
+            </a:extLst>
+          </p:cNvPr>
+          <p:cNvPicPr>
+            <a:picLocks noChangeAspect="1"/>
+          </p:cNvPicPr>
+          <p:nvPr/>
+        </p:nvPicPr>
+        <p:blipFill>
+          <a:blip r:embed="rId10">
+            <a:extLst>
+              <a:ext uri="{28A0092B-C50C-407E-A947-70E740481C1C}">
+                <a14:useLocalDpi xmlns:a14="http://schemas.microsoft.com/office/drawing/2010/main" val="0"/>
+              </a:ext>
+            </a:extLst>
+          </a:blip>
+          <a:stretch>
+            <a:fillRect/>
+          </a:stretch>
+        </p:blipFill>
+        <p:spPr>
+          <a:xfrm>
+            <a:off x="6090010" y="2020181"/>
+            <a:ext cx="1401326" cy="916658"/>
+          </a:xfrm>
+          <a:prstGeom prst="rect">
+            <a:avLst/>
+          </a:prstGeom>
+        </p:spPr>
+      </p:pic>
+      <p:pic>
+        <p:nvPicPr>
+          <p:cNvPr id="37" name="Imagen 36">
+            <a:extLst>
+              <a:ext uri="{FF2B5EF4-FFF2-40B4-BE49-F238E27FC236}">
+                <a16:creationId xmlns:a16="http://schemas.microsoft.com/office/drawing/2014/main" id="{FA7EFFA9-87F2-4533-985E-E4AD80D187AD}"/>
+              </a:ext>
+            </a:extLst>
+          </p:cNvPr>
+          <p:cNvPicPr>
+            <a:picLocks noChangeAspect="1"/>
+          </p:cNvPicPr>
+          <p:nvPr/>
+        </p:nvPicPr>
+        <p:blipFill>
+          <a:blip r:embed="rId12">
+            <a:extLst>
+              <a:ext uri="{28A0092B-C50C-407E-A947-70E740481C1C}">
+                <a14:useLocalDpi xmlns:a14="http://schemas.microsoft.com/office/drawing/2010/main" val="0"/>
+              </a:ext>
+            </a:extLst>
+          </a:blip>
+          <a:stretch>
+            <a:fillRect/>
+          </a:stretch>
+        </p:blipFill>
+        <p:spPr>
+          <a:xfrm>
+            <a:off x="4010696" y="4581128"/>
+            <a:ext cx="1141191" cy="680180"/>
+          </a:xfrm>
+          <a:prstGeom prst="rect">
+            <a:avLst/>
+          </a:prstGeom>
+        </p:spPr>
+      </p:pic>
+      <p:pic>
+        <p:nvPicPr>
+          <p:cNvPr id="39" name="Imagen 38">
+            <a:extLst>
+              <a:ext uri="{FF2B5EF4-FFF2-40B4-BE49-F238E27FC236}">
+                <a16:creationId xmlns:a16="http://schemas.microsoft.com/office/drawing/2014/main" id="{C8387415-D1BB-43F4-B650-971B63BD2A90}"/>
+              </a:ext>
+            </a:extLst>
+          </p:cNvPr>
+          <p:cNvPicPr>
+            <a:picLocks noChangeAspect="1"/>
+          </p:cNvPicPr>
+          <p:nvPr/>
+        </p:nvPicPr>
+        <p:blipFill>
+          <a:blip r:embed="rId12">
+            <a:extLst>
+              <a:ext uri="{28A0092B-C50C-407E-A947-70E740481C1C}">
+                <a14:useLocalDpi xmlns:a14="http://schemas.microsoft.com/office/drawing/2010/main" val="0"/>
+              </a:ext>
+            </a:extLst>
+          </a:blip>
+          <a:stretch>
+            <a:fillRect/>
+          </a:stretch>
+        </p:blipFill>
+        <p:spPr>
+          <a:xfrm>
+            <a:off x="5466495" y="4595189"/>
+            <a:ext cx="1141191" cy="680180"/>
+          </a:xfrm>
+          <a:prstGeom prst="rect">
+            <a:avLst/>
+          </a:prstGeom>
+        </p:spPr>
+      </p:pic>
+      <p:pic>
+        <p:nvPicPr>
+          <p:cNvPr id="40" name="Imagen 39">
+            <a:extLst>
+              <a:ext uri="{FF2B5EF4-FFF2-40B4-BE49-F238E27FC236}">
+                <a16:creationId xmlns:a16="http://schemas.microsoft.com/office/drawing/2014/main" id="{FDA048FE-0ECE-4950-8564-6F5DA4C70118}"/>
+              </a:ext>
+            </a:extLst>
+          </p:cNvPr>
+          <p:cNvPicPr>
+            <a:picLocks noChangeAspect="1"/>
+          </p:cNvPicPr>
+          <p:nvPr/>
+        </p:nvPicPr>
+        <p:blipFill>
+          <a:blip r:embed="rId12">
+            <a:extLst>
+              <a:ext uri="{28A0092B-C50C-407E-A947-70E740481C1C}">
+                <a14:useLocalDpi xmlns:a14="http://schemas.microsoft.com/office/drawing/2010/main" val="0"/>
+              </a:ext>
+            </a:extLst>
+          </a:blip>
+          <a:stretch>
+            <a:fillRect/>
+          </a:stretch>
+        </p:blipFill>
+        <p:spPr>
+          <a:xfrm>
+            <a:off x="6859474" y="4584783"/>
+            <a:ext cx="1141191" cy="680180"/>
+          </a:xfrm>
+          <a:prstGeom prst="rect">
+            <a:avLst/>
+          </a:prstGeom>
+        </p:spPr>
+      </p:pic>
     </p:spTree>
+    <p:extLst>
+      <p:ext uri="{BB962C8B-B14F-4D97-AF65-F5344CB8AC3E}">
+        <p14:creationId xmlns:p14="http://schemas.microsoft.com/office/powerpoint/2010/main" val="3143890698"/>
+      </p:ext>
+    </p:extLst>
   </p:cSld>
   <p:clrMapOvr>
     <a:masterClrMapping/>
   </p:clrMapOvr>
+  <p:timing>
+    <p:tnLst>
+      <p:par>
+        <p:cTn id="1" dur="indefinite" restart="never" nodeType="tmRoot">
+          <p:childTnLst>
+            <p:seq concurrent="1" nextAc="seek">
+              <p:cTn id="2" dur="indefinite" nodeType="mainSeq">
+                <p:childTnLst>
+                  <p:par>
+                    <p:cTn id="3" fill="hold">
+                      <p:stCondLst>
+                        <p:cond delay="indefinite"/>
+                      </p:stCondLst>
+                      <p:childTnLst>
+                        <p:par>
+                          <p:cTn id="4" fill="hold">
+                            <p:stCondLst>
+                              <p:cond delay="0"/>
+                            </p:stCondLst>
+                            <p:childTnLst>
+                              <p:par>
+                                <p:cTn id="5" presetID="2" presetClass="entr" presetSubtype="8" fill="hold" nodeType="clickEffect">
+                                  <p:stCondLst>
+                                    <p:cond delay="0"/>
+                                  </p:stCondLst>
+                                  <p:childTnLst>
+                                    <p:set>
+                                      <p:cBhvr>
+                                        <p:cTn id="6" dur="1" fill="hold">
+                                          <p:stCondLst>
+                                            <p:cond delay="0"/>
+                                          </p:stCondLst>
+                                        </p:cTn>
+                                        <p:tgtEl>
+                                          <p:spTgt spid="5"/>
+                                        </p:tgtEl>
+                                        <p:attrNameLst>
+                                          <p:attrName>style.visibility</p:attrName>
+                                        </p:attrNameLst>
+                                      </p:cBhvr>
+                                      <p:to>
+                                        <p:strVal val="visible"/>
+                                      </p:to>
+                                    </p:set>
+                                    <p:anim calcmode="lin" valueType="num">
+                                      <p:cBhvr additive="base">
+                                        <p:cTn id="7" dur="500" fill="hold"/>
+                                        <p:tgtEl>
+                                          <p:spTgt spid="5"/>
+                                        </p:tgtEl>
+                                        <p:attrNameLst>
+                                          <p:attrName>ppt_x</p:attrName>
+                                        </p:attrNameLst>
+                                      </p:cBhvr>
+                                      <p:tavLst>
+                                        <p:tav tm="0">
+                                          <p:val>
+                                            <p:strVal val="0-#ppt_w/2"/>
+                                          </p:val>
+                                        </p:tav>
+                                        <p:tav tm="100000">
+                                          <p:val>
+                                            <p:strVal val="#ppt_x"/>
+                                          </p:val>
+                                        </p:tav>
+                                      </p:tavLst>
+                                    </p:anim>
+                                    <p:anim calcmode="lin" valueType="num">
+                                      <p:cBhvr additive="base">
+                                        <p:cTn id="8" dur="500" fill="hold"/>
+                                        <p:tgtEl>
+                                          <p:spTgt spid="5"/>
+                                        </p:tgtEl>
+                                        <p:attrNameLst>
+                                          <p:attrName>ppt_y</p:attrName>
+                                        </p:attrNameLst>
+                                      </p:cBhvr>
+                                      <p:tavLst>
+                                        <p:tav tm="0">
+                                          <p:val>
+                                            <p:strVal val="#ppt_y"/>
+                                          </p:val>
+                                        </p:tav>
+                                        <p:tav tm="100000">
+                                          <p:val>
+                                            <p:strVal val="#ppt_y"/>
+                                          </p:val>
+                                        </p:tav>
+                                      </p:tavLst>
+                                    </p:anim>
+                                  </p:childTnLst>
+                                </p:cTn>
+                              </p:par>
+                            </p:childTnLst>
+                          </p:cTn>
+                        </p:par>
+                      </p:childTnLst>
+                    </p:cTn>
+                  </p:par>
+                  <p:par>
+                    <p:cTn id="9" fill="hold">
+                      <p:stCondLst>
+                        <p:cond delay="indefinite"/>
+                      </p:stCondLst>
+                      <p:childTnLst>
+                        <p:par>
+                          <p:cTn id="10" fill="hold">
+                            <p:stCondLst>
+                              <p:cond delay="0"/>
+                            </p:stCondLst>
+                            <p:childTnLst>
+                              <p:par>
+                                <p:cTn id="11" presetID="2" presetClass="entr" presetSubtype="2" fill="hold" nodeType="clickEffect">
+                                  <p:stCondLst>
+                                    <p:cond delay="0"/>
+                                  </p:stCondLst>
+                                  <p:childTnLst>
+                                    <p:set>
+                                      <p:cBhvr>
+                                        <p:cTn id="12" dur="1" fill="hold">
+                                          <p:stCondLst>
+                                            <p:cond delay="0"/>
+                                          </p:stCondLst>
+                                        </p:cTn>
+                                        <p:tgtEl>
+                                          <p:spTgt spid="3"/>
+                                        </p:tgtEl>
+                                        <p:attrNameLst>
+                                          <p:attrName>style.visibility</p:attrName>
+                                        </p:attrNameLst>
+                                      </p:cBhvr>
+                                      <p:to>
+                                        <p:strVal val="visible"/>
+                                      </p:to>
+                                    </p:set>
+                                    <p:anim calcmode="lin" valueType="num">
+                                      <p:cBhvr additive="base">
+                                        <p:cTn id="13" dur="500" fill="hold"/>
+                                        <p:tgtEl>
+                                          <p:spTgt spid="3"/>
+                                        </p:tgtEl>
+                                        <p:attrNameLst>
+                                          <p:attrName>ppt_x</p:attrName>
+                                        </p:attrNameLst>
+                                      </p:cBhvr>
+                                      <p:tavLst>
+                                        <p:tav tm="0">
+                                          <p:val>
+                                            <p:strVal val="1+#ppt_w/2"/>
+                                          </p:val>
+                                        </p:tav>
+                                        <p:tav tm="100000">
+                                          <p:val>
+                                            <p:strVal val="#ppt_x"/>
+                                          </p:val>
+                                        </p:tav>
+                                      </p:tavLst>
+                                    </p:anim>
+                                    <p:anim calcmode="lin" valueType="num">
+                                      <p:cBhvr additive="base">
+                                        <p:cTn id="14" dur="500" fill="hold"/>
+                                        <p:tgtEl>
+                                          <p:spTgt spid="3"/>
+                                        </p:tgtEl>
+                                        <p:attrNameLst>
+                                          <p:attrName>ppt_y</p:attrName>
+                                        </p:attrNameLst>
+                                      </p:cBhvr>
+                                      <p:tavLst>
+                                        <p:tav tm="0">
+                                          <p:val>
+                                            <p:strVal val="#ppt_y"/>
+                                          </p:val>
+                                        </p:tav>
+                                        <p:tav tm="100000">
+                                          <p:val>
+                                            <p:strVal val="#ppt_y"/>
+                                          </p:val>
+                                        </p:tav>
+                                      </p:tavLst>
+                                    </p:anim>
+                                  </p:childTnLst>
+                                </p:cTn>
+                              </p:par>
+                            </p:childTnLst>
+                          </p:cTn>
+                        </p:par>
+                      </p:childTnLst>
+                    </p:cTn>
+                  </p:par>
+                  <p:par>
+                    <p:cTn id="15" fill="hold">
+                      <p:stCondLst>
+                        <p:cond delay="indefinite"/>
+                      </p:stCondLst>
+                      <p:childTnLst>
+                        <p:par>
+                          <p:cTn id="16" fill="hold">
+                            <p:stCondLst>
+                              <p:cond delay="0"/>
+                            </p:stCondLst>
+                            <p:childTnLst>
+                              <p:par>
+                                <p:cTn id="17" presetID="63" presetClass="path" presetSubtype="0" accel="50000" decel="50000" fill="hold" nodeType="clickEffect">
+                                  <p:stCondLst>
+                                    <p:cond delay="0"/>
+                                  </p:stCondLst>
+                                  <p:childTnLst>
+                                    <p:animMotion origin="layout" path="M -5.55556E-7 2.59259E-6 L 0.63125 2.59259E-6 " pathEditMode="relative" rAng="0" ptsTypes="AA">
+                                      <p:cBhvr>
+                                        <p:cTn id="18" dur="1000" fill="hold"/>
+                                        <p:tgtEl>
+                                          <p:spTgt spid="34"/>
+                                        </p:tgtEl>
+                                        <p:attrNameLst>
+                                          <p:attrName>ppt_x</p:attrName>
+                                          <p:attrName>ppt_y</p:attrName>
+                                        </p:attrNameLst>
+                                      </p:cBhvr>
+                                      <p:rCtr x="31563" y="0"/>
+                                    </p:animMotion>
+                                  </p:childTnLst>
+                                </p:cTn>
+                              </p:par>
+                              <p:par>
+                                <p:cTn id="19" presetID="35" presetClass="path" presetSubtype="0" accel="50000" decel="50000" fill="hold" nodeType="withEffect">
+                                  <p:stCondLst>
+                                    <p:cond delay="0"/>
+                                  </p:stCondLst>
+                                  <p:childTnLst>
+                                    <p:animMotion origin="layout" path="M 0 -1.11111E-6 L -0.62882 0.00255 " pathEditMode="relative" rAng="0" ptsTypes="AA">
+                                      <p:cBhvr>
+                                        <p:cTn id="20" dur="1000" fill="hold"/>
+                                        <p:tgtEl>
+                                          <p:spTgt spid="32"/>
+                                        </p:tgtEl>
+                                        <p:attrNameLst>
+                                          <p:attrName>ppt_x</p:attrName>
+                                          <p:attrName>ppt_y</p:attrName>
+                                        </p:attrNameLst>
+                                      </p:cBhvr>
+                                      <p:rCtr x="-31372" y="0"/>
+                                    </p:animMotion>
+                                  </p:childTnLst>
+                                </p:cTn>
+                              </p:par>
+                            </p:childTnLst>
+                          </p:cTn>
+                        </p:par>
+                      </p:childTnLst>
+                    </p:cTn>
+                  </p:par>
+                  <p:par>
+                    <p:cTn id="21" fill="hold">
+                      <p:stCondLst>
+                        <p:cond delay="indefinite"/>
+                      </p:stCondLst>
+                      <p:childTnLst>
+                        <p:par>
+                          <p:cTn id="22" fill="hold">
+                            <p:stCondLst>
+                              <p:cond delay="0"/>
+                            </p:stCondLst>
+                            <p:childTnLst>
+                              <p:par>
+                                <p:cTn id="23" presetID="2" presetClass="entr" presetSubtype="8" fill="hold" nodeType="clickEffect">
+                                  <p:stCondLst>
+                                    <p:cond delay="0"/>
+                                  </p:stCondLst>
+                                  <p:childTnLst>
+                                    <p:set>
+                                      <p:cBhvr>
+                                        <p:cTn id="24" dur="1" fill="hold">
+                                          <p:stCondLst>
+                                            <p:cond delay="0"/>
+                                          </p:stCondLst>
+                                        </p:cTn>
+                                        <p:tgtEl>
+                                          <p:spTgt spid="19"/>
+                                        </p:tgtEl>
+                                        <p:attrNameLst>
+                                          <p:attrName>style.visibility</p:attrName>
+                                        </p:attrNameLst>
+                                      </p:cBhvr>
+                                      <p:to>
+                                        <p:strVal val="visible"/>
+                                      </p:to>
+                                    </p:set>
+                                    <p:anim calcmode="lin" valueType="num">
+                                      <p:cBhvr additive="base">
+                                        <p:cTn id="25" dur="500" fill="hold"/>
+                                        <p:tgtEl>
+                                          <p:spTgt spid="19"/>
+                                        </p:tgtEl>
+                                        <p:attrNameLst>
+                                          <p:attrName>ppt_x</p:attrName>
+                                        </p:attrNameLst>
+                                      </p:cBhvr>
+                                      <p:tavLst>
+                                        <p:tav tm="0">
+                                          <p:val>
+                                            <p:strVal val="0-#ppt_w/2"/>
+                                          </p:val>
+                                        </p:tav>
+                                        <p:tav tm="100000">
+                                          <p:val>
+                                            <p:strVal val="#ppt_x"/>
+                                          </p:val>
+                                        </p:tav>
+                                      </p:tavLst>
+                                    </p:anim>
+                                    <p:anim calcmode="lin" valueType="num">
+                                      <p:cBhvr additive="base">
+                                        <p:cTn id="26" dur="500" fill="hold"/>
+                                        <p:tgtEl>
+                                          <p:spTgt spid="19"/>
+                                        </p:tgtEl>
+                                        <p:attrNameLst>
+                                          <p:attrName>ppt_y</p:attrName>
+                                        </p:attrNameLst>
+                                      </p:cBhvr>
+                                      <p:tavLst>
+                                        <p:tav tm="0">
+                                          <p:val>
+                                            <p:strVal val="#ppt_y"/>
+                                          </p:val>
+                                        </p:tav>
+                                        <p:tav tm="100000">
+                                          <p:val>
+                                            <p:strVal val="#ppt_y"/>
+                                          </p:val>
+                                        </p:tav>
+                                      </p:tavLst>
+                                    </p:anim>
+                                  </p:childTnLst>
+                                </p:cTn>
+                              </p:par>
+                            </p:childTnLst>
+                          </p:cTn>
+                        </p:par>
+                      </p:childTnLst>
+                    </p:cTn>
+                  </p:par>
+                  <p:par>
+                    <p:cTn id="27" fill="hold">
+                      <p:stCondLst>
+                        <p:cond delay="indefinite"/>
+                      </p:stCondLst>
+                      <p:childTnLst>
+                        <p:par>
+                          <p:cTn id="28" fill="hold">
+                            <p:stCondLst>
+                              <p:cond delay="0"/>
+                            </p:stCondLst>
+                            <p:childTnLst>
+                              <p:par>
+                                <p:cTn id="29" presetID="2" presetClass="entr" presetSubtype="2" fill="hold" nodeType="clickEffect">
+                                  <p:stCondLst>
+                                    <p:cond delay="0"/>
+                                  </p:stCondLst>
+                                  <p:childTnLst>
+                                    <p:set>
+                                      <p:cBhvr>
+                                        <p:cTn id="30" dur="1" fill="hold">
+                                          <p:stCondLst>
+                                            <p:cond delay="0"/>
+                                          </p:stCondLst>
+                                        </p:cTn>
+                                        <p:tgtEl>
+                                          <p:spTgt spid="20"/>
+                                        </p:tgtEl>
+                                        <p:attrNameLst>
+                                          <p:attrName>style.visibility</p:attrName>
+                                        </p:attrNameLst>
+                                      </p:cBhvr>
+                                      <p:to>
+                                        <p:strVal val="visible"/>
+                                      </p:to>
+                                    </p:set>
+                                    <p:anim calcmode="lin" valueType="num">
+                                      <p:cBhvr additive="base">
+                                        <p:cTn id="31" dur="500" fill="hold"/>
+                                        <p:tgtEl>
+                                          <p:spTgt spid="20"/>
+                                        </p:tgtEl>
+                                        <p:attrNameLst>
+                                          <p:attrName>ppt_x</p:attrName>
+                                        </p:attrNameLst>
+                                      </p:cBhvr>
+                                      <p:tavLst>
+                                        <p:tav tm="0">
+                                          <p:val>
+                                            <p:strVal val="1+#ppt_w/2"/>
+                                          </p:val>
+                                        </p:tav>
+                                        <p:tav tm="100000">
+                                          <p:val>
+                                            <p:strVal val="#ppt_x"/>
+                                          </p:val>
+                                        </p:tav>
+                                      </p:tavLst>
+                                    </p:anim>
+                                    <p:anim calcmode="lin" valueType="num">
+                                      <p:cBhvr additive="base">
+                                        <p:cTn id="32" dur="500" fill="hold"/>
+                                        <p:tgtEl>
+                                          <p:spTgt spid="20"/>
+                                        </p:tgtEl>
+                                        <p:attrNameLst>
+                                          <p:attrName>ppt_y</p:attrName>
+                                        </p:attrNameLst>
+                                      </p:cBhvr>
+                                      <p:tavLst>
+                                        <p:tav tm="0">
+                                          <p:val>
+                                            <p:strVal val="#ppt_y"/>
+                                          </p:val>
+                                        </p:tav>
+                                        <p:tav tm="100000">
+                                          <p:val>
+                                            <p:strVal val="#ppt_y"/>
+                                          </p:val>
+                                        </p:tav>
+                                      </p:tavLst>
+                                    </p:anim>
+                                  </p:childTnLst>
+                                </p:cTn>
+                              </p:par>
+                            </p:childTnLst>
+                          </p:cTn>
+                        </p:par>
+                      </p:childTnLst>
+                    </p:cTn>
+                  </p:par>
+                  <p:par>
+                    <p:cTn id="33" fill="hold">
+                      <p:stCondLst>
+                        <p:cond delay="indefinite"/>
+                      </p:stCondLst>
+                      <p:childTnLst>
+                        <p:par>
+                          <p:cTn id="34" fill="hold">
+                            <p:stCondLst>
+                              <p:cond delay="0"/>
+                            </p:stCondLst>
+                            <p:childTnLst>
+                              <p:par>
+                                <p:cTn id="35" presetID="35" presetClass="path" presetSubtype="0" accel="50000" decel="50000" fill="hold" nodeType="clickEffect">
+                                  <p:stCondLst>
+                                    <p:cond delay="0"/>
+                                  </p:stCondLst>
+                                  <p:childTnLst>
+                                    <p:animMotion origin="layout" path="M -2.22222E-6 -1.11111E-6 L -0.31614 -1.11111E-6 " pathEditMode="relative" rAng="0" ptsTypes="AA">
+                                      <p:cBhvr>
+                                        <p:cTn id="36" dur="1000" fill="hold"/>
+                                        <p:tgtEl>
+                                          <p:spTgt spid="30"/>
+                                        </p:tgtEl>
+                                        <p:attrNameLst>
+                                          <p:attrName>ppt_x</p:attrName>
+                                          <p:attrName>ppt_y</p:attrName>
+                                        </p:attrNameLst>
+                                      </p:cBhvr>
+                                      <p:rCtr x="-15816" y="0"/>
+                                    </p:animMotion>
+                                  </p:childTnLst>
+                                </p:cTn>
+                              </p:par>
+                              <p:par>
+                                <p:cTn id="37" presetID="63" presetClass="path" presetSubtype="0" accel="50000" decel="50000" fill="hold" nodeType="withEffect">
+                                  <p:stCondLst>
+                                    <p:cond delay="0"/>
+                                  </p:stCondLst>
+                                  <p:childTnLst>
+                                    <p:animMotion origin="layout" path="M -4.72222E-6 4.07407E-6 L 0.31719 -0.00231 " pathEditMode="relative" rAng="0" ptsTypes="AA">
+                                      <p:cBhvr>
+                                        <p:cTn id="38" dur="1000" fill="hold"/>
+                                        <p:tgtEl>
+                                          <p:spTgt spid="36"/>
+                                        </p:tgtEl>
+                                        <p:attrNameLst>
+                                          <p:attrName>ppt_x</p:attrName>
+                                          <p:attrName>ppt_y</p:attrName>
+                                        </p:attrNameLst>
+                                      </p:cBhvr>
+                                      <p:rCtr x="15747" y="0"/>
+                                    </p:animMotion>
+                                  </p:childTnLst>
+                                </p:cTn>
+                              </p:par>
+                            </p:childTnLst>
+                          </p:cTn>
+                        </p:par>
+                      </p:childTnLst>
+                    </p:cTn>
+                  </p:par>
+                  <p:par>
+                    <p:cTn id="39" fill="hold">
+                      <p:stCondLst>
+                        <p:cond delay="indefinite"/>
+                      </p:stCondLst>
+                      <p:childTnLst>
+                        <p:par>
+                          <p:cTn id="40" fill="hold">
+                            <p:stCondLst>
+                              <p:cond delay="0"/>
+                            </p:stCondLst>
+                            <p:childTnLst>
+                              <p:par>
+                                <p:cTn id="41" presetID="2" presetClass="entr" presetSubtype="2" fill="hold" nodeType="clickEffect">
+                                  <p:stCondLst>
+                                    <p:cond delay="0"/>
+                                  </p:stCondLst>
+                                  <p:childTnLst>
+                                    <p:set>
+                                      <p:cBhvr>
+                                        <p:cTn id="42" dur="1" fill="hold">
+                                          <p:stCondLst>
+                                            <p:cond delay="0"/>
+                                          </p:stCondLst>
+                                        </p:cTn>
+                                        <p:tgtEl>
+                                          <p:spTgt spid="21"/>
+                                        </p:tgtEl>
+                                        <p:attrNameLst>
+                                          <p:attrName>style.visibility</p:attrName>
+                                        </p:attrNameLst>
+                                      </p:cBhvr>
+                                      <p:to>
+                                        <p:strVal val="visible"/>
+                                      </p:to>
+                                    </p:set>
+                                    <p:anim calcmode="lin" valueType="num">
+                                      <p:cBhvr additive="base">
+                                        <p:cTn id="43" dur="500" fill="hold"/>
+                                        <p:tgtEl>
+                                          <p:spTgt spid="21"/>
+                                        </p:tgtEl>
+                                        <p:attrNameLst>
+                                          <p:attrName>ppt_x</p:attrName>
+                                        </p:attrNameLst>
+                                      </p:cBhvr>
+                                      <p:tavLst>
+                                        <p:tav tm="0">
+                                          <p:val>
+                                            <p:strVal val="1+#ppt_w/2"/>
+                                          </p:val>
+                                        </p:tav>
+                                        <p:tav tm="100000">
+                                          <p:val>
+                                            <p:strVal val="#ppt_x"/>
+                                          </p:val>
+                                        </p:tav>
+                                      </p:tavLst>
+                                    </p:anim>
+                                    <p:anim calcmode="lin" valueType="num">
+                                      <p:cBhvr additive="base">
+                                        <p:cTn id="44" dur="500" fill="hold"/>
+                                        <p:tgtEl>
+                                          <p:spTgt spid="21"/>
+                                        </p:tgtEl>
+                                        <p:attrNameLst>
+                                          <p:attrName>ppt_y</p:attrName>
+                                        </p:attrNameLst>
+                                      </p:cBhvr>
+                                      <p:tavLst>
+                                        <p:tav tm="0">
+                                          <p:val>
+                                            <p:strVal val="#ppt_y"/>
+                                          </p:val>
+                                        </p:tav>
+                                        <p:tav tm="100000">
+                                          <p:val>
+                                            <p:strVal val="#ppt_y"/>
+                                          </p:val>
+                                        </p:tav>
+                                      </p:tavLst>
+                                    </p:anim>
+                                  </p:childTnLst>
+                                </p:cTn>
+                              </p:par>
+                            </p:childTnLst>
+                          </p:cTn>
+                        </p:par>
+                      </p:childTnLst>
+                    </p:cTn>
+                  </p:par>
+                  <p:par>
+                    <p:cTn id="45" fill="hold">
+                      <p:stCondLst>
+                        <p:cond delay="indefinite"/>
+                      </p:stCondLst>
+                      <p:childTnLst>
+                        <p:par>
+                          <p:cTn id="46" fill="hold">
+                            <p:stCondLst>
+                              <p:cond delay="0"/>
+                            </p:stCondLst>
+                            <p:childTnLst>
+                              <p:par>
+                                <p:cTn id="47" presetID="2" presetClass="entr" presetSubtype="2" fill="hold" nodeType="clickEffect">
+                                  <p:stCondLst>
+                                    <p:cond delay="0"/>
+                                  </p:stCondLst>
+                                  <p:childTnLst>
+                                    <p:set>
+                                      <p:cBhvr>
+                                        <p:cTn id="48" dur="1" fill="hold">
+                                          <p:stCondLst>
+                                            <p:cond delay="0"/>
+                                          </p:stCondLst>
+                                        </p:cTn>
+                                        <p:tgtEl>
+                                          <p:spTgt spid="22"/>
+                                        </p:tgtEl>
+                                        <p:attrNameLst>
+                                          <p:attrName>style.visibility</p:attrName>
+                                        </p:attrNameLst>
+                                      </p:cBhvr>
+                                      <p:to>
+                                        <p:strVal val="visible"/>
+                                      </p:to>
+                                    </p:set>
+                                    <p:anim calcmode="lin" valueType="num">
+                                      <p:cBhvr additive="base">
+                                        <p:cTn id="49" dur="500" fill="hold"/>
+                                        <p:tgtEl>
+                                          <p:spTgt spid="22"/>
+                                        </p:tgtEl>
+                                        <p:attrNameLst>
+                                          <p:attrName>ppt_x</p:attrName>
+                                        </p:attrNameLst>
+                                      </p:cBhvr>
+                                      <p:tavLst>
+                                        <p:tav tm="0">
+                                          <p:val>
+                                            <p:strVal val="1+#ppt_w/2"/>
+                                          </p:val>
+                                        </p:tav>
+                                        <p:tav tm="100000">
+                                          <p:val>
+                                            <p:strVal val="#ppt_x"/>
+                                          </p:val>
+                                        </p:tav>
+                                      </p:tavLst>
+                                    </p:anim>
+                                    <p:anim calcmode="lin" valueType="num">
+                                      <p:cBhvr additive="base">
+                                        <p:cTn id="50" dur="500" fill="hold"/>
+                                        <p:tgtEl>
+                                          <p:spTgt spid="22"/>
+                                        </p:tgtEl>
+                                        <p:attrNameLst>
+                                          <p:attrName>ppt_y</p:attrName>
+                                        </p:attrNameLst>
+                                      </p:cBhvr>
+                                      <p:tavLst>
+                                        <p:tav tm="0">
+                                          <p:val>
+                                            <p:strVal val="#ppt_y"/>
+                                          </p:val>
+                                        </p:tav>
+                                        <p:tav tm="100000">
+                                          <p:val>
+                                            <p:strVal val="#ppt_y"/>
+                                          </p:val>
+                                        </p:tav>
+                                      </p:tavLst>
+                                    </p:anim>
+                                  </p:childTnLst>
+                                </p:cTn>
+                              </p:par>
+                            </p:childTnLst>
+                          </p:cTn>
+                        </p:par>
+                      </p:childTnLst>
+                    </p:cTn>
+                  </p:par>
+                  <p:par>
+                    <p:cTn id="51" fill="hold">
+                      <p:stCondLst>
+                        <p:cond delay="indefinite"/>
+                      </p:stCondLst>
+                      <p:childTnLst>
+                        <p:par>
+                          <p:cTn id="52" fill="hold">
+                            <p:stCondLst>
+                              <p:cond delay="0"/>
+                            </p:stCondLst>
+                            <p:childTnLst>
+                              <p:par>
+                                <p:cTn id="53" presetID="2" presetClass="entr" presetSubtype="8" fill="hold" nodeType="clickEffect">
+                                  <p:stCondLst>
+                                    <p:cond delay="0"/>
+                                  </p:stCondLst>
+                                  <p:childTnLst>
+                                    <p:set>
+                                      <p:cBhvr>
+                                        <p:cTn id="54" dur="1" fill="hold">
+                                          <p:stCondLst>
+                                            <p:cond delay="0"/>
+                                          </p:stCondLst>
+                                        </p:cTn>
+                                        <p:tgtEl>
+                                          <p:spTgt spid="23"/>
+                                        </p:tgtEl>
+                                        <p:attrNameLst>
+                                          <p:attrName>style.visibility</p:attrName>
+                                        </p:attrNameLst>
+                                      </p:cBhvr>
+                                      <p:to>
+                                        <p:strVal val="visible"/>
+                                      </p:to>
+                                    </p:set>
+                                    <p:anim calcmode="lin" valueType="num">
+                                      <p:cBhvr additive="base">
+                                        <p:cTn id="55" dur="500" fill="hold"/>
+                                        <p:tgtEl>
+                                          <p:spTgt spid="23"/>
+                                        </p:tgtEl>
+                                        <p:attrNameLst>
+                                          <p:attrName>ppt_x</p:attrName>
+                                        </p:attrNameLst>
+                                      </p:cBhvr>
+                                      <p:tavLst>
+                                        <p:tav tm="0">
+                                          <p:val>
+                                            <p:strVal val="0-#ppt_w/2"/>
+                                          </p:val>
+                                        </p:tav>
+                                        <p:tav tm="100000">
+                                          <p:val>
+                                            <p:strVal val="#ppt_x"/>
+                                          </p:val>
+                                        </p:tav>
+                                      </p:tavLst>
+                                    </p:anim>
+                                    <p:anim calcmode="lin" valueType="num">
+                                      <p:cBhvr additive="base">
+                                        <p:cTn id="56" dur="500" fill="hold"/>
+                                        <p:tgtEl>
+                                          <p:spTgt spid="23"/>
+                                        </p:tgtEl>
+                                        <p:attrNameLst>
+                                          <p:attrName>ppt_y</p:attrName>
+                                        </p:attrNameLst>
+                                      </p:cBhvr>
+                                      <p:tavLst>
+                                        <p:tav tm="0">
+                                          <p:val>
+                                            <p:strVal val="#ppt_y"/>
+                                          </p:val>
+                                        </p:tav>
+                                        <p:tav tm="100000">
+                                          <p:val>
+                                            <p:strVal val="#ppt_y"/>
+                                          </p:val>
+                                        </p:tav>
+                                      </p:tavLst>
+                                    </p:anim>
+                                  </p:childTnLst>
+                                </p:cTn>
+                              </p:par>
+                            </p:childTnLst>
+                          </p:cTn>
+                        </p:par>
+                      </p:childTnLst>
+                    </p:cTn>
+                  </p:par>
+                  <p:par>
+                    <p:cTn id="57" fill="hold">
+                      <p:stCondLst>
+                        <p:cond delay="indefinite"/>
+                      </p:stCondLst>
+                      <p:childTnLst>
+                        <p:par>
+                          <p:cTn id="58" fill="hold">
+                            <p:stCondLst>
+                              <p:cond delay="0"/>
+                            </p:stCondLst>
+                            <p:childTnLst>
+                              <p:par>
+                                <p:cTn id="59" presetID="10" presetClass="exit" presetSubtype="0" fill="hold" nodeType="clickEffect">
+                                  <p:stCondLst>
+                                    <p:cond delay="0"/>
+                                  </p:stCondLst>
+                                  <p:childTnLst>
+                                    <p:animEffect transition="out" filter="fade">
+                                      <p:cBhvr>
+                                        <p:cTn id="60" dur="500"/>
+                                        <p:tgtEl>
+                                          <p:spTgt spid="5"/>
+                                        </p:tgtEl>
+                                      </p:cBhvr>
+                                    </p:animEffect>
+                                    <p:set>
+                                      <p:cBhvr>
+                                        <p:cTn id="61" dur="1" fill="hold">
+                                          <p:stCondLst>
+                                            <p:cond delay="499"/>
+                                          </p:stCondLst>
+                                        </p:cTn>
+                                        <p:tgtEl>
+                                          <p:spTgt spid="5"/>
+                                        </p:tgtEl>
+                                        <p:attrNameLst>
+                                          <p:attrName>style.visibility</p:attrName>
+                                        </p:attrNameLst>
+                                      </p:cBhvr>
+                                      <p:to>
+                                        <p:strVal val="hidden"/>
+                                      </p:to>
+                                    </p:set>
+                                  </p:childTnLst>
+                                </p:cTn>
+                              </p:par>
+                              <p:par>
+                                <p:cTn id="62" presetID="10" presetClass="exit" presetSubtype="0" fill="hold" nodeType="withEffect">
+                                  <p:stCondLst>
+                                    <p:cond delay="0"/>
+                                  </p:stCondLst>
+                                  <p:childTnLst>
+                                    <p:animEffect transition="out" filter="fade">
+                                      <p:cBhvr>
+                                        <p:cTn id="63" dur="500"/>
+                                        <p:tgtEl>
+                                          <p:spTgt spid="3"/>
+                                        </p:tgtEl>
+                                      </p:cBhvr>
+                                    </p:animEffect>
+                                    <p:set>
+                                      <p:cBhvr>
+                                        <p:cTn id="64" dur="1" fill="hold">
+                                          <p:stCondLst>
+                                            <p:cond delay="499"/>
+                                          </p:stCondLst>
+                                        </p:cTn>
+                                        <p:tgtEl>
+                                          <p:spTgt spid="3"/>
+                                        </p:tgtEl>
+                                        <p:attrNameLst>
+                                          <p:attrName>style.visibility</p:attrName>
+                                        </p:attrNameLst>
+                                      </p:cBhvr>
+                                      <p:to>
+                                        <p:strVal val="hidden"/>
+                                      </p:to>
+                                    </p:set>
+                                  </p:childTnLst>
+                                </p:cTn>
+                              </p:par>
+                              <p:par>
+                                <p:cTn id="65" presetID="10" presetClass="exit" presetSubtype="0" fill="hold" nodeType="withEffect">
+                                  <p:stCondLst>
+                                    <p:cond delay="0"/>
+                                  </p:stCondLst>
+                                  <p:childTnLst>
+                                    <p:animEffect transition="out" filter="fade">
+                                      <p:cBhvr>
+                                        <p:cTn id="66" dur="500"/>
+                                        <p:tgtEl>
+                                          <p:spTgt spid="19"/>
+                                        </p:tgtEl>
+                                      </p:cBhvr>
+                                    </p:animEffect>
+                                    <p:set>
+                                      <p:cBhvr>
+                                        <p:cTn id="67" dur="1" fill="hold">
+                                          <p:stCondLst>
+                                            <p:cond delay="499"/>
+                                          </p:stCondLst>
+                                        </p:cTn>
+                                        <p:tgtEl>
+                                          <p:spTgt spid="19"/>
+                                        </p:tgtEl>
+                                        <p:attrNameLst>
+                                          <p:attrName>style.visibility</p:attrName>
+                                        </p:attrNameLst>
+                                      </p:cBhvr>
+                                      <p:to>
+                                        <p:strVal val="hidden"/>
+                                      </p:to>
+                                    </p:set>
+                                  </p:childTnLst>
+                                </p:cTn>
+                              </p:par>
+                              <p:par>
+                                <p:cTn id="68" presetID="10" presetClass="exit" presetSubtype="0" fill="hold" nodeType="withEffect">
+                                  <p:stCondLst>
+                                    <p:cond delay="0"/>
+                                  </p:stCondLst>
+                                  <p:childTnLst>
+                                    <p:animEffect transition="out" filter="fade">
+                                      <p:cBhvr>
+                                        <p:cTn id="69" dur="500"/>
+                                        <p:tgtEl>
+                                          <p:spTgt spid="20"/>
+                                        </p:tgtEl>
+                                      </p:cBhvr>
+                                    </p:animEffect>
+                                    <p:set>
+                                      <p:cBhvr>
+                                        <p:cTn id="70" dur="1" fill="hold">
+                                          <p:stCondLst>
+                                            <p:cond delay="499"/>
+                                          </p:stCondLst>
+                                        </p:cTn>
+                                        <p:tgtEl>
+                                          <p:spTgt spid="20"/>
+                                        </p:tgtEl>
+                                        <p:attrNameLst>
+                                          <p:attrName>style.visibility</p:attrName>
+                                        </p:attrNameLst>
+                                      </p:cBhvr>
+                                      <p:to>
+                                        <p:strVal val="hidden"/>
+                                      </p:to>
+                                    </p:set>
+                                  </p:childTnLst>
+                                </p:cTn>
+                              </p:par>
+                              <p:par>
+                                <p:cTn id="71" presetID="10" presetClass="exit" presetSubtype="0" fill="hold" nodeType="withEffect">
+                                  <p:stCondLst>
+                                    <p:cond delay="0"/>
+                                  </p:stCondLst>
+                                  <p:childTnLst>
+                                    <p:animEffect transition="out" filter="fade">
+                                      <p:cBhvr>
+                                        <p:cTn id="72" dur="500"/>
+                                        <p:tgtEl>
+                                          <p:spTgt spid="21"/>
+                                        </p:tgtEl>
+                                      </p:cBhvr>
+                                    </p:animEffect>
+                                    <p:set>
+                                      <p:cBhvr>
+                                        <p:cTn id="73" dur="1" fill="hold">
+                                          <p:stCondLst>
+                                            <p:cond delay="499"/>
+                                          </p:stCondLst>
+                                        </p:cTn>
+                                        <p:tgtEl>
+                                          <p:spTgt spid="21"/>
+                                        </p:tgtEl>
+                                        <p:attrNameLst>
+                                          <p:attrName>style.visibility</p:attrName>
+                                        </p:attrNameLst>
+                                      </p:cBhvr>
+                                      <p:to>
+                                        <p:strVal val="hidden"/>
+                                      </p:to>
+                                    </p:set>
+                                  </p:childTnLst>
+                                </p:cTn>
+                              </p:par>
+                              <p:par>
+                                <p:cTn id="74" presetID="10" presetClass="exit" presetSubtype="0" fill="hold" nodeType="withEffect">
+                                  <p:stCondLst>
+                                    <p:cond delay="0"/>
+                                  </p:stCondLst>
+                                  <p:childTnLst>
+                                    <p:animEffect transition="out" filter="fade">
+                                      <p:cBhvr>
+                                        <p:cTn id="75" dur="500"/>
+                                        <p:tgtEl>
+                                          <p:spTgt spid="22"/>
+                                        </p:tgtEl>
+                                      </p:cBhvr>
+                                    </p:animEffect>
+                                    <p:set>
+                                      <p:cBhvr>
+                                        <p:cTn id="76" dur="1" fill="hold">
+                                          <p:stCondLst>
+                                            <p:cond delay="499"/>
+                                          </p:stCondLst>
+                                        </p:cTn>
+                                        <p:tgtEl>
+                                          <p:spTgt spid="22"/>
+                                        </p:tgtEl>
+                                        <p:attrNameLst>
+                                          <p:attrName>style.visibility</p:attrName>
+                                        </p:attrNameLst>
+                                      </p:cBhvr>
+                                      <p:to>
+                                        <p:strVal val="hidden"/>
+                                      </p:to>
+                                    </p:set>
+                                  </p:childTnLst>
+                                </p:cTn>
+                              </p:par>
+                              <p:par>
+                                <p:cTn id="77" presetID="10" presetClass="exit" presetSubtype="0" fill="hold" nodeType="withEffect">
+                                  <p:stCondLst>
+                                    <p:cond delay="0"/>
+                                  </p:stCondLst>
+                                  <p:childTnLst>
+                                    <p:animEffect transition="out" filter="fade">
+                                      <p:cBhvr>
+                                        <p:cTn id="78" dur="500"/>
+                                        <p:tgtEl>
+                                          <p:spTgt spid="23"/>
+                                        </p:tgtEl>
+                                      </p:cBhvr>
+                                    </p:animEffect>
+                                    <p:set>
+                                      <p:cBhvr>
+                                        <p:cTn id="79" dur="1" fill="hold">
+                                          <p:stCondLst>
+                                            <p:cond delay="499"/>
+                                          </p:stCondLst>
+                                        </p:cTn>
+                                        <p:tgtEl>
+                                          <p:spTgt spid="23"/>
+                                        </p:tgtEl>
+                                        <p:attrNameLst>
+                                          <p:attrName>style.visibility</p:attrName>
+                                        </p:attrNameLst>
+                                      </p:cBhvr>
+                                      <p:to>
+                                        <p:strVal val="hidden"/>
+                                      </p:to>
+                                    </p:set>
+                                  </p:childTnLst>
+                                </p:cTn>
+                              </p:par>
+                            </p:childTnLst>
+                          </p:cTn>
+                        </p:par>
+                      </p:childTnLst>
+                    </p:cTn>
+                  </p:par>
+                  <p:par>
+                    <p:cTn id="80" fill="hold">
+                      <p:stCondLst>
+                        <p:cond delay="indefinite"/>
+                      </p:stCondLst>
+                      <p:childTnLst>
+                        <p:par>
+                          <p:cTn id="81" fill="hold">
+                            <p:stCondLst>
+                              <p:cond delay="0"/>
+                            </p:stCondLst>
+                            <p:childTnLst>
+                              <p:par>
+                                <p:cTn id="82" presetID="35" presetClass="path" presetSubtype="0" accel="50000" decel="50000" fill="hold" nodeType="clickEffect">
+                                  <p:stCondLst>
+                                    <p:cond delay="0"/>
+                                  </p:stCondLst>
+                                  <p:childTnLst>
+                                    <p:animMotion origin="layout" path="M 4.44444E-6 -1.11111E-6 L -0.58073 -1.11111E-6 " pathEditMode="relative" rAng="0" ptsTypes="AA">
+                                      <p:cBhvr>
+                                        <p:cTn id="83" dur="1000" fill="hold"/>
+                                        <p:tgtEl>
+                                          <p:spTgt spid="7"/>
+                                        </p:tgtEl>
+                                        <p:attrNameLst>
+                                          <p:attrName>ppt_x</p:attrName>
+                                          <p:attrName>ppt_y</p:attrName>
+                                        </p:attrNameLst>
+                                      </p:cBhvr>
+                                      <p:rCtr x="-29045" y="0"/>
+                                    </p:animMotion>
+                                  </p:childTnLst>
+                                </p:cTn>
+                              </p:par>
+                            </p:childTnLst>
+                          </p:cTn>
+                        </p:par>
+                      </p:childTnLst>
+                    </p:cTn>
+                  </p:par>
+                  <p:par>
+                    <p:cTn id="84" fill="hold">
+                      <p:stCondLst>
+                        <p:cond delay="indefinite"/>
+                      </p:stCondLst>
+                      <p:childTnLst>
+                        <p:par>
+                          <p:cTn id="85" fill="hold">
+                            <p:stCondLst>
+                              <p:cond delay="0"/>
+                            </p:stCondLst>
+                            <p:childTnLst>
+                              <p:par>
+                                <p:cTn id="86" presetID="2" presetClass="entr" presetSubtype="8" fill="hold" nodeType="clickEffect">
+                                  <p:stCondLst>
+                                    <p:cond delay="0"/>
+                                  </p:stCondLst>
+                                  <p:childTnLst>
+                                    <p:set>
+                                      <p:cBhvr>
+                                        <p:cTn id="87" dur="1" fill="hold">
+                                          <p:stCondLst>
+                                            <p:cond delay="0"/>
+                                          </p:stCondLst>
+                                        </p:cTn>
+                                        <p:tgtEl>
+                                          <p:spTgt spid="5"/>
+                                        </p:tgtEl>
+                                        <p:attrNameLst>
+                                          <p:attrName>style.visibility</p:attrName>
+                                        </p:attrNameLst>
+                                      </p:cBhvr>
+                                      <p:to>
+                                        <p:strVal val="visible"/>
+                                      </p:to>
+                                    </p:set>
+                                    <p:anim calcmode="lin" valueType="num">
+                                      <p:cBhvr additive="base">
+                                        <p:cTn id="88" dur="500" fill="hold"/>
+                                        <p:tgtEl>
+                                          <p:spTgt spid="5"/>
+                                        </p:tgtEl>
+                                        <p:attrNameLst>
+                                          <p:attrName>ppt_x</p:attrName>
+                                        </p:attrNameLst>
+                                      </p:cBhvr>
+                                      <p:tavLst>
+                                        <p:tav tm="0">
+                                          <p:val>
+                                            <p:strVal val="0-#ppt_w/2"/>
+                                          </p:val>
+                                        </p:tav>
+                                        <p:tav tm="100000">
+                                          <p:val>
+                                            <p:strVal val="#ppt_x"/>
+                                          </p:val>
+                                        </p:tav>
+                                      </p:tavLst>
+                                    </p:anim>
+                                    <p:anim calcmode="lin" valueType="num">
+                                      <p:cBhvr additive="base">
+                                        <p:cTn id="89" dur="500" fill="hold"/>
+                                        <p:tgtEl>
+                                          <p:spTgt spid="5"/>
+                                        </p:tgtEl>
+                                        <p:attrNameLst>
+                                          <p:attrName>ppt_y</p:attrName>
+                                        </p:attrNameLst>
+                                      </p:cBhvr>
+                                      <p:tavLst>
+                                        <p:tav tm="0">
+                                          <p:val>
+                                            <p:strVal val="#ppt_y"/>
+                                          </p:val>
+                                        </p:tav>
+                                        <p:tav tm="100000">
+                                          <p:val>
+                                            <p:strVal val="#ppt_y"/>
+                                          </p:val>
+                                        </p:tav>
+                                      </p:tavLst>
+                                    </p:anim>
+                                  </p:childTnLst>
+                                </p:cTn>
+                              </p:par>
+                            </p:childTnLst>
+                          </p:cTn>
+                        </p:par>
+                      </p:childTnLst>
+                    </p:cTn>
+                  </p:par>
+                  <p:par>
+                    <p:cTn id="90" fill="hold">
+                      <p:stCondLst>
+                        <p:cond delay="indefinite"/>
+                      </p:stCondLst>
+                      <p:childTnLst>
+                        <p:par>
+                          <p:cTn id="91" fill="hold">
+                            <p:stCondLst>
+                              <p:cond delay="0"/>
+                            </p:stCondLst>
+                            <p:childTnLst>
+                              <p:par>
+                                <p:cTn id="92" presetID="2" presetClass="entr" presetSubtype="2" fill="hold" nodeType="clickEffect">
+                                  <p:stCondLst>
+                                    <p:cond delay="0"/>
+                                  </p:stCondLst>
+                                  <p:childTnLst>
+                                    <p:set>
+                                      <p:cBhvr>
+                                        <p:cTn id="93" dur="1" fill="hold">
+                                          <p:stCondLst>
+                                            <p:cond delay="0"/>
+                                          </p:stCondLst>
+                                        </p:cTn>
+                                        <p:tgtEl>
+                                          <p:spTgt spid="22"/>
+                                        </p:tgtEl>
+                                        <p:attrNameLst>
+                                          <p:attrName>style.visibility</p:attrName>
+                                        </p:attrNameLst>
+                                      </p:cBhvr>
+                                      <p:to>
+                                        <p:strVal val="visible"/>
+                                      </p:to>
+                                    </p:set>
+                                    <p:anim calcmode="lin" valueType="num">
+                                      <p:cBhvr additive="base">
+                                        <p:cTn id="94" dur="500" fill="hold"/>
+                                        <p:tgtEl>
+                                          <p:spTgt spid="22"/>
+                                        </p:tgtEl>
+                                        <p:attrNameLst>
+                                          <p:attrName>ppt_x</p:attrName>
+                                        </p:attrNameLst>
+                                      </p:cBhvr>
+                                      <p:tavLst>
+                                        <p:tav tm="0">
+                                          <p:val>
+                                            <p:strVal val="1+#ppt_w/2"/>
+                                          </p:val>
+                                        </p:tav>
+                                        <p:tav tm="100000">
+                                          <p:val>
+                                            <p:strVal val="#ppt_x"/>
+                                          </p:val>
+                                        </p:tav>
+                                      </p:tavLst>
+                                    </p:anim>
+                                    <p:anim calcmode="lin" valueType="num">
+                                      <p:cBhvr additive="base">
+                                        <p:cTn id="95" dur="500" fill="hold"/>
+                                        <p:tgtEl>
+                                          <p:spTgt spid="22"/>
+                                        </p:tgtEl>
+                                        <p:attrNameLst>
+                                          <p:attrName>ppt_y</p:attrName>
+                                        </p:attrNameLst>
+                                      </p:cBhvr>
+                                      <p:tavLst>
+                                        <p:tav tm="0">
+                                          <p:val>
+                                            <p:strVal val="#ppt_y"/>
+                                          </p:val>
+                                        </p:tav>
+                                        <p:tav tm="100000">
+                                          <p:val>
+                                            <p:strVal val="#ppt_y"/>
+                                          </p:val>
+                                        </p:tav>
+                                      </p:tavLst>
+                                    </p:anim>
+                                  </p:childTnLst>
+                                </p:cTn>
+                              </p:par>
+                            </p:childTnLst>
+                          </p:cTn>
+                        </p:par>
+                      </p:childTnLst>
+                    </p:cTn>
+                  </p:par>
+                  <p:par>
+                    <p:cTn id="96" fill="hold">
+                      <p:stCondLst>
+                        <p:cond delay="indefinite"/>
+                      </p:stCondLst>
+                      <p:childTnLst>
+                        <p:par>
+                          <p:cTn id="97" fill="hold">
+                            <p:stCondLst>
+                              <p:cond delay="0"/>
+                            </p:stCondLst>
+                            <p:childTnLst>
+                              <p:par>
+                                <p:cTn id="98" presetID="35" presetClass="path" presetSubtype="0" accel="50000" decel="50000" fill="hold" nodeType="clickEffect">
+                                  <p:stCondLst>
+                                    <p:cond delay="0"/>
+                                  </p:stCondLst>
+                                  <p:childTnLst>
+                                    <p:animMotion origin="layout" path="M -0.31614 -1.48148E-6 L -0.47604 0.00255 " pathEditMode="relative" rAng="0" ptsTypes="AA">
+                                      <p:cBhvr>
+                                        <p:cTn id="99" dur="1000" fill="hold"/>
+                                        <p:tgtEl>
+                                          <p:spTgt spid="30"/>
+                                        </p:tgtEl>
+                                        <p:attrNameLst>
+                                          <p:attrName>ppt_x</p:attrName>
+                                          <p:attrName>ppt_y</p:attrName>
+                                        </p:attrNameLst>
+                                      </p:cBhvr>
+                                      <p:rCtr x="-7882" y="46"/>
+                                    </p:animMotion>
+                                  </p:childTnLst>
+                                </p:cTn>
+                              </p:par>
+                              <p:par>
+                                <p:cTn id="100" presetID="63" presetClass="path" presetSubtype="0" accel="50000" decel="50000" fill="hold" nodeType="withEffect">
+                                  <p:stCondLst>
+                                    <p:cond delay="0"/>
+                                  </p:stCondLst>
+                                  <p:childTnLst>
+                                    <p:animMotion origin="layout" path="M -0.62882 0.00255 L -0.46996 0.00231 " pathEditMode="relative" rAng="0" ptsTypes="AA">
+                                      <p:cBhvr>
+                                        <p:cTn id="101" dur="1000" fill="hold"/>
+                                        <p:tgtEl>
+                                          <p:spTgt spid="32"/>
+                                        </p:tgtEl>
+                                        <p:attrNameLst>
+                                          <p:attrName>ppt_x</p:attrName>
+                                          <p:attrName>ppt_y</p:attrName>
+                                        </p:attrNameLst>
+                                      </p:cBhvr>
+                                      <p:rCtr x="7865" y="-23"/>
+                                    </p:animMotion>
+                                  </p:childTnLst>
+                                </p:cTn>
+                              </p:par>
+                            </p:childTnLst>
+                          </p:cTn>
+                        </p:par>
+                      </p:childTnLst>
+                    </p:cTn>
+                  </p:par>
+                  <p:par>
+                    <p:cTn id="102" fill="hold">
+                      <p:stCondLst>
+                        <p:cond delay="indefinite"/>
+                      </p:stCondLst>
+                      <p:childTnLst>
+                        <p:par>
+                          <p:cTn id="103" fill="hold">
+                            <p:stCondLst>
+                              <p:cond delay="0"/>
+                            </p:stCondLst>
+                            <p:childTnLst>
+                              <p:par>
+                                <p:cTn id="104" presetID="2" presetClass="entr" presetSubtype="2" fill="hold" nodeType="clickEffect">
+                                  <p:stCondLst>
+                                    <p:cond delay="0"/>
+                                  </p:stCondLst>
+                                  <p:childTnLst>
+                                    <p:set>
+                                      <p:cBhvr>
+                                        <p:cTn id="105" dur="1" fill="hold">
+                                          <p:stCondLst>
+                                            <p:cond delay="0"/>
+                                          </p:stCondLst>
+                                        </p:cTn>
+                                        <p:tgtEl>
+                                          <p:spTgt spid="25"/>
+                                        </p:tgtEl>
+                                        <p:attrNameLst>
+                                          <p:attrName>style.visibility</p:attrName>
+                                        </p:attrNameLst>
+                                      </p:cBhvr>
+                                      <p:to>
+                                        <p:strVal val="visible"/>
+                                      </p:to>
+                                    </p:set>
+                                    <p:anim calcmode="lin" valueType="num">
+                                      <p:cBhvr additive="base">
+                                        <p:cTn id="106" dur="500" fill="hold"/>
+                                        <p:tgtEl>
+                                          <p:spTgt spid="25"/>
+                                        </p:tgtEl>
+                                        <p:attrNameLst>
+                                          <p:attrName>ppt_x</p:attrName>
+                                        </p:attrNameLst>
+                                      </p:cBhvr>
+                                      <p:tavLst>
+                                        <p:tav tm="0">
+                                          <p:val>
+                                            <p:strVal val="1+#ppt_w/2"/>
+                                          </p:val>
+                                        </p:tav>
+                                        <p:tav tm="100000">
+                                          <p:val>
+                                            <p:strVal val="#ppt_x"/>
+                                          </p:val>
+                                        </p:tav>
+                                      </p:tavLst>
+                                    </p:anim>
+                                    <p:anim calcmode="lin" valueType="num">
+                                      <p:cBhvr additive="base">
+                                        <p:cTn id="107" dur="500" fill="hold"/>
+                                        <p:tgtEl>
+                                          <p:spTgt spid="25"/>
+                                        </p:tgtEl>
+                                        <p:attrNameLst>
+                                          <p:attrName>ppt_y</p:attrName>
+                                        </p:attrNameLst>
+                                      </p:cBhvr>
+                                      <p:tavLst>
+                                        <p:tav tm="0">
+                                          <p:val>
+                                            <p:strVal val="#ppt_y"/>
+                                          </p:val>
+                                        </p:tav>
+                                        <p:tav tm="100000">
+                                          <p:val>
+                                            <p:strVal val="#ppt_y"/>
+                                          </p:val>
+                                        </p:tav>
+                                      </p:tavLst>
+                                    </p:anim>
+                                  </p:childTnLst>
+                                </p:cTn>
+                              </p:par>
+                            </p:childTnLst>
+                          </p:cTn>
+                        </p:par>
+                      </p:childTnLst>
+                    </p:cTn>
+                  </p:par>
+                  <p:par>
+                    <p:cTn id="108" fill="hold">
+                      <p:stCondLst>
+                        <p:cond delay="indefinite"/>
+                      </p:stCondLst>
+                      <p:childTnLst>
+                        <p:par>
+                          <p:cTn id="109" fill="hold">
+                            <p:stCondLst>
+                              <p:cond delay="0"/>
+                            </p:stCondLst>
+                            <p:childTnLst>
+                              <p:par>
+                                <p:cTn id="110" presetID="2" presetClass="entr" presetSubtype="8" fill="hold" nodeType="clickEffect">
+                                  <p:stCondLst>
+                                    <p:cond delay="0"/>
+                                  </p:stCondLst>
+                                  <p:childTnLst>
+                                    <p:set>
+                                      <p:cBhvr>
+                                        <p:cTn id="111" dur="1" fill="hold">
+                                          <p:stCondLst>
+                                            <p:cond delay="0"/>
+                                          </p:stCondLst>
+                                        </p:cTn>
+                                        <p:tgtEl>
+                                          <p:spTgt spid="19"/>
+                                        </p:tgtEl>
+                                        <p:attrNameLst>
+                                          <p:attrName>style.visibility</p:attrName>
+                                        </p:attrNameLst>
+                                      </p:cBhvr>
+                                      <p:to>
+                                        <p:strVal val="visible"/>
+                                      </p:to>
+                                    </p:set>
+                                    <p:anim calcmode="lin" valueType="num">
+                                      <p:cBhvr additive="base">
+                                        <p:cTn id="112" dur="500" fill="hold"/>
+                                        <p:tgtEl>
+                                          <p:spTgt spid="19"/>
+                                        </p:tgtEl>
+                                        <p:attrNameLst>
+                                          <p:attrName>ppt_x</p:attrName>
+                                        </p:attrNameLst>
+                                      </p:cBhvr>
+                                      <p:tavLst>
+                                        <p:tav tm="0">
+                                          <p:val>
+                                            <p:strVal val="0-#ppt_w/2"/>
+                                          </p:val>
+                                        </p:tav>
+                                        <p:tav tm="100000">
+                                          <p:val>
+                                            <p:strVal val="#ppt_x"/>
+                                          </p:val>
+                                        </p:tav>
+                                      </p:tavLst>
+                                    </p:anim>
+                                    <p:anim calcmode="lin" valueType="num">
+                                      <p:cBhvr additive="base">
+                                        <p:cTn id="113" dur="500" fill="hold"/>
+                                        <p:tgtEl>
+                                          <p:spTgt spid="19"/>
+                                        </p:tgtEl>
+                                        <p:attrNameLst>
+                                          <p:attrName>ppt_y</p:attrName>
+                                        </p:attrNameLst>
+                                      </p:cBhvr>
+                                      <p:tavLst>
+                                        <p:tav tm="0">
+                                          <p:val>
+                                            <p:strVal val="#ppt_y"/>
+                                          </p:val>
+                                        </p:tav>
+                                        <p:tav tm="100000">
+                                          <p:val>
+                                            <p:strVal val="#ppt_y"/>
+                                          </p:val>
+                                        </p:tav>
+                                      </p:tavLst>
+                                    </p:anim>
+                                  </p:childTnLst>
+                                </p:cTn>
+                              </p:par>
+                            </p:childTnLst>
+                          </p:cTn>
+                        </p:par>
+                      </p:childTnLst>
+                    </p:cTn>
+                  </p:par>
+                  <p:par>
+                    <p:cTn id="114" fill="hold">
+                      <p:stCondLst>
+                        <p:cond delay="indefinite"/>
+                      </p:stCondLst>
+                      <p:childTnLst>
+                        <p:par>
+                          <p:cTn id="115" fill="hold">
+                            <p:stCondLst>
+                              <p:cond delay="0"/>
+                            </p:stCondLst>
+                            <p:childTnLst>
+                              <p:par>
+                                <p:cTn id="116" presetID="10" presetClass="exit" presetSubtype="0" fill="hold" nodeType="clickEffect">
+                                  <p:stCondLst>
+                                    <p:cond delay="0"/>
+                                  </p:stCondLst>
+                                  <p:childTnLst>
+                                    <p:animEffect transition="out" filter="fade">
+                                      <p:cBhvr>
+                                        <p:cTn id="117" dur="500"/>
+                                        <p:tgtEl>
+                                          <p:spTgt spid="5"/>
+                                        </p:tgtEl>
+                                      </p:cBhvr>
+                                    </p:animEffect>
+                                    <p:set>
+                                      <p:cBhvr>
+                                        <p:cTn id="118" dur="1" fill="hold">
+                                          <p:stCondLst>
+                                            <p:cond delay="499"/>
+                                          </p:stCondLst>
+                                        </p:cTn>
+                                        <p:tgtEl>
+                                          <p:spTgt spid="5"/>
+                                        </p:tgtEl>
+                                        <p:attrNameLst>
+                                          <p:attrName>style.visibility</p:attrName>
+                                        </p:attrNameLst>
+                                      </p:cBhvr>
+                                      <p:to>
+                                        <p:strVal val="hidden"/>
+                                      </p:to>
+                                    </p:set>
+                                  </p:childTnLst>
+                                </p:cTn>
+                              </p:par>
+                              <p:par>
+                                <p:cTn id="119" presetID="10" presetClass="exit" presetSubtype="0" fill="hold" nodeType="withEffect">
+                                  <p:stCondLst>
+                                    <p:cond delay="0"/>
+                                  </p:stCondLst>
+                                  <p:childTnLst>
+                                    <p:animEffect transition="out" filter="fade">
+                                      <p:cBhvr>
+                                        <p:cTn id="120" dur="500"/>
+                                        <p:tgtEl>
+                                          <p:spTgt spid="22"/>
+                                        </p:tgtEl>
+                                      </p:cBhvr>
+                                    </p:animEffect>
+                                    <p:set>
+                                      <p:cBhvr>
+                                        <p:cTn id="121" dur="1" fill="hold">
+                                          <p:stCondLst>
+                                            <p:cond delay="499"/>
+                                          </p:stCondLst>
+                                        </p:cTn>
+                                        <p:tgtEl>
+                                          <p:spTgt spid="22"/>
+                                        </p:tgtEl>
+                                        <p:attrNameLst>
+                                          <p:attrName>style.visibility</p:attrName>
+                                        </p:attrNameLst>
+                                      </p:cBhvr>
+                                      <p:to>
+                                        <p:strVal val="hidden"/>
+                                      </p:to>
+                                    </p:set>
+                                  </p:childTnLst>
+                                </p:cTn>
+                              </p:par>
+                              <p:par>
+                                <p:cTn id="122" presetID="10" presetClass="exit" presetSubtype="0" fill="hold" nodeType="withEffect">
+                                  <p:stCondLst>
+                                    <p:cond delay="0"/>
+                                  </p:stCondLst>
+                                  <p:childTnLst>
+                                    <p:animEffect transition="out" filter="fade">
+                                      <p:cBhvr>
+                                        <p:cTn id="123" dur="500"/>
+                                        <p:tgtEl>
+                                          <p:spTgt spid="25"/>
+                                        </p:tgtEl>
+                                      </p:cBhvr>
+                                    </p:animEffect>
+                                    <p:set>
+                                      <p:cBhvr>
+                                        <p:cTn id="124" dur="1" fill="hold">
+                                          <p:stCondLst>
+                                            <p:cond delay="499"/>
+                                          </p:stCondLst>
+                                        </p:cTn>
+                                        <p:tgtEl>
+                                          <p:spTgt spid="25"/>
+                                        </p:tgtEl>
+                                        <p:attrNameLst>
+                                          <p:attrName>style.visibility</p:attrName>
+                                        </p:attrNameLst>
+                                      </p:cBhvr>
+                                      <p:to>
+                                        <p:strVal val="hidden"/>
+                                      </p:to>
+                                    </p:set>
+                                  </p:childTnLst>
+                                </p:cTn>
+                              </p:par>
+                              <p:par>
+                                <p:cTn id="125" presetID="10" presetClass="exit" presetSubtype="0" fill="hold" nodeType="withEffect">
+                                  <p:stCondLst>
+                                    <p:cond delay="0"/>
+                                  </p:stCondLst>
+                                  <p:childTnLst>
+                                    <p:animEffect transition="out" filter="fade">
+                                      <p:cBhvr>
+                                        <p:cTn id="126" dur="500"/>
+                                        <p:tgtEl>
+                                          <p:spTgt spid="19"/>
+                                        </p:tgtEl>
+                                      </p:cBhvr>
+                                    </p:animEffect>
+                                    <p:set>
+                                      <p:cBhvr>
+                                        <p:cTn id="127" dur="1" fill="hold">
+                                          <p:stCondLst>
+                                            <p:cond delay="499"/>
+                                          </p:stCondLst>
+                                        </p:cTn>
+                                        <p:tgtEl>
+                                          <p:spTgt spid="19"/>
+                                        </p:tgtEl>
+                                        <p:attrNameLst>
+                                          <p:attrName>style.visibility</p:attrName>
+                                        </p:attrNameLst>
+                                      </p:cBhvr>
+                                      <p:to>
+                                        <p:strVal val="hidden"/>
+                                      </p:to>
+                                    </p:set>
+                                  </p:childTnLst>
+                                </p:cTn>
+                              </p:par>
+                            </p:childTnLst>
+                          </p:cTn>
+                        </p:par>
+                        <p:par>
+                          <p:cTn id="128" fill="hold">
+                            <p:stCondLst>
+                              <p:cond delay="500"/>
+                            </p:stCondLst>
+                            <p:childTnLst>
+                              <p:par>
+                                <p:cTn id="129" presetID="35" presetClass="path" presetSubtype="0" accel="50000" decel="50000" fill="hold" nodeType="afterEffect">
+                                  <p:stCondLst>
+                                    <p:cond delay="0"/>
+                                  </p:stCondLst>
+                                  <p:childTnLst>
+                                    <p:animMotion origin="layout" path="M -0.58073 -4.98733E-18 L -0.74566 -1.11111E-6 " pathEditMode="relative" rAng="0" ptsTypes="AA">
+                                      <p:cBhvr>
+                                        <p:cTn id="130" dur="1000" fill="hold"/>
+                                        <p:tgtEl>
+                                          <p:spTgt spid="7"/>
+                                        </p:tgtEl>
+                                        <p:attrNameLst>
+                                          <p:attrName>ppt_x</p:attrName>
+                                          <p:attrName>ppt_y</p:attrName>
+                                        </p:attrNameLst>
+                                      </p:cBhvr>
+                                      <p:rCtr x="-7465" y="-69"/>
+                                    </p:animMotion>
+                                  </p:childTnLst>
+                                </p:cTn>
+                              </p:par>
+                            </p:childTnLst>
+                          </p:cTn>
+                        </p:par>
+                      </p:childTnLst>
+                    </p:cTn>
+                  </p:par>
+                  <p:par>
+                    <p:cTn id="131" fill="hold">
+                      <p:stCondLst>
+                        <p:cond delay="indefinite"/>
+                      </p:stCondLst>
+                      <p:childTnLst>
+                        <p:par>
+                          <p:cTn id="132" fill="hold">
+                            <p:stCondLst>
+                              <p:cond delay="0"/>
+                            </p:stCondLst>
+                            <p:childTnLst>
+                              <p:par>
+                                <p:cTn id="133" presetID="10" presetClass="entr" presetSubtype="0" fill="hold" nodeType="clickEffect">
+                                  <p:stCondLst>
+                                    <p:cond delay="0"/>
+                                  </p:stCondLst>
+                                  <p:childTnLst>
+                                    <p:set>
+                                      <p:cBhvr>
+                                        <p:cTn id="134" dur="1" fill="hold">
+                                          <p:stCondLst>
+                                            <p:cond delay="0"/>
+                                          </p:stCondLst>
+                                        </p:cTn>
+                                        <p:tgtEl>
+                                          <p:spTgt spid="11"/>
+                                        </p:tgtEl>
+                                        <p:attrNameLst>
+                                          <p:attrName>style.visibility</p:attrName>
+                                        </p:attrNameLst>
+                                      </p:cBhvr>
+                                      <p:to>
+                                        <p:strVal val="visible"/>
+                                      </p:to>
+                                    </p:set>
+                                    <p:animEffect transition="in" filter="fade">
+                                      <p:cBhvr>
+                                        <p:cTn id="135" dur="500"/>
+                                        <p:tgtEl>
+                                          <p:spTgt spid="11"/>
+                                        </p:tgtEl>
+                                      </p:cBhvr>
+                                    </p:animEffect>
+                                  </p:childTnLst>
+                                </p:cTn>
+                              </p:par>
+                            </p:childTnLst>
+                          </p:cTn>
+                        </p:par>
+                      </p:childTnLst>
+                    </p:cTn>
+                  </p:par>
+                  <p:par>
+                    <p:cTn id="136" fill="hold">
+                      <p:stCondLst>
+                        <p:cond delay="indefinite"/>
+                      </p:stCondLst>
+                      <p:childTnLst>
+                        <p:par>
+                          <p:cTn id="137" fill="hold">
+                            <p:stCondLst>
+                              <p:cond delay="0"/>
+                            </p:stCondLst>
+                            <p:childTnLst>
+                              <p:par>
+                                <p:cTn id="138" presetID="63" presetClass="path" presetSubtype="0" accel="50000" decel="50000" fill="hold" nodeType="clickEffect">
+                                  <p:stCondLst>
+                                    <p:cond delay="0"/>
+                                  </p:stCondLst>
+                                  <p:childTnLst>
+                                    <p:animMotion origin="layout" path="M -0.74566 -1.11111E-6 L -0.58073 -1.11111E-6 " pathEditMode="relative" rAng="0" ptsTypes="AA">
+                                      <p:cBhvr>
+                                        <p:cTn id="139" dur="1000" fill="hold"/>
+                                        <p:tgtEl>
+                                          <p:spTgt spid="7"/>
+                                        </p:tgtEl>
+                                        <p:attrNameLst>
+                                          <p:attrName>ppt_x</p:attrName>
+                                          <p:attrName>ppt_y</p:attrName>
+                                        </p:attrNameLst>
+                                      </p:cBhvr>
+                                      <p:rCtr x="7865" y="0"/>
+                                    </p:animMotion>
+                                  </p:childTnLst>
+                                </p:cTn>
+                              </p:par>
+                              <p:par>
+                                <p:cTn id="140" presetID="63" presetClass="path" presetSubtype="0" accel="50000" decel="50000" fill="hold" nodeType="withEffect">
+                                  <p:stCondLst>
+                                    <p:cond delay="0"/>
+                                  </p:stCondLst>
+                                  <p:childTnLst>
+                                    <p:animMotion origin="layout" path="M -2.77778E-7 -1.11111E-6 L 0.28663 -1.11111E-6 " pathEditMode="relative" rAng="0" ptsTypes="AA">
+                                      <p:cBhvr>
+                                        <p:cTn id="141" dur="1000" fill="hold"/>
+                                        <p:tgtEl>
+                                          <p:spTgt spid="9"/>
+                                        </p:tgtEl>
+                                        <p:attrNameLst>
+                                          <p:attrName>ppt_x</p:attrName>
+                                          <p:attrName>ppt_y</p:attrName>
+                                        </p:attrNameLst>
+                                      </p:cBhvr>
+                                      <p:rCtr x="14340" y="0"/>
+                                    </p:animMotion>
+                                  </p:childTnLst>
+                                </p:cTn>
+                              </p:par>
+                            </p:childTnLst>
+                          </p:cTn>
+                        </p:par>
+                      </p:childTnLst>
+                    </p:cTn>
+                  </p:par>
+                  <p:par>
+                    <p:cTn id="142" fill="hold">
+                      <p:stCondLst>
+                        <p:cond delay="indefinite"/>
+                      </p:stCondLst>
+                      <p:childTnLst>
+                        <p:par>
+                          <p:cTn id="143" fill="hold">
+                            <p:stCondLst>
+                              <p:cond delay="0"/>
+                            </p:stCondLst>
+                            <p:childTnLst>
+                              <p:par>
+                                <p:cTn id="144" presetID="10" presetClass="entr" presetSubtype="0" fill="hold" nodeType="clickEffect">
+                                  <p:stCondLst>
+                                    <p:cond delay="0"/>
+                                  </p:stCondLst>
+                                  <p:childTnLst>
+                                    <p:set>
+                                      <p:cBhvr>
+                                        <p:cTn id="145" dur="1" fill="hold">
+                                          <p:stCondLst>
+                                            <p:cond delay="0"/>
+                                          </p:stCondLst>
+                                        </p:cTn>
+                                        <p:tgtEl>
+                                          <p:spTgt spid="31"/>
+                                        </p:tgtEl>
+                                        <p:attrNameLst>
+                                          <p:attrName>style.visibility</p:attrName>
+                                        </p:attrNameLst>
+                                      </p:cBhvr>
+                                      <p:to>
+                                        <p:strVal val="visible"/>
+                                      </p:to>
+                                    </p:set>
+                                    <p:animEffect transition="in" filter="fade">
+                                      <p:cBhvr>
+                                        <p:cTn id="146" dur="500"/>
+                                        <p:tgtEl>
+                                          <p:spTgt spid="31"/>
+                                        </p:tgtEl>
+                                      </p:cBhvr>
+                                    </p:animEffect>
+                                  </p:childTnLst>
+                                </p:cTn>
+                              </p:par>
+                            </p:childTnLst>
+                          </p:cTn>
+                        </p:par>
+                      </p:childTnLst>
+                    </p:cTn>
+                  </p:par>
+                  <p:par>
+                    <p:cTn id="147" fill="hold">
+                      <p:stCondLst>
+                        <p:cond delay="indefinite"/>
+                      </p:stCondLst>
+                      <p:childTnLst>
+                        <p:par>
+                          <p:cTn id="148" fill="hold">
+                            <p:stCondLst>
+                              <p:cond delay="0"/>
+                            </p:stCondLst>
+                            <p:childTnLst>
+                              <p:par>
+                                <p:cTn id="149" presetID="63" presetClass="path" presetSubtype="0" accel="50000" decel="50000" fill="hold" nodeType="clickEffect">
+                                  <p:stCondLst>
+                                    <p:cond delay="0"/>
+                                  </p:stCondLst>
+                                  <p:childTnLst>
+                                    <p:animMotion origin="layout" path="M -0.58073 -1.11111E-6 L 3.88889E-6 -1.11111E-6 " pathEditMode="relative" rAng="0" ptsTypes="AA">
+                                      <p:cBhvr>
+                                        <p:cTn id="150" dur="1000" fill="hold"/>
+                                        <p:tgtEl>
+                                          <p:spTgt spid="7"/>
+                                        </p:tgtEl>
+                                        <p:attrNameLst>
+                                          <p:attrName>ppt_x</p:attrName>
+                                          <p:attrName>ppt_y</p:attrName>
+                                        </p:attrNameLst>
+                                      </p:cBhvr>
+                                      <p:rCtr x="29149" y="0"/>
+                                    </p:animMotion>
+                                  </p:childTnLst>
+                                </p:cTn>
+                              </p:par>
+                              <p:par>
+                                <p:cTn id="151" presetID="63" presetClass="path" presetSubtype="0" accel="50000" decel="50000" fill="hold" nodeType="withEffect">
+                                  <p:stCondLst>
+                                    <p:cond delay="0"/>
+                                  </p:stCondLst>
+                                  <p:childTnLst>
+                                    <p:animMotion origin="layout" path="M 0.28663 -4.98733E-18 L 0.44583 -1.11111E-6 " pathEditMode="relative" rAng="0" ptsTypes="AA">
+                                      <p:cBhvr>
+                                        <p:cTn id="152" dur="1000" fill="hold"/>
+                                        <p:tgtEl>
+                                          <p:spTgt spid="9"/>
+                                        </p:tgtEl>
+                                        <p:attrNameLst>
+                                          <p:attrName>ppt_x</p:attrName>
+                                          <p:attrName>ppt_y</p:attrName>
+                                        </p:attrNameLst>
+                                      </p:cBhvr>
+                                      <p:rCtr x="7882" y="-69"/>
+                                    </p:animMotion>
+                                  </p:childTnLst>
+                                </p:cTn>
+                              </p:par>
+                            </p:childTnLst>
+                          </p:cTn>
+                        </p:par>
+                      </p:childTnLst>
+                    </p:cTn>
+                  </p:par>
+                  <p:par>
+                    <p:cTn id="153" fill="hold">
+                      <p:stCondLst>
+                        <p:cond delay="indefinite"/>
+                      </p:stCondLst>
+                      <p:childTnLst>
+                        <p:par>
+                          <p:cTn id="154" fill="hold">
+                            <p:stCondLst>
+                              <p:cond delay="0"/>
+                            </p:stCondLst>
+                            <p:childTnLst>
+                              <p:par>
+                                <p:cTn id="155" presetID="2" presetClass="entr" presetSubtype="8" fill="hold" nodeType="clickEffect">
+                                  <p:stCondLst>
+                                    <p:cond delay="0"/>
+                                  </p:stCondLst>
+                                  <p:childTnLst>
+                                    <p:set>
+                                      <p:cBhvr>
+                                        <p:cTn id="156" dur="1" fill="hold">
+                                          <p:stCondLst>
+                                            <p:cond delay="0"/>
+                                          </p:stCondLst>
+                                        </p:cTn>
+                                        <p:tgtEl>
+                                          <p:spTgt spid="23"/>
+                                        </p:tgtEl>
+                                        <p:attrNameLst>
+                                          <p:attrName>style.visibility</p:attrName>
+                                        </p:attrNameLst>
+                                      </p:cBhvr>
+                                      <p:to>
+                                        <p:strVal val="visible"/>
+                                      </p:to>
+                                    </p:set>
+                                    <p:anim calcmode="lin" valueType="num">
+                                      <p:cBhvr additive="base">
+                                        <p:cTn id="157" dur="500" fill="hold"/>
+                                        <p:tgtEl>
+                                          <p:spTgt spid="23"/>
+                                        </p:tgtEl>
+                                        <p:attrNameLst>
+                                          <p:attrName>ppt_x</p:attrName>
+                                        </p:attrNameLst>
+                                      </p:cBhvr>
+                                      <p:tavLst>
+                                        <p:tav tm="0">
+                                          <p:val>
+                                            <p:strVal val="0-#ppt_w/2"/>
+                                          </p:val>
+                                        </p:tav>
+                                        <p:tav tm="100000">
+                                          <p:val>
+                                            <p:strVal val="#ppt_x"/>
+                                          </p:val>
+                                        </p:tav>
+                                      </p:tavLst>
+                                    </p:anim>
+                                    <p:anim calcmode="lin" valueType="num">
+                                      <p:cBhvr additive="base">
+                                        <p:cTn id="158" dur="500" fill="hold"/>
+                                        <p:tgtEl>
+                                          <p:spTgt spid="23"/>
+                                        </p:tgtEl>
+                                        <p:attrNameLst>
+                                          <p:attrName>ppt_y</p:attrName>
+                                        </p:attrNameLst>
+                                      </p:cBhvr>
+                                      <p:tavLst>
+                                        <p:tav tm="0">
+                                          <p:val>
+                                            <p:strVal val="#ppt_y"/>
+                                          </p:val>
+                                        </p:tav>
+                                        <p:tav tm="100000">
+                                          <p:val>
+                                            <p:strVal val="#ppt_y"/>
+                                          </p:val>
+                                        </p:tav>
+                                      </p:tavLst>
+                                    </p:anim>
+                                  </p:childTnLst>
+                                </p:cTn>
+                              </p:par>
+                            </p:childTnLst>
+                          </p:cTn>
+                        </p:par>
+                      </p:childTnLst>
+                    </p:cTn>
+                  </p:par>
+                  <p:par>
+                    <p:cTn id="159" fill="hold">
+                      <p:stCondLst>
+                        <p:cond delay="indefinite"/>
+                      </p:stCondLst>
+                      <p:childTnLst>
+                        <p:par>
+                          <p:cTn id="160" fill="hold">
+                            <p:stCondLst>
+                              <p:cond delay="0"/>
+                            </p:stCondLst>
+                            <p:childTnLst>
+                              <p:par>
+                                <p:cTn id="161" presetID="2" presetClass="entr" presetSubtype="2" fill="hold" nodeType="clickEffect">
+                                  <p:stCondLst>
+                                    <p:cond delay="0"/>
+                                  </p:stCondLst>
+                                  <p:childTnLst>
+                                    <p:set>
+                                      <p:cBhvr>
+                                        <p:cTn id="162" dur="1" fill="hold">
+                                          <p:stCondLst>
+                                            <p:cond delay="0"/>
+                                          </p:stCondLst>
+                                        </p:cTn>
+                                        <p:tgtEl>
+                                          <p:spTgt spid="3"/>
+                                        </p:tgtEl>
+                                        <p:attrNameLst>
+                                          <p:attrName>style.visibility</p:attrName>
+                                        </p:attrNameLst>
+                                      </p:cBhvr>
+                                      <p:to>
+                                        <p:strVal val="visible"/>
+                                      </p:to>
+                                    </p:set>
+                                    <p:anim calcmode="lin" valueType="num">
+                                      <p:cBhvr additive="base">
+                                        <p:cTn id="163" dur="500" fill="hold"/>
+                                        <p:tgtEl>
+                                          <p:spTgt spid="3"/>
+                                        </p:tgtEl>
+                                        <p:attrNameLst>
+                                          <p:attrName>ppt_x</p:attrName>
+                                        </p:attrNameLst>
+                                      </p:cBhvr>
+                                      <p:tavLst>
+                                        <p:tav tm="0">
+                                          <p:val>
+                                            <p:strVal val="1+#ppt_w/2"/>
+                                          </p:val>
+                                        </p:tav>
+                                        <p:tav tm="100000">
+                                          <p:val>
+                                            <p:strVal val="#ppt_x"/>
+                                          </p:val>
+                                        </p:tav>
+                                      </p:tavLst>
+                                    </p:anim>
+                                    <p:anim calcmode="lin" valueType="num">
+                                      <p:cBhvr additive="base">
+                                        <p:cTn id="164" dur="500" fill="hold"/>
+                                        <p:tgtEl>
+                                          <p:spTgt spid="3"/>
+                                        </p:tgtEl>
+                                        <p:attrNameLst>
+                                          <p:attrName>ppt_y</p:attrName>
+                                        </p:attrNameLst>
+                                      </p:cBhvr>
+                                      <p:tavLst>
+                                        <p:tav tm="0">
+                                          <p:val>
+                                            <p:strVal val="#ppt_y"/>
+                                          </p:val>
+                                        </p:tav>
+                                        <p:tav tm="100000">
+                                          <p:val>
+                                            <p:strVal val="#ppt_y"/>
+                                          </p:val>
+                                        </p:tav>
+                                      </p:tavLst>
+                                    </p:anim>
+                                  </p:childTnLst>
+                                </p:cTn>
+                              </p:par>
+                            </p:childTnLst>
+                          </p:cTn>
+                        </p:par>
+                      </p:childTnLst>
+                    </p:cTn>
+                  </p:par>
+                  <p:par>
+                    <p:cTn id="165" fill="hold">
+                      <p:stCondLst>
+                        <p:cond delay="indefinite"/>
+                      </p:stCondLst>
+                      <p:childTnLst>
+                        <p:par>
+                          <p:cTn id="166" fill="hold">
+                            <p:stCondLst>
+                              <p:cond delay="0"/>
+                            </p:stCondLst>
+                            <p:childTnLst>
+                              <p:par>
+                                <p:cTn id="167" presetID="35" presetClass="path" presetSubtype="0" accel="50000" decel="50000" fill="hold" nodeType="clickEffect">
+                                  <p:stCondLst>
+                                    <p:cond delay="0"/>
+                                  </p:stCondLst>
+                                  <p:childTnLst>
+                                    <p:animMotion origin="layout" path="M 0.63125 2.59259E-6 L 0.31632 2.59259E-6 " pathEditMode="relative" rAng="0" ptsTypes="AA">
+                                      <p:cBhvr>
+                                        <p:cTn id="168" dur="1000" fill="hold"/>
+                                        <p:tgtEl>
+                                          <p:spTgt spid="34"/>
+                                        </p:tgtEl>
+                                        <p:attrNameLst>
+                                          <p:attrName>ppt_x</p:attrName>
+                                          <p:attrName>ppt_y</p:attrName>
+                                        </p:attrNameLst>
+                                      </p:cBhvr>
+                                      <p:rCtr x="-15747" y="0"/>
+                                    </p:animMotion>
+                                  </p:childTnLst>
+                                </p:cTn>
+                              </p:par>
+                              <p:par>
+                                <p:cTn id="169" presetID="63" presetClass="path" presetSubtype="0" accel="50000" decel="50000" fill="hold" nodeType="withEffect">
+                                  <p:stCondLst>
+                                    <p:cond delay="0"/>
+                                  </p:stCondLst>
+                                  <p:childTnLst>
+                                    <p:animMotion origin="layout" path="M 0 0 L 0.3125 -0.00139 " pathEditMode="relative" rAng="0" ptsTypes="AA">
+                                      <p:cBhvr>
+                                        <p:cTn id="170" dur="1000" fill="hold"/>
+                                        <p:tgtEl>
+                                          <p:spTgt spid="38"/>
+                                        </p:tgtEl>
+                                        <p:attrNameLst>
+                                          <p:attrName>ppt_x</p:attrName>
+                                          <p:attrName>ppt_y</p:attrName>
+                                        </p:attrNameLst>
+                                      </p:cBhvr>
+                                      <p:rCtr x="15747" y="0"/>
+                                    </p:animMotion>
+                                  </p:childTnLst>
+                                </p:cTn>
+                              </p:par>
+                            </p:childTnLst>
+                          </p:cTn>
+                        </p:par>
+                      </p:childTnLst>
+                    </p:cTn>
+                  </p:par>
+                  <p:par>
+                    <p:cTn id="171" fill="hold">
+                      <p:stCondLst>
+                        <p:cond delay="indefinite"/>
+                      </p:stCondLst>
+                      <p:childTnLst>
+                        <p:par>
+                          <p:cTn id="172" fill="hold">
+                            <p:stCondLst>
+                              <p:cond delay="0"/>
+                            </p:stCondLst>
+                            <p:childTnLst>
+                              <p:par>
+                                <p:cTn id="173" presetID="2" presetClass="entr" presetSubtype="8" fill="hold" nodeType="clickEffect">
+                                  <p:stCondLst>
+                                    <p:cond delay="0"/>
+                                  </p:stCondLst>
+                                  <p:childTnLst>
+                                    <p:set>
+                                      <p:cBhvr>
+                                        <p:cTn id="174" dur="1" fill="hold">
+                                          <p:stCondLst>
+                                            <p:cond delay="0"/>
+                                          </p:stCondLst>
+                                        </p:cTn>
+                                        <p:tgtEl>
+                                          <p:spTgt spid="33"/>
+                                        </p:tgtEl>
+                                        <p:attrNameLst>
+                                          <p:attrName>style.visibility</p:attrName>
+                                        </p:attrNameLst>
+                                      </p:cBhvr>
+                                      <p:to>
+                                        <p:strVal val="visible"/>
+                                      </p:to>
+                                    </p:set>
+                                    <p:anim calcmode="lin" valueType="num">
+                                      <p:cBhvr additive="base">
+                                        <p:cTn id="175" dur="500" fill="hold"/>
+                                        <p:tgtEl>
+                                          <p:spTgt spid="33"/>
+                                        </p:tgtEl>
+                                        <p:attrNameLst>
+                                          <p:attrName>ppt_x</p:attrName>
+                                        </p:attrNameLst>
+                                      </p:cBhvr>
+                                      <p:tavLst>
+                                        <p:tav tm="0">
+                                          <p:val>
+                                            <p:strVal val="0-#ppt_w/2"/>
+                                          </p:val>
+                                        </p:tav>
+                                        <p:tav tm="100000">
+                                          <p:val>
+                                            <p:strVal val="#ppt_x"/>
+                                          </p:val>
+                                        </p:tav>
+                                      </p:tavLst>
+                                    </p:anim>
+                                    <p:anim calcmode="lin" valueType="num">
+                                      <p:cBhvr additive="base">
+                                        <p:cTn id="176" dur="500" fill="hold"/>
+                                        <p:tgtEl>
+                                          <p:spTgt spid="33"/>
+                                        </p:tgtEl>
+                                        <p:attrNameLst>
+                                          <p:attrName>ppt_y</p:attrName>
+                                        </p:attrNameLst>
+                                      </p:cBhvr>
+                                      <p:tavLst>
+                                        <p:tav tm="0">
+                                          <p:val>
+                                            <p:strVal val="#ppt_y"/>
+                                          </p:val>
+                                        </p:tav>
+                                        <p:tav tm="100000">
+                                          <p:val>
+                                            <p:strVal val="#ppt_y"/>
+                                          </p:val>
+                                        </p:tav>
+                                      </p:tavLst>
+                                    </p:anim>
+                                  </p:childTnLst>
+                                </p:cTn>
+                              </p:par>
+                            </p:childTnLst>
+                          </p:cTn>
+                        </p:par>
+                      </p:childTnLst>
+                    </p:cTn>
+                  </p:par>
+                  <p:par>
+                    <p:cTn id="177" fill="hold">
+                      <p:stCondLst>
+                        <p:cond delay="indefinite"/>
+                      </p:stCondLst>
+                      <p:childTnLst>
+                        <p:par>
+                          <p:cTn id="178" fill="hold">
+                            <p:stCondLst>
+                              <p:cond delay="0"/>
+                            </p:stCondLst>
+                            <p:childTnLst>
+                              <p:par>
+                                <p:cTn id="179" presetID="2" presetClass="entr" presetSubtype="8" fill="hold" nodeType="clickEffect">
+                                  <p:stCondLst>
+                                    <p:cond delay="0"/>
+                                  </p:stCondLst>
+                                  <p:childTnLst>
+                                    <p:set>
+                                      <p:cBhvr>
+                                        <p:cTn id="180" dur="1" fill="hold">
+                                          <p:stCondLst>
+                                            <p:cond delay="0"/>
+                                          </p:stCondLst>
+                                        </p:cTn>
+                                        <p:tgtEl>
+                                          <p:spTgt spid="35"/>
+                                        </p:tgtEl>
+                                        <p:attrNameLst>
+                                          <p:attrName>style.visibility</p:attrName>
+                                        </p:attrNameLst>
+                                      </p:cBhvr>
+                                      <p:to>
+                                        <p:strVal val="visible"/>
+                                      </p:to>
+                                    </p:set>
+                                    <p:anim calcmode="lin" valueType="num">
+                                      <p:cBhvr additive="base">
+                                        <p:cTn id="181" dur="500" fill="hold"/>
+                                        <p:tgtEl>
+                                          <p:spTgt spid="35"/>
+                                        </p:tgtEl>
+                                        <p:attrNameLst>
+                                          <p:attrName>ppt_x</p:attrName>
+                                        </p:attrNameLst>
+                                      </p:cBhvr>
+                                      <p:tavLst>
+                                        <p:tav tm="0">
+                                          <p:val>
+                                            <p:strVal val="0-#ppt_w/2"/>
+                                          </p:val>
+                                        </p:tav>
+                                        <p:tav tm="100000">
+                                          <p:val>
+                                            <p:strVal val="#ppt_x"/>
+                                          </p:val>
+                                        </p:tav>
+                                      </p:tavLst>
+                                    </p:anim>
+                                    <p:anim calcmode="lin" valueType="num">
+                                      <p:cBhvr additive="base">
+                                        <p:cTn id="182" dur="500" fill="hold"/>
+                                        <p:tgtEl>
+                                          <p:spTgt spid="35"/>
+                                        </p:tgtEl>
+                                        <p:attrNameLst>
+                                          <p:attrName>ppt_y</p:attrName>
+                                        </p:attrNameLst>
+                                      </p:cBhvr>
+                                      <p:tavLst>
+                                        <p:tav tm="0">
+                                          <p:val>
+                                            <p:strVal val="#ppt_y"/>
+                                          </p:val>
+                                        </p:tav>
+                                        <p:tav tm="100000">
+                                          <p:val>
+                                            <p:strVal val="#ppt_y"/>
+                                          </p:val>
+                                        </p:tav>
+                                      </p:tavLst>
+                                    </p:anim>
+                                  </p:childTnLst>
+                                </p:cTn>
+                              </p:par>
+                            </p:childTnLst>
+                          </p:cTn>
+                        </p:par>
+                      </p:childTnLst>
+                    </p:cTn>
+                  </p:par>
+                  <p:par>
+                    <p:cTn id="183" fill="hold">
+                      <p:stCondLst>
+                        <p:cond delay="indefinite"/>
+                      </p:stCondLst>
+                      <p:childTnLst>
+                        <p:par>
+                          <p:cTn id="184" fill="hold">
+                            <p:stCondLst>
+                              <p:cond delay="0"/>
+                            </p:stCondLst>
+                            <p:childTnLst>
+                              <p:par>
+                                <p:cTn id="185" presetID="2" presetClass="entr" presetSubtype="2" fill="hold" nodeType="clickEffect">
+                                  <p:stCondLst>
+                                    <p:cond delay="0"/>
+                                  </p:stCondLst>
+                                  <p:childTnLst>
+                                    <p:set>
+                                      <p:cBhvr>
+                                        <p:cTn id="186" dur="1" fill="hold">
+                                          <p:stCondLst>
+                                            <p:cond delay="0"/>
+                                          </p:stCondLst>
+                                        </p:cTn>
+                                        <p:tgtEl>
+                                          <p:spTgt spid="20"/>
+                                        </p:tgtEl>
+                                        <p:attrNameLst>
+                                          <p:attrName>style.visibility</p:attrName>
+                                        </p:attrNameLst>
+                                      </p:cBhvr>
+                                      <p:to>
+                                        <p:strVal val="visible"/>
+                                      </p:to>
+                                    </p:set>
+                                    <p:anim calcmode="lin" valueType="num">
+                                      <p:cBhvr additive="base">
+                                        <p:cTn id="187" dur="500" fill="hold"/>
+                                        <p:tgtEl>
+                                          <p:spTgt spid="20"/>
+                                        </p:tgtEl>
+                                        <p:attrNameLst>
+                                          <p:attrName>ppt_x</p:attrName>
+                                        </p:attrNameLst>
+                                      </p:cBhvr>
+                                      <p:tavLst>
+                                        <p:tav tm="0">
+                                          <p:val>
+                                            <p:strVal val="1+#ppt_w/2"/>
+                                          </p:val>
+                                        </p:tav>
+                                        <p:tav tm="100000">
+                                          <p:val>
+                                            <p:strVal val="#ppt_x"/>
+                                          </p:val>
+                                        </p:tav>
+                                      </p:tavLst>
+                                    </p:anim>
+                                    <p:anim calcmode="lin" valueType="num">
+                                      <p:cBhvr additive="base">
+                                        <p:cTn id="188" dur="500" fill="hold"/>
+                                        <p:tgtEl>
+                                          <p:spTgt spid="20"/>
+                                        </p:tgtEl>
+                                        <p:attrNameLst>
+                                          <p:attrName>ppt_y</p:attrName>
+                                        </p:attrNameLst>
+                                      </p:cBhvr>
+                                      <p:tavLst>
+                                        <p:tav tm="0">
+                                          <p:val>
+                                            <p:strVal val="#ppt_y"/>
+                                          </p:val>
+                                        </p:tav>
+                                        <p:tav tm="100000">
+                                          <p:val>
+                                            <p:strVal val="#ppt_y"/>
+                                          </p:val>
+                                        </p:tav>
+                                      </p:tavLst>
+                                    </p:anim>
+                                  </p:childTnLst>
+                                </p:cTn>
+                              </p:par>
+                            </p:childTnLst>
+                          </p:cTn>
+                        </p:par>
+                      </p:childTnLst>
+                    </p:cTn>
+                  </p:par>
+                  <p:par>
+                    <p:cTn id="189" fill="hold">
+                      <p:stCondLst>
+                        <p:cond delay="indefinite"/>
+                      </p:stCondLst>
+                      <p:childTnLst>
+                        <p:par>
+                          <p:cTn id="190" fill="hold">
+                            <p:stCondLst>
+                              <p:cond delay="0"/>
+                            </p:stCondLst>
+                            <p:childTnLst>
+                              <p:par>
+                                <p:cTn id="191" presetID="10" presetClass="exit" presetSubtype="0" fill="hold" nodeType="clickEffect">
+                                  <p:stCondLst>
+                                    <p:cond delay="0"/>
+                                  </p:stCondLst>
+                                  <p:childTnLst>
+                                    <p:animEffect transition="out" filter="fade">
+                                      <p:cBhvr>
+                                        <p:cTn id="192" dur="500"/>
+                                        <p:tgtEl>
+                                          <p:spTgt spid="3"/>
+                                        </p:tgtEl>
+                                      </p:cBhvr>
+                                    </p:animEffect>
+                                    <p:set>
+                                      <p:cBhvr>
+                                        <p:cTn id="193" dur="1" fill="hold">
+                                          <p:stCondLst>
+                                            <p:cond delay="499"/>
+                                          </p:stCondLst>
+                                        </p:cTn>
+                                        <p:tgtEl>
+                                          <p:spTgt spid="3"/>
+                                        </p:tgtEl>
+                                        <p:attrNameLst>
+                                          <p:attrName>style.visibility</p:attrName>
+                                        </p:attrNameLst>
+                                      </p:cBhvr>
+                                      <p:to>
+                                        <p:strVal val="hidden"/>
+                                      </p:to>
+                                    </p:set>
+                                  </p:childTnLst>
+                                </p:cTn>
+                              </p:par>
+                              <p:par>
+                                <p:cTn id="194" presetID="10" presetClass="exit" presetSubtype="0" fill="hold" nodeType="withEffect">
+                                  <p:stCondLst>
+                                    <p:cond delay="0"/>
+                                  </p:stCondLst>
+                                  <p:childTnLst>
+                                    <p:animEffect transition="out" filter="fade">
+                                      <p:cBhvr>
+                                        <p:cTn id="195" dur="500"/>
+                                        <p:tgtEl>
+                                          <p:spTgt spid="35"/>
+                                        </p:tgtEl>
+                                      </p:cBhvr>
+                                    </p:animEffect>
+                                    <p:set>
+                                      <p:cBhvr>
+                                        <p:cTn id="196" dur="1" fill="hold">
+                                          <p:stCondLst>
+                                            <p:cond delay="499"/>
+                                          </p:stCondLst>
+                                        </p:cTn>
+                                        <p:tgtEl>
+                                          <p:spTgt spid="35"/>
+                                        </p:tgtEl>
+                                        <p:attrNameLst>
+                                          <p:attrName>style.visibility</p:attrName>
+                                        </p:attrNameLst>
+                                      </p:cBhvr>
+                                      <p:to>
+                                        <p:strVal val="hidden"/>
+                                      </p:to>
+                                    </p:set>
+                                  </p:childTnLst>
+                                </p:cTn>
+                              </p:par>
+                              <p:par>
+                                <p:cTn id="197" presetID="10" presetClass="exit" presetSubtype="0" fill="hold" nodeType="withEffect">
+                                  <p:stCondLst>
+                                    <p:cond delay="0"/>
+                                  </p:stCondLst>
+                                  <p:childTnLst>
+                                    <p:animEffect transition="out" filter="fade">
+                                      <p:cBhvr>
+                                        <p:cTn id="198" dur="500"/>
+                                        <p:tgtEl>
+                                          <p:spTgt spid="33"/>
+                                        </p:tgtEl>
+                                      </p:cBhvr>
+                                    </p:animEffect>
+                                    <p:set>
+                                      <p:cBhvr>
+                                        <p:cTn id="199" dur="1" fill="hold">
+                                          <p:stCondLst>
+                                            <p:cond delay="499"/>
+                                          </p:stCondLst>
+                                        </p:cTn>
+                                        <p:tgtEl>
+                                          <p:spTgt spid="33"/>
+                                        </p:tgtEl>
+                                        <p:attrNameLst>
+                                          <p:attrName>style.visibility</p:attrName>
+                                        </p:attrNameLst>
+                                      </p:cBhvr>
+                                      <p:to>
+                                        <p:strVal val="hidden"/>
+                                      </p:to>
+                                    </p:set>
+                                  </p:childTnLst>
+                                </p:cTn>
+                              </p:par>
+                              <p:par>
+                                <p:cTn id="200" presetID="10" presetClass="exit" presetSubtype="0" fill="hold" nodeType="withEffect">
+                                  <p:stCondLst>
+                                    <p:cond delay="0"/>
+                                  </p:stCondLst>
+                                  <p:childTnLst>
+                                    <p:animEffect transition="out" filter="fade">
+                                      <p:cBhvr>
+                                        <p:cTn id="201" dur="500"/>
+                                        <p:tgtEl>
+                                          <p:spTgt spid="23"/>
+                                        </p:tgtEl>
+                                      </p:cBhvr>
+                                    </p:animEffect>
+                                    <p:set>
+                                      <p:cBhvr>
+                                        <p:cTn id="202" dur="1" fill="hold">
+                                          <p:stCondLst>
+                                            <p:cond delay="499"/>
+                                          </p:stCondLst>
+                                        </p:cTn>
+                                        <p:tgtEl>
+                                          <p:spTgt spid="23"/>
+                                        </p:tgtEl>
+                                        <p:attrNameLst>
+                                          <p:attrName>style.visibility</p:attrName>
+                                        </p:attrNameLst>
+                                      </p:cBhvr>
+                                      <p:to>
+                                        <p:strVal val="hidden"/>
+                                      </p:to>
+                                    </p:set>
+                                  </p:childTnLst>
+                                </p:cTn>
+                              </p:par>
+                              <p:par>
+                                <p:cTn id="203" presetID="10" presetClass="exit" presetSubtype="0" fill="hold" nodeType="withEffect">
+                                  <p:stCondLst>
+                                    <p:cond delay="0"/>
+                                  </p:stCondLst>
+                                  <p:childTnLst>
+                                    <p:animEffect transition="out" filter="fade">
+                                      <p:cBhvr>
+                                        <p:cTn id="204" dur="500"/>
+                                        <p:tgtEl>
+                                          <p:spTgt spid="3"/>
+                                        </p:tgtEl>
+                                      </p:cBhvr>
+                                    </p:animEffect>
+                                    <p:set>
+                                      <p:cBhvr>
+                                        <p:cTn id="205" dur="1" fill="hold">
+                                          <p:stCondLst>
+                                            <p:cond delay="499"/>
+                                          </p:stCondLst>
+                                        </p:cTn>
+                                        <p:tgtEl>
+                                          <p:spTgt spid="3"/>
+                                        </p:tgtEl>
+                                        <p:attrNameLst>
+                                          <p:attrName>style.visibility</p:attrName>
+                                        </p:attrNameLst>
+                                      </p:cBhvr>
+                                      <p:to>
+                                        <p:strVal val="hidden"/>
+                                      </p:to>
+                                    </p:set>
+                                  </p:childTnLst>
+                                </p:cTn>
+                              </p:par>
+                              <p:par>
+                                <p:cTn id="206" presetID="10" presetClass="exit" presetSubtype="0" fill="hold" nodeType="withEffect">
+                                  <p:stCondLst>
+                                    <p:cond delay="0"/>
+                                  </p:stCondLst>
+                                  <p:childTnLst>
+                                    <p:animEffect transition="out" filter="fade">
+                                      <p:cBhvr>
+                                        <p:cTn id="207" dur="500"/>
+                                        <p:tgtEl>
+                                          <p:spTgt spid="20"/>
+                                        </p:tgtEl>
+                                      </p:cBhvr>
+                                    </p:animEffect>
+                                    <p:set>
+                                      <p:cBhvr>
+                                        <p:cTn id="208" dur="1" fill="hold">
+                                          <p:stCondLst>
+                                            <p:cond delay="499"/>
+                                          </p:stCondLst>
+                                        </p:cTn>
+                                        <p:tgtEl>
+                                          <p:spTgt spid="20"/>
+                                        </p:tgtEl>
+                                        <p:attrNameLst>
+                                          <p:attrName>style.visibility</p:attrName>
+                                        </p:attrNameLst>
+                                      </p:cBhvr>
+                                      <p:to>
+                                        <p:strVal val="hidden"/>
+                                      </p:to>
+                                    </p:set>
+                                  </p:childTnLst>
+                                </p:cTn>
+                              </p:par>
+                            </p:childTnLst>
+                          </p:cTn>
+                        </p:par>
+                      </p:childTnLst>
+                    </p:cTn>
+                  </p:par>
+                  <p:par>
+                    <p:cTn id="209" fill="hold">
+                      <p:stCondLst>
+                        <p:cond delay="indefinite"/>
+                      </p:stCondLst>
+                      <p:childTnLst>
+                        <p:par>
+                          <p:cTn id="210" fill="hold">
+                            <p:stCondLst>
+                              <p:cond delay="0"/>
+                            </p:stCondLst>
+                            <p:childTnLst>
+                              <p:par>
+                                <p:cTn id="211" presetID="35" presetClass="path" presetSubtype="0" accel="50000" decel="50000" fill="hold" nodeType="clickEffect">
+                                  <p:stCondLst>
+                                    <p:cond delay="0"/>
+                                  </p:stCondLst>
+                                  <p:childTnLst>
+                                    <p:animMotion origin="layout" path="M 4.44444E-6 -1.11111E-6 L -0.27327 -1.11111E-6 " pathEditMode="relative" rAng="0" ptsTypes="AA">
+                                      <p:cBhvr>
+                                        <p:cTn id="212" dur="1000" fill="hold"/>
+                                        <p:tgtEl>
+                                          <p:spTgt spid="7"/>
+                                        </p:tgtEl>
+                                        <p:attrNameLst>
+                                          <p:attrName>ppt_x</p:attrName>
+                                          <p:attrName>ppt_y</p:attrName>
+                                        </p:attrNameLst>
+                                      </p:cBhvr>
+                                      <p:rCtr x="-13663" y="0"/>
+                                    </p:animMotion>
+                                  </p:childTnLst>
+                                </p:cTn>
+                              </p:par>
+                            </p:childTnLst>
+                          </p:cTn>
+                        </p:par>
+                      </p:childTnLst>
+                    </p:cTn>
+                  </p:par>
+                  <p:par>
+                    <p:cTn id="213" fill="hold">
+                      <p:stCondLst>
+                        <p:cond delay="indefinite"/>
+                      </p:stCondLst>
+                      <p:childTnLst>
+                        <p:par>
+                          <p:cTn id="214" fill="hold">
+                            <p:stCondLst>
+                              <p:cond delay="0"/>
+                            </p:stCondLst>
+                            <p:childTnLst>
+                              <p:par>
+                                <p:cTn id="215" presetID="2" presetClass="entr" presetSubtype="8" fill="hold" nodeType="clickEffect">
+                                  <p:stCondLst>
+                                    <p:cond delay="0"/>
+                                  </p:stCondLst>
+                                  <p:childTnLst>
+                                    <p:set>
+                                      <p:cBhvr>
+                                        <p:cTn id="216" dur="1" fill="hold">
+                                          <p:stCondLst>
+                                            <p:cond delay="0"/>
+                                          </p:stCondLst>
+                                        </p:cTn>
+                                        <p:tgtEl>
+                                          <p:spTgt spid="23"/>
+                                        </p:tgtEl>
+                                        <p:attrNameLst>
+                                          <p:attrName>style.visibility</p:attrName>
+                                        </p:attrNameLst>
+                                      </p:cBhvr>
+                                      <p:to>
+                                        <p:strVal val="visible"/>
+                                      </p:to>
+                                    </p:set>
+                                    <p:anim calcmode="lin" valueType="num">
+                                      <p:cBhvr additive="base">
+                                        <p:cTn id="217" dur="500" fill="hold"/>
+                                        <p:tgtEl>
+                                          <p:spTgt spid="23"/>
+                                        </p:tgtEl>
+                                        <p:attrNameLst>
+                                          <p:attrName>ppt_x</p:attrName>
+                                        </p:attrNameLst>
+                                      </p:cBhvr>
+                                      <p:tavLst>
+                                        <p:tav tm="0">
+                                          <p:val>
+                                            <p:strVal val="0-#ppt_w/2"/>
+                                          </p:val>
+                                        </p:tav>
+                                        <p:tav tm="100000">
+                                          <p:val>
+                                            <p:strVal val="#ppt_x"/>
+                                          </p:val>
+                                        </p:tav>
+                                      </p:tavLst>
+                                    </p:anim>
+                                    <p:anim calcmode="lin" valueType="num">
+                                      <p:cBhvr additive="base">
+                                        <p:cTn id="218" dur="500" fill="hold"/>
+                                        <p:tgtEl>
+                                          <p:spTgt spid="23"/>
+                                        </p:tgtEl>
+                                        <p:attrNameLst>
+                                          <p:attrName>ppt_y</p:attrName>
+                                        </p:attrNameLst>
+                                      </p:cBhvr>
+                                      <p:tavLst>
+                                        <p:tav tm="0">
+                                          <p:val>
+                                            <p:strVal val="#ppt_y"/>
+                                          </p:val>
+                                        </p:tav>
+                                        <p:tav tm="100000">
+                                          <p:val>
+                                            <p:strVal val="#ppt_y"/>
+                                          </p:val>
+                                        </p:tav>
+                                      </p:tavLst>
+                                    </p:anim>
+                                  </p:childTnLst>
+                                </p:cTn>
+                              </p:par>
+                            </p:childTnLst>
+                          </p:cTn>
+                        </p:par>
+                      </p:childTnLst>
+                    </p:cTn>
+                  </p:par>
+                  <p:par>
+                    <p:cTn id="219" fill="hold">
+                      <p:stCondLst>
+                        <p:cond delay="indefinite"/>
+                      </p:stCondLst>
+                      <p:childTnLst>
+                        <p:par>
+                          <p:cTn id="220" fill="hold">
+                            <p:stCondLst>
+                              <p:cond delay="0"/>
+                            </p:stCondLst>
+                            <p:childTnLst>
+                              <p:par>
+                                <p:cTn id="221" presetID="2" presetClass="entr" presetSubtype="8" fill="hold" nodeType="clickEffect">
+                                  <p:stCondLst>
+                                    <p:cond delay="0"/>
+                                  </p:stCondLst>
+                                  <p:childTnLst>
+                                    <p:set>
+                                      <p:cBhvr>
+                                        <p:cTn id="222" dur="1" fill="hold">
+                                          <p:stCondLst>
+                                            <p:cond delay="0"/>
+                                          </p:stCondLst>
+                                        </p:cTn>
+                                        <p:tgtEl>
+                                          <p:spTgt spid="33"/>
+                                        </p:tgtEl>
+                                        <p:attrNameLst>
+                                          <p:attrName>style.visibility</p:attrName>
+                                        </p:attrNameLst>
+                                      </p:cBhvr>
+                                      <p:to>
+                                        <p:strVal val="visible"/>
+                                      </p:to>
+                                    </p:set>
+                                    <p:anim calcmode="lin" valueType="num">
+                                      <p:cBhvr additive="base">
+                                        <p:cTn id="223" dur="500" fill="hold"/>
+                                        <p:tgtEl>
+                                          <p:spTgt spid="33"/>
+                                        </p:tgtEl>
+                                        <p:attrNameLst>
+                                          <p:attrName>ppt_x</p:attrName>
+                                        </p:attrNameLst>
+                                      </p:cBhvr>
+                                      <p:tavLst>
+                                        <p:tav tm="0">
+                                          <p:val>
+                                            <p:strVal val="0-#ppt_w/2"/>
+                                          </p:val>
+                                        </p:tav>
+                                        <p:tav tm="100000">
+                                          <p:val>
+                                            <p:strVal val="#ppt_x"/>
+                                          </p:val>
+                                        </p:tav>
+                                      </p:tavLst>
+                                    </p:anim>
+                                    <p:anim calcmode="lin" valueType="num">
+                                      <p:cBhvr additive="base">
+                                        <p:cTn id="224" dur="500" fill="hold"/>
+                                        <p:tgtEl>
+                                          <p:spTgt spid="33"/>
+                                        </p:tgtEl>
+                                        <p:attrNameLst>
+                                          <p:attrName>ppt_y</p:attrName>
+                                        </p:attrNameLst>
+                                      </p:cBhvr>
+                                      <p:tavLst>
+                                        <p:tav tm="0">
+                                          <p:val>
+                                            <p:strVal val="#ppt_y"/>
+                                          </p:val>
+                                        </p:tav>
+                                        <p:tav tm="100000">
+                                          <p:val>
+                                            <p:strVal val="#ppt_y"/>
+                                          </p:val>
+                                        </p:tav>
+                                      </p:tavLst>
+                                    </p:anim>
+                                  </p:childTnLst>
+                                </p:cTn>
+                              </p:par>
+                            </p:childTnLst>
+                          </p:cTn>
+                        </p:par>
+                      </p:childTnLst>
+                    </p:cTn>
+                  </p:par>
+                  <p:par>
+                    <p:cTn id="225" fill="hold">
+                      <p:stCondLst>
+                        <p:cond delay="indefinite"/>
+                      </p:stCondLst>
+                      <p:childTnLst>
+                        <p:par>
+                          <p:cTn id="226" fill="hold">
+                            <p:stCondLst>
+                              <p:cond delay="0"/>
+                            </p:stCondLst>
+                            <p:childTnLst>
+                              <p:par>
+                                <p:cTn id="227" presetID="2" presetClass="entr" presetSubtype="2" fill="hold" nodeType="clickEffect">
+                                  <p:stCondLst>
+                                    <p:cond delay="0"/>
+                                  </p:stCondLst>
+                                  <p:childTnLst>
+                                    <p:set>
+                                      <p:cBhvr>
+                                        <p:cTn id="228" dur="1" fill="hold">
+                                          <p:stCondLst>
+                                            <p:cond delay="0"/>
+                                          </p:stCondLst>
+                                        </p:cTn>
+                                        <p:tgtEl>
+                                          <p:spTgt spid="20"/>
+                                        </p:tgtEl>
+                                        <p:attrNameLst>
+                                          <p:attrName>style.visibility</p:attrName>
+                                        </p:attrNameLst>
+                                      </p:cBhvr>
+                                      <p:to>
+                                        <p:strVal val="visible"/>
+                                      </p:to>
+                                    </p:set>
+                                    <p:anim calcmode="lin" valueType="num">
+                                      <p:cBhvr additive="base">
+                                        <p:cTn id="229" dur="500" fill="hold"/>
+                                        <p:tgtEl>
+                                          <p:spTgt spid="20"/>
+                                        </p:tgtEl>
+                                        <p:attrNameLst>
+                                          <p:attrName>ppt_x</p:attrName>
+                                        </p:attrNameLst>
+                                      </p:cBhvr>
+                                      <p:tavLst>
+                                        <p:tav tm="0">
+                                          <p:val>
+                                            <p:strVal val="1+#ppt_w/2"/>
+                                          </p:val>
+                                        </p:tav>
+                                        <p:tav tm="100000">
+                                          <p:val>
+                                            <p:strVal val="#ppt_x"/>
+                                          </p:val>
+                                        </p:tav>
+                                      </p:tavLst>
+                                    </p:anim>
+                                    <p:anim calcmode="lin" valueType="num">
+                                      <p:cBhvr additive="base">
+                                        <p:cTn id="230" dur="500" fill="hold"/>
+                                        <p:tgtEl>
+                                          <p:spTgt spid="20"/>
+                                        </p:tgtEl>
+                                        <p:attrNameLst>
+                                          <p:attrName>ppt_y</p:attrName>
+                                        </p:attrNameLst>
+                                      </p:cBhvr>
+                                      <p:tavLst>
+                                        <p:tav tm="0">
+                                          <p:val>
+                                            <p:strVal val="#ppt_y"/>
+                                          </p:val>
+                                        </p:tav>
+                                        <p:tav tm="100000">
+                                          <p:val>
+                                            <p:strVal val="#ppt_y"/>
+                                          </p:val>
+                                        </p:tav>
+                                      </p:tavLst>
+                                    </p:anim>
+                                  </p:childTnLst>
+                                </p:cTn>
+                              </p:par>
+                            </p:childTnLst>
+                          </p:cTn>
+                        </p:par>
+                      </p:childTnLst>
+                    </p:cTn>
+                  </p:par>
+                  <p:par>
+                    <p:cTn id="231" fill="hold">
+                      <p:stCondLst>
+                        <p:cond delay="indefinite"/>
+                      </p:stCondLst>
+                      <p:childTnLst>
+                        <p:par>
+                          <p:cTn id="232" fill="hold">
+                            <p:stCondLst>
+                              <p:cond delay="0"/>
+                            </p:stCondLst>
+                            <p:childTnLst>
+                              <p:par>
+                                <p:cTn id="233" presetID="10" presetClass="exit" presetSubtype="0" fill="hold" nodeType="clickEffect">
+                                  <p:stCondLst>
+                                    <p:cond delay="0"/>
+                                  </p:stCondLst>
+                                  <p:childTnLst>
+                                    <p:animEffect transition="out" filter="fade">
+                                      <p:cBhvr>
+                                        <p:cTn id="234" dur="500"/>
+                                        <p:tgtEl>
+                                          <p:spTgt spid="20"/>
+                                        </p:tgtEl>
+                                      </p:cBhvr>
+                                    </p:animEffect>
+                                    <p:set>
+                                      <p:cBhvr>
+                                        <p:cTn id="235" dur="1" fill="hold">
+                                          <p:stCondLst>
+                                            <p:cond delay="499"/>
+                                          </p:stCondLst>
+                                        </p:cTn>
+                                        <p:tgtEl>
+                                          <p:spTgt spid="20"/>
+                                        </p:tgtEl>
+                                        <p:attrNameLst>
+                                          <p:attrName>style.visibility</p:attrName>
+                                        </p:attrNameLst>
+                                      </p:cBhvr>
+                                      <p:to>
+                                        <p:strVal val="hidden"/>
+                                      </p:to>
+                                    </p:set>
+                                  </p:childTnLst>
+                                </p:cTn>
+                              </p:par>
+                              <p:par>
+                                <p:cTn id="236" presetID="10" presetClass="exit" presetSubtype="0" fill="hold" nodeType="withEffect">
+                                  <p:stCondLst>
+                                    <p:cond delay="0"/>
+                                  </p:stCondLst>
+                                  <p:childTnLst>
+                                    <p:animEffect transition="out" filter="fade">
+                                      <p:cBhvr>
+                                        <p:cTn id="237" dur="500"/>
+                                        <p:tgtEl>
+                                          <p:spTgt spid="23"/>
+                                        </p:tgtEl>
+                                      </p:cBhvr>
+                                    </p:animEffect>
+                                    <p:set>
+                                      <p:cBhvr>
+                                        <p:cTn id="238" dur="1" fill="hold">
+                                          <p:stCondLst>
+                                            <p:cond delay="499"/>
+                                          </p:stCondLst>
+                                        </p:cTn>
+                                        <p:tgtEl>
+                                          <p:spTgt spid="23"/>
+                                        </p:tgtEl>
+                                        <p:attrNameLst>
+                                          <p:attrName>style.visibility</p:attrName>
+                                        </p:attrNameLst>
+                                      </p:cBhvr>
+                                      <p:to>
+                                        <p:strVal val="hidden"/>
+                                      </p:to>
+                                    </p:set>
+                                  </p:childTnLst>
+                                </p:cTn>
+                              </p:par>
+                              <p:par>
+                                <p:cTn id="239" presetID="10" presetClass="exit" presetSubtype="0" fill="hold" nodeType="withEffect">
+                                  <p:stCondLst>
+                                    <p:cond delay="0"/>
+                                  </p:stCondLst>
+                                  <p:childTnLst>
+                                    <p:animEffect transition="out" filter="fade">
+                                      <p:cBhvr>
+                                        <p:cTn id="240" dur="500"/>
+                                        <p:tgtEl>
+                                          <p:spTgt spid="33"/>
+                                        </p:tgtEl>
+                                      </p:cBhvr>
+                                    </p:animEffect>
+                                    <p:set>
+                                      <p:cBhvr>
+                                        <p:cTn id="241" dur="1" fill="hold">
+                                          <p:stCondLst>
+                                            <p:cond delay="499"/>
+                                          </p:stCondLst>
+                                        </p:cTn>
+                                        <p:tgtEl>
+                                          <p:spTgt spid="33"/>
+                                        </p:tgtEl>
+                                        <p:attrNameLst>
+                                          <p:attrName>style.visibility</p:attrName>
+                                        </p:attrNameLst>
+                                      </p:cBhvr>
+                                      <p:to>
+                                        <p:strVal val="hidden"/>
+                                      </p:to>
+                                    </p:set>
+                                  </p:childTnLst>
+                                </p:cTn>
+                              </p:par>
+                            </p:childTnLst>
+                          </p:cTn>
+                        </p:par>
+                      </p:childTnLst>
+                    </p:cTn>
+                  </p:par>
+                  <p:par>
+                    <p:cTn id="242" fill="hold">
+                      <p:stCondLst>
+                        <p:cond delay="indefinite"/>
+                      </p:stCondLst>
+                      <p:childTnLst>
+                        <p:par>
+                          <p:cTn id="243" fill="hold">
+                            <p:stCondLst>
+                              <p:cond delay="0"/>
+                            </p:stCondLst>
+                            <p:childTnLst>
+                              <p:par>
+                                <p:cTn id="244" presetID="35" presetClass="path" presetSubtype="0" accel="50000" decel="50000" fill="hold" nodeType="clickEffect">
+                                  <p:stCondLst>
+                                    <p:cond delay="0"/>
+                                  </p:stCondLst>
+                                  <p:childTnLst>
+                                    <p:animMotion origin="layout" path="M -0.27327 -4.98733E-18 L -0.43073 -1.11111E-6 " pathEditMode="relative" rAng="0" ptsTypes="AA">
+                                      <p:cBhvr>
+                                        <p:cTn id="245" dur="1000" fill="hold"/>
+                                        <p:tgtEl>
+                                          <p:spTgt spid="7"/>
+                                        </p:tgtEl>
+                                        <p:attrNameLst>
+                                          <p:attrName>ppt_x</p:attrName>
+                                          <p:attrName>ppt_y</p:attrName>
+                                        </p:attrNameLst>
+                                      </p:cBhvr>
+                                      <p:rCtr x="-7882" y="-69"/>
+                                    </p:animMotion>
+                                  </p:childTnLst>
+                                </p:cTn>
+                              </p:par>
+                            </p:childTnLst>
+                          </p:cTn>
+                        </p:par>
+                      </p:childTnLst>
+                    </p:cTn>
+                  </p:par>
+                  <p:par>
+                    <p:cTn id="246" fill="hold">
+                      <p:stCondLst>
+                        <p:cond delay="indefinite"/>
+                      </p:stCondLst>
+                      <p:childTnLst>
+                        <p:par>
+                          <p:cTn id="247" fill="hold">
+                            <p:stCondLst>
+                              <p:cond delay="0"/>
+                            </p:stCondLst>
+                            <p:childTnLst>
+                              <p:par>
+                                <p:cTn id="248" presetID="10" presetClass="entr" presetSubtype="0" fill="hold" nodeType="clickEffect">
+                                  <p:stCondLst>
+                                    <p:cond delay="0"/>
+                                  </p:stCondLst>
+                                  <p:childTnLst>
+                                    <p:set>
+                                      <p:cBhvr>
+                                        <p:cTn id="249" dur="1" fill="hold">
+                                          <p:stCondLst>
+                                            <p:cond delay="0"/>
+                                          </p:stCondLst>
+                                        </p:cTn>
+                                        <p:tgtEl>
+                                          <p:spTgt spid="37"/>
+                                        </p:tgtEl>
+                                        <p:attrNameLst>
+                                          <p:attrName>style.visibility</p:attrName>
+                                        </p:attrNameLst>
+                                      </p:cBhvr>
+                                      <p:to>
+                                        <p:strVal val="visible"/>
+                                      </p:to>
+                                    </p:set>
+                                    <p:animEffect transition="in" filter="fade">
+                                      <p:cBhvr>
+                                        <p:cTn id="250" dur="500"/>
+                                        <p:tgtEl>
+                                          <p:spTgt spid="37"/>
+                                        </p:tgtEl>
+                                      </p:cBhvr>
+                                    </p:animEffect>
+                                  </p:childTnLst>
+                                </p:cTn>
+                              </p:par>
+                            </p:childTnLst>
+                          </p:cTn>
+                        </p:par>
+                      </p:childTnLst>
+                    </p:cTn>
+                  </p:par>
+                  <p:par>
+                    <p:cTn id="251" fill="hold">
+                      <p:stCondLst>
+                        <p:cond delay="indefinite"/>
+                      </p:stCondLst>
+                      <p:childTnLst>
+                        <p:par>
+                          <p:cTn id="252" fill="hold">
+                            <p:stCondLst>
+                              <p:cond delay="0"/>
+                            </p:stCondLst>
+                            <p:childTnLst>
+                              <p:par>
+                                <p:cTn id="253" presetID="63" presetClass="path" presetSubtype="0" accel="50000" decel="50000" fill="hold" nodeType="clickEffect">
+                                  <p:stCondLst>
+                                    <p:cond delay="0"/>
+                                  </p:stCondLst>
+                                  <p:childTnLst>
+                                    <p:animMotion origin="layout" path="M -0.43073 -1.11111E-6 L -0.27326 -1.11111E-6 " pathEditMode="relative" rAng="0" ptsTypes="AA">
+                                      <p:cBhvr>
+                                        <p:cTn id="254" dur="1000" fill="hold"/>
+                                        <p:tgtEl>
+                                          <p:spTgt spid="7"/>
+                                        </p:tgtEl>
+                                        <p:attrNameLst>
+                                          <p:attrName>ppt_x</p:attrName>
+                                          <p:attrName>ppt_y</p:attrName>
+                                        </p:attrNameLst>
+                                      </p:cBhvr>
+                                      <p:rCtr x="8264" y="0"/>
+                                    </p:animMotion>
+                                  </p:childTnLst>
+                                </p:cTn>
+                              </p:par>
+                              <p:par>
+                                <p:cTn id="255" presetID="63" presetClass="path" presetSubtype="0" accel="50000" decel="50000" fill="hold" nodeType="withEffect">
+                                  <p:stCondLst>
+                                    <p:cond delay="0"/>
+                                  </p:stCondLst>
+                                  <p:childTnLst>
+                                    <p:animMotion origin="layout" path="M 0.44584 -4.98733E-18 L 0.60486 0.00139 " pathEditMode="relative" rAng="0" ptsTypes="AA">
+                                      <p:cBhvr>
+                                        <p:cTn id="256" dur="1000" fill="hold"/>
+                                        <p:tgtEl>
+                                          <p:spTgt spid="9"/>
+                                        </p:tgtEl>
+                                        <p:attrNameLst>
+                                          <p:attrName>ppt_x</p:attrName>
+                                          <p:attrName>ppt_y</p:attrName>
+                                        </p:attrNameLst>
+                                      </p:cBhvr>
+                                      <p:rCtr x="8351" y="0"/>
+                                    </p:animMotion>
+                                  </p:childTnLst>
+                                </p:cTn>
+                              </p:par>
+                            </p:childTnLst>
+                          </p:cTn>
+                        </p:par>
+                      </p:childTnLst>
+                    </p:cTn>
+                  </p:par>
+                  <p:par>
+                    <p:cTn id="257" fill="hold">
+                      <p:stCondLst>
+                        <p:cond delay="indefinite"/>
+                      </p:stCondLst>
+                      <p:childTnLst>
+                        <p:par>
+                          <p:cTn id="258" fill="hold">
+                            <p:stCondLst>
+                              <p:cond delay="0"/>
+                            </p:stCondLst>
+                            <p:childTnLst>
+                              <p:par>
+                                <p:cTn id="259" presetID="10" presetClass="entr" presetSubtype="0" fill="hold" nodeType="clickEffect">
+                                  <p:stCondLst>
+                                    <p:cond delay="0"/>
+                                  </p:stCondLst>
+                                  <p:childTnLst>
+                                    <p:set>
+                                      <p:cBhvr>
+                                        <p:cTn id="260" dur="1" fill="hold">
+                                          <p:stCondLst>
+                                            <p:cond delay="0"/>
+                                          </p:stCondLst>
+                                        </p:cTn>
+                                        <p:tgtEl>
+                                          <p:spTgt spid="39"/>
+                                        </p:tgtEl>
+                                        <p:attrNameLst>
+                                          <p:attrName>style.visibility</p:attrName>
+                                        </p:attrNameLst>
+                                      </p:cBhvr>
+                                      <p:to>
+                                        <p:strVal val="visible"/>
+                                      </p:to>
+                                    </p:set>
+                                    <p:animEffect transition="in" filter="fade">
+                                      <p:cBhvr>
+                                        <p:cTn id="261" dur="500"/>
+                                        <p:tgtEl>
+                                          <p:spTgt spid="39"/>
+                                        </p:tgtEl>
+                                      </p:cBhvr>
+                                    </p:animEffect>
+                                  </p:childTnLst>
+                                </p:cTn>
+                              </p:par>
+                            </p:childTnLst>
+                          </p:cTn>
+                        </p:par>
+                      </p:childTnLst>
+                    </p:cTn>
+                  </p:par>
+                  <p:par>
+                    <p:cTn id="262" fill="hold">
+                      <p:stCondLst>
+                        <p:cond delay="indefinite"/>
+                      </p:stCondLst>
+                      <p:childTnLst>
+                        <p:par>
+                          <p:cTn id="263" fill="hold">
+                            <p:stCondLst>
+                              <p:cond delay="0"/>
+                            </p:stCondLst>
+                            <p:childTnLst>
+                              <p:par>
+                                <p:cTn id="264" presetID="63" presetClass="path" presetSubtype="0" accel="50000" decel="50000" fill="hold" nodeType="clickEffect">
+                                  <p:stCondLst>
+                                    <p:cond delay="0"/>
+                                  </p:stCondLst>
+                                  <p:childTnLst>
+                                    <p:animMotion origin="layout" path="M -0.27327 -1.11111E-6 L -4.72222E-6 -1.11111E-6 " pathEditMode="relative" rAng="0" ptsTypes="AA">
+                                      <p:cBhvr>
+                                        <p:cTn id="265" dur="1000" fill="hold"/>
+                                        <p:tgtEl>
+                                          <p:spTgt spid="7"/>
+                                        </p:tgtEl>
+                                        <p:attrNameLst>
+                                          <p:attrName>ppt_x</p:attrName>
+                                          <p:attrName>ppt_y</p:attrName>
+                                        </p:attrNameLst>
+                                      </p:cBhvr>
+                                      <p:rCtr x="14566" y="0"/>
+                                    </p:animMotion>
+                                  </p:childTnLst>
+                                </p:cTn>
+                              </p:par>
+                              <p:par>
+                                <p:cTn id="266" presetID="63" presetClass="path" presetSubtype="0" accel="50000" decel="50000" fill="hold" nodeType="withEffect">
+                                  <p:stCondLst>
+                                    <p:cond delay="0"/>
+                                  </p:stCondLst>
+                                  <p:childTnLst>
+                                    <p:animMotion origin="layout" path="M 0.60486 0.00139 L 0.76076 -1.11111E-6 " pathEditMode="relative" rAng="0" ptsTypes="AA">
+                                      <p:cBhvr>
+                                        <p:cTn id="267" dur="1000" fill="hold"/>
+                                        <p:tgtEl>
+                                          <p:spTgt spid="9"/>
+                                        </p:tgtEl>
+                                        <p:attrNameLst>
+                                          <p:attrName>ppt_x</p:attrName>
+                                          <p:attrName>ppt_y</p:attrName>
+                                        </p:attrNameLst>
+                                      </p:cBhvr>
+                                      <p:rCtr x="7865" y="-69"/>
+                                    </p:animMotion>
+                                  </p:childTnLst>
+                                </p:cTn>
+                              </p:par>
+                            </p:childTnLst>
+                          </p:cTn>
+                        </p:par>
+                      </p:childTnLst>
+                    </p:cTn>
+                  </p:par>
+                  <p:par>
+                    <p:cTn id="268" fill="hold">
+                      <p:stCondLst>
+                        <p:cond delay="indefinite"/>
+                      </p:stCondLst>
+                      <p:childTnLst>
+                        <p:par>
+                          <p:cTn id="269" fill="hold">
+                            <p:stCondLst>
+                              <p:cond delay="0"/>
+                            </p:stCondLst>
+                            <p:childTnLst>
+                              <p:par>
+                                <p:cTn id="270" presetID="10" presetClass="entr" presetSubtype="0" fill="hold" nodeType="clickEffect">
+                                  <p:stCondLst>
+                                    <p:cond delay="0"/>
+                                  </p:stCondLst>
+                                  <p:childTnLst>
+                                    <p:set>
+                                      <p:cBhvr>
+                                        <p:cTn id="271" dur="1" fill="hold">
+                                          <p:stCondLst>
+                                            <p:cond delay="0"/>
+                                          </p:stCondLst>
+                                        </p:cTn>
+                                        <p:tgtEl>
+                                          <p:spTgt spid="40"/>
+                                        </p:tgtEl>
+                                        <p:attrNameLst>
+                                          <p:attrName>style.visibility</p:attrName>
+                                        </p:attrNameLst>
+                                      </p:cBhvr>
+                                      <p:to>
+                                        <p:strVal val="visible"/>
+                                      </p:to>
+                                    </p:set>
+                                    <p:animEffect transition="in" filter="fade">
+                                      <p:cBhvr>
+                                        <p:cTn id="272" dur="500"/>
+                                        <p:tgtEl>
+                                          <p:spTgt spid="40"/>
+                                        </p:tgtEl>
+                                      </p:cBhvr>
+                                    </p:animEffect>
+                                  </p:childTnLst>
+                                </p:cTn>
+                              </p:par>
+                            </p:childTnLst>
+                          </p:cTn>
+                        </p:par>
+                      </p:childTnLst>
+                    </p:cTn>
+                  </p:par>
+                  <p:par>
+                    <p:cTn id="273" fill="hold">
+                      <p:stCondLst>
+                        <p:cond delay="indefinite"/>
+                      </p:stCondLst>
+                      <p:childTnLst>
+                        <p:par>
+                          <p:cTn id="274" fill="hold">
+                            <p:stCondLst>
+                              <p:cond delay="0"/>
+                            </p:stCondLst>
+                            <p:childTnLst>
+                              <p:par>
+                                <p:cTn id="275" presetID="35" presetClass="path" presetSubtype="0" accel="50000" decel="50000" fill="hold" nodeType="clickEffect">
+                                  <p:stCondLst>
+                                    <p:cond delay="0"/>
+                                  </p:stCondLst>
+                                  <p:childTnLst>
+                                    <p:animMotion origin="layout" path="M 0.76076 -1.11111E-6 L -1.38889E-6 -4.98733E-18 " pathEditMode="relative" rAng="0" ptsTypes="AA">
+                                      <p:cBhvr>
+                                        <p:cTn id="276" dur="1000" fill="hold"/>
+                                        <p:tgtEl>
+                                          <p:spTgt spid="9"/>
+                                        </p:tgtEl>
+                                        <p:attrNameLst>
+                                          <p:attrName>ppt_x</p:attrName>
+                                          <p:attrName>ppt_y</p:attrName>
+                                        </p:attrNameLst>
+                                      </p:cBhvr>
+                                      <p:rCtr x="-37795" y="69"/>
+                                    </p:animMotion>
+                                  </p:childTnLst>
+                                </p:cTn>
+                              </p:par>
+                            </p:childTnLst>
+                          </p:cTn>
+                        </p:par>
+                      </p:childTnLst>
+                    </p:cTn>
+                  </p:par>
+                  <p:par>
+                    <p:cTn id="277" fill="hold">
+                      <p:stCondLst>
+                        <p:cond delay="indefinite"/>
+                      </p:stCondLst>
+                      <p:childTnLst>
+                        <p:par>
+                          <p:cTn id="278" fill="hold">
+                            <p:stCondLst>
+                              <p:cond delay="0"/>
+                            </p:stCondLst>
+                            <p:childTnLst>
+                              <p:par>
+                                <p:cTn id="279" presetID="10" presetClass="exit" presetSubtype="0" fill="hold" nodeType="clickEffect">
+                                  <p:stCondLst>
+                                    <p:cond delay="0"/>
+                                  </p:stCondLst>
+                                  <p:childTnLst>
+                                    <p:animEffect transition="out" filter="fade">
+                                      <p:cBhvr>
+                                        <p:cTn id="280" dur="500"/>
+                                        <p:tgtEl>
+                                          <p:spTgt spid="37"/>
+                                        </p:tgtEl>
+                                      </p:cBhvr>
+                                    </p:animEffect>
+                                    <p:set>
+                                      <p:cBhvr>
+                                        <p:cTn id="281" dur="1" fill="hold">
+                                          <p:stCondLst>
+                                            <p:cond delay="499"/>
+                                          </p:stCondLst>
+                                        </p:cTn>
+                                        <p:tgtEl>
+                                          <p:spTgt spid="37"/>
+                                        </p:tgtEl>
+                                        <p:attrNameLst>
+                                          <p:attrName>style.visibility</p:attrName>
+                                        </p:attrNameLst>
+                                      </p:cBhvr>
+                                      <p:to>
+                                        <p:strVal val="hidden"/>
+                                      </p:to>
+                                    </p:set>
+                                  </p:childTnLst>
+                                </p:cTn>
+                              </p:par>
+                              <p:par>
+                                <p:cTn id="282" presetID="10" presetClass="exit" presetSubtype="0" fill="hold" nodeType="withEffect">
+                                  <p:stCondLst>
+                                    <p:cond delay="0"/>
+                                  </p:stCondLst>
+                                  <p:childTnLst>
+                                    <p:animEffect transition="out" filter="fade">
+                                      <p:cBhvr>
+                                        <p:cTn id="283" dur="500"/>
+                                        <p:tgtEl>
+                                          <p:spTgt spid="31"/>
+                                        </p:tgtEl>
+                                      </p:cBhvr>
+                                    </p:animEffect>
+                                    <p:set>
+                                      <p:cBhvr>
+                                        <p:cTn id="284" dur="1" fill="hold">
+                                          <p:stCondLst>
+                                            <p:cond delay="499"/>
+                                          </p:stCondLst>
+                                        </p:cTn>
+                                        <p:tgtEl>
+                                          <p:spTgt spid="31"/>
+                                        </p:tgtEl>
+                                        <p:attrNameLst>
+                                          <p:attrName>style.visibility</p:attrName>
+                                        </p:attrNameLst>
+                                      </p:cBhvr>
+                                      <p:to>
+                                        <p:strVal val="hidden"/>
+                                      </p:to>
+                                    </p:set>
+                                  </p:childTnLst>
+                                </p:cTn>
+                              </p:par>
+                              <p:par>
+                                <p:cTn id="285" presetID="10" presetClass="exit" presetSubtype="0" fill="hold" nodeType="withEffect">
+                                  <p:stCondLst>
+                                    <p:cond delay="0"/>
+                                  </p:stCondLst>
+                                  <p:childTnLst>
+                                    <p:animEffect transition="out" filter="fade">
+                                      <p:cBhvr>
+                                        <p:cTn id="286" dur="500"/>
+                                        <p:tgtEl>
+                                          <p:spTgt spid="11"/>
+                                        </p:tgtEl>
+                                      </p:cBhvr>
+                                    </p:animEffect>
+                                    <p:set>
+                                      <p:cBhvr>
+                                        <p:cTn id="287" dur="1" fill="hold">
+                                          <p:stCondLst>
+                                            <p:cond delay="499"/>
+                                          </p:stCondLst>
+                                        </p:cTn>
+                                        <p:tgtEl>
+                                          <p:spTgt spid="11"/>
+                                        </p:tgtEl>
+                                        <p:attrNameLst>
+                                          <p:attrName>style.visibility</p:attrName>
+                                        </p:attrNameLst>
+                                      </p:cBhvr>
+                                      <p:to>
+                                        <p:strVal val="hidden"/>
+                                      </p:to>
+                                    </p:set>
+                                  </p:childTnLst>
+                                </p:cTn>
+                              </p:par>
+                              <p:par>
+                                <p:cTn id="288" presetID="10" presetClass="exit" presetSubtype="0" fill="hold" nodeType="withEffect">
+                                  <p:stCondLst>
+                                    <p:cond delay="0"/>
+                                  </p:stCondLst>
+                                  <p:childTnLst>
+                                    <p:animEffect transition="out" filter="fade">
+                                      <p:cBhvr>
+                                        <p:cTn id="289" dur="500"/>
+                                        <p:tgtEl>
+                                          <p:spTgt spid="39"/>
+                                        </p:tgtEl>
+                                      </p:cBhvr>
+                                    </p:animEffect>
+                                    <p:set>
+                                      <p:cBhvr>
+                                        <p:cTn id="290" dur="1" fill="hold">
+                                          <p:stCondLst>
+                                            <p:cond delay="499"/>
+                                          </p:stCondLst>
+                                        </p:cTn>
+                                        <p:tgtEl>
+                                          <p:spTgt spid="39"/>
+                                        </p:tgtEl>
+                                        <p:attrNameLst>
+                                          <p:attrName>style.visibility</p:attrName>
+                                        </p:attrNameLst>
+                                      </p:cBhvr>
+                                      <p:to>
+                                        <p:strVal val="hidden"/>
+                                      </p:to>
+                                    </p:set>
+                                  </p:childTnLst>
+                                </p:cTn>
+                              </p:par>
+                              <p:par>
+                                <p:cTn id="291" presetID="10" presetClass="exit" presetSubtype="0" fill="hold" nodeType="withEffect">
+                                  <p:stCondLst>
+                                    <p:cond delay="0"/>
+                                  </p:stCondLst>
+                                  <p:childTnLst>
+                                    <p:animEffect transition="out" filter="fade">
+                                      <p:cBhvr>
+                                        <p:cTn id="292" dur="500"/>
+                                        <p:tgtEl>
+                                          <p:spTgt spid="40"/>
+                                        </p:tgtEl>
+                                      </p:cBhvr>
+                                    </p:animEffect>
+                                    <p:set>
+                                      <p:cBhvr>
+                                        <p:cTn id="293" dur="1" fill="hold">
+                                          <p:stCondLst>
+                                            <p:cond delay="499"/>
+                                          </p:stCondLst>
+                                        </p:cTn>
+                                        <p:tgtEl>
+                                          <p:spTgt spid="40"/>
+                                        </p:tgtEl>
+                                        <p:attrNameLst>
+                                          <p:attrName>style.visibility</p:attrName>
+                                        </p:attrNameLst>
+                                      </p:cBhvr>
+                                      <p:to>
+                                        <p:strVal val="hidden"/>
+                                      </p:to>
+                                    </p:set>
+                                  </p:childTnLst>
+                                </p:cTn>
+                              </p:par>
+                            </p:childTnLst>
+                          </p:cTn>
+                        </p:par>
+                      </p:childTnLst>
+                    </p:cTn>
+                  </p:par>
+                </p:childTnLst>
+              </p:cTn>
+              <p:prevCondLst>
+                <p:cond evt="onPrev" delay="0">
+                  <p:tgtEl>
+                    <p:sldTgt/>
+                  </p:tgtEl>
+                </p:cond>
+              </p:prevCondLst>
+              <p:nextCondLst>
+                <p:cond evt="onNext" delay="0">
+                  <p:tgtEl>
+                    <p:sldTgt/>
+                  </p:tgtEl>
+                </p:cond>
+              </p:nextCondLst>
+            </p:seq>
+          </p:childTnLst>
+        </p:cTn>
+      </p:par>
+    </p:tnLst>
+  </p:timing>
 </p:sld>
 </file>
 
@@ -16431,7 +23171,26 @@
       </p:grpSpPr>
       <p:sp>
         <p:nvSpPr>
-          <p:cNvPr id="738306" name="Rectangle 2"/>
+          <p:cNvPr id="4" name="3 Marcador de contenido"/>
+          <p:cNvSpPr>
+            <a:spLocks noGrp="1"/>
+          </p:cNvSpPr>
+          <p:nvPr>
+            <p:ph idx="1"/>
+          </p:nvPr>
+        </p:nvSpPr>
+        <p:spPr/>
+        <p:txBody>
+          <a:bodyPr/>
+          <a:lstStyle/>
+          <a:p>
+            <a:endParaRPr lang="es-ES" dirty="0"/>
+          </a:p>
+        </p:txBody>
+      </p:sp>
+      <p:sp>
+        <p:nvSpPr>
+          <p:cNvPr id="728066" name="Rectangle 2"/>
           <p:cNvSpPr>
             <a:spLocks noGrp="1" noChangeArrowheads="1"/>
           </p:cNvSpPr>
@@ -16439,12 +23198,7 @@
             <p:ph type="title"/>
           </p:nvPr>
         </p:nvSpPr>
-        <p:spPr>
-          <a:xfrm>
-            <a:off x="611560" y="332656"/>
-            <a:ext cx="8001000" cy="531813"/>
-          </a:xfrm>
-        </p:spPr>
+        <p:spPr/>
         <p:txBody>
           <a:bodyPr anchor="ctr"/>
           <a:lstStyle/>
@@ -16455,11 +23209,7 @@
                   <a:schemeClr val="accent2"/>
                 </a:solidFill>
               </a:rPr>
-              <a:t>6. Posibles mejoras</a:t>
-            </a:r>
-            <a:r>
-              <a:rPr lang="es-ES" sz="2000" b="1" dirty="0"/>
-              <a:t> </a:t>
+              <a:t>5. </a:t>
             </a:r>
             <a:r>
               <a:rPr lang="es-ES_tradnl" sz="2000" b="1" dirty="0">
@@ -16467,27 +23217,8 @@
                   <a:schemeClr val="accent2"/>
                 </a:solidFill>
               </a:rPr>
-              <a:t>.</a:t>
-            </a:r>
-          </a:p>
-        </p:txBody>
-      </p:sp>
-      <p:sp>
-        <p:nvSpPr>
-          <p:cNvPr id="4" name="3 Marcador de contenido"/>
-          <p:cNvSpPr>
-            <a:spLocks noGrp="1"/>
-          </p:cNvSpPr>
-          <p:nvPr>
-            <p:ph idx="1"/>
-          </p:nvPr>
-        </p:nvSpPr>
-        <p:spPr/>
-        <p:txBody>
-          <a:bodyPr/>
-          <a:lstStyle/>
-          <a:p>
-            <a:endParaRPr lang="es-ES"/>
+              <a:t>Análisis.</a:t>
+            </a:r>
           </a:p>
         </p:txBody>
       </p:sp>
@@ -16518,7 +23249,50 @@
       </p:grpSpPr>
       <p:sp>
         <p:nvSpPr>
-          <p:cNvPr id="2" name="1 Marcador de contenido"/>
+          <p:cNvPr id="738306" name="Rectangle 2"/>
+          <p:cNvSpPr>
+            <a:spLocks noGrp="1" noChangeArrowheads="1"/>
+          </p:cNvSpPr>
+          <p:nvPr>
+            <p:ph type="title"/>
+          </p:nvPr>
+        </p:nvSpPr>
+        <p:spPr>
+          <a:xfrm>
+            <a:off x="611560" y="332656"/>
+            <a:ext cx="8001000" cy="531813"/>
+          </a:xfrm>
+        </p:spPr>
+        <p:txBody>
+          <a:bodyPr anchor="ctr"/>
+          <a:lstStyle/>
+          <a:p>
+            <a:r>
+              <a:rPr lang="es-ES" sz="2000" b="1" dirty="0">
+                <a:solidFill>
+                  <a:schemeClr val="accent2"/>
+                </a:solidFill>
+              </a:rPr>
+              <a:t>6. Posibles mejoras</a:t>
+            </a:r>
+            <a:r>
+              <a:rPr lang="es-ES" sz="2000" b="1" dirty="0"/>
+              <a:t> </a:t>
+            </a:r>
+            <a:r>
+              <a:rPr lang="es-ES_tradnl" sz="2000" b="1" dirty="0">
+                <a:solidFill>
+                  <a:schemeClr val="accent2"/>
+                </a:solidFill>
+              </a:rPr>
+              <a:t>.</a:t>
+            </a:r>
+          </a:p>
+        </p:txBody>
+      </p:sp>
+      <p:sp>
+        <p:nvSpPr>
+          <p:cNvPr id="4" name="3 Marcador de contenido"/>
           <p:cNvSpPr>
             <a:spLocks noGrp="1"/>
           </p:cNvSpPr>
@@ -16532,32 +23306,6 @@
           <a:lstStyle/>
           <a:p>
             <a:endParaRPr lang="es-ES"/>
-          </a:p>
-        </p:txBody>
-      </p:sp>
-      <p:sp>
-        <p:nvSpPr>
-          <p:cNvPr id="3" name="2 Título"/>
-          <p:cNvSpPr>
-            <a:spLocks noGrp="1"/>
-          </p:cNvSpPr>
-          <p:nvPr>
-            <p:ph type="title"/>
-          </p:nvPr>
-        </p:nvSpPr>
-        <p:spPr/>
-        <p:txBody>
-          <a:bodyPr/>
-          <a:lstStyle/>
-          <a:p>
-            <a:r>
-              <a:rPr lang="es-ES" sz="2000" b="1" dirty="0">
-                <a:solidFill>
-                  <a:srgbClr val="C00000"/>
-                </a:solidFill>
-              </a:rPr>
-              <a:t>7. Conclusiones</a:t>
-            </a:r>
           </a:p>
         </p:txBody>
       </p:sp>
@@ -16626,21 +23374,8 @@
                   <a:srgbClr val="C00000"/>
                 </a:solidFill>
               </a:rPr>
-              <a:t>8. </a:t>
-            </a:r>
-            <a:r>
-              <a:rPr lang="es-ES" sz="2000" b="1">
-                <a:solidFill>
-                  <a:srgbClr val="C00000"/>
-                </a:solidFill>
-              </a:rPr>
-              <a:t>Codificación.</a:t>
-            </a:r>
-            <a:endParaRPr lang="es-ES" sz="2000" b="1" dirty="0">
-              <a:solidFill>
-                <a:srgbClr val="C00000"/>
-              </a:solidFill>
-            </a:endParaRPr>
+              <a:t>7. Conclusiones</a:t>
+            </a:r>
           </a:p>
         </p:txBody>
       </p:sp>

--- a/FAA/Practica 2 AAD/AAD_11.pptx
+++ b/FAA/Practica 2 AAD/AAD_11.pptx
@@ -8,10 +8,10 @@
     <p:sldMasterId id="2147483715" r:id="rId4"/>
   </p:sldMasterIdLst>
   <p:notesMasterIdLst>
-    <p:notesMasterId r:id="rId42"/>
+    <p:notesMasterId r:id="rId41"/>
   </p:notesMasterIdLst>
   <p:handoutMasterIdLst>
-    <p:handoutMasterId r:id="rId43"/>
+    <p:handoutMasterId r:id="rId42"/>
   </p:handoutMasterIdLst>
   <p:sldIdLst>
     <p:sldId id="458" r:id="rId5"/>
@@ -48,9 +48,8 @@
     <p:sldId id="499" r:id="rId36"/>
     <p:sldId id="491" r:id="rId37"/>
     <p:sldId id="495" r:id="rId38"/>
-    <p:sldId id="492" r:id="rId39"/>
-    <p:sldId id="493" r:id="rId40"/>
-    <p:sldId id="494" r:id="rId41"/>
+    <p:sldId id="493" r:id="rId39"/>
+    <p:sldId id="494" r:id="rId40"/>
   </p:sldIdLst>
   <p:sldSz cx="9144000" cy="6858000" type="screen4x3"/>
   <p:notesSz cx="6797675" cy="9926638"/>
@@ -3494,7 +3493,7 @@
     </p:spTree>
     <p:extLst>
       <p:ext uri="{BB962C8B-B14F-4D97-AF65-F5344CB8AC3E}">
-        <p14:creationId xmlns:p14="http://schemas.microsoft.com/office/powerpoint/2010/main" val="2574497998"/>
+        <p14:creationId xmlns:p14="http://schemas.microsoft.com/office/powerpoint/2010/main" val="1150262526"/>
       </p:ext>
     </p:extLst>
   </p:cSld>
@@ -3578,98 +3577,6 @@
                 <a:defRPr/>
               </a:pPr>
               <a:t>36</a:t>
-            </a:fld>
-            <a:endParaRPr lang="es-ES"/>
-          </a:p>
-        </p:txBody>
-      </p:sp>
-    </p:spTree>
-    <p:extLst>
-      <p:ext uri="{BB962C8B-B14F-4D97-AF65-F5344CB8AC3E}">
-        <p14:creationId xmlns:p14="http://schemas.microsoft.com/office/powerpoint/2010/main" val="1150262526"/>
-      </p:ext>
-    </p:extLst>
-  </p:cSld>
-  <p:clrMapOvr>
-    <a:masterClrMapping/>
-  </p:clrMapOvr>
-</p:notes>
-</file>
-
-<file path=ppt/notesSlides/notesSlide37.xml><?xml version="1.0" encoding="utf-8"?>
-<p:notes xmlns:a="http://schemas.openxmlformats.org/drawingml/2006/main" xmlns:r="http://schemas.openxmlformats.org/officeDocument/2006/relationships" xmlns:p="http://schemas.openxmlformats.org/presentationml/2006/main">
-  <p:cSld>
-    <p:spTree>
-      <p:nvGrpSpPr>
-        <p:cNvPr id="1" name=""/>
-        <p:cNvGrpSpPr/>
-        <p:nvPr/>
-      </p:nvGrpSpPr>
-      <p:grpSpPr>
-        <a:xfrm>
-          <a:off x="0" y="0"/>
-          <a:ext cx="0" cy="0"/>
-          <a:chOff x="0" y="0"/>
-          <a:chExt cx="0" cy="0"/>
-        </a:xfrm>
-      </p:grpSpPr>
-      <p:sp>
-        <p:nvSpPr>
-          <p:cNvPr id="2" name="1 Marcador de imagen de diapositiva"/>
-          <p:cNvSpPr>
-            <a:spLocks noGrp="1" noRot="1" noChangeAspect="1"/>
-          </p:cNvSpPr>
-          <p:nvPr>
-            <p:ph type="sldImg"/>
-          </p:nvPr>
-        </p:nvSpPr>
-        <p:spPr/>
-      </p:sp>
-      <p:sp>
-        <p:nvSpPr>
-          <p:cNvPr id="3" name="2 Marcador de notas"/>
-          <p:cNvSpPr>
-            <a:spLocks noGrp="1"/>
-          </p:cNvSpPr>
-          <p:nvPr>
-            <p:ph type="body" idx="1"/>
-          </p:nvPr>
-        </p:nvSpPr>
-        <p:spPr/>
-        <p:txBody>
-          <a:bodyPr>
-            <a:normAutofit/>
-          </a:bodyPr>
-          <a:lstStyle/>
-          <a:p>
-            <a:endParaRPr lang="es-ES"/>
-          </a:p>
-        </p:txBody>
-      </p:sp>
-      <p:sp>
-        <p:nvSpPr>
-          <p:cNvPr id="4" name="3 Marcador de número de diapositiva"/>
-          <p:cNvSpPr>
-            <a:spLocks noGrp="1"/>
-          </p:cNvSpPr>
-          <p:nvPr>
-            <p:ph type="sldNum" sz="quarter" idx="10"/>
-          </p:nvPr>
-        </p:nvSpPr>
-        <p:spPr/>
-        <p:txBody>
-          <a:bodyPr/>
-          <a:lstStyle/>
-          <a:p>
-            <a:pPr>
-              <a:defRPr/>
-            </a:pPr>
-            <a:fld id="{E4417C57-0912-4A8B-AF1C-2323F237DC17}" type="slidenum">
-              <a:rPr lang="es-ES" smtClean="0"/>
-              <a:pPr>
-                <a:defRPr/>
-              </a:pPr>
-              <a:t>37</a:t>
             </a:fld>
             <a:endParaRPr lang="es-ES"/>
           </a:p>
@@ -4448,7 +4355,7 @@
               <a:pPr>
                 <a:defRPr/>
               </a:pPr>
-              <a:t>04/05/2019</a:t>
+              <a:t>05/05/2019</a:t>
             </a:fld>
             <a:endParaRPr lang="es-ES"/>
           </a:p>
@@ -5776,7 +5683,7 @@
               <a:pPr>
                 <a:defRPr/>
               </a:pPr>
-              <a:t>04/05/2019</a:t>
+              <a:t>05/05/2019</a:t>
             </a:fld>
             <a:endParaRPr lang="es-ES" dirty="0"/>
           </a:p>
@@ -5966,7 +5873,7 @@
               <a:pPr>
                 <a:defRPr/>
               </a:pPr>
-              <a:t>04/05/2019</a:t>
+              <a:t>05/05/2019</a:t>
             </a:fld>
             <a:endParaRPr lang="es-ES" dirty="0"/>
           </a:p>
@@ -6233,7 +6140,7 @@
               <a:pPr>
                 <a:defRPr/>
               </a:pPr>
-              <a:t>04/05/2019</a:t>
+              <a:t>05/05/2019</a:t>
             </a:fld>
             <a:endParaRPr lang="es-ES" dirty="0"/>
           </a:p>
@@ -6540,7 +6447,7 @@
               <a:pPr>
                 <a:defRPr/>
               </a:pPr>
-              <a:t>04/05/2019</a:t>
+              <a:t>05/05/2019</a:t>
             </a:fld>
             <a:endParaRPr lang="es-ES" dirty="0"/>
           </a:p>
@@ -6981,7 +6888,7 @@
               <a:pPr>
                 <a:defRPr/>
               </a:pPr>
-              <a:t>04/05/2019</a:t>
+              <a:t>05/05/2019</a:t>
             </a:fld>
             <a:endParaRPr lang="es-ES" dirty="0"/>
           </a:p>
@@ -7278,7 +7185,7 @@
               <a:pPr>
                 <a:defRPr/>
               </a:pPr>
-              <a:t>04/05/2019</a:t>
+              <a:t>05/05/2019</a:t>
             </a:fld>
             <a:endParaRPr lang="es-ES" dirty="0"/>
           </a:p>
@@ -7395,7 +7302,7 @@
               <a:pPr>
                 <a:defRPr/>
               </a:pPr>
-              <a:t>04/05/2019</a:t>
+              <a:t>05/05/2019</a:t>
             </a:fld>
             <a:endParaRPr lang="es-ES" dirty="0"/>
           </a:p>
@@ -7692,7 +7599,7 @@
               <a:pPr>
                 <a:defRPr/>
               </a:pPr>
-              <a:t>04/05/2019</a:t>
+              <a:t>05/05/2019</a:t>
             </a:fld>
             <a:endParaRPr lang="es-ES" dirty="0"/>
           </a:p>
@@ -7969,7 +7876,7 @@
               <a:pPr>
                 <a:defRPr/>
               </a:pPr>
-              <a:t>04/05/2019</a:t>
+              <a:t>05/05/2019</a:t>
             </a:fld>
             <a:endParaRPr lang="es-ES" dirty="0"/>
           </a:p>
@@ -8159,7 +8066,7 @@
               <a:pPr>
                 <a:defRPr/>
               </a:pPr>
-              <a:t>04/05/2019</a:t>
+              <a:t>05/05/2019</a:t>
             </a:fld>
             <a:endParaRPr lang="es-ES" dirty="0"/>
           </a:p>
@@ -8359,7 +8266,7 @@
               <a:pPr>
                 <a:defRPr/>
               </a:pPr>
-              <a:t>04/05/2019</a:t>
+              <a:t>05/05/2019</a:t>
             </a:fld>
             <a:endParaRPr lang="es-ES" dirty="0"/>
           </a:p>
@@ -8621,7 +8528,7 @@
               <a:pPr>
                 <a:defRPr/>
               </a:pPr>
-              <a:t>04/05/2019</a:t>
+              <a:t>05/05/2019</a:t>
             </a:fld>
             <a:endParaRPr lang="es-ES"/>
           </a:p>
@@ -8811,7 +8718,7 @@
               <a:pPr>
                 <a:defRPr/>
               </a:pPr>
-              <a:t>04/05/2019</a:t>
+              <a:t>05/05/2019</a:t>
             </a:fld>
             <a:endParaRPr lang="es-ES"/>
           </a:p>
@@ -9078,7 +8985,7 @@
               <a:pPr>
                 <a:defRPr/>
               </a:pPr>
-              <a:t>04/05/2019</a:t>
+              <a:t>05/05/2019</a:t>
             </a:fld>
             <a:endParaRPr lang="es-ES"/>
           </a:p>
@@ -9385,7 +9292,7 @@
               <a:pPr>
                 <a:defRPr/>
               </a:pPr>
-              <a:t>04/05/2019</a:t>
+              <a:t>05/05/2019</a:t>
             </a:fld>
             <a:endParaRPr lang="es-ES"/>
           </a:p>
@@ -9917,7 +9824,7 @@
               <a:pPr>
                 <a:defRPr/>
               </a:pPr>
-              <a:t>04/05/2019</a:t>
+              <a:t>05/05/2019</a:t>
             </a:fld>
             <a:endParaRPr lang="es-ES"/>
           </a:p>
@@ -10056,7 +9963,7 @@
               <a:pPr>
                 <a:defRPr/>
               </a:pPr>
-              <a:t>04/05/2019</a:t>
+              <a:t>05/05/2019</a:t>
             </a:fld>
             <a:endParaRPr lang="es-ES"/>
           </a:p>
@@ -10173,7 +10080,7 @@
               <a:pPr>
                 <a:defRPr/>
               </a:pPr>
-              <a:t>04/05/2019</a:t>
+              <a:t>05/05/2019</a:t>
             </a:fld>
             <a:endParaRPr lang="es-ES"/>
           </a:p>
@@ -10470,7 +10377,7 @@
               <a:pPr>
                 <a:defRPr/>
               </a:pPr>
-              <a:t>04/05/2019</a:t>
+              <a:t>05/05/2019</a:t>
             </a:fld>
             <a:endParaRPr lang="es-ES"/>
           </a:p>
@@ -10747,7 +10654,7 @@
               <a:pPr>
                 <a:defRPr/>
               </a:pPr>
-              <a:t>04/05/2019</a:t>
+              <a:t>05/05/2019</a:t>
             </a:fld>
             <a:endParaRPr lang="es-ES"/>
           </a:p>
@@ -10937,7 +10844,7 @@
               <a:pPr>
                 <a:defRPr/>
               </a:pPr>
-              <a:t>04/05/2019</a:t>
+              <a:t>05/05/2019</a:t>
             </a:fld>
             <a:endParaRPr lang="es-ES"/>
           </a:p>
@@ -11137,7 +11044,7 @@
               <a:pPr>
                 <a:defRPr/>
               </a:pPr>
-              <a:t>04/05/2019</a:t>
+              <a:t>05/05/2019</a:t>
             </a:fld>
             <a:endParaRPr lang="es-ES"/>
           </a:p>
@@ -11399,7 +11306,7 @@
               <a:pPr>
                 <a:defRPr/>
               </a:pPr>
-              <a:t>04/05/2019</a:t>
+              <a:t>05/05/2019</a:t>
             </a:fld>
             <a:endParaRPr lang="es-ES"/>
           </a:p>
@@ -11589,7 +11496,7 @@
               <a:pPr>
                 <a:defRPr/>
               </a:pPr>
-              <a:t>04/05/2019</a:t>
+              <a:t>05/05/2019</a:t>
             </a:fld>
             <a:endParaRPr lang="es-ES"/>
           </a:p>
@@ -11856,7 +11763,7 @@
               <a:pPr>
                 <a:defRPr/>
               </a:pPr>
-              <a:t>04/05/2019</a:t>
+              <a:t>05/05/2019</a:t>
             </a:fld>
             <a:endParaRPr lang="es-ES"/>
           </a:p>
@@ -12340,7 +12247,7 @@
               <a:pPr>
                 <a:defRPr/>
               </a:pPr>
-              <a:t>04/05/2019</a:t>
+              <a:t>05/05/2019</a:t>
             </a:fld>
             <a:endParaRPr lang="es-ES"/>
           </a:p>
@@ -12781,7 +12688,7 @@
               <a:pPr>
                 <a:defRPr/>
               </a:pPr>
-              <a:t>04/05/2019</a:t>
+              <a:t>05/05/2019</a:t>
             </a:fld>
             <a:endParaRPr lang="es-ES"/>
           </a:p>
@@ -12920,7 +12827,7 @@
               <a:pPr>
                 <a:defRPr/>
               </a:pPr>
-              <a:t>04/05/2019</a:t>
+              <a:t>05/05/2019</a:t>
             </a:fld>
             <a:endParaRPr lang="es-ES"/>
           </a:p>
@@ -13037,7 +12944,7 @@
               <a:pPr>
                 <a:defRPr/>
               </a:pPr>
-              <a:t>04/05/2019</a:t>
+              <a:t>05/05/2019</a:t>
             </a:fld>
             <a:endParaRPr lang="es-ES"/>
           </a:p>
@@ -13334,7 +13241,7 @@
               <a:pPr>
                 <a:defRPr/>
               </a:pPr>
-              <a:t>04/05/2019</a:t>
+              <a:t>05/05/2019</a:t>
             </a:fld>
             <a:endParaRPr lang="es-ES"/>
           </a:p>
@@ -13611,7 +13518,7 @@
               <a:pPr>
                 <a:defRPr/>
               </a:pPr>
-              <a:t>04/05/2019</a:t>
+              <a:t>05/05/2019</a:t>
             </a:fld>
             <a:endParaRPr lang="es-ES"/>
           </a:p>
@@ -13801,7 +13708,7 @@
               <a:pPr>
                 <a:defRPr/>
               </a:pPr>
-              <a:t>04/05/2019</a:t>
+              <a:t>05/05/2019</a:t>
             </a:fld>
             <a:endParaRPr lang="es-ES"/>
           </a:p>
@@ -14001,7 +13908,7 @@
               <a:pPr>
                 <a:defRPr/>
               </a:pPr>
-              <a:t>04/05/2019</a:t>
+              <a:t>05/05/2019</a:t>
             </a:fld>
             <a:endParaRPr lang="es-ES"/>
           </a:p>
@@ -16277,7 +16184,7 @@
               <a:pPr>
                 <a:defRPr/>
               </a:pPr>
-              <a:t>04/05/2019</a:t>
+              <a:t>05/05/2019</a:t>
             </a:fld>
             <a:endParaRPr lang="es-ES" dirty="0"/>
           </a:p>
@@ -18528,7 +18435,7 @@
           <a:p>
             <a:pPr algn="r"/>
             <a:r>
-              <a:rPr lang="es-ES" b="1" kern="0"/>
+              <a:rPr lang="es-ES" b="1" kern="0" dirty="0"/>
               <a:t>Grupo 11:</a:t>
             </a:r>
           </a:p>
@@ -18538,7 +18445,7 @@
               <a:buNone/>
             </a:pPr>
             <a:r>
-              <a:rPr lang="es-ES" kern="0"/>
+              <a:rPr lang="es-ES" kern="0" dirty="0"/>
               <a:t>José Francisco Borrero Marín</a:t>
             </a:r>
           </a:p>
@@ -18548,7 +18455,7 @@
               <a:buNone/>
             </a:pPr>
             <a:r>
-              <a:rPr lang="es-ES" kern="0"/>
+              <a:rPr lang="es-ES" kern="0" dirty="0"/>
               <a:t>María de la Soledad Cerrejón Rodríguez</a:t>
             </a:r>
           </a:p>
@@ -18558,7 +18465,7 @@
               <a:buNone/>
             </a:pPr>
             <a:r>
-              <a:rPr lang="es-ES" kern="0"/>
+              <a:rPr lang="es-ES" kern="0" dirty="0"/>
               <a:t>Manuel González Morón</a:t>
             </a:r>
           </a:p>
@@ -18568,9 +18475,22 @@
               <a:buNone/>
             </a:pPr>
             <a:r>
-              <a:rPr lang="es-ES" kern="0"/>
-              <a:t>El Mehdi Khattabi</a:t>
-            </a:r>
+              <a:rPr lang="es-ES" kern="0" dirty="0"/>
+              <a:t>El </a:t>
+            </a:r>
+            <a:r>
+              <a:rPr lang="es-ES" kern="0" dirty="0" err="1"/>
+              <a:t>Mehdi</a:t>
+            </a:r>
+            <a:r>
+              <a:rPr lang="es-ES" kern="0" dirty="0"/>
+              <a:t> </a:t>
+            </a:r>
+            <a:r>
+              <a:rPr lang="es-ES" kern="0" dirty="0" err="1"/>
+              <a:t>Khattabi</a:t>
+            </a:r>
+            <a:endParaRPr lang="es-ES" kern="0" dirty="0"/>
           </a:p>
           <a:p>
             <a:pPr lvl="1" algn="r">
@@ -18578,7 +18498,7 @@
               <a:buNone/>
             </a:pPr>
             <a:r>
-              <a:rPr lang="es-ES" kern="0"/>
+              <a:rPr lang="es-ES" kern="0" dirty="0"/>
               <a:t>Borja López Pineda</a:t>
             </a:r>
           </a:p>
@@ -19309,7 +19229,7 @@
                   <a:schemeClr val="accent2"/>
                 </a:solidFill>
               </a:rPr>
-              <a:t>6. Mejoras posibles para el algoritmo</a:t>
+              <a:t>6. Mejoras posibles para el algoritmo: Comprobación</a:t>
             </a:r>
           </a:p>
           <a:p>
@@ -19322,8 +19242,21 @@
                   <a:schemeClr val="accent2"/>
                 </a:solidFill>
               </a:rPr>
-              <a:t>	Comprobación</a:t>
-            </a:r>
+              <a:t>	</a:t>
+            </a:r>
+            <a:r>
+              <a:rPr lang="es-ES" dirty="0"/>
+              <a:t> </a:t>
+            </a:r>
+            <a:r>
+              <a:rPr lang="es-ES" sz="2000" dirty="0"/>
+              <a:t>Aprovechando el cortocircuito, se realiza una comprobación rápida antes de intercambiar los elementos. </a:t>
+            </a:r>
+            <a:endParaRPr lang="es-ES" sz="2200" b="1" dirty="0">
+              <a:solidFill>
+                <a:schemeClr val="accent2"/>
+              </a:solidFill>
+            </a:endParaRPr>
           </a:p>
         </p:txBody>
       </p:sp>
@@ -19464,7 +19397,7 @@
                   <a:schemeClr val="accent2"/>
                 </a:solidFill>
               </a:rPr>
-              <a:t>6. Mejoras posibles para el algoritmo</a:t>
+              <a:t>6. Mejoras posibles para el algoritmo: Ordenación estable</a:t>
             </a:r>
           </a:p>
           <a:p>
@@ -19477,8 +19410,21 @@
                   <a:schemeClr val="accent2"/>
                 </a:solidFill>
               </a:rPr>
-              <a:t>	Ordenación estable</a:t>
-            </a:r>
+              <a:t>	</a:t>
+            </a:r>
+            <a:r>
+              <a:rPr lang="es-ES" dirty="0"/>
+              <a:t> </a:t>
+            </a:r>
+            <a:r>
+              <a:rPr lang="es-ES" sz="2000" dirty="0"/>
+              <a:t>La eficiencia se ve afectada, pero esta condición puede ser indispensable según requerimientos.</a:t>
+            </a:r>
+            <a:endParaRPr lang="es-ES" sz="2200" b="1" dirty="0">
+              <a:solidFill>
+                <a:schemeClr val="accent2"/>
+              </a:solidFill>
+            </a:endParaRPr>
           </a:p>
         </p:txBody>
       </p:sp>
@@ -19686,7 +19632,7 @@
           </p:cNvPicPr>
           <p:nvPr/>
         </p:nvPicPr>
-        <p:blipFill>
+        <p:blipFill rotWithShape="1">
           <a:blip r:embed="rId3">
             <a:extLst>
               <a:ext uri="{28A0092B-C50C-407E-A947-70E740481C1C}">
@@ -19694,14 +19640,13 @@
               </a:ext>
             </a:extLst>
           </a:blip>
-          <a:stretch>
-            <a:fillRect/>
-          </a:stretch>
+          <a:srcRect r="11019"/>
+          <a:stretch/>
         </p:blipFill>
         <p:spPr>
           <a:xfrm>
-            <a:off x="415636" y="1844824"/>
-            <a:ext cx="8312727" cy="4429125"/>
+            <a:off x="683568" y="1700808"/>
+            <a:ext cx="7445300" cy="4458212"/>
           </a:xfrm>
           <a:prstGeom prst="rect">
             <a:avLst/>
@@ -19960,9 +19905,54 @@
           <a:p>
             <a:pPr algn="r"/>
             <a:r>
-              <a:rPr lang="es-ES" b="1" kern="0"/>
+              <a:rPr lang="es-ES" b="1" kern="0" dirty="0"/>
               <a:t>Sección realizada por:</a:t>
             </a:r>
+          </a:p>
+          <a:p>
+            <a:pPr lvl="1" algn="r">
+              <a:buNone/>
+            </a:pPr>
+            <a:r>
+              <a:rPr lang="es-ES" kern="0" dirty="0"/>
+              <a:t>El </a:t>
+            </a:r>
+            <a:r>
+              <a:rPr lang="es-ES" kern="0" dirty="0" err="1"/>
+              <a:t>Mehdi</a:t>
+            </a:r>
+            <a:r>
+              <a:rPr lang="es-ES" kern="0" dirty="0"/>
+              <a:t> </a:t>
+            </a:r>
+            <a:r>
+              <a:rPr lang="es-ES" kern="0" dirty="0" err="1"/>
+              <a:t>Khattabi</a:t>
+            </a:r>
+            <a:endParaRPr lang="es-ES" kern="0" dirty="0"/>
+          </a:p>
+          <a:p>
+            <a:pPr lvl="1" algn="r">
+              <a:buNone/>
+            </a:pPr>
+            <a:r>
+              <a:rPr lang="es-ES" kern="0" dirty="0"/>
+              <a:t>Borja López Pineda</a:t>
+            </a:r>
+          </a:p>
+          <a:p>
+            <a:pPr lvl="1" algn="r">
+              <a:buNone/>
+            </a:pPr>
+            <a:r>
+              <a:rPr lang="es-ES" kern="0" dirty="0"/>
+              <a:t>María de la Soledad Cerrejón Rodríguez</a:t>
+            </a:r>
+          </a:p>
+          <a:p>
+            <a:pPr marL="0" indent="0" algn="r">
+              <a:buNone/>
+            </a:pPr>
             <a:endParaRPr lang="es-ES" b="1" kern="0" dirty="0"/>
           </a:p>
         </p:txBody>
@@ -20832,7 +20822,7 @@
         </p:blipFill>
         <p:spPr>
           <a:xfrm>
-            <a:off x="603250" y="1685974"/>
+            <a:off x="899592" y="1700808"/>
             <a:ext cx="7937500" cy="4532860"/>
           </a:xfrm>
           <a:prstGeom prst="rect">
@@ -25754,8 +25744,8 @@
         </p:nvSpPr>
         <p:spPr>
           <a:xfrm>
-            <a:off x="5148064" y="1844824"/>
-            <a:ext cx="3392686" cy="4389866"/>
+            <a:off x="5148064" y="1915521"/>
+            <a:ext cx="3392686" cy="3960440"/>
           </a:xfrm>
           <a:prstGeom prst="rect">
             <a:avLst/>
@@ -25852,7 +25842,7 @@
               <a:t>Rojo: </a:t>
             </a:r>
             <a:r>
-              <a:rPr lang="es-ES" sz="1800" kern="0" noProof="0" dirty="0">
+              <a:rPr lang="es-ES" sz="1600" kern="0" noProof="0" dirty="0">
                 <a:solidFill>
                   <a:schemeClr val="accent4">
                     <a:lumMod val="10000"/>
@@ -25863,7 +25853,7 @@
               </a:rPr>
               <a:t>Primer elemento de la selección empezando por la derecha que es mayor o igual</a:t>
             </a:r>
-            <a:endParaRPr kumimoji="0" lang="es-ES" sz="2400" b="1" i="0" u="none" strike="noStrike" kern="0" cap="none" spc="0" normalizeH="0" baseline="0" noProof="0" dirty="0">
+            <a:endParaRPr kumimoji="0" lang="es-ES" sz="1600" b="1" i="0" u="none" strike="noStrike" kern="0" cap="none" spc="0" normalizeH="0" baseline="0" noProof="0" dirty="0">
               <a:ln>
                 <a:noFill/>
               </a:ln>
@@ -25907,7 +25897,7 @@
               <a:t>Azul: </a:t>
             </a:r>
             <a:r>
-              <a:rPr lang="es-ES" sz="1800" kern="0" dirty="0">
+              <a:rPr lang="es-ES" sz="1600" kern="0" dirty="0">
                 <a:solidFill>
                   <a:srgbClr val="DADADA">
                     <a:lumMod val="10000"/>
@@ -25918,7 +25908,7 @@
               </a:rPr>
               <a:t>Primer elemento de la selección empezando por la izquierda que es menor o igual</a:t>
             </a:r>
-            <a:endParaRPr kumimoji="0" lang="es-ES" sz="2400" b="0" i="0" u="none" strike="noStrike" kern="0" cap="none" spc="0" normalizeH="0" baseline="0" noProof="0" dirty="0">
+            <a:endParaRPr kumimoji="0" lang="es-ES" sz="1600" b="0" i="0" u="none" strike="noStrike" kern="0" cap="none" spc="0" normalizeH="0" baseline="0" noProof="0" dirty="0">
               <a:ln>
                 <a:noFill/>
               </a:ln>
@@ -26035,7 +26025,7 @@
               </a:rPr>
               <a:t>Posiciones fuera de los limites del subconjunto a ordenar</a:t>
             </a:r>
-            <a:endParaRPr lang="es-ES" sz="3200" b="1" kern="0" dirty="0">
+            <a:endParaRPr lang="es-ES" sz="1600" b="1" kern="0" dirty="0">
               <a:solidFill>
                 <a:schemeClr val="accent4">
                   <a:lumMod val="10000"/>
@@ -26229,9 +26219,24 @@
             </a:r>
           </a:p>
           <a:p>
-            <a:pPr marL="928687" lvl="1" indent="-457200">
-              <a:buNone/>
+            <a:pPr marL="1325562" lvl="2" indent="-457200">
+              <a:buFont typeface="+mj-lt"/>
+              <a:buAutoNum type="arabicPeriod"/>
             </a:pPr>
+            <a:r>
+              <a:rPr lang="es-ES" sz="1600" dirty="0"/>
+              <a:t>Comprobación</a:t>
+            </a:r>
+          </a:p>
+          <a:p>
+            <a:pPr marL="1325562" lvl="2" indent="-457200">
+              <a:buFont typeface="+mj-lt"/>
+              <a:buAutoNum type="arabicPeriod"/>
+            </a:pPr>
+            <a:r>
+              <a:rPr lang="es-ES" sz="1600" dirty="0"/>
+              <a:t>Ordenación estable</a:t>
+            </a:r>
             <a:endParaRPr lang="es-ES" sz="1800" dirty="0"/>
           </a:p>
           <a:p>
@@ -26297,6 +26302,31 @@
               <a:rPr lang="es-ES" sz="1800" dirty="0"/>
               <a:t>Mejoras posibles para el algoritmo</a:t>
             </a:r>
+          </a:p>
+          <a:p>
+            <a:pPr marL="1325562" lvl="2" indent="-457200">
+              <a:buFont typeface="+mj-lt"/>
+              <a:buAutoNum type="arabicPeriod"/>
+            </a:pPr>
+            <a:r>
+              <a:rPr lang="es-ES" sz="1600" dirty="0"/>
+              <a:t>Pivote aleatorio</a:t>
+            </a:r>
+          </a:p>
+          <a:p>
+            <a:pPr marL="1325562" lvl="2" indent="-457200">
+              <a:buFont typeface="+mj-lt"/>
+              <a:buAutoNum type="arabicPeriod"/>
+            </a:pPr>
+            <a:r>
+              <a:rPr lang="es-ES" sz="1600" dirty="0"/>
+              <a:t>Tail </a:t>
+            </a:r>
+            <a:r>
+              <a:rPr lang="es-ES" sz="1600" dirty="0" err="1"/>
+              <a:t>call</a:t>
+            </a:r>
+            <a:endParaRPr lang="es-ES" sz="1600" dirty="0"/>
           </a:p>
         </p:txBody>
       </p:sp>
@@ -26502,10 +26532,10 @@
       </p:pic>
       <p:sp>
         <p:nvSpPr>
-          <p:cNvPr id="17" name="4 Marcador de contenido">
+          <p:cNvPr id="6" name="4 Marcador de contenido">
             <a:extLst>
               <a:ext uri="{FF2B5EF4-FFF2-40B4-BE49-F238E27FC236}">
-                <a16:creationId xmlns:a16="http://schemas.microsoft.com/office/drawing/2014/main" id="{B60C9766-7C5C-4A0A-87A1-0FDFC7AD7C5B}"/>
+                <a16:creationId xmlns:a16="http://schemas.microsoft.com/office/drawing/2014/main" id="{C9E6412B-7207-4731-BC73-B855BB64C574}"/>
               </a:ext>
             </a:extLst>
           </p:cNvPr>
@@ -26516,8 +26546,8 @@
         </p:nvSpPr>
         <p:spPr>
           <a:xfrm>
-            <a:off x="5148064" y="1844824"/>
-            <a:ext cx="3392686" cy="4389866"/>
+            <a:off x="5148064" y="1915521"/>
+            <a:ext cx="3392686" cy="3960440"/>
           </a:xfrm>
           <a:prstGeom prst="rect">
             <a:avLst/>
@@ -26614,7 +26644,7 @@
               <a:t>Rojo: </a:t>
             </a:r>
             <a:r>
-              <a:rPr lang="es-ES" sz="1800" kern="0" noProof="0" dirty="0">
+              <a:rPr lang="es-ES" sz="1600" kern="0" noProof="0" dirty="0">
                 <a:solidFill>
                   <a:schemeClr val="accent4">
                     <a:lumMod val="10000"/>
@@ -26625,7 +26655,7 @@
               </a:rPr>
               <a:t>Primer elemento de la selección empezando por la derecha que es mayor o igual</a:t>
             </a:r>
-            <a:endParaRPr kumimoji="0" lang="es-ES" sz="2400" b="1" i="0" u="none" strike="noStrike" kern="0" cap="none" spc="0" normalizeH="0" baseline="0" noProof="0" dirty="0">
+            <a:endParaRPr kumimoji="0" lang="es-ES" sz="1600" b="1" i="0" u="none" strike="noStrike" kern="0" cap="none" spc="0" normalizeH="0" baseline="0" noProof="0" dirty="0">
               <a:ln>
                 <a:noFill/>
               </a:ln>
@@ -26669,7 +26699,7 @@
               <a:t>Azul: </a:t>
             </a:r>
             <a:r>
-              <a:rPr lang="es-ES" sz="1800" kern="0" dirty="0">
+              <a:rPr lang="es-ES" sz="1600" kern="0" dirty="0">
                 <a:solidFill>
                   <a:srgbClr val="DADADA">
                     <a:lumMod val="10000"/>
@@ -26680,7 +26710,7 @@
               </a:rPr>
               <a:t>Primer elemento de la selección empezando por la izquierda que es menor o igual</a:t>
             </a:r>
-            <a:endParaRPr kumimoji="0" lang="es-ES" sz="2400" b="0" i="0" u="none" strike="noStrike" kern="0" cap="none" spc="0" normalizeH="0" baseline="0" noProof="0" dirty="0">
+            <a:endParaRPr kumimoji="0" lang="es-ES" sz="1600" b="0" i="0" u="none" strike="noStrike" kern="0" cap="none" spc="0" normalizeH="0" baseline="0" noProof="0" dirty="0">
               <a:ln>
                 <a:noFill/>
               </a:ln>
@@ -26797,7 +26827,7 @@
               </a:rPr>
               <a:t>Posiciones fuera de los limites del subconjunto a ordenar</a:t>
             </a:r>
-            <a:endParaRPr lang="es-ES" sz="3200" b="1" kern="0" dirty="0">
+            <a:endParaRPr lang="es-ES" sz="1600" b="1" kern="0" dirty="0">
               <a:solidFill>
                 <a:schemeClr val="accent4">
                   <a:lumMod val="10000"/>
@@ -27152,7 +27182,7 @@
                   <a:schemeClr val="accent2"/>
                 </a:solidFill>
               </a:rPr>
-              <a:t>5. Mejoras posibles para el algoritmo</a:t>
+              <a:t>5. Mejoras posibles para el algoritmo: Pivote aleatorio</a:t>
             </a:r>
           </a:p>
           <a:p>
@@ -27165,7 +27195,15 @@
                   <a:schemeClr val="accent2"/>
                 </a:solidFill>
               </a:rPr>
-              <a:t>	Pivote aleatorio</a:t>
+              <a:t>	</a:t>
+            </a:r>
+            <a:r>
+              <a:rPr lang="es-ES" dirty="0"/>
+              <a:t> </a:t>
+            </a:r>
+            <a:r>
+              <a:rPr lang="es-ES" sz="2000" dirty="0"/>
+              <a:t>Forzar que el pivote sea un elemento aleatorio. </a:t>
             </a:r>
             <a:endParaRPr lang="es-ES" sz="2200" dirty="0">
               <a:solidFill>
@@ -27261,7 +27299,7 @@
         </p:blipFill>
         <p:spPr>
           <a:xfrm>
-            <a:off x="980108" y="2069919"/>
+            <a:off x="980108" y="2204864"/>
             <a:ext cx="7120284" cy="3948294"/>
           </a:xfrm>
           <a:prstGeom prst="rect">
@@ -27334,20 +27372,7 @@
                   <a:schemeClr val="accent2"/>
                 </a:solidFill>
               </a:rPr>
-              <a:t>5. Mejoras posibles para el algoritmo</a:t>
-            </a:r>
-          </a:p>
-          <a:p>
-            <a:pPr algn="just">
-              <a:buNone/>
-            </a:pPr>
-            <a:r>
-              <a:rPr lang="es-ES" sz="2200" b="1" dirty="0">
-                <a:solidFill>
-                  <a:schemeClr val="accent2"/>
-                </a:solidFill>
-              </a:rPr>
-              <a:t>	Tail </a:t>
+              <a:t>5. Mejoras posibles para el algoritmo: Tail </a:t>
             </a:r>
             <a:r>
               <a:rPr lang="es-ES" sz="2200" b="1" dirty="0" err="1">
@@ -27356,6 +27381,44 @@
                 </a:solidFill>
               </a:rPr>
               <a:t>call</a:t>
+            </a:r>
+            <a:endParaRPr lang="es-ES" sz="2200" b="1" dirty="0">
+              <a:solidFill>
+                <a:schemeClr val="accent2"/>
+              </a:solidFill>
+            </a:endParaRPr>
+          </a:p>
+          <a:p>
+            <a:pPr algn="just">
+              <a:buNone/>
+            </a:pPr>
+            <a:r>
+              <a:rPr lang="es-ES" sz="2200" b="1" dirty="0">
+                <a:solidFill>
+                  <a:schemeClr val="accent2"/>
+                </a:solidFill>
+              </a:rPr>
+              <a:t>	</a:t>
+            </a:r>
+            <a:r>
+              <a:rPr lang="es-ES" sz="2000" dirty="0"/>
+              <a:t>Reducir el tamaño del </a:t>
+            </a:r>
+            <a:r>
+              <a:rPr lang="es-ES" sz="2000" dirty="0" err="1"/>
+              <a:t>stack</a:t>
+            </a:r>
+            <a:r>
+              <a:rPr lang="es-ES" sz="2000" dirty="0"/>
+              <a:t> de N a </a:t>
+            </a:r>
+            <a:r>
+              <a:rPr lang="es-ES" sz="2000" dirty="0" err="1"/>
+              <a:t>logN</a:t>
+            </a:r>
+            <a:r>
+              <a:rPr lang="es-ES" sz="2000" dirty="0"/>
+              <a:t>, realizando una sola llamada e iterando. </a:t>
             </a:r>
             <a:endParaRPr lang="es-ES" sz="2200" dirty="0">
               <a:solidFill>
@@ -27451,7 +27514,7 @@
         </p:blipFill>
         <p:spPr>
           <a:xfrm>
-            <a:off x="755576" y="2348880"/>
+            <a:off x="755576" y="2635624"/>
             <a:ext cx="7994650" cy="3416936"/>
           </a:xfrm>
           <a:prstGeom prst="rect">
@@ -27606,7 +27669,7 @@
           </p:cNvPicPr>
           <p:nvPr/>
         </p:nvPicPr>
-        <p:blipFill>
+        <p:blipFill rotWithShape="1">
           <a:blip r:embed="rId3">
             <a:extLst>
               <a:ext uri="{28A0092B-C50C-407E-A947-70E740481C1C}">
@@ -27614,14 +27677,13 @@
               </a:ext>
             </a:extLst>
           </a:blip>
-          <a:stretch>
-            <a:fillRect/>
-          </a:stretch>
+          <a:srcRect r="11019"/>
+          <a:stretch/>
         </p:blipFill>
         <p:spPr>
           <a:xfrm>
-            <a:off x="415636" y="1700808"/>
-            <a:ext cx="8312727" cy="4429125"/>
+            <a:off x="660005" y="1700808"/>
+            <a:ext cx="7608870" cy="4556158"/>
           </a:xfrm>
           <a:prstGeom prst="rect">
             <a:avLst/>
@@ -28086,9 +28148,21 @@
           <a:p>
             <a:pPr algn="r"/>
             <a:r>
-              <a:rPr lang="es-ES" b="1" kern="0"/>
+              <a:rPr lang="es-ES" b="1" kern="0" dirty="0"/>
               <a:t>Sección realizada por:</a:t>
             </a:r>
+          </a:p>
+          <a:p>
+            <a:pPr marL="0" indent="0" algn="r">
+              <a:buNone/>
+            </a:pPr>
+            <a:r>
+              <a:rPr lang="es-ES" kern="0" dirty="0"/>
+              <a:t>María de la Soledad Cerrejón Rodríguez</a:t>
+            </a:r>
+          </a:p>
+          <a:p>
+            <a:pPr algn="r"/>
             <a:endParaRPr lang="es-ES" b="1" kern="0" dirty="0"/>
           </a:p>
         </p:txBody>
@@ -28167,10 +28241,10 @@
       </p:sp>
       <p:pic>
         <p:nvPicPr>
-          <p:cNvPr id="3" name="Imagen 2">
+          <p:cNvPr id="5" name="Imagen 4">
             <a:extLst>
               <a:ext uri="{FF2B5EF4-FFF2-40B4-BE49-F238E27FC236}">
-                <a16:creationId xmlns:a16="http://schemas.microsoft.com/office/drawing/2014/main" id="{82922593-6918-4F2B-B571-29D661318674}"/>
+                <a16:creationId xmlns:a16="http://schemas.microsoft.com/office/drawing/2014/main" id="{6D158D09-7261-4C8C-9328-7807ECD73D9B}"/>
               </a:ext>
             </a:extLst>
           </p:cNvPr>
@@ -28179,7 +28253,7 @@
           </p:cNvPicPr>
           <p:nvPr/>
         </p:nvPicPr>
-        <p:blipFill>
+        <p:blipFill rotWithShape="1">
           <a:blip r:embed="rId3">
             <a:extLst>
               <a:ext uri="{28A0092B-C50C-407E-A947-70E740481C1C}">
@@ -28187,14 +28261,13 @@
               </a:ext>
             </a:extLst>
           </a:blip>
-          <a:stretch>
-            <a:fillRect/>
-          </a:stretch>
+          <a:srcRect r="9287"/>
+          <a:stretch/>
         </p:blipFill>
         <p:spPr>
           <a:xfrm>
-            <a:off x="415636" y="1556792"/>
-            <a:ext cx="8312727" cy="4429125"/>
+            <a:off x="424593" y="1268760"/>
+            <a:ext cx="8294814" cy="4872038"/>
           </a:xfrm>
           <a:prstGeom prst="rect">
             <a:avLst/>
@@ -28644,9 +28717,21 @@
           <a:p>
             <a:pPr algn="r"/>
             <a:r>
-              <a:rPr lang="es-ES" b="1" kern="0"/>
+              <a:rPr lang="es-ES" b="1" kern="0" dirty="0"/>
               <a:t>Sección realizada por:</a:t>
             </a:r>
+          </a:p>
+          <a:p>
+            <a:pPr marL="0" indent="0" algn="r">
+              <a:buNone/>
+            </a:pPr>
+            <a:r>
+              <a:rPr lang="es-ES" kern="0" dirty="0"/>
+              <a:t>José Francisco Borrero Marín</a:t>
+            </a:r>
+          </a:p>
+          <a:p>
+            <a:pPr algn="r"/>
             <a:endParaRPr lang="es-ES" b="1" kern="0" dirty="0"/>
           </a:p>
         </p:txBody>
@@ -28750,7 +28835,7 @@
         </p:blipFill>
         <p:spPr>
           <a:xfrm>
-            <a:off x="899592" y="3250506"/>
+            <a:off x="863588" y="2995268"/>
             <a:ext cx="7416824" cy="2829099"/>
           </a:xfrm>
           <a:prstGeom prst="rect">
@@ -28758,6 +28843,53 @@
           </a:prstGeom>
         </p:spPr>
       </p:pic>
+      <p:sp>
+        <p:nvSpPr>
+          <p:cNvPr id="2" name="Rectángulo 1">
+            <a:extLst>
+              <a:ext uri="{FF2B5EF4-FFF2-40B4-BE49-F238E27FC236}">
+                <a16:creationId xmlns:a16="http://schemas.microsoft.com/office/drawing/2014/main" id="{1C059673-6FD2-4B71-9CB1-D54560F6A622}"/>
+              </a:ext>
+            </a:extLst>
+          </p:cNvPr>
+          <p:cNvSpPr/>
+          <p:nvPr/>
+        </p:nvSpPr>
+        <p:spPr>
+          <a:xfrm>
+            <a:off x="827584" y="1124744"/>
+            <a:ext cx="7748091" cy="1323439"/>
+          </a:xfrm>
+          <a:prstGeom prst="rect">
+            <a:avLst/>
+          </a:prstGeom>
+        </p:spPr>
+        <p:txBody>
+          <a:bodyPr wrap="square">
+            <a:spAutoFit/>
+          </a:bodyPr>
+          <a:lstStyle/>
+          <a:p>
+            <a:r>
+              <a:rPr lang="es-ES" sz="2000" dirty="0">
+                <a:latin typeface="+mn-lt"/>
+              </a:rPr>
+              <a:t>En tallas pequeñas, un algoritmo no recursivo resulta más eficiente que Quicksort. </a:t>
+            </a:r>
+            <a:br>
+              <a:rPr lang="es-ES" sz="2000" dirty="0">
+                <a:latin typeface="+mn-lt"/>
+              </a:rPr>
+            </a:br>
+            <a:r>
+              <a:rPr lang="es-ES" sz="2000" dirty="0">
+                <a:latin typeface="+mn-lt"/>
+              </a:rPr>
+              <a:t>M se define como el tamaño a partir del cual se manda a ordenar por Selección, en vez de por Quicksort.</a:t>
+            </a:r>
+          </a:p>
+        </p:txBody>
+      </p:sp>
     </p:spTree>
     <p:extLst>
       <p:ext uri="{BB962C8B-B14F-4D97-AF65-F5344CB8AC3E}">
@@ -28844,7 +28976,7 @@
           </p:cNvPicPr>
           <p:nvPr/>
         </p:nvPicPr>
-        <p:blipFill>
+        <p:blipFill rotWithShape="1">
           <a:blip r:embed="rId3">
             <a:extLst>
               <a:ext uri="{28A0092B-C50C-407E-A947-70E740481C1C}">
@@ -28852,14 +28984,13 @@
               </a:ext>
             </a:extLst>
           </a:blip>
-          <a:stretch>
-            <a:fillRect/>
-          </a:stretch>
+          <a:srcRect r="10153"/>
+          <a:stretch/>
         </p:blipFill>
         <p:spPr>
           <a:xfrm>
-            <a:off x="415636" y="1556792"/>
-            <a:ext cx="8312727" cy="4429125"/>
+            <a:off x="464197" y="1268760"/>
+            <a:ext cx="8215605" cy="4872038"/>
           </a:xfrm>
           <a:prstGeom prst="rect">
             <a:avLst/>
@@ -29433,9 +29564,21 @@
           <a:p>
             <a:pPr algn="r"/>
             <a:r>
-              <a:rPr lang="es-ES" b="1" kern="0"/>
+              <a:rPr lang="es-ES" b="1" kern="0" dirty="0"/>
               <a:t>Sección realizada por:</a:t>
             </a:r>
+          </a:p>
+          <a:p>
+            <a:pPr marL="0" indent="0" algn="r">
+              <a:buNone/>
+            </a:pPr>
+            <a:r>
+              <a:rPr lang="es-ES" kern="0" dirty="0"/>
+              <a:t>José Francisco Borrero Marín</a:t>
+            </a:r>
+          </a:p>
+          <a:p>
+            <a:pPr algn="r"/>
             <a:endParaRPr lang="es-ES" b="1" kern="0" dirty="0"/>
           </a:p>
         </p:txBody>
@@ -29547,6 +29690,42 @@
           </a:prstGeom>
         </p:spPr>
       </p:pic>
+      <p:sp>
+        <p:nvSpPr>
+          <p:cNvPr id="5" name="Rectángulo 4">
+            <a:extLst>
+              <a:ext uri="{FF2B5EF4-FFF2-40B4-BE49-F238E27FC236}">
+                <a16:creationId xmlns:a16="http://schemas.microsoft.com/office/drawing/2014/main" id="{7E5ABB46-9B50-42BE-BD4A-B7855554D046}"/>
+              </a:ext>
+            </a:extLst>
+          </p:cNvPr>
+          <p:cNvSpPr/>
+          <p:nvPr/>
+        </p:nvSpPr>
+        <p:spPr>
+          <a:xfrm>
+            <a:off x="827584" y="1124744"/>
+            <a:ext cx="7748091" cy="707886"/>
+          </a:xfrm>
+          <a:prstGeom prst="rect">
+            <a:avLst/>
+          </a:prstGeom>
+        </p:spPr>
+        <p:txBody>
+          <a:bodyPr wrap="square">
+            <a:spAutoFit/>
+          </a:bodyPr>
+          <a:lstStyle/>
+          <a:p>
+            <a:r>
+              <a:rPr lang="es-ES" sz="2000" dirty="0">
+                <a:latin typeface="+mn-lt"/>
+              </a:rPr>
+              <a:t>Antes de mandar a ordenar, comprobar si todos los elementos son iguales.</a:t>
+            </a:r>
+          </a:p>
+        </p:txBody>
+      </p:sp>
     </p:spTree>
     <p:extLst>
       <p:ext uri="{BB962C8B-B14F-4D97-AF65-F5344CB8AC3E}">
@@ -29633,7 +29812,7 @@
           </p:cNvPicPr>
           <p:nvPr/>
         </p:nvPicPr>
-        <p:blipFill>
+        <p:blipFill rotWithShape="1">
           <a:blip r:embed="rId3">
             <a:extLst>
               <a:ext uri="{28A0092B-C50C-407E-A947-70E740481C1C}">
@@ -29641,14 +29820,13 @@
               </a:ext>
             </a:extLst>
           </a:blip>
-          <a:stretch>
-            <a:fillRect/>
-          </a:stretch>
+          <a:srcRect r="11019"/>
+          <a:stretch/>
         </p:blipFill>
         <p:spPr>
           <a:xfrm>
-            <a:off x="415636" y="1556792"/>
-            <a:ext cx="8312727" cy="4429125"/>
+            <a:off x="323528" y="1268760"/>
+            <a:ext cx="8136396" cy="4872038"/>
           </a:xfrm>
           <a:prstGeom prst="rect">
             <a:avLst/>
@@ -30098,9 +30276,21 @@
           <a:p>
             <a:pPr algn="r"/>
             <a:r>
-              <a:rPr lang="es-ES" b="1" kern="0"/>
+              <a:rPr lang="es-ES" b="1" kern="0" dirty="0"/>
               <a:t>Sección realizada por:</a:t>
             </a:r>
+          </a:p>
+          <a:p>
+            <a:pPr marL="0" indent="0" algn="r">
+              <a:buNone/>
+            </a:pPr>
+            <a:r>
+              <a:rPr lang="es-ES" kern="0" dirty="0"/>
+              <a:t>José Francisco Borrero Marín</a:t>
+            </a:r>
+          </a:p>
+          <a:p>
+            <a:pPr algn="r"/>
             <a:endParaRPr lang="es-ES" b="1" kern="0" dirty="0"/>
           </a:p>
         </p:txBody>
@@ -30172,6 +30362,135 @@
           </a:p>
         </p:txBody>
       </p:sp>
+      <p:sp>
+        <p:nvSpPr>
+          <p:cNvPr id="3" name="Rectángulo 2">
+            <a:extLst>
+              <a:ext uri="{FF2B5EF4-FFF2-40B4-BE49-F238E27FC236}">
+                <a16:creationId xmlns:a16="http://schemas.microsoft.com/office/drawing/2014/main" id="{E9C7B52B-D17B-43E2-890B-E005AEECC8C8}"/>
+              </a:ext>
+            </a:extLst>
+          </p:cNvPr>
+          <p:cNvSpPr/>
+          <p:nvPr/>
+        </p:nvSpPr>
+        <p:spPr>
+          <a:xfrm>
+            <a:off x="827584" y="1124744"/>
+            <a:ext cx="7748091" cy="2862322"/>
+          </a:xfrm>
+          <a:prstGeom prst="rect">
+            <a:avLst/>
+          </a:prstGeom>
+        </p:spPr>
+        <p:txBody>
+          <a:bodyPr wrap="square">
+            <a:spAutoFit/>
+          </a:bodyPr>
+          <a:lstStyle/>
+          <a:p>
+            <a:pPr marL="342900" indent="-342900">
+              <a:buFont typeface="Wingdings" panose="05000000000000000000" pitchFamily="2" charset="2"/>
+              <a:buChar char="q"/>
+            </a:pPr>
+            <a:r>
+              <a:rPr lang="es-ES" sz="2000" dirty="0">
+                <a:latin typeface="+mn-lt"/>
+              </a:rPr>
+              <a:t>Los algoritmos lentos, de orden N^2, no pueden competir contra los rápidos, </a:t>
+            </a:r>
+            <a:r>
+              <a:rPr lang="es-ES" sz="2000" dirty="0" err="1">
+                <a:latin typeface="+mn-lt"/>
+              </a:rPr>
+              <a:t>NlogN</a:t>
+            </a:r>
+            <a:r>
+              <a:rPr lang="es-ES" sz="2000" dirty="0">
+                <a:latin typeface="+mn-lt"/>
+              </a:rPr>
+              <a:t>. Una comparación más justa sería </a:t>
+            </a:r>
+            <a:r>
+              <a:rPr lang="es-ES" sz="2000" dirty="0" err="1">
+                <a:latin typeface="+mn-lt"/>
+              </a:rPr>
+              <a:t>QuickSort</a:t>
+            </a:r>
+            <a:r>
+              <a:rPr lang="es-ES" sz="2000" dirty="0">
+                <a:latin typeface="+mn-lt"/>
+              </a:rPr>
+              <a:t> vs </a:t>
+            </a:r>
+            <a:r>
+              <a:rPr lang="es-ES" sz="2000" dirty="0" err="1">
+                <a:latin typeface="+mn-lt"/>
+              </a:rPr>
+              <a:t>Mergesort</a:t>
+            </a:r>
+            <a:r>
+              <a:rPr lang="es-ES" sz="2000" dirty="0">
+                <a:latin typeface="+mn-lt"/>
+              </a:rPr>
+              <a:t> o </a:t>
+            </a:r>
+            <a:r>
+              <a:rPr lang="es-ES" sz="2000" dirty="0" err="1">
+                <a:latin typeface="+mn-lt"/>
+              </a:rPr>
+              <a:t>Heapsort</a:t>
+            </a:r>
+            <a:r>
+              <a:rPr lang="es-ES" sz="2000" dirty="0">
+                <a:latin typeface="+mn-lt"/>
+              </a:rPr>
+              <a:t>.</a:t>
+            </a:r>
+          </a:p>
+          <a:p>
+            <a:pPr marL="342900" indent="-342900">
+              <a:buFont typeface="Wingdings" panose="05000000000000000000" pitchFamily="2" charset="2"/>
+              <a:buChar char="q"/>
+            </a:pPr>
+            <a:r>
+              <a:rPr lang="es-ES" sz="2000" dirty="0">
+                <a:latin typeface="+mn-lt"/>
+              </a:rPr>
+              <a:t>No merece la pena optimizar Selección.</a:t>
+            </a:r>
+          </a:p>
+          <a:p>
+            <a:pPr marL="342900" indent="-342900">
+              <a:buFont typeface="Wingdings" panose="05000000000000000000" pitchFamily="2" charset="2"/>
+              <a:buChar char="q"/>
+            </a:pPr>
+            <a:r>
+              <a:rPr lang="es-ES" sz="2000" dirty="0">
+                <a:latin typeface="+mn-lt"/>
+              </a:rPr>
+              <a:t>Quicksort cuenta con posibles modificaciones que reducen el tiempo de ejecución en determinados casos, dependiendo de los datos de entrada.</a:t>
+            </a:r>
+          </a:p>
+          <a:p>
+            <a:pPr marL="342900" indent="-342900">
+              <a:buFont typeface="Wingdings" panose="05000000000000000000" pitchFamily="2" charset="2"/>
+              <a:buChar char="q"/>
+            </a:pPr>
+            <a:endParaRPr lang="es-ES" sz="2000" dirty="0">
+              <a:latin typeface="+mn-lt"/>
+            </a:endParaRPr>
+          </a:p>
+          <a:p>
+            <a:r>
+              <a:rPr lang="es-ES" sz="2000" dirty="0">
+                <a:latin typeface="+mn-lt"/>
+              </a:rPr>
+              <a:t> </a:t>
+            </a:r>
+          </a:p>
+        </p:txBody>
+      </p:sp>
     </p:spTree>
     <p:extLst>
       <p:ext uri="{BB962C8B-B14F-4D97-AF65-F5344CB8AC3E}">
@@ -30204,223 +30523,6 @@
       </p:grpSpPr>
       <p:sp>
         <p:nvSpPr>
-          <p:cNvPr id="4" name="3 Título">
-            <a:extLst>
-              <a:ext uri="{FF2B5EF4-FFF2-40B4-BE49-F238E27FC236}">
-                <a16:creationId xmlns:a16="http://schemas.microsoft.com/office/drawing/2014/main" id="{5A73CF2D-C1F3-489B-82D1-C205E570071B}"/>
-              </a:ext>
-            </a:extLst>
-          </p:cNvPr>
-          <p:cNvSpPr txBox="1">
-            <a:spLocks/>
-          </p:cNvSpPr>
-          <p:nvPr/>
-        </p:nvSpPr>
-        <p:spPr bwMode="auto">
-          <a:xfrm>
-            <a:off x="685800" y="990600"/>
-            <a:ext cx="7772400" cy="1371600"/>
-          </a:xfrm>
-          <a:prstGeom prst="rect">
-            <a:avLst/>
-          </a:prstGeom>
-          <a:noFill/>
-          <a:ln w="9525">
-            <a:noFill/>
-            <a:miter lim="800000"/>
-            <a:headEnd/>
-            <a:tailEnd/>
-          </a:ln>
-        </p:spPr>
-        <p:txBody>
-          <a:bodyPr vert="horz" wrap="square" lIns="91440" tIns="45720" rIns="91440" bIns="45720" numCol="1" anchor="b" anchorCtr="0" compatLnSpc="1">
-            <a:prstTxWarp prst="textNoShape">
-              <a:avLst/>
-            </a:prstTxWarp>
-          </a:bodyPr>
-          <a:lstStyle>
-            <a:lvl1pPr algn="l" rtl="0" eaLnBrk="1" fontAlgn="base" hangingPunct="1">
-              <a:spcBef>
-                <a:spcPct val="0"/>
-              </a:spcBef>
-              <a:spcAft>
-                <a:spcPct val="0"/>
-              </a:spcAft>
-              <a:defRPr sz="2600">
-                <a:solidFill>
-                  <a:schemeClr val="tx2"/>
-                </a:solidFill>
-                <a:latin typeface="+mj-lt"/>
-                <a:ea typeface="+mj-ea"/>
-                <a:cs typeface="+mj-cs"/>
-              </a:defRPr>
-            </a:lvl1pPr>
-            <a:lvl2pPr algn="l" rtl="0" eaLnBrk="1" fontAlgn="base" hangingPunct="1">
-              <a:spcBef>
-                <a:spcPct val="0"/>
-              </a:spcBef>
-              <a:spcAft>
-                <a:spcPct val="0"/>
-              </a:spcAft>
-              <a:defRPr sz="2600">
-                <a:solidFill>
-                  <a:schemeClr val="tx2"/>
-                </a:solidFill>
-                <a:latin typeface="Arial" charset="0"/>
-                <a:cs typeface="Arial" charset="0"/>
-              </a:defRPr>
-            </a:lvl2pPr>
-            <a:lvl3pPr algn="l" rtl="0" eaLnBrk="1" fontAlgn="base" hangingPunct="1">
-              <a:spcBef>
-                <a:spcPct val="0"/>
-              </a:spcBef>
-              <a:spcAft>
-                <a:spcPct val="0"/>
-              </a:spcAft>
-              <a:defRPr sz="2600">
-                <a:solidFill>
-                  <a:schemeClr val="tx2"/>
-                </a:solidFill>
-                <a:latin typeface="Arial" charset="0"/>
-                <a:cs typeface="Arial" charset="0"/>
-              </a:defRPr>
-            </a:lvl3pPr>
-            <a:lvl4pPr algn="l" rtl="0" eaLnBrk="1" fontAlgn="base" hangingPunct="1">
-              <a:spcBef>
-                <a:spcPct val="0"/>
-              </a:spcBef>
-              <a:spcAft>
-                <a:spcPct val="0"/>
-              </a:spcAft>
-              <a:defRPr sz="2600">
-                <a:solidFill>
-                  <a:schemeClr val="tx2"/>
-                </a:solidFill>
-                <a:latin typeface="Arial" charset="0"/>
-                <a:cs typeface="Arial" charset="0"/>
-              </a:defRPr>
-            </a:lvl4pPr>
-            <a:lvl5pPr algn="l" rtl="0" eaLnBrk="1" fontAlgn="base" hangingPunct="1">
-              <a:spcBef>
-                <a:spcPct val="0"/>
-              </a:spcBef>
-              <a:spcAft>
-                <a:spcPct val="0"/>
-              </a:spcAft>
-              <a:defRPr sz="2600">
-                <a:solidFill>
-                  <a:schemeClr val="tx2"/>
-                </a:solidFill>
-                <a:latin typeface="Arial" charset="0"/>
-                <a:cs typeface="Arial" charset="0"/>
-              </a:defRPr>
-            </a:lvl5pPr>
-            <a:lvl6pPr marL="457200" algn="l" rtl="0" eaLnBrk="1" fontAlgn="base" hangingPunct="1">
-              <a:spcBef>
-                <a:spcPct val="0"/>
-              </a:spcBef>
-              <a:spcAft>
-                <a:spcPct val="0"/>
-              </a:spcAft>
-              <a:defRPr sz="2600">
-                <a:solidFill>
-                  <a:schemeClr val="tx2"/>
-                </a:solidFill>
-                <a:latin typeface="Arial" charset="0"/>
-                <a:cs typeface="Arial" charset="0"/>
-              </a:defRPr>
-            </a:lvl6pPr>
-            <a:lvl7pPr marL="914400" algn="l" rtl="0" eaLnBrk="1" fontAlgn="base" hangingPunct="1">
-              <a:spcBef>
-                <a:spcPct val="0"/>
-              </a:spcBef>
-              <a:spcAft>
-                <a:spcPct val="0"/>
-              </a:spcAft>
-              <a:defRPr sz="2600">
-                <a:solidFill>
-                  <a:schemeClr val="tx2"/>
-                </a:solidFill>
-                <a:latin typeface="Arial" charset="0"/>
-                <a:cs typeface="Arial" charset="0"/>
-              </a:defRPr>
-            </a:lvl7pPr>
-            <a:lvl8pPr marL="1371600" algn="l" rtl="0" eaLnBrk="1" fontAlgn="base" hangingPunct="1">
-              <a:spcBef>
-                <a:spcPct val="0"/>
-              </a:spcBef>
-              <a:spcAft>
-                <a:spcPct val="0"/>
-              </a:spcAft>
-              <a:defRPr sz="2600">
-                <a:solidFill>
-                  <a:schemeClr val="tx2"/>
-                </a:solidFill>
-                <a:latin typeface="Arial" charset="0"/>
-                <a:cs typeface="Arial" charset="0"/>
-              </a:defRPr>
-            </a:lvl8pPr>
-            <a:lvl9pPr marL="1828800" algn="l" rtl="0" eaLnBrk="1" fontAlgn="base" hangingPunct="1">
-              <a:spcBef>
-                <a:spcPct val="0"/>
-              </a:spcBef>
-              <a:spcAft>
-                <a:spcPct val="0"/>
-              </a:spcAft>
-              <a:defRPr sz="2600">
-                <a:solidFill>
-                  <a:schemeClr val="tx2"/>
-                </a:solidFill>
-                <a:latin typeface="Arial" charset="0"/>
-                <a:cs typeface="Arial" charset="0"/>
-              </a:defRPr>
-            </a:lvl9pPr>
-          </a:lstStyle>
-          <a:p>
-            <a:r>
-              <a:rPr lang="es-ES" sz="3200" kern="0">
-                <a:solidFill>
-                  <a:srgbClr val="C00000"/>
-                </a:solidFill>
-              </a:rPr>
-              <a:t>Bibliografía</a:t>
-            </a:r>
-            <a:endParaRPr lang="es-ES" kern="0" dirty="0"/>
-          </a:p>
-        </p:txBody>
-      </p:sp>
-    </p:spTree>
-    <p:extLst>
-      <p:ext uri="{BB962C8B-B14F-4D97-AF65-F5344CB8AC3E}">
-        <p14:creationId xmlns:p14="http://schemas.microsoft.com/office/powerpoint/2010/main" val="1535996611"/>
-      </p:ext>
-    </p:extLst>
-  </p:cSld>
-  <p:clrMapOvr>
-    <a:masterClrMapping/>
-  </p:clrMapOvr>
-</p:sld>
-</file>
-
-<file path=ppt/slides/slide36.xml><?xml version="1.0" encoding="utf-8"?>
-<p:sld xmlns:a="http://schemas.openxmlformats.org/drawingml/2006/main" xmlns:r="http://schemas.openxmlformats.org/officeDocument/2006/relationships" xmlns:p="http://schemas.openxmlformats.org/presentationml/2006/main">
-  <p:cSld>
-    <p:spTree>
-      <p:nvGrpSpPr>
-        <p:cNvPr id="1" name=""/>
-        <p:cNvGrpSpPr/>
-        <p:nvPr/>
-      </p:nvGrpSpPr>
-      <p:grpSpPr>
-        <a:xfrm>
-          <a:off x="0" y="0"/>
-          <a:ext cx="0" cy="0"/>
-          <a:chOff x="0" y="0"/>
-          <a:chExt cx="0" cy="0"/>
-        </a:xfrm>
-      </p:grpSpPr>
-      <p:sp>
-        <p:nvSpPr>
           <p:cNvPr id="3" name="3 Marcador de contenido">
             <a:extLst>
               <a:ext uri="{FF2B5EF4-FFF2-40B4-BE49-F238E27FC236}">
@@ -30456,6 +30558,75 @@
                 <a:hlinkClick r:id="rId3"/>
               </a:rPr>
               <a:t>http://mis-algoritmos.com/ordenamiento-rapido-quicksort</a:t>
+            </a:r>
+            <a:endParaRPr lang="es-ES" dirty="0"/>
+          </a:p>
+          <a:p>
+            <a:r>
+              <a:rPr lang="es-ES" dirty="0">
+                <a:hlinkClick r:id="rId4"/>
+              </a:rPr>
+              <a:t>Visualización Selección</a:t>
+            </a:r>
+            <a:endParaRPr lang="es-ES" dirty="0"/>
+          </a:p>
+          <a:p>
+            <a:r>
+              <a:rPr lang="es-ES" dirty="0">
+                <a:hlinkClick r:id="rId5"/>
+              </a:rPr>
+              <a:t>Visualización Quicksort</a:t>
+            </a:r>
+            <a:endParaRPr lang="es-ES" dirty="0"/>
+          </a:p>
+          <a:p>
+            <a:r>
+              <a:rPr lang="es-ES" dirty="0">
+                <a:hlinkClick r:id="rId6"/>
+              </a:rPr>
+              <a:t>Optimización </a:t>
+            </a:r>
+            <a:r>
+              <a:rPr lang="es-ES" dirty="0" err="1">
+                <a:hlinkClick r:id="rId6"/>
+              </a:rPr>
+              <a:t>Random</a:t>
+            </a:r>
+            <a:r>
+              <a:rPr lang="es-ES" dirty="0">
+                <a:hlinkClick r:id="rId6"/>
+              </a:rPr>
+              <a:t> </a:t>
+            </a:r>
+            <a:r>
+              <a:rPr lang="es-ES" dirty="0" err="1">
+                <a:hlinkClick r:id="rId6"/>
+              </a:rPr>
+              <a:t>pivot</a:t>
+            </a:r>
+            <a:endParaRPr lang="es-ES" dirty="0"/>
+          </a:p>
+          <a:p>
+            <a:r>
+              <a:rPr lang="es-ES" dirty="0">
+                <a:hlinkClick r:id="rId7"/>
+              </a:rPr>
+              <a:t>Optimización Tail </a:t>
+            </a:r>
+            <a:r>
+              <a:rPr lang="es-ES" dirty="0" err="1">
+                <a:hlinkClick r:id="rId7"/>
+              </a:rPr>
+              <a:t>call</a:t>
+            </a:r>
+            <a:endParaRPr lang="es-ES" dirty="0"/>
+          </a:p>
+          <a:p>
+            <a:r>
+              <a:rPr lang="es-ES" dirty="0">
+                <a:hlinkClick r:id="rId8"/>
+              </a:rPr>
+              <a:t>Modificación Selección estable</a:t>
             </a:r>
             <a:endParaRPr lang="es-ES" dirty="0"/>
           </a:p>
@@ -30511,7 +30682,7 @@
 </p:sld>
 </file>
 
-<file path=ppt/slides/slide37.xml><?xml version="1.0" encoding="utf-8"?>
+<file path=ppt/slides/slide36.xml><?xml version="1.0" encoding="utf-8"?>
 <p:sld xmlns:a="http://schemas.openxmlformats.org/drawingml/2006/main" xmlns:r="http://schemas.openxmlformats.org/officeDocument/2006/relationships" xmlns:p="http://schemas.openxmlformats.org/presentationml/2006/main">
   <p:cSld>
     <p:spTree>
@@ -31249,9 +31420,43 @@
           <a:p>
             <a:pPr algn="r"/>
             <a:r>
-              <a:rPr lang="es-ES" b="1" kern="0"/>
+              <a:rPr lang="es-ES" b="1" kern="0" dirty="0"/>
               <a:t>Sección realizada por:</a:t>
             </a:r>
+          </a:p>
+          <a:p>
+            <a:pPr lvl="1" algn="r">
+              <a:buNone/>
+            </a:pPr>
+            <a:r>
+              <a:rPr lang="es-ES" kern="0" dirty="0"/>
+              <a:t>Manuel González Morón</a:t>
+            </a:r>
+          </a:p>
+          <a:p>
+            <a:pPr lvl="1" algn="r">
+              <a:buNone/>
+            </a:pPr>
+            <a:r>
+              <a:rPr lang="es-ES" kern="0" dirty="0"/>
+              <a:t>El </a:t>
+            </a:r>
+            <a:r>
+              <a:rPr lang="es-ES" kern="0" dirty="0" err="1"/>
+              <a:t>Mehdi</a:t>
+            </a:r>
+            <a:r>
+              <a:rPr lang="es-ES" kern="0" dirty="0"/>
+              <a:t> </a:t>
+            </a:r>
+            <a:r>
+              <a:rPr lang="es-ES" kern="0" dirty="0" err="1"/>
+              <a:t>Khattabi</a:t>
+            </a:r>
+            <a:endParaRPr lang="es-ES" kern="0" dirty="0"/>
+          </a:p>
+          <a:p>
+            <a:pPr algn="r"/>
             <a:endParaRPr lang="es-ES" b="1" kern="0" dirty="0"/>
           </a:p>
         </p:txBody>
@@ -31768,13 +31973,7 @@
             </a:r>
           </a:p>
           <a:p>
-            <a:pPr algn="just">
-              <a:buClr>
-                <a:schemeClr val="accent1">
-                  <a:lumMod val="75000"/>
-                </a:schemeClr>
-              </a:buClr>
-            </a:pPr>
+            <a:pPr algn="just"/>
             <a:r>
               <a:rPr lang="es-ES" sz="2000" kern="0" dirty="0"/>
               <a:t>El algoritmo de </a:t>
@@ -34078,21 +34277,30 @@
                             </p:childTnLst>
                           </p:cTn>
                         </p:par>
+                      </p:childTnLst>
+                    </p:cTn>
+                  </p:par>
+                  <p:par>
+                    <p:cTn id="68" fill="hold">
+                      <p:stCondLst>
+                        <p:cond delay="indefinite"/>
+                      </p:stCondLst>
+                      <p:childTnLst>
                         <p:par>
-                          <p:cTn id="68" fill="hold">
+                          <p:cTn id="69" fill="hold">
                             <p:stCondLst>
-                              <p:cond delay="1000"/>
+                              <p:cond delay="0"/>
                             </p:stCondLst>
                             <p:childTnLst>
                               <p:par>
-                                <p:cTn id="69" presetID="10" presetClass="exit" presetSubtype="0" fill="hold" nodeType="afterEffect">
+                                <p:cTn id="70" presetID="10" presetClass="exit" presetSubtype="0" fill="hold" nodeType="clickEffect">
                                   <p:stCondLst>
                                     <p:cond delay="0"/>
                                   </p:stCondLst>
                                   <p:childTnLst>
                                     <p:animEffect transition="out" filter="fade">
                                       <p:cBhvr>
-                                        <p:cTn id="70" dur="500"/>
+                                        <p:cTn id="71" dur="500"/>
                                         <p:tgtEl>
                                           <p:spTgt spid="50"/>
                                         </p:tgtEl>
@@ -34100,7 +34308,7 @@
                                     </p:animEffect>
                                     <p:set>
                                       <p:cBhvr>
-                                        <p:cTn id="71" dur="1" fill="hold">
+                                        <p:cTn id="72" dur="1" fill="hold">
                                           <p:stCondLst>
                                             <p:cond delay="499"/>
                                           </p:stCondLst>
@@ -34122,23 +34330,14 @@
                             </p:childTnLst>
                           </p:cTn>
                         </p:par>
-                      </p:childTnLst>
-                    </p:cTn>
-                  </p:par>
-                  <p:par>
-                    <p:cTn id="72" fill="hold">
-                      <p:stCondLst>
-                        <p:cond delay="indefinite"/>
-                      </p:stCondLst>
-                      <p:childTnLst>
                         <p:par>
                           <p:cTn id="73" fill="hold">
                             <p:stCondLst>
-                              <p:cond delay="0"/>
+                              <p:cond delay="500"/>
                             </p:stCondLst>
                             <p:childTnLst>
                               <p:par>
-                                <p:cTn id="74" presetID="35" presetClass="path" presetSubtype="0" accel="50000" decel="50000" fill="hold" nodeType="clickEffect">
+                                <p:cTn id="74" presetID="35" presetClass="path" presetSubtype="0" accel="50000" decel="50000" fill="hold" nodeType="afterEffect">
                                   <p:stCondLst>
                                     <p:cond delay="0"/>
                                   </p:stCondLst>

--- a/FAA/Practica 2 AAD/AAD_11.pptx
+++ b/FAA/Practica 2 AAD/AAD_11.pptx
@@ -31,9 +31,9 @@
     <p:sldId id="472" r:id="rId19"/>
     <p:sldId id="479" r:id="rId20"/>
     <p:sldId id="480" r:id="rId21"/>
-    <p:sldId id="475" r:id="rId22"/>
-    <p:sldId id="481" r:id="rId23"/>
-    <p:sldId id="482" r:id="rId24"/>
+    <p:sldId id="481" r:id="rId22"/>
+    <p:sldId id="482" r:id="rId23"/>
+    <p:sldId id="475" r:id="rId24"/>
     <p:sldId id="483" r:id="rId25"/>
     <p:sldId id="484" r:id="rId26"/>
     <p:sldId id="501" r:id="rId27"/>
@@ -1718,68 +1718,62 @@
       </p:grpSpPr>
       <p:sp>
         <p:nvSpPr>
-          <p:cNvPr id="7" name="Rectangle 7"/>
-          <p:cNvSpPr>
-            <a:spLocks noGrp="1" noChangeArrowheads="1"/>
-          </p:cNvSpPr>
-          <p:nvPr>
-            <p:ph type="sldNum" sz="quarter" idx="5"/>
-          </p:nvPr>
-        </p:nvSpPr>
-        <p:spPr>
-          <a:ln/>
-        </p:spPr>
+          <p:cNvPr id="2" name="1 Marcador de imagen de diapositiva"/>
+          <p:cNvSpPr>
+            <a:spLocks noGrp="1" noRot="1" noChangeAspect="1"/>
+          </p:cNvSpPr>
+          <p:nvPr>
+            <p:ph type="sldImg"/>
+          </p:nvPr>
+        </p:nvSpPr>
+        <p:spPr/>
+      </p:sp>
+      <p:sp>
+        <p:nvSpPr>
+          <p:cNvPr id="3" name="2 Marcador de notas"/>
+          <p:cNvSpPr>
+            <a:spLocks noGrp="1"/>
+          </p:cNvSpPr>
+          <p:nvPr>
+            <p:ph type="body" idx="1"/>
+          </p:nvPr>
+        </p:nvSpPr>
+        <p:spPr/>
+        <p:txBody>
+          <a:bodyPr>
+            <a:normAutofit/>
+          </a:bodyPr>
+          <a:lstStyle/>
+          <a:p>
+            <a:endParaRPr lang="es-ES"/>
+          </a:p>
+        </p:txBody>
+      </p:sp>
+      <p:sp>
+        <p:nvSpPr>
+          <p:cNvPr id="4" name="3 Marcador de número de diapositiva"/>
+          <p:cNvSpPr>
+            <a:spLocks noGrp="1"/>
+          </p:cNvSpPr>
+          <p:nvPr>
+            <p:ph type="sldNum" sz="quarter" idx="10"/>
+          </p:nvPr>
+        </p:nvSpPr>
+        <p:spPr/>
         <p:txBody>
           <a:bodyPr/>
           <a:lstStyle/>
           <a:p>
-            <a:fld id="{AEA87966-E7D9-4DEB-A21E-9FB158531495}" type="slidenum">
-              <a:rPr lang="es-ES_tradnl"/>
-              <a:pPr/>
+            <a:pPr>
+              <a:defRPr/>
+            </a:pPr>
+            <a:fld id="{E4417C57-0912-4A8B-AF1C-2323F237DC17}" type="slidenum">
+              <a:rPr lang="es-ES" smtClean="0"/>
+              <a:pPr>
+                <a:defRPr/>
+              </a:pPr>
               <a:t>18</a:t>
             </a:fld>
-            <a:endParaRPr lang="es-ES_tradnl"/>
-          </a:p>
-        </p:txBody>
-      </p:sp>
-      <p:sp>
-        <p:nvSpPr>
-          <p:cNvPr id="727042" name="Rectangle 2"/>
-          <p:cNvSpPr>
-            <a:spLocks noGrp="1" noRot="1" noChangeAspect="1" noChangeArrowheads="1" noTextEdit="1"/>
-          </p:cNvSpPr>
-          <p:nvPr>
-            <p:ph type="sldImg"/>
-          </p:nvPr>
-        </p:nvSpPr>
-        <p:spPr>
-          <a:xfrm>
-            <a:off x="904875" y="763588"/>
-            <a:ext cx="4975225" cy="3732212"/>
-          </a:xfrm>
-          <a:ln/>
-        </p:spPr>
-      </p:sp>
-      <p:sp>
-        <p:nvSpPr>
-          <p:cNvPr id="727043" name="Rectangle 3"/>
-          <p:cNvSpPr>
-            <a:spLocks noGrp="1" noChangeArrowheads="1"/>
-          </p:cNvSpPr>
-          <p:nvPr>
-            <p:ph type="body" idx="1"/>
-          </p:nvPr>
-        </p:nvSpPr>
-        <p:spPr>
-          <a:xfrm>
-            <a:off x="914225" y="4725493"/>
-            <a:ext cx="4953491" cy="4494561"/>
-          </a:xfrm>
-        </p:spPr>
-        <p:txBody>
-          <a:bodyPr/>
-          <a:lstStyle/>
-          <a:p>
             <a:endParaRPr lang="es-ES"/>
           </a:p>
         </p:txBody>
@@ -1787,7 +1781,7 @@
     </p:spTree>
     <p:extLst>
       <p:ext uri="{BB962C8B-B14F-4D97-AF65-F5344CB8AC3E}">
-        <p14:creationId xmlns:p14="http://schemas.microsoft.com/office/powerpoint/2010/main" val="1606580922"/>
+        <p14:creationId xmlns:p14="http://schemas.microsoft.com/office/powerpoint/2010/main" val="2907522033"/>
       </p:ext>
     </p:extLst>
   </p:cSld>
@@ -1879,7 +1873,7 @@
     </p:spTree>
     <p:extLst>
       <p:ext uri="{BB962C8B-B14F-4D97-AF65-F5344CB8AC3E}">
-        <p14:creationId xmlns:p14="http://schemas.microsoft.com/office/powerpoint/2010/main" val="2907522033"/>
+        <p14:creationId xmlns:p14="http://schemas.microsoft.com/office/powerpoint/2010/main" val="1257019838"/>
       </p:ext>
     </p:extLst>
   </p:cSld>
@@ -1979,62 +1973,68 @@
       </p:grpSpPr>
       <p:sp>
         <p:nvSpPr>
-          <p:cNvPr id="2" name="1 Marcador de imagen de diapositiva"/>
-          <p:cNvSpPr>
-            <a:spLocks noGrp="1" noRot="1" noChangeAspect="1"/>
-          </p:cNvSpPr>
-          <p:nvPr>
-            <p:ph type="sldImg"/>
-          </p:nvPr>
-        </p:nvSpPr>
-        <p:spPr/>
-      </p:sp>
-      <p:sp>
-        <p:nvSpPr>
-          <p:cNvPr id="3" name="2 Marcador de notas"/>
-          <p:cNvSpPr>
-            <a:spLocks noGrp="1"/>
-          </p:cNvSpPr>
-          <p:nvPr>
-            <p:ph type="body" idx="1"/>
-          </p:nvPr>
-        </p:nvSpPr>
-        <p:spPr/>
-        <p:txBody>
-          <a:bodyPr>
-            <a:normAutofit/>
-          </a:bodyPr>
-          <a:lstStyle/>
-          <a:p>
-            <a:endParaRPr lang="es-ES"/>
-          </a:p>
-        </p:txBody>
-      </p:sp>
-      <p:sp>
-        <p:nvSpPr>
-          <p:cNvPr id="4" name="3 Marcador de número de diapositiva"/>
-          <p:cNvSpPr>
-            <a:spLocks noGrp="1"/>
-          </p:cNvSpPr>
-          <p:nvPr>
-            <p:ph type="sldNum" sz="quarter" idx="10"/>
-          </p:nvPr>
-        </p:nvSpPr>
-        <p:spPr/>
+          <p:cNvPr id="7" name="Rectangle 7"/>
+          <p:cNvSpPr>
+            <a:spLocks noGrp="1" noChangeArrowheads="1"/>
+          </p:cNvSpPr>
+          <p:nvPr>
+            <p:ph type="sldNum" sz="quarter" idx="5"/>
+          </p:nvPr>
+        </p:nvSpPr>
+        <p:spPr>
+          <a:ln/>
+        </p:spPr>
         <p:txBody>
           <a:bodyPr/>
           <a:lstStyle/>
           <a:p>
-            <a:pPr>
-              <a:defRPr/>
-            </a:pPr>
-            <a:fld id="{E4417C57-0912-4A8B-AF1C-2323F237DC17}" type="slidenum">
-              <a:rPr lang="es-ES" smtClean="0"/>
-              <a:pPr>
-                <a:defRPr/>
-              </a:pPr>
+            <a:fld id="{AEA87966-E7D9-4DEB-A21E-9FB158531495}" type="slidenum">
+              <a:rPr lang="es-ES_tradnl"/>
+              <a:pPr/>
               <a:t>20</a:t>
             </a:fld>
+            <a:endParaRPr lang="es-ES_tradnl"/>
+          </a:p>
+        </p:txBody>
+      </p:sp>
+      <p:sp>
+        <p:nvSpPr>
+          <p:cNvPr id="727042" name="Rectangle 2"/>
+          <p:cNvSpPr>
+            <a:spLocks noGrp="1" noRot="1" noChangeAspect="1" noChangeArrowheads="1" noTextEdit="1"/>
+          </p:cNvSpPr>
+          <p:nvPr>
+            <p:ph type="sldImg"/>
+          </p:nvPr>
+        </p:nvSpPr>
+        <p:spPr>
+          <a:xfrm>
+            <a:off x="904875" y="763588"/>
+            <a:ext cx="4975225" cy="3732212"/>
+          </a:xfrm>
+          <a:ln/>
+        </p:spPr>
+      </p:sp>
+      <p:sp>
+        <p:nvSpPr>
+          <p:cNvPr id="727043" name="Rectangle 3"/>
+          <p:cNvSpPr>
+            <a:spLocks noGrp="1" noChangeArrowheads="1"/>
+          </p:cNvSpPr>
+          <p:nvPr>
+            <p:ph type="body" idx="1"/>
+          </p:nvPr>
+        </p:nvSpPr>
+        <p:spPr>
+          <a:xfrm>
+            <a:off x="914225" y="4725493"/>
+            <a:ext cx="4953491" cy="4494561"/>
+          </a:xfrm>
+        </p:spPr>
+        <p:txBody>
+          <a:bodyPr/>
+          <a:lstStyle/>
+          <a:p>
             <a:endParaRPr lang="es-ES"/>
           </a:p>
         </p:txBody>
@@ -2042,7 +2042,7 @@
     </p:spTree>
     <p:extLst>
       <p:ext uri="{BB962C8B-B14F-4D97-AF65-F5344CB8AC3E}">
-        <p14:creationId xmlns:p14="http://schemas.microsoft.com/office/powerpoint/2010/main" val="1257019838"/>
+        <p14:creationId xmlns:p14="http://schemas.microsoft.com/office/powerpoint/2010/main" val="1606580922"/>
       </p:ext>
     </p:extLst>
   </p:cSld>
@@ -19057,15 +19057,7 @@
             </a:r>
             <a:r>
               <a:rPr lang="es-ES" sz="2000" dirty="0"/>
-              <a:t>y el de intercambios es de orden n</a:t>
-            </a:r>
-            <a:r>
-              <a:rPr lang="es-ES" sz="2000" baseline="30000" dirty="0"/>
-              <a:t>2</a:t>
-            </a:r>
-            <a:r>
-              <a:rPr lang="es-ES" sz="2000" dirty="0"/>
-              <a:t>.</a:t>
+              <a:t>y el de intercambios es de orden n.</a:t>
             </a:r>
           </a:p>
           <a:p>
@@ -20503,7 +20495,7 @@
                   </a:schemeClr>
                 </a:solidFill>
               </a:rPr>
-              <a:t>Resitúa los demás elementos de la lista a cada lado del pivote, de manera que a un lado queden todos los menores que él, y al otro los mayores. En este momento, el pivote ocupa exactamente el lugar que le corresponderá en la lista ordenada.</a:t>
+              <a:t>Resitúa los demás elementos de la lista a cada lado del pivote, de manera que a un lado queden todos los menores o iguales que él, y al otro los mayores. En este momento, el pivote ocupa exactamente el lugar que le corresponderá en la lista ordenada.</a:t>
             </a:r>
           </a:p>
           <a:p>
@@ -20715,10 +20707,10 @@
             <a:r>
               <a:rPr lang="es-ES" sz="2200" b="1" dirty="0">
                 <a:solidFill>
-                  <a:schemeClr val="tx2"/>
+                  <a:schemeClr val="accent2"/>
                 </a:solidFill>
               </a:rPr>
-              <a:t>2. Pseudocódigo del algoritmo </a:t>
+              <a:t>2. Pseudocódigo y código C++ del algoritmo </a:t>
             </a:r>
           </a:p>
           <a:p>
@@ -20924,14 +20916,14 @@
             <a:r>
               <a:rPr lang="es-ES" sz="2200" b="1" dirty="0">
                 <a:solidFill>
-                  <a:schemeClr val="tx2"/>
+                  <a:schemeClr val="accent2"/>
                 </a:solidFill>
               </a:rPr>
               <a:t>3. Traza y ejemplo de ejecución del algoritmo</a:t>
             </a:r>
             <a:endParaRPr lang="es-ES" sz="2200" dirty="0">
               <a:solidFill>
-                <a:schemeClr val="tx2"/>
+                <a:schemeClr val="accent2"/>
               </a:solidFill>
             </a:endParaRPr>
           </a:p>
@@ -21009,6 +21001,1360 @@
 </file>
 
 <file path=ppt/slides/slide18.xml><?xml version="1.0" encoding="utf-8"?>
+<p:sld xmlns:a="http://schemas.openxmlformats.org/drawingml/2006/main" xmlns:r="http://schemas.openxmlformats.org/officeDocument/2006/relationships" xmlns:p="http://schemas.openxmlformats.org/presentationml/2006/main">
+  <p:cSld>
+    <p:spTree>
+      <p:nvGrpSpPr>
+        <p:cNvPr id="1" name=""/>
+        <p:cNvGrpSpPr/>
+        <p:nvPr/>
+      </p:nvGrpSpPr>
+      <p:grpSpPr>
+        <a:xfrm>
+          <a:off x="0" y="0"/>
+          <a:ext cx="0" cy="0"/>
+          <a:chOff x="0" y="0"/>
+          <a:chExt cx="0" cy="0"/>
+        </a:xfrm>
+      </p:grpSpPr>
+      <p:sp>
+        <p:nvSpPr>
+          <p:cNvPr id="9" name="3 Marcador de contenido">
+            <a:extLst>
+              <a:ext uri="{FF2B5EF4-FFF2-40B4-BE49-F238E27FC236}">
+                <a16:creationId xmlns:a16="http://schemas.microsoft.com/office/drawing/2014/main" id="{EDC42ECD-DB25-47E8-A355-4C4C911C0E2B}"/>
+              </a:ext>
+            </a:extLst>
+          </p:cNvPr>
+          <p:cNvSpPr>
+            <a:spLocks noGrp="1"/>
+          </p:cNvSpPr>
+          <p:nvPr>
+            <p:ph idx="1"/>
+          </p:nvPr>
+        </p:nvSpPr>
+        <p:spPr>
+          <a:xfrm>
+            <a:off x="539750" y="1196975"/>
+            <a:ext cx="8001000" cy="4821238"/>
+          </a:xfrm>
+        </p:spPr>
+        <p:txBody>
+          <a:bodyPr/>
+          <a:lstStyle/>
+          <a:p>
+            <a:pPr algn="just">
+              <a:buNone/>
+            </a:pPr>
+            <a:r>
+              <a:rPr lang="es-ES" sz="2200" b="1" dirty="0">
+                <a:solidFill>
+                  <a:schemeClr val="accent2"/>
+                </a:solidFill>
+              </a:rPr>
+              <a:t>3. Traza y ejemplo de ejecución del algoritmo</a:t>
+            </a:r>
+            <a:endParaRPr lang="es-ES" sz="2200" dirty="0">
+              <a:solidFill>
+                <a:schemeClr val="accent2"/>
+              </a:solidFill>
+            </a:endParaRPr>
+          </a:p>
+        </p:txBody>
+      </p:sp>
+      <p:sp>
+        <p:nvSpPr>
+          <p:cNvPr id="10" name="Rectangle 2">
+            <a:extLst>
+              <a:ext uri="{FF2B5EF4-FFF2-40B4-BE49-F238E27FC236}">
+                <a16:creationId xmlns:a16="http://schemas.microsoft.com/office/drawing/2014/main" id="{DBBA419D-FCB5-4B1D-ABB3-A23277DF7EE4}"/>
+              </a:ext>
+            </a:extLst>
+          </p:cNvPr>
+          <p:cNvSpPr>
+            <a:spLocks noGrp="1" noChangeArrowheads="1"/>
+          </p:cNvSpPr>
+          <p:nvPr>
+            <p:ph type="title"/>
+          </p:nvPr>
+        </p:nvSpPr>
+        <p:spPr>
+          <a:xfrm>
+            <a:off x="574675" y="304800"/>
+            <a:ext cx="8001000" cy="531813"/>
+          </a:xfrm>
+        </p:spPr>
+        <p:txBody>
+          <a:bodyPr anchor="ctr"/>
+          <a:lstStyle/>
+          <a:p>
+            <a:r>
+              <a:rPr lang="es-ES" sz="2300" b="1" dirty="0">
+                <a:solidFill>
+                  <a:schemeClr val="accent2"/>
+                </a:solidFill>
+              </a:rPr>
+              <a:t>Análisis del Algoritmo de Búsqueda Rápida (</a:t>
+            </a:r>
+            <a:r>
+              <a:rPr lang="es-ES" sz="2300" b="1" dirty="0" err="1">
+                <a:solidFill>
+                  <a:schemeClr val="accent2"/>
+                </a:solidFill>
+              </a:rPr>
+              <a:t>Quicksort</a:t>
+            </a:r>
+            <a:r>
+              <a:rPr lang="es-ES" sz="2300" b="1" dirty="0">
+                <a:solidFill>
+                  <a:schemeClr val="accent2"/>
+                </a:solidFill>
+              </a:rPr>
+              <a:t>)</a:t>
+            </a:r>
+            <a:endParaRPr lang="es-ES_tradnl" sz="2000" b="1" dirty="0">
+              <a:solidFill>
+                <a:schemeClr val="accent2"/>
+              </a:solidFill>
+            </a:endParaRPr>
+          </a:p>
+        </p:txBody>
+      </p:sp>
+      <p:sp>
+        <p:nvSpPr>
+          <p:cNvPr id="15" name="4 Marcador de contenido">
+            <a:extLst>
+              <a:ext uri="{FF2B5EF4-FFF2-40B4-BE49-F238E27FC236}">
+                <a16:creationId xmlns:a16="http://schemas.microsoft.com/office/drawing/2014/main" id="{764548E9-9A86-4802-B2E9-D2AFB8D1D7D1}"/>
+              </a:ext>
+            </a:extLst>
+          </p:cNvPr>
+          <p:cNvSpPr txBox="1">
+            <a:spLocks/>
+          </p:cNvSpPr>
+          <p:nvPr/>
+        </p:nvSpPr>
+        <p:spPr>
+          <a:xfrm>
+            <a:off x="5148064" y="1915521"/>
+            <a:ext cx="3392686" cy="3960440"/>
+          </a:xfrm>
+          <a:prstGeom prst="rect">
+            <a:avLst/>
+          </a:prstGeom>
+          <a:solidFill>
+            <a:schemeClr val="accent1">
+              <a:alpha val="21000"/>
+            </a:schemeClr>
+          </a:solidFill>
+          <a:ln w="22225">
+            <a:solidFill>
+              <a:schemeClr val="accent1"/>
+            </a:solidFill>
+          </a:ln>
+        </p:spPr>
+        <p:txBody>
+          <a:bodyPr/>
+          <a:lstStyle/>
+          <a:p>
+            <a:pPr marL="469900" marR="0" lvl="0" indent="-469900" algn="l" defTabSz="914400" rtl="0" eaLnBrk="1" fontAlgn="base" latinLnBrk="0" hangingPunct="1">
+              <a:lnSpc>
+                <a:spcPct val="100000"/>
+              </a:lnSpc>
+              <a:spcBef>
+                <a:spcPct val="20000"/>
+              </a:spcBef>
+              <a:spcAft>
+                <a:spcPct val="0"/>
+              </a:spcAft>
+              <a:buClr>
+                <a:schemeClr val="accent2"/>
+              </a:buClr>
+              <a:buSzTx/>
+              <a:buFont typeface="Wingdings" pitchFamily="2" charset="2"/>
+              <a:buNone/>
+              <a:tabLst/>
+              <a:defRPr/>
+            </a:pPr>
+            <a:r>
+              <a:rPr kumimoji="0" lang="es-ES" sz="2400" b="1" i="0" u="none" strike="noStrike" kern="0" cap="none" spc="0" normalizeH="0" baseline="0" noProof="0" dirty="0">
+                <a:ln>
+                  <a:noFill/>
+                </a:ln>
+                <a:solidFill>
+                  <a:schemeClr val="accent4">
+                    <a:lumMod val="10000"/>
+                  </a:schemeClr>
+                </a:solidFill>
+                <a:effectLst/>
+                <a:uLnTx/>
+                <a:uFillTx/>
+                <a:latin typeface="+mn-lt"/>
+                <a:ea typeface="+mn-ea"/>
+                <a:cs typeface="+mn-cs"/>
+              </a:rPr>
+              <a:t>Leyenda</a:t>
+            </a:r>
+          </a:p>
+          <a:p>
+            <a:pPr marL="469900" marR="0" lvl="0" indent="-469900" algn="l" defTabSz="914400" rtl="0" eaLnBrk="1" fontAlgn="base" latinLnBrk="0" hangingPunct="1">
+              <a:lnSpc>
+                <a:spcPct val="100000"/>
+              </a:lnSpc>
+              <a:spcBef>
+                <a:spcPct val="20000"/>
+              </a:spcBef>
+              <a:spcAft>
+                <a:spcPct val="0"/>
+              </a:spcAft>
+              <a:buClr>
+                <a:schemeClr val="accent2"/>
+              </a:buClr>
+              <a:buSzTx/>
+              <a:buFont typeface="Wingdings" pitchFamily="2" charset="2"/>
+              <a:buNone/>
+              <a:tabLst/>
+              <a:defRPr/>
+            </a:pPr>
+            <a:r>
+              <a:rPr kumimoji="0" lang="es-ES" sz="2400" b="1" i="0" u="none" strike="noStrike" kern="0" cap="none" spc="0" normalizeH="0" baseline="0" noProof="0" dirty="0">
+                <a:ln>
+                  <a:noFill/>
+                </a:ln>
+                <a:solidFill>
+                  <a:srgbClr val="FF0000"/>
+                </a:solidFill>
+                <a:effectLst/>
+                <a:uLnTx/>
+                <a:uFillTx/>
+                <a:latin typeface="+mn-lt"/>
+                <a:ea typeface="+mn-ea"/>
+                <a:cs typeface="+mn-cs"/>
+              </a:rPr>
+              <a:t>Rojo: </a:t>
+            </a:r>
+            <a:r>
+              <a:rPr lang="es-ES" sz="1600" kern="0" noProof="0" dirty="0">
+                <a:solidFill>
+                  <a:schemeClr val="accent4">
+                    <a:lumMod val="10000"/>
+                  </a:schemeClr>
+                </a:solidFill>
+                <a:latin typeface="+mn-lt"/>
+                <a:cs typeface="+mn-cs"/>
+              </a:rPr>
+              <a:t>Primer elemento de la selección empezando por la derecha que es mayor o igual</a:t>
+            </a:r>
+            <a:endParaRPr kumimoji="0" lang="es-ES" sz="1600" b="1" i="0" u="none" strike="noStrike" kern="0" cap="none" spc="0" normalizeH="0" baseline="0" noProof="0" dirty="0">
+              <a:ln>
+                <a:noFill/>
+              </a:ln>
+              <a:solidFill>
+                <a:schemeClr val="accent4">
+                  <a:lumMod val="10000"/>
+                </a:schemeClr>
+              </a:solidFill>
+              <a:effectLst/>
+              <a:uLnTx/>
+              <a:uFillTx/>
+              <a:latin typeface="+mn-lt"/>
+              <a:ea typeface="+mn-ea"/>
+              <a:cs typeface="+mn-cs"/>
+            </a:endParaRPr>
+          </a:p>
+          <a:p>
+            <a:pPr marL="469900" indent="-469900">
+              <a:spcBef>
+                <a:spcPct val="20000"/>
+              </a:spcBef>
+              <a:buClr>
+                <a:schemeClr val="accent2"/>
+              </a:buClr>
+            </a:pPr>
+            <a:r>
+              <a:rPr kumimoji="0" lang="es-ES" sz="2400" b="1" i="0" u="none" strike="noStrike" kern="0" cap="none" spc="0" normalizeH="0" baseline="0" noProof="0" dirty="0">
+                <a:ln>
+                  <a:noFill/>
+                </a:ln>
+                <a:solidFill>
+                  <a:srgbClr val="0000CC"/>
+                </a:solidFill>
+                <a:effectLst/>
+                <a:uLnTx/>
+                <a:uFillTx/>
+                <a:latin typeface="+mn-lt"/>
+                <a:ea typeface="+mn-ea"/>
+                <a:cs typeface="+mn-cs"/>
+              </a:rPr>
+              <a:t>Azul: </a:t>
+            </a:r>
+            <a:r>
+              <a:rPr lang="es-ES" sz="1600" kern="0" dirty="0">
+                <a:solidFill>
+                  <a:srgbClr val="DADADA">
+                    <a:lumMod val="10000"/>
+                  </a:srgbClr>
+                </a:solidFill>
+                <a:latin typeface="Arial"/>
+                <a:cs typeface="Arial"/>
+              </a:rPr>
+              <a:t>Primer elemento de la selección empezando por la izquierda que es menor o igual</a:t>
+            </a:r>
+            <a:endParaRPr kumimoji="0" lang="es-ES" sz="1600" b="0" i="0" u="none" strike="noStrike" kern="0" cap="none" spc="0" normalizeH="0" baseline="0" noProof="0" dirty="0">
+              <a:ln>
+                <a:noFill/>
+              </a:ln>
+              <a:solidFill>
+                <a:schemeClr val="accent4">
+                  <a:lumMod val="10000"/>
+                </a:schemeClr>
+              </a:solidFill>
+              <a:effectLst/>
+              <a:uLnTx/>
+              <a:uFillTx/>
+              <a:latin typeface="+mn-lt"/>
+              <a:ea typeface="+mn-ea"/>
+              <a:cs typeface="+mn-cs"/>
+            </a:endParaRPr>
+          </a:p>
+          <a:p>
+            <a:pPr marL="469900" marR="0" lvl="0" indent="-469900" algn="l" defTabSz="914400" rtl="0" eaLnBrk="1" fontAlgn="base" latinLnBrk="0" hangingPunct="1">
+              <a:lnSpc>
+                <a:spcPct val="100000"/>
+              </a:lnSpc>
+              <a:spcBef>
+                <a:spcPct val="20000"/>
+              </a:spcBef>
+              <a:spcAft>
+                <a:spcPct val="0"/>
+              </a:spcAft>
+              <a:buClr>
+                <a:schemeClr val="accent2"/>
+              </a:buClr>
+              <a:buSzTx/>
+              <a:buFont typeface="Wingdings" pitchFamily="2" charset="2"/>
+              <a:buNone/>
+              <a:tabLst/>
+              <a:defRPr/>
+            </a:pPr>
+            <a:r>
+              <a:rPr kumimoji="0" lang="es-ES" sz="2400" b="1" i="0" u="none" strike="noStrike" kern="0" cap="none" spc="0" normalizeH="0" baseline="0" noProof="0" dirty="0">
+                <a:ln>
+                  <a:noFill/>
+                </a:ln>
+                <a:solidFill>
+                  <a:srgbClr val="00FF00"/>
+                </a:solidFill>
+                <a:effectLst/>
+                <a:uLnTx/>
+                <a:uFillTx/>
+                <a:latin typeface="+mn-lt"/>
+                <a:ea typeface="+mn-ea"/>
+                <a:cs typeface="+mn-cs"/>
+              </a:rPr>
+              <a:t>Verde: </a:t>
+            </a:r>
+            <a:r>
+              <a:rPr lang="es-ES" kern="0" dirty="0">
+                <a:solidFill>
+                  <a:schemeClr val="accent4">
+                    <a:lumMod val="10000"/>
+                  </a:schemeClr>
+                </a:solidFill>
+                <a:latin typeface="+mn-lt"/>
+                <a:cs typeface="+mn-cs"/>
+              </a:rPr>
+              <a:t>Pivote</a:t>
+            </a:r>
+            <a:endParaRPr kumimoji="0" lang="es-ES" sz="2400" b="0" i="0" u="none" strike="noStrike" kern="0" cap="none" spc="0" normalizeH="0" baseline="0" noProof="0" dirty="0">
+              <a:ln>
+                <a:noFill/>
+              </a:ln>
+              <a:solidFill>
+                <a:schemeClr val="accent4">
+                  <a:lumMod val="10000"/>
+                </a:schemeClr>
+              </a:solidFill>
+              <a:effectLst/>
+              <a:uLnTx/>
+              <a:uFillTx/>
+              <a:latin typeface="+mn-lt"/>
+              <a:ea typeface="+mn-ea"/>
+              <a:cs typeface="+mn-cs"/>
+            </a:endParaRPr>
+          </a:p>
+          <a:p>
+            <a:pPr marL="469900" lvl="0" indent="-469900">
+              <a:spcBef>
+                <a:spcPct val="20000"/>
+              </a:spcBef>
+              <a:buClr>
+                <a:srgbClr val="99CC00"/>
+              </a:buClr>
+              <a:defRPr/>
+            </a:pPr>
+            <a:r>
+              <a:rPr lang="es-ES" b="1" kern="0" dirty="0">
+                <a:solidFill>
+                  <a:schemeClr val="bg1">
+                    <a:lumMod val="50000"/>
+                  </a:schemeClr>
+                </a:solidFill>
+                <a:latin typeface="Arial"/>
+                <a:cs typeface="Arial"/>
+              </a:rPr>
+              <a:t>Gris: </a:t>
+            </a:r>
+            <a:r>
+              <a:rPr lang="es-ES" sz="1600" kern="0" dirty="0">
+                <a:solidFill>
+                  <a:schemeClr val="accent4">
+                    <a:lumMod val="10000"/>
+                  </a:schemeClr>
+                </a:solidFill>
+                <a:latin typeface="Arial"/>
+                <a:cs typeface="Arial"/>
+              </a:rPr>
+              <a:t>Posiciones fuera de los limites del subconjunto a ordenar</a:t>
+            </a:r>
+            <a:endParaRPr lang="es-ES" sz="1600" b="1" kern="0" dirty="0">
+              <a:solidFill>
+                <a:schemeClr val="accent4">
+                  <a:lumMod val="10000"/>
+                </a:schemeClr>
+              </a:solidFill>
+              <a:latin typeface="Arial"/>
+              <a:cs typeface="Arial"/>
+            </a:endParaRPr>
+          </a:p>
+          <a:p>
+            <a:pPr marL="469900" marR="0" lvl="0" indent="-469900" algn="l" defTabSz="914400" rtl="0" eaLnBrk="1" fontAlgn="base" latinLnBrk="0" hangingPunct="1">
+              <a:lnSpc>
+                <a:spcPct val="100000"/>
+              </a:lnSpc>
+              <a:spcBef>
+                <a:spcPct val="20000"/>
+              </a:spcBef>
+              <a:spcAft>
+                <a:spcPct val="0"/>
+              </a:spcAft>
+              <a:buClr>
+                <a:schemeClr val="accent2"/>
+              </a:buClr>
+              <a:buSzTx/>
+              <a:buFont typeface="Wingdings" pitchFamily="2" charset="2"/>
+              <a:buNone/>
+              <a:tabLst/>
+              <a:defRPr/>
+            </a:pPr>
+            <a:endParaRPr kumimoji="0" lang="es-ES" sz="2400" b="0" i="0" u="none" strike="noStrike" kern="0" cap="none" spc="0" normalizeH="0" baseline="0" noProof="0" dirty="0">
+              <a:ln>
+                <a:noFill/>
+              </a:ln>
+              <a:solidFill>
+                <a:schemeClr val="tx1"/>
+              </a:solidFill>
+              <a:effectLst/>
+              <a:uLnTx/>
+              <a:uFillTx/>
+              <a:latin typeface="+mn-lt"/>
+              <a:ea typeface="+mn-ea"/>
+              <a:cs typeface="+mn-cs"/>
+            </a:endParaRPr>
+          </a:p>
+          <a:p>
+            <a:pPr marL="469900" marR="0" lvl="0" indent="-469900" algn="l" defTabSz="914400" rtl="0" eaLnBrk="1" fontAlgn="base" latinLnBrk="0" hangingPunct="1">
+              <a:lnSpc>
+                <a:spcPct val="100000"/>
+              </a:lnSpc>
+              <a:spcBef>
+                <a:spcPct val="20000"/>
+              </a:spcBef>
+              <a:spcAft>
+                <a:spcPct val="0"/>
+              </a:spcAft>
+              <a:buClr>
+                <a:schemeClr val="accent2"/>
+              </a:buClr>
+              <a:buSzTx/>
+              <a:buFont typeface="Wingdings" pitchFamily="2" charset="2"/>
+              <a:buNone/>
+              <a:tabLst/>
+              <a:defRPr/>
+            </a:pPr>
+            <a:endParaRPr kumimoji="0" lang="es-ES" sz="2400" b="0" i="0" u="none" strike="noStrike" kern="0" cap="none" spc="0" normalizeH="0" baseline="0" noProof="0" dirty="0">
+              <a:ln>
+                <a:noFill/>
+              </a:ln>
+              <a:solidFill>
+                <a:schemeClr val="tx1"/>
+              </a:solidFill>
+              <a:effectLst/>
+              <a:uLnTx/>
+              <a:uFillTx/>
+              <a:latin typeface="+mn-lt"/>
+              <a:ea typeface="+mn-ea"/>
+              <a:cs typeface="+mn-cs"/>
+            </a:endParaRPr>
+          </a:p>
+        </p:txBody>
+      </p:sp>
+      <p:pic>
+        <p:nvPicPr>
+          <p:cNvPr id="3" name="Imagen 2">
+            <a:extLst>
+              <a:ext uri="{FF2B5EF4-FFF2-40B4-BE49-F238E27FC236}">
+                <a16:creationId xmlns:a16="http://schemas.microsoft.com/office/drawing/2014/main" id="{10B67FCA-DD95-4A40-82CA-B2E4A1C921D0}"/>
+              </a:ext>
+            </a:extLst>
+          </p:cNvPr>
+          <p:cNvPicPr>
+            <a:picLocks noChangeAspect="1"/>
+          </p:cNvPicPr>
+          <p:nvPr/>
+        </p:nvPicPr>
+        <p:blipFill rotWithShape="1">
+          <a:blip r:embed="rId3">
+            <a:extLst>
+              <a:ext uri="{28A0092B-C50C-407E-A947-70E740481C1C}">
+                <a14:useLocalDpi xmlns:a14="http://schemas.microsoft.com/office/drawing/2010/main" val="0"/>
+              </a:ext>
+            </a:extLst>
+          </a:blip>
+          <a:srcRect b="46451"/>
+          <a:stretch/>
+        </p:blipFill>
+        <p:spPr>
+          <a:xfrm>
+            <a:off x="1118108" y="1673934"/>
+            <a:ext cx="3151288" cy="4443614"/>
+          </a:xfrm>
+          <a:prstGeom prst="rect">
+            <a:avLst/>
+          </a:prstGeom>
+        </p:spPr>
+      </p:pic>
+    </p:spTree>
+    <p:extLst>
+      <p:ext uri="{BB962C8B-B14F-4D97-AF65-F5344CB8AC3E}">
+        <p14:creationId xmlns:p14="http://schemas.microsoft.com/office/powerpoint/2010/main" val="2144781836"/>
+      </p:ext>
+    </p:extLst>
+  </p:cSld>
+  <p:clrMapOvr>
+    <a:masterClrMapping/>
+  </p:clrMapOvr>
+</p:sld>
+</file>
+
+<file path=ppt/slides/slide19.xml><?xml version="1.0" encoding="utf-8"?>
+<p:sld xmlns:a="http://schemas.openxmlformats.org/drawingml/2006/main" xmlns:r="http://schemas.openxmlformats.org/officeDocument/2006/relationships" xmlns:p="http://schemas.openxmlformats.org/presentationml/2006/main">
+  <p:cSld>
+    <p:spTree>
+      <p:nvGrpSpPr>
+        <p:cNvPr id="1" name=""/>
+        <p:cNvGrpSpPr/>
+        <p:nvPr/>
+      </p:nvGrpSpPr>
+      <p:grpSpPr>
+        <a:xfrm>
+          <a:off x="0" y="0"/>
+          <a:ext cx="0" cy="0"/>
+          <a:chOff x="0" y="0"/>
+          <a:chExt cx="0" cy="0"/>
+        </a:xfrm>
+      </p:grpSpPr>
+      <p:sp>
+        <p:nvSpPr>
+          <p:cNvPr id="11" name="3 Marcador de contenido">
+            <a:extLst>
+              <a:ext uri="{FF2B5EF4-FFF2-40B4-BE49-F238E27FC236}">
+                <a16:creationId xmlns:a16="http://schemas.microsoft.com/office/drawing/2014/main" id="{289F0C24-BED2-4CF3-8A0B-4D8F4DBEEF92}"/>
+              </a:ext>
+            </a:extLst>
+          </p:cNvPr>
+          <p:cNvSpPr>
+            <a:spLocks noGrp="1"/>
+          </p:cNvSpPr>
+          <p:nvPr>
+            <p:ph idx="1"/>
+          </p:nvPr>
+        </p:nvSpPr>
+        <p:spPr>
+          <a:xfrm>
+            <a:off x="539750" y="1196975"/>
+            <a:ext cx="8001000" cy="4821238"/>
+          </a:xfrm>
+        </p:spPr>
+        <p:txBody>
+          <a:bodyPr/>
+          <a:lstStyle/>
+          <a:p>
+            <a:pPr algn="just">
+              <a:buNone/>
+            </a:pPr>
+            <a:r>
+              <a:rPr lang="es-ES" sz="2200" b="1" dirty="0">
+                <a:solidFill>
+                  <a:schemeClr val="accent2"/>
+                </a:solidFill>
+              </a:rPr>
+              <a:t>3. Traza y ejemplo de ejecución del algoritmo</a:t>
+            </a:r>
+            <a:endParaRPr lang="es-ES" sz="2200" dirty="0">
+              <a:solidFill>
+                <a:schemeClr val="accent2"/>
+              </a:solidFill>
+            </a:endParaRPr>
+          </a:p>
+        </p:txBody>
+      </p:sp>
+      <p:sp>
+        <p:nvSpPr>
+          <p:cNvPr id="12" name="Rectangle 2">
+            <a:extLst>
+              <a:ext uri="{FF2B5EF4-FFF2-40B4-BE49-F238E27FC236}">
+                <a16:creationId xmlns:a16="http://schemas.microsoft.com/office/drawing/2014/main" id="{9B8BCC1B-0BB0-461B-B6E1-5C3F2881E794}"/>
+              </a:ext>
+            </a:extLst>
+          </p:cNvPr>
+          <p:cNvSpPr>
+            <a:spLocks noGrp="1" noChangeArrowheads="1"/>
+          </p:cNvSpPr>
+          <p:nvPr>
+            <p:ph type="title"/>
+          </p:nvPr>
+        </p:nvSpPr>
+        <p:spPr>
+          <a:xfrm>
+            <a:off x="574675" y="304800"/>
+            <a:ext cx="8001000" cy="531813"/>
+          </a:xfrm>
+        </p:spPr>
+        <p:txBody>
+          <a:bodyPr anchor="ctr"/>
+          <a:lstStyle/>
+          <a:p>
+            <a:r>
+              <a:rPr lang="es-ES" sz="2300" b="1" dirty="0">
+                <a:solidFill>
+                  <a:schemeClr val="accent2"/>
+                </a:solidFill>
+              </a:rPr>
+              <a:t>Análisis del Algoritmo de Búsqueda Rápida (</a:t>
+            </a:r>
+            <a:r>
+              <a:rPr lang="es-ES" sz="2300" b="1" dirty="0" err="1">
+                <a:solidFill>
+                  <a:schemeClr val="accent2"/>
+                </a:solidFill>
+              </a:rPr>
+              <a:t>Quicksort</a:t>
+            </a:r>
+            <a:r>
+              <a:rPr lang="es-ES" sz="2300" b="1" dirty="0">
+                <a:solidFill>
+                  <a:schemeClr val="accent2"/>
+                </a:solidFill>
+              </a:rPr>
+              <a:t>)</a:t>
+            </a:r>
+            <a:endParaRPr lang="es-ES_tradnl" sz="2000" b="1" dirty="0">
+              <a:solidFill>
+                <a:schemeClr val="accent2"/>
+              </a:solidFill>
+            </a:endParaRPr>
+          </a:p>
+        </p:txBody>
+      </p:sp>
+      <p:sp>
+        <p:nvSpPr>
+          <p:cNvPr id="6" name="4 Marcador de contenido">
+            <a:extLst>
+              <a:ext uri="{FF2B5EF4-FFF2-40B4-BE49-F238E27FC236}">
+                <a16:creationId xmlns:a16="http://schemas.microsoft.com/office/drawing/2014/main" id="{C9E6412B-7207-4731-BC73-B855BB64C574}"/>
+              </a:ext>
+            </a:extLst>
+          </p:cNvPr>
+          <p:cNvSpPr txBox="1">
+            <a:spLocks/>
+          </p:cNvSpPr>
+          <p:nvPr/>
+        </p:nvSpPr>
+        <p:spPr>
+          <a:xfrm>
+            <a:off x="5148064" y="1915521"/>
+            <a:ext cx="3392686" cy="3960440"/>
+          </a:xfrm>
+          <a:prstGeom prst="rect">
+            <a:avLst/>
+          </a:prstGeom>
+          <a:solidFill>
+            <a:schemeClr val="accent1">
+              <a:alpha val="21000"/>
+            </a:schemeClr>
+          </a:solidFill>
+          <a:ln w="22225">
+            <a:solidFill>
+              <a:schemeClr val="accent1"/>
+            </a:solidFill>
+          </a:ln>
+        </p:spPr>
+        <p:txBody>
+          <a:bodyPr/>
+          <a:lstStyle/>
+          <a:p>
+            <a:pPr marL="469900" marR="0" lvl="0" indent="-469900" algn="l" defTabSz="914400" rtl="0" eaLnBrk="1" fontAlgn="base" latinLnBrk="0" hangingPunct="1">
+              <a:lnSpc>
+                <a:spcPct val="100000"/>
+              </a:lnSpc>
+              <a:spcBef>
+                <a:spcPct val="20000"/>
+              </a:spcBef>
+              <a:spcAft>
+                <a:spcPct val="0"/>
+              </a:spcAft>
+              <a:buClr>
+                <a:schemeClr val="accent2"/>
+              </a:buClr>
+              <a:buSzTx/>
+              <a:buFont typeface="Wingdings" pitchFamily="2" charset="2"/>
+              <a:buNone/>
+              <a:tabLst/>
+              <a:defRPr/>
+            </a:pPr>
+            <a:r>
+              <a:rPr kumimoji="0" lang="es-ES" sz="2400" b="1" i="0" u="none" strike="noStrike" kern="0" cap="none" spc="0" normalizeH="0" baseline="0" noProof="0" dirty="0">
+                <a:ln>
+                  <a:noFill/>
+                </a:ln>
+                <a:solidFill>
+                  <a:schemeClr val="accent4">
+                    <a:lumMod val="10000"/>
+                  </a:schemeClr>
+                </a:solidFill>
+                <a:effectLst/>
+                <a:uLnTx/>
+                <a:uFillTx/>
+                <a:latin typeface="+mn-lt"/>
+                <a:ea typeface="+mn-ea"/>
+                <a:cs typeface="+mn-cs"/>
+              </a:rPr>
+              <a:t>Leyenda</a:t>
+            </a:r>
+          </a:p>
+          <a:p>
+            <a:pPr marL="469900" marR="0" lvl="0" indent="-469900" algn="l" defTabSz="914400" rtl="0" eaLnBrk="1" fontAlgn="base" latinLnBrk="0" hangingPunct="1">
+              <a:lnSpc>
+                <a:spcPct val="100000"/>
+              </a:lnSpc>
+              <a:spcBef>
+                <a:spcPct val="20000"/>
+              </a:spcBef>
+              <a:spcAft>
+                <a:spcPct val="0"/>
+              </a:spcAft>
+              <a:buClr>
+                <a:schemeClr val="accent2"/>
+              </a:buClr>
+              <a:buSzTx/>
+              <a:buFont typeface="Wingdings" pitchFamily="2" charset="2"/>
+              <a:buNone/>
+              <a:tabLst/>
+              <a:defRPr/>
+            </a:pPr>
+            <a:r>
+              <a:rPr kumimoji="0" lang="es-ES" sz="2400" b="1" i="0" u="none" strike="noStrike" kern="0" cap="none" spc="0" normalizeH="0" baseline="0" noProof="0" dirty="0">
+                <a:ln>
+                  <a:noFill/>
+                </a:ln>
+                <a:solidFill>
+                  <a:srgbClr val="FF0000"/>
+                </a:solidFill>
+                <a:effectLst/>
+                <a:uLnTx/>
+                <a:uFillTx/>
+                <a:latin typeface="+mn-lt"/>
+                <a:ea typeface="+mn-ea"/>
+                <a:cs typeface="+mn-cs"/>
+              </a:rPr>
+              <a:t>Rojo: </a:t>
+            </a:r>
+            <a:r>
+              <a:rPr lang="es-ES" sz="1600" kern="0" noProof="0" dirty="0">
+                <a:solidFill>
+                  <a:schemeClr val="accent4">
+                    <a:lumMod val="10000"/>
+                  </a:schemeClr>
+                </a:solidFill>
+                <a:latin typeface="+mn-lt"/>
+                <a:cs typeface="+mn-cs"/>
+              </a:rPr>
+              <a:t>Primer elemento de la selección empezando por la derecha que es mayor o igual</a:t>
+            </a:r>
+            <a:endParaRPr kumimoji="0" lang="es-ES" sz="1600" b="1" i="0" u="none" strike="noStrike" kern="0" cap="none" spc="0" normalizeH="0" baseline="0" noProof="0" dirty="0">
+              <a:ln>
+                <a:noFill/>
+              </a:ln>
+              <a:solidFill>
+                <a:schemeClr val="accent4">
+                  <a:lumMod val="10000"/>
+                </a:schemeClr>
+              </a:solidFill>
+              <a:effectLst/>
+              <a:uLnTx/>
+              <a:uFillTx/>
+              <a:latin typeface="+mn-lt"/>
+              <a:ea typeface="+mn-ea"/>
+              <a:cs typeface="+mn-cs"/>
+            </a:endParaRPr>
+          </a:p>
+          <a:p>
+            <a:pPr marL="469900" indent="-469900">
+              <a:spcBef>
+                <a:spcPct val="20000"/>
+              </a:spcBef>
+              <a:buClr>
+                <a:schemeClr val="accent2"/>
+              </a:buClr>
+            </a:pPr>
+            <a:r>
+              <a:rPr kumimoji="0" lang="es-ES" sz="2400" b="1" i="0" u="none" strike="noStrike" kern="0" cap="none" spc="0" normalizeH="0" baseline="0" noProof="0" dirty="0">
+                <a:ln>
+                  <a:noFill/>
+                </a:ln>
+                <a:solidFill>
+                  <a:srgbClr val="0000CC"/>
+                </a:solidFill>
+                <a:effectLst/>
+                <a:uLnTx/>
+                <a:uFillTx/>
+                <a:latin typeface="+mn-lt"/>
+                <a:ea typeface="+mn-ea"/>
+                <a:cs typeface="+mn-cs"/>
+              </a:rPr>
+              <a:t>Azul: </a:t>
+            </a:r>
+            <a:r>
+              <a:rPr lang="es-ES" sz="1600" kern="0" dirty="0">
+                <a:solidFill>
+                  <a:srgbClr val="DADADA">
+                    <a:lumMod val="10000"/>
+                  </a:srgbClr>
+                </a:solidFill>
+                <a:latin typeface="Arial"/>
+                <a:cs typeface="Arial"/>
+              </a:rPr>
+              <a:t>Primer elemento de la selección empezando por la izquierda que es menor o igual</a:t>
+            </a:r>
+            <a:endParaRPr kumimoji="0" lang="es-ES" sz="1600" b="0" i="0" u="none" strike="noStrike" kern="0" cap="none" spc="0" normalizeH="0" baseline="0" noProof="0" dirty="0">
+              <a:ln>
+                <a:noFill/>
+              </a:ln>
+              <a:solidFill>
+                <a:schemeClr val="accent4">
+                  <a:lumMod val="10000"/>
+                </a:schemeClr>
+              </a:solidFill>
+              <a:effectLst/>
+              <a:uLnTx/>
+              <a:uFillTx/>
+              <a:latin typeface="+mn-lt"/>
+              <a:ea typeface="+mn-ea"/>
+              <a:cs typeface="+mn-cs"/>
+            </a:endParaRPr>
+          </a:p>
+          <a:p>
+            <a:pPr marL="469900" marR="0" lvl="0" indent="-469900" algn="l" defTabSz="914400" rtl="0" eaLnBrk="1" fontAlgn="base" latinLnBrk="0" hangingPunct="1">
+              <a:lnSpc>
+                <a:spcPct val="100000"/>
+              </a:lnSpc>
+              <a:spcBef>
+                <a:spcPct val="20000"/>
+              </a:spcBef>
+              <a:spcAft>
+                <a:spcPct val="0"/>
+              </a:spcAft>
+              <a:buClr>
+                <a:schemeClr val="accent2"/>
+              </a:buClr>
+              <a:buSzTx/>
+              <a:buFont typeface="Wingdings" pitchFamily="2" charset="2"/>
+              <a:buNone/>
+              <a:tabLst/>
+              <a:defRPr/>
+            </a:pPr>
+            <a:r>
+              <a:rPr kumimoji="0" lang="es-ES" sz="2400" b="1" i="0" u="none" strike="noStrike" kern="0" cap="none" spc="0" normalizeH="0" baseline="0" noProof="0" dirty="0">
+                <a:ln>
+                  <a:noFill/>
+                </a:ln>
+                <a:solidFill>
+                  <a:srgbClr val="00FF00"/>
+                </a:solidFill>
+                <a:effectLst/>
+                <a:uLnTx/>
+                <a:uFillTx/>
+                <a:latin typeface="+mn-lt"/>
+                <a:ea typeface="+mn-ea"/>
+                <a:cs typeface="+mn-cs"/>
+              </a:rPr>
+              <a:t>Verde: </a:t>
+            </a:r>
+            <a:r>
+              <a:rPr lang="es-ES" kern="0" dirty="0">
+                <a:solidFill>
+                  <a:schemeClr val="accent4">
+                    <a:lumMod val="10000"/>
+                  </a:schemeClr>
+                </a:solidFill>
+                <a:latin typeface="+mn-lt"/>
+                <a:cs typeface="+mn-cs"/>
+              </a:rPr>
+              <a:t>Pivote</a:t>
+            </a:r>
+            <a:endParaRPr kumimoji="0" lang="es-ES" sz="2400" b="0" i="0" u="none" strike="noStrike" kern="0" cap="none" spc="0" normalizeH="0" baseline="0" noProof="0" dirty="0">
+              <a:ln>
+                <a:noFill/>
+              </a:ln>
+              <a:solidFill>
+                <a:schemeClr val="accent4">
+                  <a:lumMod val="10000"/>
+                </a:schemeClr>
+              </a:solidFill>
+              <a:effectLst/>
+              <a:uLnTx/>
+              <a:uFillTx/>
+              <a:latin typeface="+mn-lt"/>
+              <a:ea typeface="+mn-ea"/>
+              <a:cs typeface="+mn-cs"/>
+            </a:endParaRPr>
+          </a:p>
+          <a:p>
+            <a:pPr marL="469900" lvl="0" indent="-469900">
+              <a:spcBef>
+                <a:spcPct val="20000"/>
+              </a:spcBef>
+              <a:buClr>
+                <a:srgbClr val="99CC00"/>
+              </a:buClr>
+              <a:defRPr/>
+            </a:pPr>
+            <a:r>
+              <a:rPr lang="es-ES" b="1" kern="0" dirty="0">
+                <a:solidFill>
+                  <a:schemeClr val="bg1">
+                    <a:lumMod val="50000"/>
+                  </a:schemeClr>
+                </a:solidFill>
+                <a:latin typeface="Arial"/>
+                <a:cs typeface="Arial"/>
+              </a:rPr>
+              <a:t>Gris: </a:t>
+            </a:r>
+            <a:r>
+              <a:rPr lang="es-ES" sz="1600" kern="0" dirty="0">
+                <a:solidFill>
+                  <a:schemeClr val="accent4">
+                    <a:lumMod val="10000"/>
+                  </a:schemeClr>
+                </a:solidFill>
+                <a:latin typeface="Arial"/>
+                <a:cs typeface="Arial"/>
+              </a:rPr>
+              <a:t>Posiciones fuera de los limites del subconjunto a ordenar</a:t>
+            </a:r>
+            <a:endParaRPr lang="es-ES" sz="1600" b="1" kern="0" dirty="0">
+              <a:solidFill>
+                <a:schemeClr val="accent4">
+                  <a:lumMod val="10000"/>
+                </a:schemeClr>
+              </a:solidFill>
+              <a:latin typeface="Arial"/>
+              <a:cs typeface="Arial"/>
+            </a:endParaRPr>
+          </a:p>
+          <a:p>
+            <a:pPr marL="469900" marR="0" lvl="0" indent="-469900" algn="l" defTabSz="914400" rtl="0" eaLnBrk="1" fontAlgn="base" latinLnBrk="0" hangingPunct="1">
+              <a:lnSpc>
+                <a:spcPct val="100000"/>
+              </a:lnSpc>
+              <a:spcBef>
+                <a:spcPct val="20000"/>
+              </a:spcBef>
+              <a:spcAft>
+                <a:spcPct val="0"/>
+              </a:spcAft>
+              <a:buClr>
+                <a:schemeClr val="accent2"/>
+              </a:buClr>
+              <a:buSzTx/>
+              <a:buFont typeface="Wingdings" pitchFamily="2" charset="2"/>
+              <a:buNone/>
+              <a:tabLst/>
+              <a:defRPr/>
+            </a:pPr>
+            <a:endParaRPr kumimoji="0" lang="es-ES" sz="2400" b="0" i="0" u="none" strike="noStrike" kern="0" cap="none" spc="0" normalizeH="0" baseline="0" noProof="0" dirty="0">
+              <a:ln>
+                <a:noFill/>
+              </a:ln>
+              <a:solidFill>
+                <a:schemeClr val="tx1"/>
+              </a:solidFill>
+              <a:effectLst/>
+              <a:uLnTx/>
+              <a:uFillTx/>
+              <a:latin typeface="+mn-lt"/>
+              <a:ea typeface="+mn-ea"/>
+              <a:cs typeface="+mn-cs"/>
+            </a:endParaRPr>
+          </a:p>
+          <a:p>
+            <a:pPr marL="469900" marR="0" lvl="0" indent="-469900" algn="l" defTabSz="914400" rtl="0" eaLnBrk="1" fontAlgn="base" latinLnBrk="0" hangingPunct="1">
+              <a:lnSpc>
+                <a:spcPct val="100000"/>
+              </a:lnSpc>
+              <a:spcBef>
+                <a:spcPct val="20000"/>
+              </a:spcBef>
+              <a:spcAft>
+                <a:spcPct val="0"/>
+              </a:spcAft>
+              <a:buClr>
+                <a:schemeClr val="accent2"/>
+              </a:buClr>
+              <a:buSzTx/>
+              <a:buFont typeface="Wingdings" pitchFamily="2" charset="2"/>
+              <a:buNone/>
+              <a:tabLst/>
+              <a:defRPr/>
+            </a:pPr>
+            <a:endParaRPr kumimoji="0" lang="es-ES" sz="2400" b="0" i="0" u="none" strike="noStrike" kern="0" cap="none" spc="0" normalizeH="0" baseline="0" noProof="0" dirty="0">
+              <a:ln>
+                <a:noFill/>
+              </a:ln>
+              <a:solidFill>
+                <a:schemeClr val="tx1"/>
+              </a:solidFill>
+              <a:effectLst/>
+              <a:uLnTx/>
+              <a:uFillTx/>
+              <a:latin typeface="+mn-lt"/>
+              <a:ea typeface="+mn-ea"/>
+              <a:cs typeface="+mn-cs"/>
+            </a:endParaRPr>
+          </a:p>
+        </p:txBody>
+      </p:sp>
+      <p:pic>
+        <p:nvPicPr>
+          <p:cNvPr id="7" name="Imagen 6">
+            <a:extLst>
+              <a:ext uri="{FF2B5EF4-FFF2-40B4-BE49-F238E27FC236}">
+                <a16:creationId xmlns:a16="http://schemas.microsoft.com/office/drawing/2014/main" id="{4B6D1D25-7610-4F4A-AC15-073E69FC97BE}"/>
+              </a:ext>
+            </a:extLst>
+          </p:cNvPr>
+          <p:cNvPicPr>
+            <a:picLocks noChangeAspect="1"/>
+          </p:cNvPicPr>
+          <p:nvPr/>
+        </p:nvPicPr>
+        <p:blipFill rotWithShape="1">
+          <a:blip r:embed="rId3">
+            <a:extLst>
+              <a:ext uri="{28A0092B-C50C-407E-A947-70E740481C1C}">
+                <a14:useLocalDpi xmlns:a14="http://schemas.microsoft.com/office/drawing/2010/main" val="0"/>
+              </a:ext>
+            </a:extLst>
+          </a:blip>
+          <a:srcRect t="54599"/>
+          <a:stretch/>
+        </p:blipFill>
+        <p:spPr>
+          <a:xfrm>
+            <a:off x="900512" y="1708312"/>
+            <a:ext cx="3813059" cy="4558598"/>
+          </a:xfrm>
+          <a:prstGeom prst="rect">
+            <a:avLst/>
+          </a:prstGeom>
+        </p:spPr>
+      </p:pic>
+    </p:spTree>
+    <p:extLst>
+      <p:ext uri="{BB962C8B-B14F-4D97-AF65-F5344CB8AC3E}">
+        <p14:creationId xmlns:p14="http://schemas.microsoft.com/office/powerpoint/2010/main" val="2227089589"/>
+      </p:ext>
+    </p:extLst>
+  </p:cSld>
+  <p:clrMapOvr>
+    <a:masterClrMapping/>
+  </p:clrMapOvr>
+</p:sld>
+</file>
+
+<file path=ppt/slides/slide2.xml><?xml version="1.0" encoding="utf-8"?>
+<p:sld xmlns:a="http://schemas.openxmlformats.org/drawingml/2006/main" xmlns:r="http://schemas.openxmlformats.org/officeDocument/2006/relationships" xmlns:p="http://schemas.openxmlformats.org/presentationml/2006/main">
+  <p:cSld>
+    <p:spTree>
+      <p:nvGrpSpPr>
+        <p:cNvPr id="1" name=""/>
+        <p:cNvGrpSpPr/>
+        <p:nvPr/>
+      </p:nvGrpSpPr>
+      <p:grpSpPr>
+        <a:xfrm>
+          <a:off x="0" y="0"/>
+          <a:ext cx="0" cy="0"/>
+          <a:chOff x="0" y="0"/>
+          <a:chExt cx="0" cy="0"/>
+        </a:xfrm>
+      </p:grpSpPr>
+      <p:sp>
+        <p:nvSpPr>
+          <p:cNvPr id="4" name="1 Marcador de contenido">
+            <a:extLst>
+              <a:ext uri="{FF2B5EF4-FFF2-40B4-BE49-F238E27FC236}">
+                <a16:creationId xmlns:a16="http://schemas.microsoft.com/office/drawing/2014/main" id="{6509F083-2808-429D-9B8C-948B98FE2773}"/>
+              </a:ext>
+            </a:extLst>
+          </p:cNvPr>
+          <p:cNvSpPr>
+            <a:spLocks noGrp="1"/>
+          </p:cNvSpPr>
+          <p:nvPr>
+            <p:ph idx="1"/>
+          </p:nvPr>
+        </p:nvSpPr>
+        <p:spPr>
+          <a:xfrm>
+            <a:off x="539750" y="1052736"/>
+            <a:ext cx="8001000" cy="5328592"/>
+          </a:xfrm>
+        </p:spPr>
+        <p:txBody>
+          <a:bodyPr/>
+          <a:lstStyle/>
+          <a:p>
+            <a:r>
+              <a:rPr lang="es-ES" sz="2000" b="1" dirty="0"/>
+              <a:t>Análisis del Algoritmo de búsqueda por Selección</a:t>
+            </a:r>
+          </a:p>
+          <a:p>
+            <a:pPr marL="928687" lvl="1" indent="-457200">
+              <a:buFont typeface="+mj-lt"/>
+              <a:buAutoNum type="arabicPeriod"/>
+            </a:pPr>
+            <a:r>
+              <a:rPr lang="es-ES" sz="1800" dirty="0"/>
+              <a:t>Resumen del algoritmo</a:t>
+            </a:r>
+          </a:p>
+          <a:p>
+            <a:pPr marL="928687" lvl="1" indent="-457200">
+              <a:buFont typeface="+mj-lt"/>
+              <a:buAutoNum type="arabicPeriod"/>
+            </a:pPr>
+            <a:r>
+              <a:rPr lang="es-ES" sz="1800" dirty="0"/>
+              <a:t>Pseudocódigo del algoritmo y su implementación en C++</a:t>
+            </a:r>
+          </a:p>
+          <a:p>
+            <a:pPr marL="928687" lvl="1" indent="-457200">
+              <a:buFont typeface="+mj-lt"/>
+              <a:buAutoNum type="arabicPeriod"/>
+            </a:pPr>
+            <a:r>
+              <a:rPr lang="es-ES" sz="1800" dirty="0"/>
+              <a:t>Traza y ejemplo de ejecución del algoritmo</a:t>
+            </a:r>
+          </a:p>
+          <a:p>
+            <a:pPr marL="928687" lvl="1" indent="-457200">
+              <a:buFont typeface="+mj-lt"/>
+              <a:buAutoNum type="arabicPeriod"/>
+            </a:pPr>
+            <a:r>
+              <a:rPr lang="es-ES" sz="1800" dirty="0"/>
+              <a:t>Análisis de eficiencia</a:t>
+            </a:r>
+          </a:p>
+          <a:p>
+            <a:pPr marL="928687" lvl="1" indent="-457200">
+              <a:buFont typeface="+mj-lt"/>
+              <a:buAutoNum type="arabicPeriod"/>
+            </a:pPr>
+            <a:r>
+              <a:rPr lang="es-ES" sz="1800" dirty="0"/>
+              <a:t>Mejoras posibles para el algoritmo</a:t>
+            </a:r>
+          </a:p>
+          <a:p>
+            <a:pPr marL="1325562" lvl="2" indent="-457200">
+              <a:buFont typeface="+mj-lt"/>
+              <a:buAutoNum type="arabicPeriod"/>
+            </a:pPr>
+            <a:r>
+              <a:rPr lang="es-ES" sz="1600" dirty="0"/>
+              <a:t>Comprobación</a:t>
+            </a:r>
+          </a:p>
+          <a:p>
+            <a:pPr marL="1325562" lvl="2" indent="-457200">
+              <a:buFont typeface="+mj-lt"/>
+              <a:buAutoNum type="arabicPeriod"/>
+            </a:pPr>
+            <a:r>
+              <a:rPr lang="es-ES" sz="1600" dirty="0"/>
+              <a:t>Ordenación estable</a:t>
+            </a:r>
+            <a:endParaRPr lang="es-ES" sz="1800" dirty="0"/>
+          </a:p>
+          <a:p>
+            <a:r>
+              <a:rPr lang="es-ES" sz="2000" b="1" dirty="0"/>
+              <a:t>Análisis del Algoritmo de búsqueda rápida (</a:t>
+            </a:r>
+            <a:r>
+              <a:rPr lang="es-ES" sz="2000" b="1" dirty="0" err="1"/>
+              <a:t>Quicksort</a:t>
+            </a:r>
+            <a:r>
+              <a:rPr lang="es-ES" sz="2000" b="1" dirty="0"/>
+              <a:t>)</a:t>
+            </a:r>
+          </a:p>
+          <a:p>
+            <a:pPr marL="928687" lvl="1" indent="-457200">
+              <a:buFont typeface="+mj-lt"/>
+              <a:buAutoNum type="arabicPeriod"/>
+            </a:pPr>
+            <a:r>
+              <a:rPr lang="es-ES" sz="1800" dirty="0"/>
+              <a:t>Resumen del algoritmo</a:t>
+            </a:r>
+          </a:p>
+          <a:p>
+            <a:pPr marL="928687" lvl="1" indent="-457200">
+              <a:buFont typeface="+mj-lt"/>
+              <a:buAutoNum type="arabicPeriod"/>
+            </a:pPr>
+            <a:r>
+              <a:rPr lang="es-ES" sz="1800" dirty="0"/>
+              <a:t>Pseudocódigo del algoritmo y su implementación en C++</a:t>
+            </a:r>
+          </a:p>
+          <a:p>
+            <a:pPr marL="928687" lvl="1" indent="-457200">
+              <a:buFont typeface="+mj-lt"/>
+              <a:buAutoNum type="arabicPeriod"/>
+            </a:pPr>
+            <a:r>
+              <a:rPr lang="es-ES" sz="1800" dirty="0"/>
+              <a:t>Traza y ejemplo de ejecución del algoritmo</a:t>
+            </a:r>
+          </a:p>
+          <a:p>
+            <a:pPr marL="928687" lvl="1" indent="-457200">
+              <a:buFont typeface="+mj-lt"/>
+              <a:buAutoNum type="arabicPeriod"/>
+            </a:pPr>
+            <a:r>
+              <a:rPr lang="es-ES" sz="1800" dirty="0"/>
+              <a:t>Análisis de eficiencia</a:t>
+            </a:r>
+          </a:p>
+          <a:p>
+            <a:pPr marL="928687" lvl="1" indent="-457200">
+              <a:buFont typeface="+mj-lt"/>
+              <a:buAutoNum type="arabicPeriod"/>
+            </a:pPr>
+            <a:r>
+              <a:rPr lang="es-ES" sz="1800" dirty="0"/>
+              <a:t>Mejoras posibles para el algoritmo</a:t>
+            </a:r>
+          </a:p>
+          <a:p>
+            <a:pPr marL="1325562" lvl="2" indent="-457200">
+              <a:buFont typeface="+mj-lt"/>
+              <a:buAutoNum type="arabicPeriod"/>
+            </a:pPr>
+            <a:r>
+              <a:rPr lang="es-ES" sz="1600" dirty="0"/>
+              <a:t>Pivote aleatorio</a:t>
+            </a:r>
+          </a:p>
+          <a:p>
+            <a:pPr marL="1325562" lvl="2" indent="-457200">
+              <a:buFont typeface="+mj-lt"/>
+              <a:buAutoNum type="arabicPeriod"/>
+            </a:pPr>
+            <a:r>
+              <a:rPr lang="es-ES" sz="1600" dirty="0"/>
+              <a:t>Tail </a:t>
+            </a:r>
+            <a:r>
+              <a:rPr lang="es-ES" sz="1600" dirty="0" err="1"/>
+              <a:t>call</a:t>
+            </a:r>
+            <a:endParaRPr lang="es-ES" sz="1600" dirty="0"/>
+          </a:p>
+        </p:txBody>
+      </p:sp>
+      <p:sp>
+        <p:nvSpPr>
+          <p:cNvPr id="5" name="2 Título">
+            <a:extLst>
+              <a:ext uri="{FF2B5EF4-FFF2-40B4-BE49-F238E27FC236}">
+                <a16:creationId xmlns:a16="http://schemas.microsoft.com/office/drawing/2014/main" id="{2F5C0EB8-7805-407E-A757-A5170347F41B}"/>
+              </a:ext>
+            </a:extLst>
+          </p:cNvPr>
+          <p:cNvSpPr>
+            <a:spLocks noGrp="1"/>
+          </p:cNvSpPr>
+          <p:nvPr>
+            <p:ph type="title"/>
+          </p:nvPr>
+        </p:nvSpPr>
+        <p:spPr>
+          <a:xfrm>
+            <a:off x="574675" y="304800"/>
+            <a:ext cx="8001000" cy="531813"/>
+          </a:xfrm>
+        </p:spPr>
+        <p:txBody>
+          <a:bodyPr/>
+          <a:lstStyle/>
+          <a:p>
+            <a:r>
+              <a:rPr lang="es-ES" b="1" dirty="0">
+                <a:solidFill>
+                  <a:schemeClr val="accent6"/>
+                </a:solidFill>
+              </a:rPr>
+              <a:t>Índice de contenidos</a:t>
+            </a:r>
+          </a:p>
+        </p:txBody>
+      </p:sp>
+    </p:spTree>
+    <p:extLst>
+      <p:ext uri="{BB962C8B-B14F-4D97-AF65-F5344CB8AC3E}">
+        <p14:creationId xmlns:p14="http://schemas.microsoft.com/office/powerpoint/2010/main" val="393602933"/>
+      </p:ext>
+    </p:extLst>
+  </p:cSld>
+  <p:clrMapOvr>
+    <a:masterClrMapping/>
+  </p:clrMapOvr>
+</p:sld>
+</file>
+
+<file path=ppt/slides/slide20.xml><?xml version="1.0" encoding="utf-8"?>
 <p:sld xmlns:a="http://schemas.openxmlformats.org/drawingml/2006/main" xmlns:r="http://schemas.openxmlformats.org/officeDocument/2006/relationships" xmlns:p="http://schemas.openxmlformats.org/presentationml/2006/main">
   <p:cSld>
     <p:spTree>
@@ -25576,1352 +26922,6 @@
 </p:sld>
 </file>
 
-<file path=ppt/slides/slide19.xml><?xml version="1.0" encoding="utf-8"?>
-<p:sld xmlns:a="http://schemas.openxmlformats.org/drawingml/2006/main" xmlns:r="http://schemas.openxmlformats.org/officeDocument/2006/relationships" xmlns:p="http://schemas.openxmlformats.org/presentationml/2006/main">
-  <p:cSld>
-    <p:spTree>
-      <p:nvGrpSpPr>
-        <p:cNvPr id="1" name=""/>
-        <p:cNvGrpSpPr/>
-        <p:nvPr/>
-      </p:nvGrpSpPr>
-      <p:grpSpPr>
-        <a:xfrm>
-          <a:off x="0" y="0"/>
-          <a:ext cx="0" cy="0"/>
-          <a:chOff x="0" y="0"/>
-          <a:chExt cx="0" cy="0"/>
-        </a:xfrm>
-      </p:grpSpPr>
-      <p:sp>
-        <p:nvSpPr>
-          <p:cNvPr id="9" name="3 Marcador de contenido">
-            <a:extLst>
-              <a:ext uri="{FF2B5EF4-FFF2-40B4-BE49-F238E27FC236}">
-                <a16:creationId xmlns:a16="http://schemas.microsoft.com/office/drawing/2014/main" id="{EDC42ECD-DB25-47E8-A355-4C4C911C0E2B}"/>
-              </a:ext>
-            </a:extLst>
-          </p:cNvPr>
-          <p:cNvSpPr>
-            <a:spLocks noGrp="1"/>
-          </p:cNvSpPr>
-          <p:nvPr>
-            <p:ph idx="1"/>
-          </p:nvPr>
-        </p:nvSpPr>
-        <p:spPr>
-          <a:xfrm>
-            <a:off x="539750" y="1196975"/>
-            <a:ext cx="8001000" cy="4821238"/>
-          </a:xfrm>
-        </p:spPr>
-        <p:txBody>
-          <a:bodyPr/>
-          <a:lstStyle/>
-          <a:p>
-            <a:pPr algn="just">
-              <a:buNone/>
-            </a:pPr>
-            <a:r>
-              <a:rPr lang="es-ES" sz="2200" b="1" dirty="0">
-                <a:solidFill>
-                  <a:schemeClr val="tx2"/>
-                </a:solidFill>
-              </a:rPr>
-              <a:t>3. Traza y ejemplo de ejecución del algoritmo</a:t>
-            </a:r>
-            <a:endParaRPr lang="es-ES" sz="2200" dirty="0">
-              <a:solidFill>
-                <a:schemeClr val="tx2"/>
-              </a:solidFill>
-            </a:endParaRPr>
-          </a:p>
-        </p:txBody>
-      </p:sp>
-      <p:sp>
-        <p:nvSpPr>
-          <p:cNvPr id="10" name="Rectangle 2">
-            <a:extLst>
-              <a:ext uri="{FF2B5EF4-FFF2-40B4-BE49-F238E27FC236}">
-                <a16:creationId xmlns:a16="http://schemas.microsoft.com/office/drawing/2014/main" id="{DBBA419D-FCB5-4B1D-ABB3-A23277DF7EE4}"/>
-              </a:ext>
-            </a:extLst>
-          </p:cNvPr>
-          <p:cNvSpPr>
-            <a:spLocks noGrp="1" noChangeArrowheads="1"/>
-          </p:cNvSpPr>
-          <p:nvPr>
-            <p:ph type="title"/>
-          </p:nvPr>
-        </p:nvSpPr>
-        <p:spPr>
-          <a:xfrm>
-            <a:off x="574675" y="304800"/>
-            <a:ext cx="8001000" cy="531813"/>
-          </a:xfrm>
-        </p:spPr>
-        <p:txBody>
-          <a:bodyPr anchor="ctr"/>
-          <a:lstStyle/>
-          <a:p>
-            <a:r>
-              <a:rPr lang="es-ES" sz="2300" b="1" dirty="0">
-                <a:solidFill>
-                  <a:schemeClr val="accent2"/>
-                </a:solidFill>
-              </a:rPr>
-              <a:t>Análisis del Algoritmo de Búsqueda Rápida (</a:t>
-            </a:r>
-            <a:r>
-              <a:rPr lang="es-ES" sz="2300" b="1" dirty="0" err="1">
-                <a:solidFill>
-                  <a:schemeClr val="accent2"/>
-                </a:solidFill>
-              </a:rPr>
-              <a:t>Quicksort</a:t>
-            </a:r>
-            <a:r>
-              <a:rPr lang="es-ES" sz="2300" b="1" dirty="0">
-                <a:solidFill>
-                  <a:schemeClr val="accent2"/>
-                </a:solidFill>
-              </a:rPr>
-              <a:t>)</a:t>
-            </a:r>
-            <a:endParaRPr lang="es-ES_tradnl" sz="2000" b="1" dirty="0">
-              <a:solidFill>
-                <a:schemeClr val="accent2"/>
-              </a:solidFill>
-            </a:endParaRPr>
-          </a:p>
-        </p:txBody>
-      </p:sp>
-      <p:pic>
-        <p:nvPicPr>
-          <p:cNvPr id="14" name="Picture 3" descr="F:\Universidad\Fundamentos de Análisis de Algoritmos\Actividad Académica Dirigida (Exposición)\2.4 Traza Quicksort.png">
-            <a:extLst>
-              <a:ext uri="{FF2B5EF4-FFF2-40B4-BE49-F238E27FC236}">
-                <a16:creationId xmlns:a16="http://schemas.microsoft.com/office/drawing/2014/main" id="{BE16FF39-90A3-4DEF-A9BF-B3019F471B32}"/>
-              </a:ext>
-            </a:extLst>
-          </p:cNvPr>
-          <p:cNvPicPr>
-            <a:picLocks noChangeAspect="1" noChangeArrowheads="1"/>
-          </p:cNvPicPr>
-          <p:nvPr/>
-        </p:nvPicPr>
-        <p:blipFill>
-          <a:blip r:embed="rId3" cstate="print"/>
-          <a:srcRect b="43307"/>
-          <a:stretch>
-            <a:fillRect/>
-          </a:stretch>
-        </p:blipFill>
-        <p:spPr bwMode="auto">
-          <a:xfrm>
-            <a:off x="755576" y="1700808"/>
-            <a:ext cx="3888432" cy="4389866"/>
-          </a:xfrm>
-          <a:prstGeom prst="rect">
-            <a:avLst/>
-          </a:prstGeom>
-          <a:noFill/>
-        </p:spPr>
-      </p:pic>
-      <p:sp>
-        <p:nvSpPr>
-          <p:cNvPr id="15" name="4 Marcador de contenido">
-            <a:extLst>
-              <a:ext uri="{FF2B5EF4-FFF2-40B4-BE49-F238E27FC236}">
-                <a16:creationId xmlns:a16="http://schemas.microsoft.com/office/drawing/2014/main" id="{764548E9-9A86-4802-B2E9-D2AFB8D1D7D1}"/>
-              </a:ext>
-            </a:extLst>
-          </p:cNvPr>
-          <p:cNvSpPr txBox="1">
-            <a:spLocks/>
-          </p:cNvSpPr>
-          <p:nvPr/>
-        </p:nvSpPr>
-        <p:spPr>
-          <a:xfrm>
-            <a:off x="5148064" y="1915521"/>
-            <a:ext cx="3392686" cy="3960440"/>
-          </a:xfrm>
-          <a:prstGeom prst="rect">
-            <a:avLst/>
-          </a:prstGeom>
-          <a:solidFill>
-            <a:schemeClr val="accent1">
-              <a:alpha val="21000"/>
-            </a:schemeClr>
-          </a:solidFill>
-          <a:ln w="22225">
-            <a:solidFill>
-              <a:schemeClr val="accent1"/>
-            </a:solidFill>
-          </a:ln>
-        </p:spPr>
-        <p:txBody>
-          <a:bodyPr/>
-          <a:lstStyle/>
-          <a:p>
-            <a:pPr marL="469900" marR="0" lvl="0" indent="-469900" algn="l" defTabSz="914400" rtl="0" eaLnBrk="1" fontAlgn="base" latinLnBrk="0" hangingPunct="1">
-              <a:lnSpc>
-                <a:spcPct val="100000"/>
-              </a:lnSpc>
-              <a:spcBef>
-                <a:spcPct val="20000"/>
-              </a:spcBef>
-              <a:spcAft>
-                <a:spcPct val="0"/>
-              </a:spcAft>
-              <a:buClr>
-                <a:schemeClr val="accent2"/>
-              </a:buClr>
-              <a:buSzTx/>
-              <a:buFont typeface="Wingdings" pitchFamily="2" charset="2"/>
-              <a:buNone/>
-              <a:tabLst/>
-              <a:defRPr/>
-            </a:pPr>
-            <a:r>
-              <a:rPr kumimoji="0" lang="es-ES" sz="2400" b="1" i="0" u="none" strike="noStrike" kern="0" cap="none" spc="0" normalizeH="0" baseline="0" noProof="0" dirty="0">
-                <a:ln>
-                  <a:noFill/>
-                </a:ln>
-                <a:solidFill>
-                  <a:schemeClr val="accent4">
-                    <a:lumMod val="10000"/>
-                  </a:schemeClr>
-                </a:solidFill>
-                <a:effectLst/>
-                <a:uLnTx/>
-                <a:uFillTx/>
-                <a:latin typeface="+mn-lt"/>
-                <a:ea typeface="+mn-ea"/>
-                <a:cs typeface="+mn-cs"/>
-              </a:rPr>
-              <a:t>Leyenda</a:t>
-            </a:r>
-          </a:p>
-          <a:p>
-            <a:pPr marL="469900" marR="0" lvl="0" indent="-469900" algn="l" defTabSz="914400" rtl="0" eaLnBrk="1" fontAlgn="base" latinLnBrk="0" hangingPunct="1">
-              <a:lnSpc>
-                <a:spcPct val="100000"/>
-              </a:lnSpc>
-              <a:spcBef>
-                <a:spcPct val="20000"/>
-              </a:spcBef>
-              <a:spcAft>
-                <a:spcPct val="0"/>
-              </a:spcAft>
-              <a:buClr>
-                <a:schemeClr val="accent2"/>
-              </a:buClr>
-              <a:buSzTx/>
-              <a:buFont typeface="Wingdings" pitchFamily="2" charset="2"/>
-              <a:buNone/>
-              <a:tabLst/>
-              <a:defRPr/>
-            </a:pPr>
-            <a:r>
-              <a:rPr kumimoji="0" lang="es-ES" sz="2400" b="1" i="0" u="none" strike="noStrike" kern="0" cap="none" spc="0" normalizeH="0" baseline="0" noProof="0" dirty="0">
-                <a:ln>
-                  <a:noFill/>
-                </a:ln>
-                <a:solidFill>
-                  <a:srgbClr val="FF0000"/>
-                </a:solidFill>
-                <a:effectLst/>
-                <a:uLnTx/>
-                <a:uFillTx/>
-                <a:latin typeface="+mn-lt"/>
-                <a:ea typeface="+mn-ea"/>
-                <a:cs typeface="+mn-cs"/>
-              </a:rPr>
-              <a:t>Rojo: </a:t>
-            </a:r>
-            <a:r>
-              <a:rPr lang="es-ES" sz="1600" kern="0" noProof="0" dirty="0">
-                <a:solidFill>
-                  <a:schemeClr val="accent4">
-                    <a:lumMod val="10000"/>
-                  </a:schemeClr>
-                </a:solidFill>
-                <a:latin typeface="+mn-lt"/>
-                <a:cs typeface="+mn-cs"/>
-              </a:rPr>
-              <a:t>Primer elemento de la selección empezando por la derecha que es mayor o igual</a:t>
-            </a:r>
-            <a:endParaRPr kumimoji="0" lang="es-ES" sz="1600" b="1" i="0" u="none" strike="noStrike" kern="0" cap="none" spc="0" normalizeH="0" baseline="0" noProof="0" dirty="0">
-              <a:ln>
-                <a:noFill/>
-              </a:ln>
-              <a:solidFill>
-                <a:schemeClr val="accent4">
-                  <a:lumMod val="10000"/>
-                </a:schemeClr>
-              </a:solidFill>
-              <a:effectLst/>
-              <a:uLnTx/>
-              <a:uFillTx/>
-              <a:latin typeface="+mn-lt"/>
-              <a:ea typeface="+mn-ea"/>
-              <a:cs typeface="+mn-cs"/>
-            </a:endParaRPr>
-          </a:p>
-          <a:p>
-            <a:pPr marL="469900" indent="-469900">
-              <a:spcBef>
-                <a:spcPct val="20000"/>
-              </a:spcBef>
-              <a:buClr>
-                <a:schemeClr val="accent2"/>
-              </a:buClr>
-            </a:pPr>
-            <a:r>
-              <a:rPr kumimoji="0" lang="es-ES" sz="2400" b="1" i="0" u="none" strike="noStrike" kern="0" cap="none" spc="0" normalizeH="0" baseline="0" noProof="0" dirty="0">
-                <a:ln>
-                  <a:noFill/>
-                </a:ln>
-                <a:solidFill>
-                  <a:srgbClr val="0000CC"/>
-                </a:solidFill>
-                <a:effectLst/>
-                <a:uLnTx/>
-                <a:uFillTx/>
-                <a:latin typeface="+mn-lt"/>
-                <a:ea typeface="+mn-ea"/>
-                <a:cs typeface="+mn-cs"/>
-              </a:rPr>
-              <a:t>Azul: </a:t>
-            </a:r>
-            <a:r>
-              <a:rPr lang="es-ES" sz="1600" kern="0" dirty="0">
-                <a:solidFill>
-                  <a:srgbClr val="DADADA">
-                    <a:lumMod val="10000"/>
-                  </a:srgbClr>
-                </a:solidFill>
-                <a:latin typeface="Arial"/>
-                <a:cs typeface="Arial"/>
-              </a:rPr>
-              <a:t>Primer elemento de la selección empezando por la izquierda que es menor o igual</a:t>
-            </a:r>
-            <a:endParaRPr kumimoji="0" lang="es-ES" sz="1600" b="0" i="0" u="none" strike="noStrike" kern="0" cap="none" spc="0" normalizeH="0" baseline="0" noProof="0" dirty="0">
-              <a:ln>
-                <a:noFill/>
-              </a:ln>
-              <a:solidFill>
-                <a:schemeClr val="accent4">
-                  <a:lumMod val="10000"/>
-                </a:schemeClr>
-              </a:solidFill>
-              <a:effectLst/>
-              <a:uLnTx/>
-              <a:uFillTx/>
-              <a:latin typeface="+mn-lt"/>
-              <a:ea typeface="+mn-ea"/>
-              <a:cs typeface="+mn-cs"/>
-            </a:endParaRPr>
-          </a:p>
-          <a:p>
-            <a:pPr marL="469900" marR="0" lvl="0" indent="-469900" algn="l" defTabSz="914400" rtl="0" eaLnBrk="1" fontAlgn="base" latinLnBrk="0" hangingPunct="1">
-              <a:lnSpc>
-                <a:spcPct val="100000"/>
-              </a:lnSpc>
-              <a:spcBef>
-                <a:spcPct val="20000"/>
-              </a:spcBef>
-              <a:spcAft>
-                <a:spcPct val="0"/>
-              </a:spcAft>
-              <a:buClr>
-                <a:schemeClr val="accent2"/>
-              </a:buClr>
-              <a:buSzTx/>
-              <a:buFont typeface="Wingdings" pitchFamily="2" charset="2"/>
-              <a:buNone/>
-              <a:tabLst/>
-              <a:defRPr/>
-            </a:pPr>
-            <a:r>
-              <a:rPr kumimoji="0" lang="es-ES" sz="2400" b="1" i="0" u="none" strike="noStrike" kern="0" cap="none" spc="0" normalizeH="0" baseline="0" noProof="0" dirty="0">
-                <a:ln>
-                  <a:noFill/>
-                </a:ln>
-                <a:solidFill>
-                  <a:srgbClr val="00FF00"/>
-                </a:solidFill>
-                <a:effectLst/>
-                <a:uLnTx/>
-                <a:uFillTx/>
-                <a:latin typeface="+mn-lt"/>
-                <a:ea typeface="+mn-ea"/>
-                <a:cs typeface="+mn-cs"/>
-              </a:rPr>
-              <a:t>Verde: </a:t>
-            </a:r>
-            <a:r>
-              <a:rPr lang="es-ES" kern="0" dirty="0">
-                <a:solidFill>
-                  <a:schemeClr val="accent4">
-                    <a:lumMod val="10000"/>
-                  </a:schemeClr>
-                </a:solidFill>
-                <a:latin typeface="+mn-lt"/>
-                <a:cs typeface="+mn-cs"/>
-              </a:rPr>
-              <a:t>Pivote</a:t>
-            </a:r>
-            <a:endParaRPr kumimoji="0" lang="es-ES" sz="2400" b="0" i="0" u="none" strike="noStrike" kern="0" cap="none" spc="0" normalizeH="0" baseline="0" noProof="0" dirty="0">
-              <a:ln>
-                <a:noFill/>
-              </a:ln>
-              <a:solidFill>
-                <a:schemeClr val="accent4">
-                  <a:lumMod val="10000"/>
-                </a:schemeClr>
-              </a:solidFill>
-              <a:effectLst/>
-              <a:uLnTx/>
-              <a:uFillTx/>
-              <a:latin typeface="+mn-lt"/>
-              <a:ea typeface="+mn-ea"/>
-              <a:cs typeface="+mn-cs"/>
-            </a:endParaRPr>
-          </a:p>
-          <a:p>
-            <a:pPr marL="469900" lvl="0" indent="-469900">
-              <a:spcBef>
-                <a:spcPct val="20000"/>
-              </a:spcBef>
-              <a:buClr>
-                <a:srgbClr val="99CC00"/>
-              </a:buClr>
-              <a:defRPr/>
-            </a:pPr>
-            <a:r>
-              <a:rPr lang="es-ES" b="1" kern="0" dirty="0">
-                <a:solidFill>
-                  <a:schemeClr val="bg1">
-                    <a:lumMod val="50000"/>
-                  </a:schemeClr>
-                </a:solidFill>
-                <a:latin typeface="Arial"/>
-                <a:cs typeface="Arial"/>
-              </a:rPr>
-              <a:t>Gris: </a:t>
-            </a:r>
-            <a:r>
-              <a:rPr lang="es-ES" sz="1600" kern="0" dirty="0">
-                <a:solidFill>
-                  <a:schemeClr val="accent4">
-                    <a:lumMod val="10000"/>
-                  </a:schemeClr>
-                </a:solidFill>
-                <a:latin typeface="Arial"/>
-                <a:cs typeface="Arial"/>
-              </a:rPr>
-              <a:t>Posiciones fuera de los limites del subconjunto a ordenar</a:t>
-            </a:r>
-            <a:endParaRPr lang="es-ES" sz="1600" b="1" kern="0" dirty="0">
-              <a:solidFill>
-                <a:schemeClr val="accent4">
-                  <a:lumMod val="10000"/>
-                </a:schemeClr>
-              </a:solidFill>
-              <a:latin typeface="Arial"/>
-              <a:cs typeface="Arial"/>
-            </a:endParaRPr>
-          </a:p>
-          <a:p>
-            <a:pPr marL="469900" marR="0" lvl="0" indent="-469900" algn="l" defTabSz="914400" rtl="0" eaLnBrk="1" fontAlgn="base" latinLnBrk="0" hangingPunct="1">
-              <a:lnSpc>
-                <a:spcPct val="100000"/>
-              </a:lnSpc>
-              <a:spcBef>
-                <a:spcPct val="20000"/>
-              </a:spcBef>
-              <a:spcAft>
-                <a:spcPct val="0"/>
-              </a:spcAft>
-              <a:buClr>
-                <a:schemeClr val="accent2"/>
-              </a:buClr>
-              <a:buSzTx/>
-              <a:buFont typeface="Wingdings" pitchFamily="2" charset="2"/>
-              <a:buNone/>
-              <a:tabLst/>
-              <a:defRPr/>
-            </a:pPr>
-            <a:endParaRPr kumimoji="0" lang="es-ES" sz="2400" b="0" i="0" u="none" strike="noStrike" kern="0" cap="none" spc="0" normalizeH="0" baseline="0" noProof="0" dirty="0">
-              <a:ln>
-                <a:noFill/>
-              </a:ln>
-              <a:solidFill>
-                <a:schemeClr val="tx1"/>
-              </a:solidFill>
-              <a:effectLst/>
-              <a:uLnTx/>
-              <a:uFillTx/>
-              <a:latin typeface="+mn-lt"/>
-              <a:ea typeface="+mn-ea"/>
-              <a:cs typeface="+mn-cs"/>
-            </a:endParaRPr>
-          </a:p>
-          <a:p>
-            <a:pPr marL="469900" marR="0" lvl="0" indent="-469900" algn="l" defTabSz="914400" rtl="0" eaLnBrk="1" fontAlgn="base" latinLnBrk="0" hangingPunct="1">
-              <a:lnSpc>
-                <a:spcPct val="100000"/>
-              </a:lnSpc>
-              <a:spcBef>
-                <a:spcPct val="20000"/>
-              </a:spcBef>
-              <a:spcAft>
-                <a:spcPct val="0"/>
-              </a:spcAft>
-              <a:buClr>
-                <a:schemeClr val="accent2"/>
-              </a:buClr>
-              <a:buSzTx/>
-              <a:buFont typeface="Wingdings" pitchFamily="2" charset="2"/>
-              <a:buNone/>
-              <a:tabLst/>
-              <a:defRPr/>
-            </a:pPr>
-            <a:endParaRPr kumimoji="0" lang="es-ES" sz="2400" b="0" i="0" u="none" strike="noStrike" kern="0" cap="none" spc="0" normalizeH="0" baseline="0" noProof="0" dirty="0">
-              <a:ln>
-                <a:noFill/>
-              </a:ln>
-              <a:solidFill>
-                <a:schemeClr val="tx1"/>
-              </a:solidFill>
-              <a:effectLst/>
-              <a:uLnTx/>
-              <a:uFillTx/>
-              <a:latin typeface="+mn-lt"/>
-              <a:ea typeface="+mn-ea"/>
-              <a:cs typeface="+mn-cs"/>
-            </a:endParaRPr>
-          </a:p>
-        </p:txBody>
-      </p:sp>
-    </p:spTree>
-    <p:extLst>
-      <p:ext uri="{BB962C8B-B14F-4D97-AF65-F5344CB8AC3E}">
-        <p14:creationId xmlns:p14="http://schemas.microsoft.com/office/powerpoint/2010/main" val="2144781836"/>
-      </p:ext>
-    </p:extLst>
-  </p:cSld>
-  <p:clrMapOvr>
-    <a:masterClrMapping/>
-  </p:clrMapOvr>
-</p:sld>
-</file>
-
-<file path=ppt/slides/slide2.xml><?xml version="1.0" encoding="utf-8"?>
-<p:sld xmlns:a="http://schemas.openxmlformats.org/drawingml/2006/main" xmlns:r="http://schemas.openxmlformats.org/officeDocument/2006/relationships" xmlns:p="http://schemas.openxmlformats.org/presentationml/2006/main">
-  <p:cSld>
-    <p:spTree>
-      <p:nvGrpSpPr>
-        <p:cNvPr id="1" name=""/>
-        <p:cNvGrpSpPr/>
-        <p:nvPr/>
-      </p:nvGrpSpPr>
-      <p:grpSpPr>
-        <a:xfrm>
-          <a:off x="0" y="0"/>
-          <a:ext cx="0" cy="0"/>
-          <a:chOff x="0" y="0"/>
-          <a:chExt cx="0" cy="0"/>
-        </a:xfrm>
-      </p:grpSpPr>
-      <p:sp>
-        <p:nvSpPr>
-          <p:cNvPr id="4" name="1 Marcador de contenido">
-            <a:extLst>
-              <a:ext uri="{FF2B5EF4-FFF2-40B4-BE49-F238E27FC236}">
-                <a16:creationId xmlns:a16="http://schemas.microsoft.com/office/drawing/2014/main" id="{6509F083-2808-429D-9B8C-948B98FE2773}"/>
-              </a:ext>
-            </a:extLst>
-          </p:cNvPr>
-          <p:cNvSpPr>
-            <a:spLocks noGrp="1"/>
-          </p:cNvSpPr>
-          <p:nvPr>
-            <p:ph idx="1"/>
-          </p:nvPr>
-        </p:nvSpPr>
-        <p:spPr>
-          <a:xfrm>
-            <a:off x="539750" y="1052736"/>
-            <a:ext cx="8001000" cy="5328592"/>
-          </a:xfrm>
-        </p:spPr>
-        <p:txBody>
-          <a:bodyPr/>
-          <a:lstStyle/>
-          <a:p>
-            <a:r>
-              <a:rPr lang="es-ES" sz="2000" b="1" dirty="0"/>
-              <a:t>Análisis del Algoritmo de búsqueda por Selección</a:t>
-            </a:r>
-          </a:p>
-          <a:p>
-            <a:pPr marL="928687" lvl="1" indent="-457200">
-              <a:buFont typeface="+mj-lt"/>
-              <a:buAutoNum type="arabicPeriod"/>
-            </a:pPr>
-            <a:r>
-              <a:rPr lang="es-ES" sz="1800" dirty="0"/>
-              <a:t>Resumen del algoritmo</a:t>
-            </a:r>
-          </a:p>
-          <a:p>
-            <a:pPr marL="928687" lvl="1" indent="-457200">
-              <a:buFont typeface="+mj-lt"/>
-              <a:buAutoNum type="arabicPeriod"/>
-            </a:pPr>
-            <a:r>
-              <a:rPr lang="es-ES" sz="1800" dirty="0"/>
-              <a:t>Pseudocódigo del algoritmo y su implementación en C++</a:t>
-            </a:r>
-          </a:p>
-          <a:p>
-            <a:pPr marL="928687" lvl="1" indent="-457200">
-              <a:buFont typeface="+mj-lt"/>
-              <a:buAutoNum type="arabicPeriod"/>
-            </a:pPr>
-            <a:r>
-              <a:rPr lang="es-ES" sz="1800" dirty="0"/>
-              <a:t>Traza y ejemplo de ejecución del algoritmo</a:t>
-            </a:r>
-          </a:p>
-          <a:p>
-            <a:pPr marL="928687" lvl="1" indent="-457200">
-              <a:buFont typeface="+mj-lt"/>
-              <a:buAutoNum type="arabicPeriod"/>
-            </a:pPr>
-            <a:r>
-              <a:rPr lang="es-ES" sz="1800" dirty="0"/>
-              <a:t>Análisis de eficiencia</a:t>
-            </a:r>
-          </a:p>
-          <a:p>
-            <a:pPr marL="928687" lvl="1" indent="-457200">
-              <a:buFont typeface="+mj-lt"/>
-              <a:buAutoNum type="arabicPeriod"/>
-            </a:pPr>
-            <a:r>
-              <a:rPr lang="es-ES" sz="1800" dirty="0"/>
-              <a:t>Mejoras posibles para el algoritmo</a:t>
-            </a:r>
-          </a:p>
-          <a:p>
-            <a:pPr marL="1325562" lvl="2" indent="-457200">
-              <a:buFont typeface="+mj-lt"/>
-              <a:buAutoNum type="arabicPeriod"/>
-            </a:pPr>
-            <a:r>
-              <a:rPr lang="es-ES" sz="1600" dirty="0"/>
-              <a:t>Comprobación</a:t>
-            </a:r>
-          </a:p>
-          <a:p>
-            <a:pPr marL="1325562" lvl="2" indent="-457200">
-              <a:buFont typeface="+mj-lt"/>
-              <a:buAutoNum type="arabicPeriod"/>
-            </a:pPr>
-            <a:r>
-              <a:rPr lang="es-ES" sz="1600" dirty="0"/>
-              <a:t>Ordenación estable</a:t>
-            </a:r>
-            <a:endParaRPr lang="es-ES" sz="1800" dirty="0"/>
-          </a:p>
-          <a:p>
-            <a:r>
-              <a:rPr lang="es-ES" sz="2000" b="1" dirty="0"/>
-              <a:t>Análisis del Algoritmo de búsqueda rápida (</a:t>
-            </a:r>
-            <a:r>
-              <a:rPr lang="es-ES" sz="2000" b="1" dirty="0" err="1"/>
-              <a:t>Quicksort</a:t>
-            </a:r>
-            <a:r>
-              <a:rPr lang="es-ES" sz="2000" b="1" dirty="0"/>
-              <a:t>)</a:t>
-            </a:r>
-          </a:p>
-          <a:p>
-            <a:pPr marL="928687" lvl="1" indent="-457200">
-              <a:buFont typeface="+mj-lt"/>
-              <a:buAutoNum type="arabicPeriod"/>
-            </a:pPr>
-            <a:r>
-              <a:rPr lang="es-ES" sz="1800" dirty="0"/>
-              <a:t>Resumen del algoritmo</a:t>
-            </a:r>
-          </a:p>
-          <a:p>
-            <a:pPr marL="928687" lvl="1" indent="-457200">
-              <a:buFont typeface="+mj-lt"/>
-              <a:buAutoNum type="arabicPeriod"/>
-            </a:pPr>
-            <a:r>
-              <a:rPr lang="es-ES" sz="1800" dirty="0"/>
-              <a:t>Pseudocódigo del algoritmo y su implementación en C++</a:t>
-            </a:r>
-          </a:p>
-          <a:p>
-            <a:pPr marL="928687" lvl="1" indent="-457200">
-              <a:buFont typeface="+mj-lt"/>
-              <a:buAutoNum type="arabicPeriod"/>
-            </a:pPr>
-            <a:r>
-              <a:rPr lang="es-ES" sz="1800" dirty="0"/>
-              <a:t>Traza y ejemplo de ejecución del algoritmo</a:t>
-            </a:r>
-          </a:p>
-          <a:p>
-            <a:pPr marL="928687" lvl="1" indent="-457200">
-              <a:buFont typeface="+mj-lt"/>
-              <a:buAutoNum type="arabicPeriod"/>
-            </a:pPr>
-            <a:r>
-              <a:rPr lang="es-ES" sz="1800" dirty="0"/>
-              <a:t>Análisis de eficiencia</a:t>
-            </a:r>
-          </a:p>
-          <a:p>
-            <a:pPr marL="928687" lvl="1" indent="-457200">
-              <a:buFont typeface="+mj-lt"/>
-              <a:buAutoNum type="arabicPeriod"/>
-            </a:pPr>
-            <a:r>
-              <a:rPr lang="es-ES" sz="1800" dirty="0"/>
-              <a:t>Mejoras posibles para el algoritmo</a:t>
-            </a:r>
-          </a:p>
-          <a:p>
-            <a:pPr marL="1325562" lvl="2" indent="-457200">
-              <a:buFont typeface="+mj-lt"/>
-              <a:buAutoNum type="arabicPeriod"/>
-            </a:pPr>
-            <a:r>
-              <a:rPr lang="es-ES" sz="1600" dirty="0"/>
-              <a:t>Pivote aleatorio</a:t>
-            </a:r>
-          </a:p>
-          <a:p>
-            <a:pPr marL="1325562" lvl="2" indent="-457200">
-              <a:buFont typeface="+mj-lt"/>
-              <a:buAutoNum type="arabicPeriod"/>
-            </a:pPr>
-            <a:r>
-              <a:rPr lang="es-ES" sz="1600" dirty="0"/>
-              <a:t>Tail </a:t>
-            </a:r>
-            <a:r>
-              <a:rPr lang="es-ES" sz="1600" dirty="0" err="1"/>
-              <a:t>call</a:t>
-            </a:r>
-            <a:endParaRPr lang="es-ES" sz="1600" dirty="0"/>
-          </a:p>
-        </p:txBody>
-      </p:sp>
-      <p:sp>
-        <p:nvSpPr>
-          <p:cNvPr id="5" name="2 Título">
-            <a:extLst>
-              <a:ext uri="{FF2B5EF4-FFF2-40B4-BE49-F238E27FC236}">
-                <a16:creationId xmlns:a16="http://schemas.microsoft.com/office/drawing/2014/main" id="{2F5C0EB8-7805-407E-A757-A5170347F41B}"/>
-              </a:ext>
-            </a:extLst>
-          </p:cNvPr>
-          <p:cNvSpPr>
-            <a:spLocks noGrp="1"/>
-          </p:cNvSpPr>
-          <p:nvPr>
-            <p:ph type="title"/>
-          </p:nvPr>
-        </p:nvSpPr>
-        <p:spPr>
-          <a:xfrm>
-            <a:off x="574675" y="304800"/>
-            <a:ext cx="8001000" cy="531813"/>
-          </a:xfrm>
-        </p:spPr>
-        <p:txBody>
-          <a:bodyPr/>
-          <a:lstStyle/>
-          <a:p>
-            <a:r>
-              <a:rPr lang="es-ES" b="1" dirty="0">
-                <a:solidFill>
-                  <a:schemeClr val="accent6"/>
-                </a:solidFill>
-              </a:rPr>
-              <a:t>Índice de contenidos</a:t>
-            </a:r>
-          </a:p>
-        </p:txBody>
-      </p:sp>
-    </p:spTree>
-    <p:extLst>
-      <p:ext uri="{BB962C8B-B14F-4D97-AF65-F5344CB8AC3E}">
-        <p14:creationId xmlns:p14="http://schemas.microsoft.com/office/powerpoint/2010/main" val="393602933"/>
-      </p:ext>
-    </p:extLst>
-  </p:cSld>
-  <p:clrMapOvr>
-    <a:masterClrMapping/>
-  </p:clrMapOvr>
-</p:sld>
-</file>
-
-<file path=ppt/slides/slide20.xml><?xml version="1.0" encoding="utf-8"?>
-<p:sld xmlns:a="http://schemas.openxmlformats.org/drawingml/2006/main" xmlns:r="http://schemas.openxmlformats.org/officeDocument/2006/relationships" xmlns:p="http://schemas.openxmlformats.org/presentationml/2006/main">
-  <p:cSld>
-    <p:spTree>
-      <p:nvGrpSpPr>
-        <p:cNvPr id="1" name=""/>
-        <p:cNvGrpSpPr/>
-        <p:nvPr/>
-      </p:nvGrpSpPr>
-      <p:grpSpPr>
-        <a:xfrm>
-          <a:off x="0" y="0"/>
-          <a:ext cx="0" cy="0"/>
-          <a:chOff x="0" y="0"/>
-          <a:chExt cx="0" cy="0"/>
-        </a:xfrm>
-      </p:grpSpPr>
-      <p:sp>
-        <p:nvSpPr>
-          <p:cNvPr id="11" name="3 Marcador de contenido">
-            <a:extLst>
-              <a:ext uri="{FF2B5EF4-FFF2-40B4-BE49-F238E27FC236}">
-                <a16:creationId xmlns:a16="http://schemas.microsoft.com/office/drawing/2014/main" id="{289F0C24-BED2-4CF3-8A0B-4D8F4DBEEF92}"/>
-              </a:ext>
-            </a:extLst>
-          </p:cNvPr>
-          <p:cNvSpPr>
-            <a:spLocks noGrp="1"/>
-          </p:cNvSpPr>
-          <p:nvPr>
-            <p:ph idx="1"/>
-          </p:nvPr>
-        </p:nvSpPr>
-        <p:spPr>
-          <a:xfrm>
-            <a:off x="539750" y="1196975"/>
-            <a:ext cx="8001000" cy="4821238"/>
-          </a:xfrm>
-        </p:spPr>
-        <p:txBody>
-          <a:bodyPr/>
-          <a:lstStyle/>
-          <a:p>
-            <a:pPr algn="just">
-              <a:buNone/>
-            </a:pPr>
-            <a:r>
-              <a:rPr lang="es-ES" sz="2200" b="1" dirty="0">
-                <a:solidFill>
-                  <a:schemeClr val="tx2"/>
-                </a:solidFill>
-              </a:rPr>
-              <a:t>3. Traza y ejemplo de ejecución del algoritmo</a:t>
-            </a:r>
-            <a:endParaRPr lang="es-ES" sz="2200" dirty="0">
-              <a:solidFill>
-                <a:schemeClr val="tx2"/>
-              </a:solidFill>
-            </a:endParaRPr>
-          </a:p>
-        </p:txBody>
-      </p:sp>
-      <p:sp>
-        <p:nvSpPr>
-          <p:cNvPr id="12" name="Rectangle 2">
-            <a:extLst>
-              <a:ext uri="{FF2B5EF4-FFF2-40B4-BE49-F238E27FC236}">
-                <a16:creationId xmlns:a16="http://schemas.microsoft.com/office/drawing/2014/main" id="{9B8BCC1B-0BB0-461B-B6E1-5C3F2881E794}"/>
-              </a:ext>
-            </a:extLst>
-          </p:cNvPr>
-          <p:cNvSpPr>
-            <a:spLocks noGrp="1" noChangeArrowheads="1"/>
-          </p:cNvSpPr>
-          <p:nvPr>
-            <p:ph type="title"/>
-          </p:nvPr>
-        </p:nvSpPr>
-        <p:spPr>
-          <a:xfrm>
-            <a:off x="574675" y="304800"/>
-            <a:ext cx="8001000" cy="531813"/>
-          </a:xfrm>
-        </p:spPr>
-        <p:txBody>
-          <a:bodyPr anchor="ctr"/>
-          <a:lstStyle/>
-          <a:p>
-            <a:r>
-              <a:rPr lang="es-ES" sz="2300" b="1" dirty="0">
-                <a:solidFill>
-                  <a:schemeClr val="accent2"/>
-                </a:solidFill>
-              </a:rPr>
-              <a:t>Análisis del Algoritmo de Búsqueda Rápida (</a:t>
-            </a:r>
-            <a:r>
-              <a:rPr lang="es-ES" sz="2300" b="1" dirty="0" err="1">
-                <a:solidFill>
-                  <a:schemeClr val="accent2"/>
-                </a:solidFill>
-              </a:rPr>
-              <a:t>Quicksort</a:t>
-            </a:r>
-            <a:r>
-              <a:rPr lang="es-ES" sz="2300" b="1" dirty="0">
-                <a:solidFill>
-                  <a:schemeClr val="accent2"/>
-                </a:solidFill>
-              </a:rPr>
-              <a:t>)</a:t>
-            </a:r>
-            <a:endParaRPr lang="es-ES_tradnl" sz="2000" b="1" dirty="0">
-              <a:solidFill>
-                <a:schemeClr val="accent2"/>
-              </a:solidFill>
-            </a:endParaRPr>
-          </a:p>
-        </p:txBody>
-      </p:sp>
-      <p:pic>
-        <p:nvPicPr>
-          <p:cNvPr id="13" name="Picture 3" descr="F:\Universidad\Fundamentos de Análisis de Algoritmos\Actividad Académica Dirigida (Exposición)\2.4 Traza Quicksort.png">
-            <a:extLst>
-              <a:ext uri="{FF2B5EF4-FFF2-40B4-BE49-F238E27FC236}">
-                <a16:creationId xmlns:a16="http://schemas.microsoft.com/office/drawing/2014/main" id="{1D72F699-DCBA-4424-8B62-F355EDD23A06}"/>
-              </a:ext>
-            </a:extLst>
-          </p:cNvPr>
-          <p:cNvPicPr>
-            <a:picLocks noChangeAspect="1" noChangeArrowheads="1"/>
-          </p:cNvPicPr>
-          <p:nvPr/>
-        </p:nvPicPr>
-        <p:blipFill rotWithShape="1">
-          <a:blip r:embed="rId3" cstate="print"/>
-          <a:srcRect t="56693" b="4997"/>
-          <a:stretch/>
-        </p:blipFill>
-        <p:spPr bwMode="auto">
-          <a:xfrm>
-            <a:off x="873963" y="2323133"/>
-            <a:ext cx="3939889" cy="3312368"/>
-          </a:xfrm>
-          <a:prstGeom prst="rect">
-            <a:avLst/>
-          </a:prstGeom>
-          <a:noFill/>
-        </p:spPr>
-      </p:pic>
-      <p:sp>
-        <p:nvSpPr>
-          <p:cNvPr id="6" name="4 Marcador de contenido">
-            <a:extLst>
-              <a:ext uri="{FF2B5EF4-FFF2-40B4-BE49-F238E27FC236}">
-                <a16:creationId xmlns:a16="http://schemas.microsoft.com/office/drawing/2014/main" id="{C9E6412B-7207-4731-BC73-B855BB64C574}"/>
-              </a:ext>
-            </a:extLst>
-          </p:cNvPr>
-          <p:cNvSpPr txBox="1">
-            <a:spLocks/>
-          </p:cNvSpPr>
-          <p:nvPr/>
-        </p:nvSpPr>
-        <p:spPr>
-          <a:xfrm>
-            <a:off x="5148064" y="1915521"/>
-            <a:ext cx="3392686" cy="3960440"/>
-          </a:xfrm>
-          <a:prstGeom prst="rect">
-            <a:avLst/>
-          </a:prstGeom>
-          <a:solidFill>
-            <a:schemeClr val="accent1">
-              <a:alpha val="21000"/>
-            </a:schemeClr>
-          </a:solidFill>
-          <a:ln w="22225">
-            <a:solidFill>
-              <a:schemeClr val="accent1"/>
-            </a:solidFill>
-          </a:ln>
-        </p:spPr>
-        <p:txBody>
-          <a:bodyPr/>
-          <a:lstStyle/>
-          <a:p>
-            <a:pPr marL="469900" marR="0" lvl="0" indent="-469900" algn="l" defTabSz="914400" rtl="0" eaLnBrk="1" fontAlgn="base" latinLnBrk="0" hangingPunct="1">
-              <a:lnSpc>
-                <a:spcPct val="100000"/>
-              </a:lnSpc>
-              <a:spcBef>
-                <a:spcPct val="20000"/>
-              </a:spcBef>
-              <a:spcAft>
-                <a:spcPct val="0"/>
-              </a:spcAft>
-              <a:buClr>
-                <a:schemeClr val="accent2"/>
-              </a:buClr>
-              <a:buSzTx/>
-              <a:buFont typeface="Wingdings" pitchFamily="2" charset="2"/>
-              <a:buNone/>
-              <a:tabLst/>
-              <a:defRPr/>
-            </a:pPr>
-            <a:r>
-              <a:rPr kumimoji="0" lang="es-ES" sz="2400" b="1" i="0" u="none" strike="noStrike" kern="0" cap="none" spc="0" normalizeH="0" baseline="0" noProof="0" dirty="0">
-                <a:ln>
-                  <a:noFill/>
-                </a:ln>
-                <a:solidFill>
-                  <a:schemeClr val="accent4">
-                    <a:lumMod val="10000"/>
-                  </a:schemeClr>
-                </a:solidFill>
-                <a:effectLst/>
-                <a:uLnTx/>
-                <a:uFillTx/>
-                <a:latin typeface="+mn-lt"/>
-                <a:ea typeface="+mn-ea"/>
-                <a:cs typeface="+mn-cs"/>
-              </a:rPr>
-              <a:t>Leyenda</a:t>
-            </a:r>
-          </a:p>
-          <a:p>
-            <a:pPr marL="469900" marR="0" lvl="0" indent="-469900" algn="l" defTabSz="914400" rtl="0" eaLnBrk="1" fontAlgn="base" latinLnBrk="0" hangingPunct="1">
-              <a:lnSpc>
-                <a:spcPct val="100000"/>
-              </a:lnSpc>
-              <a:spcBef>
-                <a:spcPct val="20000"/>
-              </a:spcBef>
-              <a:spcAft>
-                <a:spcPct val="0"/>
-              </a:spcAft>
-              <a:buClr>
-                <a:schemeClr val="accent2"/>
-              </a:buClr>
-              <a:buSzTx/>
-              <a:buFont typeface="Wingdings" pitchFamily="2" charset="2"/>
-              <a:buNone/>
-              <a:tabLst/>
-              <a:defRPr/>
-            </a:pPr>
-            <a:r>
-              <a:rPr kumimoji="0" lang="es-ES" sz="2400" b="1" i="0" u="none" strike="noStrike" kern="0" cap="none" spc="0" normalizeH="0" baseline="0" noProof="0" dirty="0">
-                <a:ln>
-                  <a:noFill/>
-                </a:ln>
-                <a:solidFill>
-                  <a:srgbClr val="FF0000"/>
-                </a:solidFill>
-                <a:effectLst/>
-                <a:uLnTx/>
-                <a:uFillTx/>
-                <a:latin typeface="+mn-lt"/>
-                <a:ea typeface="+mn-ea"/>
-                <a:cs typeface="+mn-cs"/>
-              </a:rPr>
-              <a:t>Rojo: </a:t>
-            </a:r>
-            <a:r>
-              <a:rPr lang="es-ES" sz="1600" kern="0" noProof="0" dirty="0">
-                <a:solidFill>
-                  <a:schemeClr val="accent4">
-                    <a:lumMod val="10000"/>
-                  </a:schemeClr>
-                </a:solidFill>
-                <a:latin typeface="+mn-lt"/>
-                <a:cs typeface="+mn-cs"/>
-              </a:rPr>
-              <a:t>Primer elemento de la selección empezando por la derecha que es mayor o igual</a:t>
-            </a:r>
-            <a:endParaRPr kumimoji="0" lang="es-ES" sz="1600" b="1" i="0" u="none" strike="noStrike" kern="0" cap="none" spc="0" normalizeH="0" baseline="0" noProof="0" dirty="0">
-              <a:ln>
-                <a:noFill/>
-              </a:ln>
-              <a:solidFill>
-                <a:schemeClr val="accent4">
-                  <a:lumMod val="10000"/>
-                </a:schemeClr>
-              </a:solidFill>
-              <a:effectLst/>
-              <a:uLnTx/>
-              <a:uFillTx/>
-              <a:latin typeface="+mn-lt"/>
-              <a:ea typeface="+mn-ea"/>
-              <a:cs typeface="+mn-cs"/>
-            </a:endParaRPr>
-          </a:p>
-          <a:p>
-            <a:pPr marL="469900" indent="-469900">
-              <a:spcBef>
-                <a:spcPct val="20000"/>
-              </a:spcBef>
-              <a:buClr>
-                <a:schemeClr val="accent2"/>
-              </a:buClr>
-            </a:pPr>
-            <a:r>
-              <a:rPr kumimoji="0" lang="es-ES" sz="2400" b="1" i="0" u="none" strike="noStrike" kern="0" cap="none" spc="0" normalizeH="0" baseline="0" noProof="0" dirty="0">
-                <a:ln>
-                  <a:noFill/>
-                </a:ln>
-                <a:solidFill>
-                  <a:srgbClr val="0000CC"/>
-                </a:solidFill>
-                <a:effectLst/>
-                <a:uLnTx/>
-                <a:uFillTx/>
-                <a:latin typeface="+mn-lt"/>
-                <a:ea typeface="+mn-ea"/>
-                <a:cs typeface="+mn-cs"/>
-              </a:rPr>
-              <a:t>Azul: </a:t>
-            </a:r>
-            <a:r>
-              <a:rPr lang="es-ES" sz="1600" kern="0" dirty="0">
-                <a:solidFill>
-                  <a:srgbClr val="DADADA">
-                    <a:lumMod val="10000"/>
-                  </a:srgbClr>
-                </a:solidFill>
-                <a:latin typeface="Arial"/>
-                <a:cs typeface="Arial"/>
-              </a:rPr>
-              <a:t>Primer elemento de la selección empezando por la izquierda que es menor o igual</a:t>
-            </a:r>
-            <a:endParaRPr kumimoji="0" lang="es-ES" sz="1600" b="0" i="0" u="none" strike="noStrike" kern="0" cap="none" spc="0" normalizeH="0" baseline="0" noProof="0" dirty="0">
-              <a:ln>
-                <a:noFill/>
-              </a:ln>
-              <a:solidFill>
-                <a:schemeClr val="accent4">
-                  <a:lumMod val="10000"/>
-                </a:schemeClr>
-              </a:solidFill>
-              <a:effectLst/>
-              <a:uLnTx/>
-              <a:uFillTx/>
-              <a:latin typeface="+mn-lt"/>
-              <a:ea typeface="+mn-ea"/>
-              <a:cs typeface="+mn-cs"/>
-            </a:endParaRPr>
-          </a:p>
-          <a:p>
-            <a:pPr marL="469900" marR="0" lvl="0" indent="-469900" algn="l" defTabSz="914400" rtl="0" eaLnBrk="1" fontAlgn="base" latinLnBrk="0" hangingPunct="1">
-              <a:lnSpc>
-                <a:spcPct val="100000"/>
-              </a:lnSpc>
-              <a:spcBef>
-                <a:spcPct val="20000"/>
-              </a:spcBef>
-              <a:spcAft>
-                <a:spcPct val="0"/>
-              </a:spcAft>
-              <a:buClr>
-                <a:schemeClr val="accent2"/>
-              </a:buClr>
-              <a:buSzTx/>
-              <a:buFont typeface="Wingdings" pitchFamily="2" charset="2"/>
-              <a:buNone/>
-              <a:tabLst/>
-              <a:defRPr/>
-            </a:pPr>
-            <a:r>
-              <a:rPr kumimoji="0" lang="es-ES" sz="2400" b="1" i="0" u="none" strike="noStrike" kern="0" cap="none" spc="0" normalizeH="0" baseline="0" noProof="0" dirty="0">
-                <a:ln>
-                  <a:noFill/>
-                </a:ln>
-                <a:solidFill>
-                  <a:srgbClr val="00FF00"/>
-                </a:solidFill>
-                <a:effectLst/>
-                <a:uLnTx/>
-                <a:uFillTx/>
-                <a:latin typeface="+mn-lt"/>
-                <a:ea typeface="+mn-ea"/>
-                <a:cs typeface="+mn-cs"/>
-              </a:rPr>
-              <a:t>Verde: </a:t>
-            </a:r>
-            <a:r>
-              <a:rPr lang="es-ES" kern="0" dirty="0">
-                <a:solidFill>
-                  <a:schemeClr val="accent4">
-                    <a:lumMod val="10000"/>
-                  </a:schemeClr>
-                </a:solidFill>
-                <a:latin typeface="+mn-lt"/>
-                <a:cs typeface="+mn-cs"/>
-              </a:rPr>
-              <a:t>Pivote</a:t>
-            </a:r>
-            <a:endParaRPr kumimoji="0" lang="es-ES" sz="2400" b="0" i="0" u="none" strike="noStrike" kern="0" cap="none" spc="0" normalizeH="0" baseline="0" noProof="0" dirty="0">
-              <a:ln>
-                <a:noFill/>
-              </a:ln>
-              <a:solidFill>
-                <a:schemeClr val="accent4">
-                  <a:lumMod val="10000"/>
-                </a:schemeClr>
-              </a:solidFill>
-              <a:effectLst/>
-              <a:uLnTx/>
-              <a:uFillTx/>
-              <a:latin typeface="+mn-lt"/>
-              <a:ea typeface="+mn-ea"/>
-              <a:cs typeface="+mn-cs"/>
-            </a:endParaRPr>
-          </a:p>
-          <a:p>
-            <a:pPr marL="469900" lvl="0" indent="-469900">
-              <a:spcBef>
-                <a:spcPct val="20000"/>
-              </a:spcBef>
-              <a:buClr>
-                <a:srgbClr val="99CC00"/>
-              </a:buClr>
-              <a:defRPr/>
-            </a:pPr>
-            <a:r>
-              <a:rPr lang="es-ES" b="1" kern="0" dirty="0">
-                <a:solidFill>
-                  <a:schemeClr val="bg1">
-                    <a:lumMod val="50000"/>
-                  </a:schemeClr>
-                </a:solidFill>
-                <a:latin typeface="Arial"/>
-                <a:cs typeface="Arial"/>
-              </a:rPr>
-              <a:t>Gris: </a:t>
-            </a:r>
-            <a:r>
-              <a:rPr lang="es-ES" sz="1600" kern="0" dirty="0">
-                <a:solidFill>
-                  <a:schemeClr val="accent4">
-                    <a:lumMod val="10000"/>
-                  </a:schemeClr>
-                </a:solidFill>
-                <a:latin typeface="Arial"/>
-                <a:cs typeface="Arial"/>
-              </a:rPr>
-              <a:t>Posiciones fuera de los limites del subconjunto a ordenar</a:t>
-            </a:r>
-            <a:endParaRPr lang="es-ES" sz="1600" b="1" kern="0" dirty="0">
-              <a:solidFill>
-                <a:schemeClr val="accent4">
-                  <a:lumMod val="10000"/>
-                </a:schemeClr>
-              </a:solidFill>
-              <a:latin typeface="Arial"/>
-              <a:cs typeface="Arial"/>
-            </a:endParaRPr>
-          </a:p>
-          <a:p>
-            <a:pPr marL="469900" marR="0" lvl="0" indent="-469900" algn="l" defTabSz="914400" rtl="0" eaLnBrk="1" fontAlgn="base" latinLnBrk="0" hangingPunct="1">
-              <a:lnSpc>
-                <a:spcPct val="100000"/>
-              </a:lnSpc>
-              <a:spcBef>
-                <a:spcPct val="20000"/>
-              </a:spcBef>
-              <a:spcAft>
-                <a:spcPct val="0"/>
-              </a:spcAft>
-              <a:buClr>
-                <a:schemeClr val="accent2"/>
-              </a:buClr>
-              <a:buSzTx/>
-              <a:buFont typeface="Wingdings" pitchFamily="2" charset="2"/>
-              <a:buNone/>
-              <a:tabLst/>
-              <a:defRPr/>
-            </a:pPr>
-            <a:endParaRPr kumimoji="0" lang="es-ES" sz="2400" b="0" i="0" u="none" strike="noStrike" kern="0" cap="none" spc="0" normalizeH="0" baseline="0" noProof="0" dirty="0">
-              <a:ln>
-                <a:noFill/>
-              </a:ln>
-              <a:solidFill>
-                <a:schemeClr val="tx1"/>
-              </a:solidFill>
-              <a:effectLst/>
-              <a:uLnTx/>
-              <a:uFillTx/>
-              <a:latin typeface="+mn-lt"/>
-              <a:ea typeface="+mn-ea"/>
-              <a:cs typeface="+mn-cs"/>
-            </a:endParaRPr>
-          </a:p>
-          <a:p>
-            <a:pPr marL="469900" marR="0" lvl="0" indent="-469900" algn="l" defTabSz="914400" rtl="0" eaLnBrk="1" fontAlgn="base" latinLnBrk="0" hangingPunct="1">
-              <a:lnSpc>
-                <a:spcPct val="100000"/>
-              </a:lnSpc>
-              <a:spcBef>
-                <a:spcPct val="20000"/>
-              </a:spcBef>
-              <a:spcAft>
-                <a:spcPct val="0"/>
-              </a:spcAft>
-              <a:buClr>
-                <a:schemeClr val="accent2"/>
-              </a:buClr>
-              <a:buSzTx/>
-              <a:buFont typeface="Wingdings" pitchFamily="2" charset="2"/>
-              <a:buNone/>
-              <a:tabLst/>
-              <a:defRPr/>
-            </a:pPr>
-            <a:endParaRPr kumimoji="0" lang="es-ES" sz="2400" b="0" i="0" u="none" strike="noStrike" kern="0" cap="none" spc="0" normalizeH="0" baseline="0" noProof="0" dirty="0">
-              <a:ln>
-                <a:noFill/>
-              </a:ln>
-              <a:solidFill>
-                <a:schemeClr val="tx1"/>
-              </a:solidFill>
-              <a:effectLst/>
-              <a:uLnTx/>
-              <a:uFillTx/>
-              <a:latin typeface="+mn-lt"/>
-              <a:ea typeface="+mn-ea"/>
-              <a:cs typeface="+mn-cs"/>
-            </a:endParaRPr>
-          </a:p>
-        </p:txBody>
-      </p:sp>
-    </p:spTree>
-    <p:extLst>
-      <p:ext uri="{BB962C8B-B14F-4D97-AF65-F5344CB8AC3E}">
-        <p14:creationId xmlns:p14="http://schemas.microsoft.com/office/powerpoint/2010/main" val="2227089589"/>
-      </p:ext>
-    </p:extLst>
-  </p:cSld>
-  <p:clrMapOvr>
-    <a:masterClrMapping/>
-  </p:clrMapOvr>
-</p:sld>
-</file>
-
 <file path=ppt/slides/slide21.xml><?xml version="1.0" encoding="utf-8"?>
 <p:sld xmlns:a="http://schemas.openxmlformats.org/drawingml/2006/main" xmlns:r="http://schemas.openxmlformats.org/officeDocument/2006/relationships" xmlns:p="http://schemas.openxmlformats.org/presentationml/2006/main">
   <p:cSld>
@@ -28241,10 +28241,10 @@
       </p:sp>
       <p:pic>
         <p:nvPicPr>
-          <p:cNvPr id="5" name="Imagen 4">
+          <p:cNvPr id="3" name="Imagen 2">
             <a:extLst>
               <a:ext uri="{FF2B5EF4-FFF2-40B4-BE49-F238E27FC236}">
-                <a16:creationId xmlns:a16="http://schemas.microsoft.com/office/drawing/2014/main" id="{6D158D09-7261-4C8C-9328-7807ECD73D9B}"/>
+                <a16:creationId xmlns:a16="http://schemas.microsoft.com/office/drawing/2014/main" id="{52272181-5DF9-4388-8491-719AACC49086}"/>
               </a:ext>
             </a:extLst>
           </p:cNvPr>
@@ -28266,7 +28266,7 @@
         </p:blipFill>
         <p:spPr>
           <a:xfrm>
-            <a:off x="424593" y="1268760"/>
+            <a:off x="424593" y="1340768"/>
             <a:ext cx="8294814" cy="4872038"/>
           </a:xfrm>
           <a:prstGeom prst="rect">
@@ -30376,8 +30376,8 @@
         </p:nvSpPr>
         <p:spPr>
           <a:xfrm>
-            <a:off x="827584" y="1124744"/>
-            <a:ext cx="7748091" cy="2862322"/>
+            <a:off x="827584" y="1484198"/>
+            <a:ext cx="7748091" cy="3600986"/>
           </a:xfrm>
           <a:prstGeom prst="rect">
             <a:avLst/>
@@ -30447,6 +30447,19 @@
               </a:rPr>
               <a:t>.</a:t>
             </a:r>
+          </a:p>
+          <a:p>
+            <a:pPr marL="342900" indent="-342900">
+              <a:buFont typeface="Wingdings" panose="05000000000000000000" pitchFamily="2" charset="2"/>
+              <a:buChar char="q"/>
+            </a:pPr>
+            <a:r>
+              <a:rPr lang="es-ES" dirty="0"/>
+              <a:t>Un fallo implementando el código es bastante difícil de detectar. Además, el orden de elementos idénticos variaría.</a:t>
+            </a:r>
+            <a:endParaRPr lang="es-ES" sz="2000" dirty="0">
+              <a:latin typeface="+mn-lt"/>
+            </a:endParaRPr>
           </a:p>
           <a:p>
             <a:pPr marL="342900" indent="-342900">

--- a/FAA/Practica 2 AAD/AAD_11.pptx
+++ b/FAA/Practica 2 AAD/AAD_11.pptx
@@ -4355,7 +4355,7 @@
               <a:pPr>
                 <a:defRPr/>
               </a:pPr>
-              <a:t>05/05/2019</a:t>
+              <a:t>10/05/2019</a:t>
             </a:fld>
             <a:endParaRPr lang="es-ES"/>
           </a:p>
@@ -5683,7 +5683,7 @@
               <a:pPr>
                 <a:defRPr/>
               </a:pPr>
-              <a:t>05/05/2019</a:t>
+              <a:t>10/05/2019</a:t>
             </a:fld>
             <a:endParaRPr lang="es-ES" dirty="0"/>
           </a:p>
@@ -5873,7 +5873,7 @@
               <a:pPr>
                 <a:defRPr/>
               </a:pPr>
-              <a:t>05/05/2019</a:t>
+              <a:t>10/05/2019</a:t>
             </a:fld>
             <a:endParaRPr lang="es-ES" dirty="0"/>
           </a:p>
@@ -6140,7 +6140,7 @@
               <a:pPr>
                 <a:defRPr/>
               </a:pPr>
-              <a:t>05/05/2019</a:t>
+              <a:t>10/05/2019</a:t>
             </a:fld>
             <a:endParaRPr lang="es-ES" dirty="0"/>
           </a:p>
@@ -6447,7 +6447,7 @@
               <a:pPr>
                 <a:defRPr/>
               </a:pPr>
-              <a:t>05/05/2019</a:t>
+              <a:t>10/05/2019</a:t>
             </a:fld>
             <a:endParaRPr lang="es-ES" dirty="0"/>
           </a:p>
@@ -6888,7 +6888,7 @@
               <a:pPr>
                 <a:defRPr/>
               </a:pPr>
-              <a:t>05/05/2019</a:t>
+              <a:t>10/05/2019</a:t>
             </a:fld>
             <a:endParaRPr lang="es-ES" dirty="0"/>
           </a:p>
@@ -7185,7 +7185,7 @@
               <a:pPr>
                 <a:defRPr/>
               </a:pPr>
-              <a:t>05/05/2019</a:t>
+              <a:t>10/05/2019</a:t>
             </a:fld>
             <a:endParaRPr lang="es-ES" dirty="0"/>
           </a:p>
@@ -7302,7 +7302,7 @@
               <a:pPr>
                 <a:defRPr/>
               </a:pPr>
-              <a:t>05/05/2019</a:t>
+              <a:t>10/05/2019</a:t>
             </a:fld>
             <a:endParaRPr lang="es-ES" dirty="0"/>
           </a:p>
@@ -7599,7 +7599,7 @@
               <a:pPr>
                 <a:defRPr/>
               </a:pPr>
-              <a:t>05/05/2019</a:t>
+              <a:t>10/05/2019</a:t>
             </a:fld>
             <a:endParaRPr lang="es-ES" dirty="0"/>
           </a:p>
@@ -7876,7 +7876,7 @@
               <a:pPr>
                 <a:defRPr/>
               </a:pPr>
-              <a:t>05/05/2019</a:t>
+              <a:t>10/05/2019</a:t>
             </a:fld>
             <a:endParaRPr lang="es-ES" dirty="0"/>
           </a:p>
@@ -8066,7 +8066,7 @@
               <a:pPr>
                 <a:defRPr/>
               </a:pPr>
-              <a:t>05/05/2019</a:t>
+              <a:t>10/05/2019</a:t>
             </a:fld>
             <a:endParaRPr lang="es-ES" dirty="0"/>
           </a:p>
@@ -8266,7 +8266,7 @@
               <a:pPr>
                 <a:defRPr/>
               </a:pPr>
-              <a:t>05/05/2019</a:t>
+              <a:t>10/05/2019</a:t>
             </a:fld>
             <a:endParaRPr lang="es-ES" dirty="0"/>
           </a:p>
@@ -8528,7 +8528,7 @@
               <a:pPr>
                 <a:defRPr/>
               </a:pPr>
-              <a:t>05/05/2019</a:t>
+              <a:t>10/05/2019</a:t>
             </a:fld>
             <a:endParaRPr lang="es-ES"/>
           </a:p>
@@ -8718,7 +8718,7 @@
               <a:pPr>
                 <a:defRPr/>
               </a:pPr>
-              <a:t>05/05/2019</a:t>
+              <a:t>10/05/2019</a:t>
             </a:fld>
             <a:endParaRPr lang="es-ES"/>
           </a:p>
@@ -8985,7 +8985,7 @@
               <a:pPr>
                 <a:defRPr/>
               </a:pPr>
-              <a:t>05/05/2019</a:t>
+              <a:t>10/05/2019</a:t>
             </a:fld>
             <a:endParaRPr lang="es-ES"/>
           </a:p>
@@ -9292,7 +9292,7 @@
               <a:pPr>
                 <a:defRPr/>
               </a:pPr>
-              <a:t>05/05/2019</a:t>
+              <a:t>10/05/2019</a:t>
             </a:fld>
             <a:endParaRPr lang="es-ES"/>
           </a:p>
@@ -9824,7 +9824,7 @@
               <a:pPr>
                 <a:defRPr/>
               </a:pPr>
-              <a:t>05/05/2019</a:t>
+              <a:t>10/05/2019</a:t>
             </a:fld>
             <a:endParaRPr lang="es-ES"/>
           </a:p>
@@ -9963,7 +9963,7 @@
               <a:pPr>
                 <a:defRPr/>
               </a:pPr>
-              <a:t>05/05/2019</a:t>
+              <a:t>10/05/2019</a:t>
             </a:fld>
             <a:endParaRPr lang="es-ES"/>
           </a:p>
@@ -10080,7 +10080,7 @@
               <a:pPr>
                 <a:defRPr/>
               </a:pPr>
-              <a:t>05/05/2019</a:t>
+              <a:t>10/05/2019</a:t>
             </a:fld>
             <a:endParaRPr lang="es-ES"/>
           </a:p>
@@ -10377,7 +10377,7 @@
               <a:pPr>
                 <a:defRPr/>
               </a:pPr>
-              <a:t>05/05/2019</a:t>
+              <a:t>10/05/2019</a:t>
             </a:fld>
             <a:endParaRPr lang="es-ES"/>
           </a:p>
@@ -10654,7 +10654,7 @@
               <a:pPr>
                 <a:defRPr/>
               </a:pPr>
-              <a:t>05/05/2019</a:t>
+              <a:t>10/05/2019</a:t>
             </a:fld>
             <a:endParaRPr lang="es-ES"/>
           </a:p>
@@ -10844,7 +10844,7 @@
               <a:pPr>
                 <a:defRPr/>
               </a:pPr>
-              <a:t>05/05/2019</a:t>
+              <a:t>10/05/2019</a:t>
             </a:fld>
             <a:endParaRPr lang="es-ES"/>
           </a:p>
@@ -11044,7 +11044,7 @@
               <a:pPr>
                 <a:defRPr/>
               </a:pPr>
-              <a:t>05/05/2019</a:t>
+              <a:t>10/05/2019</a:t>
             </a:fld>
             <a:endParaRPr lang="es-ES"/>
           </a:p>
@@ -11306,7 +11306,7 @@
               <a:pPr>
                 <a:defRPr/>
               </a:pPr>
-              <a:t>05/05/2019</a:t>
+              <a:t>10/05/2019</a:t>
             </a:fld>
             <a:endParaRPr lang="es-ES"/>
           </a:p>
@@ -11496,7 +11496,7 @@
               <a:pPr>
                 <a:defRPr/>
               </a:pPr>
-              <a:t>05/05/2019</a:t>
+              <a:t>10/05/2019</a:t>
             </a:fld>
             <a:endParaRPr lang="es-ES"/>
           </a:p>
@@ -11763,7 +11763,7 @@
               <a:pPr>
                 <a:defRPr/>
               </a:pPr>
-              <a:t>05/05/2019</a:t>
+              <a:t>10/05/2019</a:t>
             </a:fld>
             <a:endParaRPr lang="es-ES"/>
           </a:p>
@@ -12247,7 +12247,7 @@
               <a:pPr>
                 <a:defRPr/>
               </a:pPr>
-              <a:t>05/05/2019</a:t>
+              <a:t>10/05/2019</a:t>
             </a:fld>
             <a:endParaRPr lang="es-ES"/>
           </a:p>
@@ -12688,7 +12688,7 @@
               <a:pPr>
                 <a:defRPr/>
               </a:pPr>
-              <a:t>05/05/2019</a:t>
+              <a:t>10/05/2019</a:t>
             </a:fld>
             <a:endParaRPr lang="es-ES"/>
           </a:p>
@@ -12827,7 +12827,7 @@
               <a:pPr>
                 <a:defRPr/>
               </a:pPr>
-              <a:t>05/05/2019</a:t>
+              <a:t>10/05/2019</a:t>
             </a:fld>
             <a:endParaRPr lang="es-ES"/>
           </a:p>
@@ -12944,7 +12944,7 @@
               <a:pPr>
                 <a:defRPr/>
               </a:pPr>
-              <a:t>05/05/2019</a:t>
+              <a:t>10/05/2019</a:t>
             </a:fld>
             <a:endParaRPr lang="es-ES"/>
           </a:p>
@@ -13241,7 +13241,7 @@
               <a:pPr>
                 <a:defRPr/>
               </a:pPr>
-              <a:t>05/05/2019</a:t>
+              <a:t>10/05/2019</a:t>
             </a:fld>
             <a:endParaRPr lang="es-ES"/>
           </a:p>
@@ -13518,7 +13518,7 @@
               <a:pPr>
                 <a:defRPr/>
               </a:pPr>
-              <a:t>05/05/2019</a:t>
+              <a:t>10/05/2019</a:t>
             </a:fld>
             <a:endParaRPr lang="es-ES"/>
           </a:p>
@@ -13708,7 +13708,7 @@
               <a:pPr>
                 <a:defRPr/>
               </a:pPr>
-              <a:t>05/05/2019</a:t>
+              <a:t>10/05/2019</a:t>
             </a:fld>
             <a:endParaRPr lang="es-ES"/>
           </a:p>
@@ -13908,7 +13908,7 @@
               <a:pPr>
                 <a:defRPr/>
               </a:pPr>
-              <a:t>05/05/2019</a:t>
+              <a:t>10/05/2019</a:t>
             </a:fld>
             <a:endParaRPr lang="es-ES"/>
           </a:p>
@@ -16184,7 +16184,7 @@
               <a:pPr>
                 <a:defRPr/>
               </a:pPr>
-              <a:t>05/05/2019</a:t>
+              <a:t>10/05/2019</a:t>
             </a:fld>
             <a:endParaRPr lang="es-ES" dirty="0"/>
           </a:p>
@@ -23339,30 +23339,21 @@
                             </p:childTnLst>
                           </p:cTn>
                         </p:par>
-                      </p:childTnLst>
-                    </p:cTn>
-                  </p:par>
-                  <p:par>
-                    <p:cTn id="9" fill="hold">
-                      <p:stCondLst>
-                        <p:cond delay="indefinite"/>
-                      </p:stCondLst>
-                      <p:childTnLst>
                         <p:par>
-                          <p:cTn id="10" fill="hold">
+                          <p:cTn id="9" fill="hold">
                             <p:stCondLst>
-                              <p:cond delay="0"/>
+                              <p:cond delay="500"/>
                             </p:stCondLst>
                             <p:childTnLst>
                               <p:par>
-                                <p:cTn id="11" presetID="2" presetClass="entr" presetSubtype="2" fill="hold" nodeType="clickEffect">
+                                <p:cTn id="10" presetID="2" presetClass="entr" presetSubtype="2" fill="hold" nodeType="afterEffect">
                                   <p:stCondLst>
                                     <p:cond delay="0"/>
                                   </p:stCondLst>
                                   <p:childTnLst>
                                     <p:set>
                                       <p:cBhvr>
-                                        <p:cTn id="12" dur="1" fill="hold">
+                                        <p:cTn id="11" dur="1" fill="hold">
                                           <p:stCondLst>
                                             <p:cond delay="0"/>
                                           </p:stCondLst>
@@ -23380,7 +23371,7 @@
                                     </p:set>
                                     <p:anim calcmode="lin" valueType="num">
                                       <p:cBhvr additive="base">
-                                        <p:cTn id="13" dur="500" fill="hold"/>
+                                        <p:cTn id="12" dur="500" fill="hold"/>
                                         <p:tgtEl>
                                           <p:spTgt spid="3"/>
                                         </p:tgtEl>
@@ -23403,7 +23394,7 @@
                                     </p:anim>
                                     <p:anim calcmode="lin" valueType="num">
                                       <p:cBhvr additive="base">
-                                        <p:cTn id="14" dur="500" fill="hold"/>
+                                        <p:cTn id="13" dur="500" fill="hold"/>
                                         <p:tgtEl>
                                           <p:spTgt spid="3"/>
                                         </p:tgtEl>
@@ -23434,26 +23425,26 @@
                     </p:cTn>
                   </p:par>
                   <p:par>
-                    <p:cTn id="15" fill="hold">
+                    <p:cTn id="14" fill="hold">
                       <p:stCondLst>
                         <p:cond delay="indefinite"/>
                       </p:stCondLst>
                       <p:childTnLst>
                         <p:par>
-                          <p:cTn id="16" fill="hold">
+                          <p:cTn id="15" fill="hold">
                             <p:stCondLst>
                               <p:cond delay="0"/>
                             </p:stCondLst>
                             <p:childTnLst>
                               <p:par>
-                                <p:cTn id="17" presetID="63" presetClass="path" presetSubtype="0" accel="50000" decel="50000" fill="hold" nodeType="clickEffect">
+                                <p:cTn id="16" presetID="63" presetClass="path" presetSubtype="0" accel="50000" decel="50000" fill="hold" nodeType="clickEffect">
                                   <p:stCondLst>
                                     <p:cond delay="0"/>
                                   </p:stCondLst>
                                   <p:childTnLst>
                                     <p:animMotion origin="layout" path="M -5.55556E-7 2.59259E-6 L 0.63125 2.59259E-6 " pathEditMode="relative" rAng="0" ptsTypes="AA">
                                       <p:cBhvr>
-                                        <p:cTn id="18" dur="1000" fill="hold"/>
+                                        <p:cTn id="17" dur="1000" fill="hold"/>
                                         <p:tgtEl>
                                           <p:spTgt spid="34"/>
                                         </p:tgtEl>
@@ -23468,14 +23459,14 @@
                                 </p:cTn>
                               </p:par>
                               <p:par>
-                                <p:cTn id="19" presetID="35" presetClass="path" presetSubtype="0" accel="50000" decel="50000" fill="hold" nodeType="withEffect">
+                                <p:cTn id="18" presetID="35" presetClass="path" presetSubtype="0" accel="50000" decel="50000" fill="hold" nodeType="withEffect">
                                   <p:stCondLst>
                                     <p:cond delay="0"/>
                                   </p:stCondLst>
                                   <p:childTnLst>
                                     <p:animMotion origin="layout" path="M 0 -1.11111E-6 L -0.62882 0.00255 " pathEditMode="relative" rAng="0" ptsTypes="AA">
                                       <p:cBhvr>
-                                        <p:cTn id="20" dur="1000" fill="hold"/>
+                                        <p:cTn id="19" dur="1000" fill="hold"/>
                                         <p:tgtEl>
                                           <p:spTgt spid="32"/>
                                         </p:tgtEl>
@@ -23496,26 +23487,26 @@
                     </p:cTn>
                   </p:par>
                   <p:par>
-                    <p:cTn id="21" fill="hold">
+                    <p:cTn id="20" fill="hold">
                       <p:stCondLst>
                         <p:cond delay="indefinite"/>
                       </p:stCondLst>
                       <p:childTnLst>
                         <p:par>
-                          <p:cTn id="22" fill="hold">
+                          <p:cTn id="21" fill="hold">
                             <p:stCondLst>
                               <p:cond delay="0"/>
                             </p:stCondLst>
                             <p:childTnLst>
                               <p:par>
-                                <p:cTn id="23" presetID="2" presetClass="entr" presetSubtype="8" fill="hold" nodeType="clickEffect">
+                                <p:cTn id="22" presetID="2" presetClass="entr" presetSubtype="8" fill="hold" nodeType="clickEffect">
                                   <p:stCondLst>
                                     <p:cond delay="0"/>
                                   </p:stCondLst>
                                   <p:childTnLst>
                                     <p:set>
                                       <p:cBhvr>
-                                        <p:cTn id="24" dur="1" fill="hold">
+                                        <p:cTn id="23" dur="1" fill="hold">
                                           <p:stCondLst>
                                             <p:cond delay="0"/>
                                           </p:stCondLst>
@@ -23533,7 +23524,7 @@
                                     </p:set>
                                     <p:anim calcmode="lin" valueType="num">
                                       <p:cBhvr additive="base">
-                                        <p:cTn id="25" dur="500" fill="hold"/>
+                                        <p:cTn id="24" dur="500" fill="hold"/>
                                         <p:tgtEl>
                                           <p:spTgt spid="19"/>
                                         </p:tgtEl>
@@ -23556,7 +23547,7 @@
                                     </p:anim>
                                     <p:anim calcmode="lin" valueType="num">
                                       <p:cBhvr additive="base">
-                                        <p:cTn id="26" dur="500" fill="hold"/>
+                                        <p:cTn id="25" dur="500" fill="hold"/>
                                         <p:tgtEl>
                                           <p:spTgt spid="19"/>
                                         </p:tgtEl>
@@ -23583,30 +23574,21 @@
                             </p:childTnLst>
                           </p:cTn>
                         </p:par>
-                      </p:childTnLst>
-                    </p:cTn>
-                  </p:par>
-                  <p:par>
-                    <p:cTn id="27" fill="hold">
-                      <p:stCondLst>
-                        <p:cond delay="indefinite"/>
-                      </p:stCondLst>
-                      <p:childTnLst>
                         <p:par>
-                          <p:cTn id="28" fill="hold">
+                          <p:cTn id="26" fill="hold">
                             <p:stCondLst>
-                              <p:cond delay="0"/>
+                              <p:cond delay="500"/>
                             </p:stCondLst>
                             <p:childTnLst>
                               <p:par>
-                                <p:cTn id="29" presetID="2" presetClass="entr" presetSubtype="2" fill="hold" nodeType="clickEffect">
+                                <p:cTn id="27" presetID="2" presetClass="entr" presetSubtype="2" fill="hold" nodeType="afterEffect">
                                   <p:stCondLst>
                                     <p:cond delay="0"/>
                                   </p:stCondLst>
                                   <p:childTnLst>
                                     <p:set>
                                       <p:cBhvr>
-                                        <p:cTn id="30" dur="1" fill="hold">
+                                        <p:cTn id="28" dur="1" fill="hold">
                                           <p:stCondLst>
                                             <p:cond delay="0"/>
                                           </p:stCondLst>
@@ -23624,7 +23606,7 @@
                                     </p:set>
                                     <p:anim calcmode="lin" valueType="num">
                                       <p:cBhvr additive="base">
-                                        <p:cTn id="31" dur="500" fill="hold"/>
+                                        <p:cTn id="29" dur="500" fill="hold"/>
                                         <p:tgtEl>
                                           <p:spTgt spid="20"/>
                                         </p:tgtEl>
@@ -23647,7 +23629,7 @@
                                     </p:anim>
                                     <p:anim calcmode="lin" valueType="num">
                                       <p:cBhvr additive="base">
-                                        <p:cTn id="32" dur="500" fill="hold"/>
+                                        <p:cTn id="30" dur="500" fill="hold"/>
                                         <p:tgtEl>
                                           <p:spTgt spid="20"/>
                                         </p:tgtEl>
@@ -23678,26 +23660,26 @@
                     </p:cTn>
                   </p:par>
                   <p:par>
-                    <p:cTn id="33" fill="hold">
+                    <p:cTn id="31" fill="hold">
                       <p:stCondLst>
                         <p:cond delay="indefinite"/>
                       </p:stCondLst>
                       <p:childTnLst>
                         <p:par>
-                          <p:cTn id="34" fill="hold">
+                          <p:cTn id="32" fill="hold">
                             <p:stCondLst>
                               <p:cond delay="0"/>
                             </p:stCondLst>
                             <p:childTnLst>
                               <p:par>
-                                <p:cTn id="35" presetID="35" presetClass="path" presetSubtype="0" accel="50000" decel="50000" fill="hold" nodeType="clickEffect">
+                                <p:cTn id="33" presetID="35" presetClass="path" presetSubtype="0" accel="50000" decel="50000" fill="hold" nodeType="clickEffect">
                                   <p:stCondLst>
                                     <p:cond delay="0"/>
                                   </p:stCondLst>
                                   <p:childTnLst>
                                     <p:animMotion origin="layout" path="M -2.22222E-6 -1.11111E-6 L -0.31614 -1.11111E-6 " pathEditMode="relative" rAng="0" ptsTypes="AA">
                                       <p:cBhvr>
-                                        <p:cTn id="36" dur="1000" fill="hold"/>
+                                        <p:cTn id="34" dur="1000" fill="hold"/>
                                         <p:tgtEl>
                                           <p:spTgt spid="30"/>
                                         </p:tgtEl>
@@ -23712,14 +23694,14 @@
                                 </p:cTn>
                               </p:par>
                               <p:par>
-                                <p:cTn id="37" presetID="63" presetClass="path" presetSubtype="0" accel="50000" decel="50000" fill="hold" nodeType="withEffect">
+                                <p:cTn id="35" presetID="63" presetClass="path" presetSubtype="0" accel="50000" decel="50000" fill="hold" nodeType="withEffect">
                                   <p:stCondLst>
                                     <p:cond delay="0"/>
                                   </p:stCondLst>
                                   <p:childTnLst>
                                     <p:animMotion origin="layout" path="M -4.72222E-6 4.07407E-6 L 0.31719 -0.00231 " pathEditMode="relative" rAng="0" ptsTypes="AA">
                                       <p:cBhvr>
-                                        <p:cTn id="38" dur="1000" fill="hold"/>
+                                        <p:cTn id="36" dur="1000" fill="hold"/>
                                         <p:tgtEl>
                                           <p:spTgt spid="36"/>
                                         </p:tgtEl>
@@ -23740,26 +23722,26 @@
                     </p:cTn>
                   </p:par>
                   <p:par>
-                    <p:cTn id="39" fill="hold">
+                    <p:cTn id="37" fill="hold">
                       <p:stCondLst>
                         <p:cond delay="indefinite"/>
                       </p:stCondLst>
                       <p:childTnLst>
                         <p:par>
-                          <p:cTn id="40" fill="hold">
+                          <p:cTn id="38" fill="hold">
                             <p:stCondLst>
                               <p:cond delay="0"/>
                             </p:stCondLst>
                             <p:childTnLst>
                               <p:par>
-                                <p:cTn id="41" presetID="2" presetClass="entr" presetSubtype="2" fill="hold" nodeType="clickEffect">
+                                <p:cTn id="39" presetID="2" presetClass="entr" presetSubtype="2" fill="hold" nodeType="clickEffect">
                                   <p:stCondLst>
                                     <p:cond delay="0"/>
                                   </p:stCondLst>
                                   <p:childTnLst>
                                     <p:set>
                                       <p:cBhvr>
-                                        <p:cTn id="42" dur="1" fill="hold">
+                                        <p:cTn id="40" dur="1" fill="hold">
                                           <p:stCondLst>
                                             <p:cond delay="0"/>
                                           </p:stCondLst>
@@ -23777,7 +23759,7 @@
                                     </p:set>
                                     <p:anim calcmode="lin" valueType="num">
                                       <p:cBhvr additive="base">
-                                        <p:cTn id="43" dur="500" fill="hold"/>
+                                        <p:cTn id="41" dur="500" fill="hold"/>
                                         <p:tgtEl>
                                           <p:spTgt spid="21"/>
                                         </p:tgtEl>
@@ -23800,7 +23782,7 @@
                                     </p:anim>
                                     <p:anim calcmode="lin" valueType="num">
                                       <p:cBhvr additive="base">
-                                        <p:cTn id="44" dur="500" fill="hold"/>
+                                        <p:cTn id="42" dur="500" fill="hold"/>
                                         <p:tgtEl>
                                           <p:spTgt spid="21"/>
                                         </p:tgtEl>
@@ -23827,30 +23809,21 @@
                             </p:childTnLst>
                           </p:cTn>
                         </p:par>
-                      </p:childTnLst>
-                    </p:cTn>
-                  </p:par>
-                  <p:par>
-                    <p:cTn id="45" fill="hold">
-                      <p:stCondLst>
-                        <p:cond delay="indefinite"/>
-                      </p:stCondLst>
-                      <p:childTnLst>
                         <p:par>
-                          <p:cTn id="46" fill="hold">
+                          <p:cTn id="43" fill="hold">
                             <p:stCondLst>
-                              <p:cond delay="0"/>
+                              <p:cond delay="500"/>
                             </p:stCondLst>
                             <p:childTnLst>
                               <p:par>
-                                <p:cTn id="47" presetID="2" presetClass="entr" presetSubtype="2" fill="hold" nodeType="clickEffect">
+                                <p:cTn id="44" presetID="2" presetClass="entr" presetSubtype="2" fill="hold" nodeType="afterEffect">
                                   <p:stCondLst>
                                     <p:cond delay="0"/>
                                   </p:stCondLst>
                                   <p:childTnLst>
                                     <p:set>
                                       <p:cBhvr>
-                                        <p:cTn id="48" dur="1" fill="hold">
+                                        <p:cTn id="45" dur="1" fill="hold">
                                           <p:stCondLst>
                                             <p:cond delay="0"/>
                                           </p:stCondLst>
@@ -23868,7 +23841,7 @@
                                     </p:set>
                                     <p:anim calcmode="lin" valueType="num">
                                       <p:cBhvr additive="base">
-                                        <p:cTn id="49" dur="500" fill="hold"/>
+                                        <p:cTn id="46" dur="500" fill="hold"/>
                                         <p:tgtEl>
                                           <p:spTgt spid="22"/>
                                         </p:tgtEl>
@@ -23891,7 +23864,7 @@
                                     </p:anim>
                                     <p:anim calcmode="lin" valueType="num">
                                       <p:cBhvr additive="base">
-                                        <p:cTn id="50" dur="500" fill="hold"/>
+                                        <p:cTn id="47" dur="500" fill="hold"/>
                                         <p:tgtEl>
                                           <p:spTgt spid="22"/>
                                         </p:tgtEl>
@@ -23918,30 +23891,21 @@
                             </p:childTnLst>
                           </p:cTn>
                         </p:par>
-                      </p:childTnLst>
-                    </p:cTn>
-                  </p:par>
-                  <p:par>
-                    <p:cTn id="51" fill="hold">
-                      <p:stCondLst>
-                        <p:cond delay="indefinite"/>
-                      </p:stCondLst>
-                      <p:childTnLst>
                         <p:par>
-                          <p:cTn id="52" fill="hold">
+                          <p:cTn id="48" fill="hold">
                             <p:stCondLst>
-                              <p:cond delay="0"/>
+                              <p:cond delay="1000"/>
                             </p:stCondLst>
                             <p:childTnLst>
                               <p:par>
-                                <p:cTn id="53" presetID="2" presetClass="entr" presetSubtype="8" fill="hold" nodeType="clickEffect">
+                                <p:cTn id="49" presetID="2" presetClass="entr" presetSubtype="8" fill="hold" nodeType="afterEffect">
                                   <p:stCondLst>
                                     <p:cond delay="0"/>
                                   </p:stCondLst>
                                   <p:childTnLst>
                                     <p:set>
                                       <p:cBhvr>
-                                        <p:cTn id="54" dur="1" fill="hold">
+                                        <p:cTn id="50" dur="1" fill="hold">
                                           <p:stCondLst>
                                             <p:cond delay="0"/>
                                           </p:stCondLst>
@@ -23959,7 +23923,7 @@
                                     </p:set>
                                     <p:anim calcmode="lin" valueType="num">
                                       <p:cBhvr additive="base">
-                                        <p:cTn id="55" dur="500" fill="hold"/>
+                                        <p:cTn id="51" dur="500" fill="hold"/>
                                         <p:tgtEl>
                                           <p:spTgt spid="23"/>
                                         </p:tgtEl>
@@ -23982,7 +23946,7 @@
                                     </p:anim>
                                     <p:anim calcmode="lin" valueType="num">
                                       <p:cBhvr additive="base">
-                                        <p:cTn id="56" dur="500" fill="hold"/>
+                                        <p:cTn id="52" dur="500" fill="hold"/>
                                         <p:tgtEl>
                                           <p:spTgt spid="23"/>
                                         </p:tgtEl>
@@ -24013,26 +23977,26 @@
                     </p:cTn>
                   </p:par>
                   <p:par>
-                    <p:cTn id="57" fill="hold">
+                    <p:cTn id="53" fill="hold">
                       <p:stCondLst>
                         <p:cond delay="indefinite"/>
                       </p:stCondLst>
                       <p:childTnLst>
                         <p:par>
-                          <p:cTn id="58" fill="hold">
+                          <p:cTn id="54" fill="hold">
                             <p:stCondLst>
                               <p:cond delay="0"/>
                             </p:stCondLst>
                             <p:childTnLst>
                               <p:par>
-                                <p:cTn id="59" presetID="10" presetClass="exit" presetSubtype="0" fill="hold" nodeType="clickEffect">
+                                <p:cTn id="55" presetID="10" presetClass="exit" presetSubtype="0" fill="hold" nodeType="clickEffect">
                                   <p:stCondLst>
                                     <p:cond delay="0"/>
                                   </p:stCondLst>
                                   <p:childTnLst>
                                     <p:animEffect transition="out" filter="fade">
                                       <p:cBhvr>
-                                        <p:cTn id="60" dur="500"/>
+                                        <p:cTn id="56" dur="500"/>
                                         <p:tgtEl>
                                           <p:spTgt spid="5"/>
                                         </p:tgtEl>
@@ -24040,7 +24004,7 @@
                                     </p:animEffect>
                                     <p:set>
                                       <p:cBhvr>
-                                        <p:cTn id="61" dur="1" fill="hold">
+                                        <p:cTn id="57" dur="1" fill="hold">
                                           <p:stCondLst>
                                             <p:cond delay="499"/>
                                           </p:stCondLst>
@@ -24060,14 +24024,14 @@
                                 </p:cTn>
                               </p:par>
                               <p:par>
-                                <p:cTn id="62" presetID="10" presetClass="exit" presetSubtype="0" fill="hold" nodeType="withEffect">
+                                <p:cTn id="58" presetID="10" presetClass="exit" presetSubtype="0" fill="hold" nodeType="withEffect">
                                   <p:stCondLst>
                                     <p:cond delay="0"/>
                                   </p:stCondLst>
                                   <p:childTnLst>
                                     <p:animEffect transition="out" filter="fade">
                                       <p:cBhvr>
-                                        <p:cTn id="63" dur="500"/>
+                                        <p:cTn id="59" dur="500"/>
                                         <p:tgtEl>
                                           <p:spTgt spid="3"/>
                                         </p:tgtEl>
@@ -24075,7 +24039,7 @@
                                     </p:animEffect>
                                     <p:set>
                                       <p:cBhvr>
-                                        <p:cTn id="64" dur="1" fill="hold">
+                                        <p:cTn id="60" dur="1" fill="hold">
                                           <p:stCondLst>
                                             <p:cond delay="499"/>
                                           </p:stCondLst>
@@ -24095,14 +24059,14 @@
                                 </p:cTn>
                               </p:par>
                               <p:par>
-                                <p:cTn id="65" presetID="10" presetClass="exit" presetSubtype="0" fill="hold" nodeType="withEffect">
+                                <p:cTn id="61" presetID="10" presetClass="exit" presetSubtype="0" fill="hold" nodeType="withEffect">
                                   <p:stCondLst>
                                     <p:cond delay="0"/>
                                   </p:stCondLst>
                                   <p:childTnLst>
                                     <p:animEffect transition="out" filter="fade">
                                       <p:cBhvr>
-                                        <p:cTn id="66" dur="500"/>
+                                        <p:cTn id="62" dur="500"/>
                                         <p:tgtEl>
                                           <p:spTgt spid="19"/>
                                         </p:tgtEl>
@@ -24110,7 +24074,7 @@
                                     </p:animEffect>
                                     <p:set>
                                       <p:cBhvr>
-                                        <p:cTn id="67" dur="1" fill="hold">
+                                        <p:cTn id="63" dur="1" fill="hold">
                                           <p:stCondLst>
                                             <p:cond delay="499"/>
                                           </p:stCondLst>
@@ -24130,14 +24094,14 @@
                                 </p:cTn>
                               </p:par>
                               <p:par>
-                                <p:cTn id="68" presetID="10" presetClass="exit" presetSubtype="0" fill="hold" nodeType="withEffect">
+                                <p:cTn id="64" presetID="10" presetClass="exit" presetSubtype="0" fill="hold" nodeType="withEffect">
                                   <p:stCondLst>
                                     <p:cond delay="0"/>
                                   </p:stCondLst>
                                   <p:childTnLst>
                                     <p:animEffect transition="out" filter="fade">
                                       <p:cBhvr>
-                                        <p:cTn id="69" dur="500"/>
+                                        <p:cTn id="65" dur="500"/>
                                         <p:tgtEl>
                                           <p:spTgt spid="20"/>
                                         </p:tgtEl>
@@ -24145,7 +24109,7 @@
                                     </p:animEffect>
                                     <p:set>
                                       <p:cBhvr>
-                                        <p:cTn id="70" dur="1" fill="hold">
+                                        <p:cTn id="66" dur="1" fill="hold">
                                           <p:stCondLst>
                                             <p:cond delay="499"/>
                                           </p:stCondLst>
@@ -24165,14 +24129,14 @@
                                 </p:cTn>
                               </p:par>
                               <p:par>
-                                <p:cTn id="71" presetID="10" presetClass="exit" presetSubtype="0" fill="hold" nodeType="withEffect">
+                                <p:cTn id="67" presetID="10" presetClass="exit" presetSubtype="0" fill="hold" nodeType="withEffect">
                                   <p:stCondLst>
                                     <p:cond delay="0"/>
                                   </p:stCondLst>
                                   <p:childTnLst>
                                     <p:animEffect transition="out" filter="fade">
                                       <p:cBhvr>
-                                        <p:cTn id="72" dur="500"/>
+                                        <p:cTn id="68" dur="500"/>
                                         <p:tgtEl>
                                           <p:spTgt spid="21"/>
                                         </p:tgtEl>
@@ -24180,7 +24144,7 @@
                                     </p:animEffect>
                                     <p:set>
                                       <p:cBhvr>
-                                        <p:cTn id="73" dur="1" fill="hold">
+                                        <p:cTn id="69" dur="1" fill="hold">
                                           <p:stCondLst>
                                             <p:cond delay="499"/>
                                           </p:stCondLst>
@@ -24200,14 +24164,14 @@
                                 </p:cTn>
                               </p:par>
                               <p:par>
-                                <p:cTn id="74" presetID="10" presetClass="exit" presetSubtype="0" fill="hold" nodeType="withEffect">
+                                <p:cTn id="70" presetID="10" presetClass="exit" presetSubtype="0" fill="hold" nodeType="withEffect">
                                   <p:stCondLst>
                                     <p:cond delay="0"/>
                                   </p:stCondLst>
                                   <p:childTnLst>
                                     <p:animEffect transition="out" filter="fade">
                                       <p:cBhvr>
-                                        <p:cTn id="75" dur="500"/>
+                                        <p:cTn id="71" dur="500"/>
                                         <p:tgtEl>
                                           <p:spTgt spid="22"/>
                                         </p:tgtEl>
@@ -24215,7 +24179,7 @@
                                     </p:animEffect>
                                     <p:set>
                                       <p:cBhvr>
-                                        <p:cTn id="76" dur="1" fill="hold">
+                                        <p:cTn id="72" dur="1" fill="hold">
                                           <p:stCondLst>
                                             <p:cond delay="499"/>
                                           </p:stCondLst>
@@ -24235,14 +24199,14 @@
                                 </p:cTn>
                               </p:par>
                               <p:par>
-                                <p:cTn id="77" presetID="10" presetClass="exit" presetSubtype="0" fill="hold" nodeType="withEffect">
+                                <p:cTn id="73" presetID="10" presetClass="exit" presetSubtype="0" fill="hold" nodeType="withEffect">
                                   <p:stCondLst>
                                     <p:cond delay="0"/>
                                   </p:stCondLst>
                                   <p:childTnLst>
                                     <p:animEffect transition="out" filter="fade">
                                       <p:cBhvr>
-                                        <p:cTn id="78" dur="500"/>
+                                        <p:cTn id="74" dur="500"/>
                                         <p:tgtEl>
                                           <p:spTgt spid="23"/>
                                         </p:tgtEl>
@@ -24250,7 +24214,7 @@
                                     </p:animEffect>
                                     <p:set>
                                       <p:cBhvr>
-                                        <p:cTn id="79" dur="1" fill="hold">
+                                        <p:cTn id="75" dur="1" fill="hold">
                                           <p:stCondLst>
                                             <p:cond delay="499"/>
                                           </p:stCondLst>
@@ -24272,30 +24236,21 @@
                             </p:childTnLst>
                           </p:cTn>
                         </p:par>
-                      </p:childTnLst>
-                    </p:cTn>
-                  </p:par>
-                  <p:par>
-                    <p:cTn id="80" fill="hold">
-                      <p:stCondLst>
-                        <p:cond delay="indefinite"/>
-                      </p:stCondLst>
-                      <p:childTnLst>
                         <p:par>
-                          <p:cTn id="81" fill="hold">
+                          <p:cTn id="76" fill="hold">
                             <p:stCondLst>
-                              <p:cond delay="0"/>
+                              <p:cond delay="500"/>
                             </p:stCondLst>
                             <p:childTnLst>
                               <p:par>
-                                <p:cTn id="82" presetID="35" presetClass="path" presetSubtype="0" accel="50000" decel="50000" fill="hold" nodeType="clickEffect">
+                                <p:cTn id="77" presetID="35" presetClass="path" presetSubtype="0" accel="50000" decel="50000" fill="hold" nodeType="afterEffect">
                                   <p:stCondLst>
                                     <p:cond delay="0"/>
                                   </p:stCondLst>
                                   <p:childTnLst>
                                     <p:animMotion origin="layout" path="M 4.44444E-6 -1.11111E-6 L -0.58073 -1.11111E-6 " pathEditMode="relative" rAng="0" ptsTypes="AA">
                                       <p:cBhvr>
-                                        <p:cTn id="83" dur="1000" fill="hold"/>
+                                        <p:cTn id="78" dur="1000" fill="hold"/>
                                         <p:tgtEl>
                                           <p:spTgt spid="7"/>
                                         </p:tgtEl>
@@ -24316,26 +24271,26 @@
                     </p:cTn>
                   </p:par>
                   <p:par>
-                    <p:cTn id="84" fill="hold">
+                    <p:cTn id="79" fill="hold">
                       <p:stCondLst>
                         <p:cond delay="indefinite"/>
                       </p:stCondLst>
                       <p:childTnLst>
                         <p:par>
-                          <p:cTn id="85" fill="hold">
+                          <p:cTn id="80" fill="hold">
                             <p:stCondLst>
                               <p:cond delay="0"/>
                             </p:stCondLst>
                             <p:childTnLst>
                               <p:par>
-                                <p:cTn id="86" presetID="2" presetClass="entr" presetSubtype="8" fill="hold" nodeType="clickEffect">
+                                <p:cTn id="81" presetID="2" presetClass="entr" presetSubtype="8" fill="hold" nodeType="clickEffect">
                                   <p:stCondLst>
                                     <p:cond delay="0"/>
                                   </p:stCondLst>
                                   <p:childTnLst>
                                     <p:set>
                                       <p:cBhvr>
-                                        <p:cTn id="87" dur="1" fill="hold">
+                                        <p:cTn id="82" dur="1" fill="hold">
                                           <p:stCondLst>
                                             <p:cond delay="0"/>
                                           </p:stCondLst>
@@ -24353,7 +24308,7 @@
                                     </p:set>
                                     <p:anim calcmode="lin" valueType="num">
                                       <p:cBhvr additive="base">
-                                        <p:cTn id="88" dur="500" fill="hold"/>
+                                        <p:cTn id="83" dur="500" fill="hold"/>
                                         <p:tgtEl>
                                           <p:spTgt spid="5"/>
                                         </p:tgtEl>
@@ -24376,9 +24331,91 @@
                                     </p:anim>
                                     <p:anim calcmode="lin" valueType="num">
                                       <p:cBhvr additive="base">
+                                        <p:cTn id="84" dur="500" fill="hold"/>
+                                        <p:tgtEl>
+                                          <p:spTgt spid="5"/>
+                                        </p:tgtEl>
+                                        <p:attrNameLst>
+                                          <p:attrName>ppt_y</p:attrName>
+                                        </p:attrNameLst>
+                                      </p:cBhvr>
+                                      <p:tavLst>
+                                        <p:tav tm="0">
+                                          <p:val>
+                                            <p:strVal val="#ppt_y"/>
+                                          </p:val>
+                                        </p:tav>
+                                        <p:tav tm="100000">
+                                          <p:val>
+                                            <p:strVal val="#ppt_y"/>
+                                          </p:val>
+                                        </p:tav>
+                                      </p:tavLst>
+                                    </p:anim>
+                                  </p:childTnLst>
+                                </p:cTn>
+                              </p:par>
+                            </p:childTnLst>
+                          </p:cTn>
+                        </p:par>
+                        <p:par>
+                          <p:cTn id="85" fill="hold">
+                            <p:stCondLst>
+                              <p:cond delay="500"/>
+                            </p:stCondLst>
+                            <p:childTnLst>
+                              <p:par>
+                                <p:cTn id="86" presetID="2" presetClass="entr" presetSubtype="2" fill="hold" nodeType="afterEffect">
+                                  <p:stCondLst>
+                                    <p:cond delay="0"/>
+                                  </p:stCondLst>
+                                  <p:childTnLst>
+                                    <p:set>
+                                      <p:cBhvr>
+                                        <p:cTn id="87" dur="1" fill="hold">
+                                          <p:stCondLst>
+                                            <p:cond delay="0"/>
+                                          </p:stCondLst>
+                                        </p:cTn>
+                                        <p:tgtEl>
+                                          <p:spTgt spid="22"/>
+                                        </p:tgtEl>
+                                        <p:attrNameLst>
+                                          <p:attrName>style.visibility</p:attrName>
+                                        </p:attrNameLst>
+                                      </p:cBhvr>
+                                      <p:to>
+                                        <p:strVal val="visible"/>
+                                      </p:to>
+                                    </p:set>
+                                    <p:anim calcmode="lin" valueType="num">
+                                      <p:cBhvr additive="base">
+                                        <p:cTn id="88" dur="500" fill="hold"/>
+                                        <p:tgtEl>
+                                          <p:spTgt spid="22"/>
+                                        </p:tgtEl>
+                                        <p:attrNameLst>
+                                          <p:attrName>ppt_x</p:attrName>
+                                        </p:attrNameLst>
+                                      </p:cBhvr>
+                                      <p:tavLst>
+                                        <p:tav tm="0">
+                                          <p:val>
+                                            <p:strVal val="1+#ppt_w/2"/>
+                                          </p:val>
+                                        </p:tav>
+                                        <p:tav tm="100000">
+                                          <p:val>
+                                            <p:strVal val="#ppt_x"/>
+                                          </p:val>
+                                        </p:tav>
+                                      </p:tavLst>
+                                    </p:anim>
+                                    <p:anim calcmode="lin" valueType="num">
+                                      <p:cBhvr additive="base">
                                         <p:cTn id="89" dur="500" fill="hold"/>
                                         <p:tgtEl>
-                                          <p:spTgt spid="5"/>
+                                          <p:spTgt spid="22"/>
                                         </p:tgtEl>
                                         <p:attrNameLst>
                                           <p:attrName>ppt_y</p:attrName>
@@ -24419,75 +24456,46 @@
                             </p:stCondLst>
                             <p:childTnLst>
                               <p:par>
-                                <p:cTn id="92" presetID="2" presetClass="entr" presetSubtype="2" fill="hold" nodeType="clickEffect">
+                                <p:cTn id="92" presetID="35" presetClass="path" presetSubtype="0" accel="50000" decel="50000" fill="hold" nodeType="clickEffect">
                                   <p:stCondLst>
                                     <p:cond delay="0"/>
                                   </p:stCondLst>
                                   <p:childTnLst>
-                                    <p:set>
+                                    <p:animMotion origin="layout" path="M -0.31614 -1.48148E-6 L -0.47604 0.00255 " pathEditMode="relative" rAng="0" ptsTypes="AA">
                                       <p:cBhvr>
-                                        <p:cTn id="93" dur="1" fill="hold">
-                                          <p:stCondLst>
-                                            <p:cond delay="0"/>
-                                          </p:stCondLst>
-                                        </p:cTn>
+                                        <p:cTn id="93" dur="1000" fill="hold"/>
                                         <p:tgtEl>
-                                          <p:spTgt spid="22"/>
-                                        </p:tgtEl>
-                                        <p:attrNameLst>
-                                          <p:attrName>style.visibility</p:attrName>
-                                        </p:attrNameLst>
-                                      </p:cBhvr>
-                                      <p:to>
-                                        <p:strVal val="visible"/>
-                                      </p:to>
-                                    </p:set>
-                                    <p:anim calcmode="lin" valueType="num">
-                                      <p:cBhvr additive="base">
-                                        <p:cTn id="94" dur="500" fill="hold"/>
-                                        <p:tgtEl>
-                                          <p:spTgt spid="22"/>
+                                          <p:spTgt spid="30"/>
                                         </p:tgtEl>
                                         <p:attrNameLst>
                                           <p:attrName>ppt_x</p:attrName>
-                                        </p:attrNameLst>
-                                      </p:cBhvr>
-                                      <p:tavLst>
-                                        <p:tav tm="0">
-                                          <p:val>
-                                            <p:strVal val="1+#ppt_w/2"/>
-                                          </p:val>
-                                        </p:tav>
-                                        <p:tav tm="100000">
-                                          <p:val>
-                                            <p:strVal val="#ppt_x"/>
-                                          </p:val>
-                                        </p:tav>
-                                      </p:tavLst>
-                                    </p:anim>
-                                    <p:anim calcmode="lin" valueType="num">
-                                      <p:cBhvr additive="base">
-                                        <p:cTn id="95" dur="500" fill="hold"/>
-                                        <p:tgtEl>
-                                          <p:spTgt spid="22"/>
-                                        </p:tgtEl>
-                                        <p:attrNameLst>
                                           <p:attrName>ppt_y</p:attrName>
                                         </p:attrNameLst>
                                       </p:cBhvr>
-                                      <p:tavLst>
-                                        <p:tav tm="0">
-                                          <p:val>
-                                            <p:strVal val="#ppt_y"/>
-                                          </p:val>
-                                        </p:tav>
-                                        <p:tav tm="100000">
-                                          <p:val>
-                                            <p:strVal val="#ppt_y"/>
-                                          </p:val>
-                                        </p:tav>
-                                      </p:tavLst>
-                                    </p:anim>
+                                      <p:rCtr x="-7882" y="46"/>
+                                    </p:animMotion>
+                                  </p:childTnLst>
+                                </p:cTn>
+                              </p:par>
+                              <p:par>
+                                <p:cTn id="94" presetID="63" presetClass="path" presetSubtype="0" accel="50000" decel="50000" fill="hold" nodeType="withEffect">
+                                  <p:stCondLst>
+                                    <p:cond delay="0"/>
+                                  </p:stCondLst>
+                                  <p:childTnLst>
+                                    <p:animMotion origin="layout" path="M -0.62882 0.00255 L -0.46996 0.00231 " pathEditMode="relative" rAng="0" ptsTypes="AA">
+                                      <p:cBhvr>
+                                        <p:cTn id="95" dur="1000" fill="hold"/>
+                                        <p:tgtEl>
+                                          <p:spTgt spid="32"/>
+                                        </p:tgtEl>
+                                        <p:attrNameLst>
+                                          <p:attrName>ppt_x</p:attrName>
+                                          <p:attrName>ppt_y</p:attrName>
+                                        </p:attrNameLst>
+                                      </p:cBhvr>
+                                      <p:rCtr x="7865" y="-23"/>
+                                    </p:animMotion>
                                   </p:childTnLst>
                                 </p:cTn>
                               </p:par>
@@ -24510,76 +24518,14 @@
                             </p:stCondLst>
                             <p:childTnLst>
                               <p:par>
-                                <p:cTn id="98" presetID="35" presetClass="path" presetSubtype="0" accel="50000" decel="50000" fill="hold" nodeType="clickEffect">
-                                  <p:stCondLst>
-                                    <p:cond delay="0"/>
-                                  </p:stCondLst>
-                                  <p:childTnLst>
-                                    <p:animMotion origin="layout" path="M -0.31614 -1.48148E-6 L -0.47604 0.00255 " pathEditMode="relative" rAng="0" ptsTypes="AA">
-                                      <p:cBhvr>
-                                        <p:cTn id="99" dur="1000" fill="hold"/>
-                                        <p:tgtEl>
-                                          <p:spTgt spid="30"/>
-                                        </p:tgtEl>
-                                        <p:attrNameLst>
-                                          <p:attrName>ppt_x</p:attrName>
-                                          <p:attrName>ppt_y</p:attrName>
-                                        </p:attrNameLst>
-                                      </p:cBhvr>
-                                      <p:rCtr x="-7882" y="46"/>
-                                    </p:animMotion>
-                                  </p:childTnLst>
-                                </p:cTn>
-                              </p:par>
-                              <p:par>
-                                <p:cTn id="100" presetID="63" presetClass="path" presetSubtype="0" accel="50000" decel="50000" fill="hold" nodeType="withEffect">
-                                  <p:stCondLst>
-                                    <p:cond delay="0"/>
-                                  </p:stCondLst>
-                                  <p:childTnLst>
-                                    <p:animMotion origin="layout" path="M -0.62882 0.00255 L -0.46996 0.00231 " pathEditMode="relative" rAng="0" ptsTypes="AA">
-                                      <p:cBhvr>
-                                        <p:cTn id="101" dur="1000" fill="hold"/>
-                                        <p:tgtEl>
-                                          <p:spTgt spid="32"/>
-                                        </p:tgtEl>
-                                        <p:attrNameLst>
-                                          <p:attrName>ppt_x</p:attrName>
-                                          <p:attrName>ppt_y</p:attrName>
-                                        </p:attrNameLst>
-                                      </p:cBhvr>
-                                      <p:rCtr x="7865" y="-23"/>
-                                    </p:animMotion>
-                                  </p:childTnLst>
-                                </p:cTn>
-                              </p:par>
-                            </p:childTnLst>
-                          </p:cTn>
-                        </p:par>
-                      </p:childTnLst>
-                    </p:cTn>
-                  </p:par>
-                  <p:par>
-                    <p:cTn id="102" fill="hold">
-                      <p:stCondLst>
-                        <p:cond delay="indefinite"/>
-                      </p:stCondLst>
-                      <p:childTnLst>
-                        <p:par>
-                          <p:cTn id="103" fill="hold">
-                            <p:stCondLst>
-                              <p:cond delay="0"/>
-                            </p:stCondLst>
-                            <p:childTnLst>
-                              <p:par>
-                                <p:cTn id="104" presetID="2" presetClass="entr" presetSubtype="2" fill="hold" nodeType="clickEffect">
+                                <p:cTn id="98" presetID="2" presetClass="entr" presetSubtype="2" fill="hold" nodeType="clickEffect">
                                   <p:stCondLst>
                                     <p:cond delay="0"/>
                                   </p:stCondLst>
                                   <p:childTnLst>
                                     <p:set>
                                       <p:cBhvr>
-                                        <p:cTn id="105" dur="1" fill="hold">
+                                        <p:cTn id="99" dur="1" fill="hold">
                                           <p:stCondLst>
                                             <p:cond delay="0"/>
                                           </p:stCondLst>
@@ -24597,7 +24543,7 @@
                                     </p:set>
                                     <p:anim calcmode="lin" valueType="num">
                                       <p:cBhvr additive="base">
-                                        <p:cTn id="106" dur="500" fill="hold"/>
+                                        <p:cTn id="100" dur="500" fill="hold"/>
                                         <p:tgtEl>
                                           <p:spTgt spid="25"/>
                                         </p:tgtEl>
@@ -24620,7 +24566,7 @@
                                     </p:anim>
                                     <p:anim calcmode="lin" valueType="num">
                                       <p:cBhvr additive="base">
-                                        <p:cTn id="107" dur="500" fill="hold"/>
+                                        <p:cTn id="101" dur="500" fill="hold"/>
                                         <p:tgtEl>
                                           <p:spTgt spid="25"/>
                                         </p:tgtEl>
@@ -24647,30 +24593,21 @@
                             </p:childTnLst>
                           </p:cTn>
                         </p:par>
-                      </p:childTnLst>
-                    </p:cTn>
-                  </p:par>
-                  <p:par>
-                    <p:cTn id="108" fill="hold">
-                      <p:stCondLst>
-                        <p:cond delay="indefinite"/>
-                      </p:stCondLst>
-                      <p:childTnLst>
                         <p:par>
-                          <p:cTn id="109" fill="hold">
+                          <p:cTn id="102" fill="hold">
                             <p:stCondLst>
-                              <p:cond delay="0"/>
+                              <p:cond delay="500"/>
                             </p:stCondLst>
                             <p:childTnLst>
                               <p:par>
-                                <p:cTn id="110" presetID="2" presetClass="entr" presetSubtype="8" fill="hold" nodeType="clickEffect">
+                                <p:cTn id="103" presetID="2" presetClass="entr" presetSubtype="8" fill="hold" nodeType="afterEffect">
                                   <p:stCondLst>
                                     <p:cond delay="0"/>
                                   </p:stCondLst>
                                   <p:childTnLst>
                                     <p:set>
                                       <p:cBhvr>
-                                        <p:cTn id="111" dur="1" fill="hold">
+                                        <p:cTn id="104" dur="1" fill="hold">
                                           <p:stCondLst>
                                             <p:cond delay="0"/>
                                           </p:stCondLst>
@@ -24688,7 +24625,7 @@
                                     </p:set>
                                     <p:anim calcmode="lin" valueType="num">
                                       <p:cBhvr additive="base">
-                                        <p:cTn id="112" dur="500" fill="hold"/>
+                                        <p:cTn id="105" dur="500" fill="hold"/>
                                         <p:tgtEl>
                                           <p:spTgt spid="19"/>
                                         </p:tgtEl>
@@ -24711,7 +24648,7 @@
                                     </p:anim>
                                     <p:anim calcmode="lin" valueType="num">
                                       <p:cBhvr additive="base">
-                                        <p:cTn id="113" dur="500" fill="hold"/>
+                                        <p:cTn id="106" dur="500" fill="hold"/>
                                         <p:tgtEl>
                                           <p:spTgt spid="19"/>
                                         </p:tgtEl>
@@ -24742,26 +24679,26 @@
                     </p:cTn>
                   </p:par>
                   <p:par>
-                    <p:cTn id="114" fill="hold">
+                    <p:cTn id="107" fill="hold">
                       <p:stCondLst>
                         <p:cond delay="indefinite"/>
                       </p:stCondLst>
                       <p:childTnLst>
                         <p:par>
-                          <p:cTn id="115" fill="hold">
+                          <p:cTn id="108" fill="hold">
                             <p:stCondLst>
                               <p:cond delay="0"/>
                             </p:stCondLst>
                             <p:childTnLst>
                               <p:par>
-                                <p:cTn id="116" presetID="10" presetClass="exit" presetSubtype="0" fill="hold" nodeType="clickEffect">
+                                <p:cTn id="109" presetID="10" presetClass="exit" presetSubtype="0" fill="hold" nodeType="clickEffect">
                                   <p:stCondLst>
                                     <p:cond delay="0"/>
                                   </p:stCondLst>
                                   <p:childTnLst>
                                     <p:animEffect transition="out" filter="fade">
                                       <p:cBhvr>
-                                        <p:cTn id="117" dur="500"/>
+                                        <p:cTn id="110" dur="500"/>
                                         <p:tgtEl>
                                           <p:spTgt spid="5"/>
                                         </p:tgtEl>
@@ -24769,7 +24706,7 @@
                                     </p:animEffect>
                                     <p:set>
                                       <p:cBhvr>
-                                        <p:cTn id="118" dur="1" fill="hold">
+                                        <p:cTn id="111" dur="1" fill="hold">
                                           <p:stCondLst>
                                             <p:cond delay="499"/>
                                           </p:stCondLst>
@@ -24789,14 +24726,14 @@
                                 </p:cTn>
                               </p:par>
                               <p:par>
-                                <p:cTn id="119" presetID="10" presetClass="exit" presetSubtype="0" fill="hold" nodeType="withEffect">
+                                <p:cTn id="112" presetID="10" presetClass="exit" presetSubtype="0" fill="hold" nodeType="withEffect">
                                   <p:stCondLst>
                                     <p:cond delay="0"/>
                                   </p:stCondLst>
                                   <p:childTnLst>
                                     <p:animEffect transition="out" filter="fade">
                                       <p:cBhvr>
-                                        <p:cTn id="120" dur="500"/>
+                                        <p:cTn id="113" dur="500"/>
                                         <p:tgtEl>
                                           <p:spTgt spid="22"/>
                                         </p:tgtEl>
@@ -24804,7 +24741,7 @@
                                     </p:animEffect>
                                     <p:set>
                                       <p:cBhvr>
-                                        <p:cTn id="121" dur="1" fill="hold">
+                                        <p:cTn id="114" dur="1" fill="hold">
                                           <p:stCondLst>
                                             <p:cond delay="499"/>
                                           </p:stCondLst>
@@ -24824,14 +24761,14 @@
                                 </p:cTn>
                               </p:par>
                               <p:par>
-                                <p:cTn id="122" presetID="10" presetClass="exit" presetSubtype="0" fill="hold" nodeType="withEffect">
+                                <p:cTn id="115" presetID="10" presetClass="exit" presetSubtype="0" fill="hold" nodeType="withEffect">
                                   <p:stCondLst>
                                     <p:cond delay="0"/>
                                   </p:stCondLst>
                                   <p:childTnLst>
                                     <p:animEffect transition="out" filter="fade">
                                       <p:cBhvr>
-                                        <p:cTn id="123" dur="500"/>
+                                        <p:cTn id="116" dur="500"/>
                                         <p:tgtEl>
                                           <p:spTgt spid="25"/>
                                         </p:tgtEl>
@@ -24839,7 +24776,7 @@
                                     </p:animEffect>
                                     <p:set>
                                       <p:cBhvr>
-                                        <p:cTn id="124" dur="1" fill="hold">
+                                        <p:cTn id="117" dur="1" fill="hold">
                                           <p:stCondLst>
                                             <p:cond delay="499"/>
                                           </p:stCondLst>
@@ -24859,14 +24796,14 @@
                                 </p:cTn>
                               </p:par>
                               <p:par>
-                                <p:cTn id="125" presetID="10" presetClass="exit" presetSubtype="0" fill="hold" nodeType="withEffect">
+                                <p:cTn id="118" presetID="10" presetClass="exit" presetSubtype="0" fill="hold" nodeType="withEffect">
                                   <p:stCondLst>
                                     <p:cond delay="0"/>
                                   </p:stCondLst>
                                   <p:childTnLst>
                                     <p:animEffect transition="out" filter="fade">
                                       <p:cBhvr>
-                                        <p:cTn id="126" dur="500"/>
+                                        <p:cTn id="119" dur="500"/>
                                         <p:tgtEl>
                                           <p:spTgt spid="19"/>
                                         </p:tgtEl>
@@ -24874,7 +24811,7 @@
                                     </p:animEffect>
                                     <p:set>
                                       <p:cBhvr>
-                                        <p:cTn id="127" dur="1" fill="hold">
+                                        <p:cTn id="120" dur="1" fill="hold">
                                           <p:stCondLst>
                                             <p:cond delay="499"/>
                                           </p:stCondLst>
@@ -24897,20 +24834,20 @@
                           </p:cTn>
                         </p:par>
                         <p:par>
-                          <p:cTn id="128" fill="hold">
+                          <p:cTn id="121" fill="hold">
                             <p:stCondLst>
                               <p:cond delay="500"/>
                             </p:stCondLst>
                             <p:childTnLst>
                               <p:par>
-                                <p:cTn id="129" presetID="35" presetClass="path" presetSubtype="0" accel="50000" decel="50000" fill="hold" nodeType="afterEffect">
+                                <p:cTn id="122" presetID="35" presetClass="path" presetSubtype="0" accel="50000" decel="50000" fill="hold" nodeType="afterEffect">
                                   <p:stCondLst>
                                     <p:cond delay="0"/>
                                   </p:stCondLst>
                                   <p:childTnLst>
                                     <p:animMotion origin="layout" path="M -0.58073 -4.98733E-18 L -0.74566 -1.11111E-6 " pathEditMode="relative" rAng="0" ptsTypes="AA">
                                       <p:cBhvr>
-                                        <p:cTn id="130" dur="1000" fill="hold"/>
+                                        <p:cTn id="123" dur="250" fill="hold"/>
                                         <p:tgtEl>
                                           <p:spTgt spid="7"/>
                                         </p:tgtEl>
@@ -24924,33 +24861,15 @@
                                   </p:childTnLst>
                                 </p:cTn>
                               </p:par>
-                            </p:childTnLst>
-                          </p:cTn>
-                        </p:par>
-                      </p:childTnLst>
-                    </p:cTn>
-                  </p:par>
-                  <p:par>
-                    <p:cTn id="131" fill="hold">
-                      <p:stCondLst>
-                        <p:cond delay="indefinite"/>
-                      </p:stCondLst>
-                      <p:childTnLst>
-                        <p:par>
-                          <p:cTn id="132" fill="hold">
-                            <p:stCondLst>
-                              <p:cond delay="0"/>
-                            </p:stCondLst>
-                            <p:childTnLst>
                               <p:par>
-                                <p:cTn id="133" presetID="10" presetClass="entr" presetSubtype="0" fill="hold" nodeType="clickEffect">
+                                <p:cTn id="124" presetID="10" presetClass="entr" presetSubtype="0" fill="hold" nodeType="withEffect">
                                   <p:stCondLst>
                                     <p:cond delay="0"/>
                                   </p:stCondLst>
                                   <p:childTnLst>
                                     <p:set>
                                       <p:cBhvr>
-                                        <p:cTn id="134" dur="1" fill="hold">
+                                        <p:cTn id="125" dur="1" fill="hold">
                                           <p:stCondLst>
                                             <p:cond delay="0"/>
                                           </p:stCondLst>
@@ -24968,7 +24887,7 @@
                                     </p:set>
                                     <p:animEffect transition="in" filter="fade">
                                       <p:cBhvr>
-                                        <p:cTn id="135" dur="500"/>
+                                        <p:cTn id="126" dur="250"/>
                                         <p:tgtEl>
                                           <p:spTgt spid="11"/>
                                         </p:tgtEl>
@@ -24980,30 +24899,21 @@
                             </p:childTnLst>
                           </p:cTn>
                         </p:par>
-                      </p:childTnLst>
-                    </p:cTn>
-                  </p:par>
-                  <p:par>
-                    <p:cTn id="136" fill="hold">
-                      <p:stCondLst>
-                        <p:cond delay="indefinite"/>
-                      </p:stCondLst>
-                      <p:childTnLst>
                         <p:par>
-                          <p:cTn id="137" fill="hold">
+                          <p:cTn id="127" fill="hold">
                             <p:stCondLst>
-                              <p:cond delay="0"/>
+                              <p:cond delay="750"/>
                             </p:stCondLst>
                             <p:childTnLst>
                               <p:par>
-                                <p:cTn id="138" presetID="63" presetClass="path" presetSubtype="0" accel="50000" decel="50000" fill="hold" nodeType="clickEffect">
+                                <p:cTn id="128" presetID="63" presetClass="path" presetSubtype="0" accel="50000" decel="50000" fill="hold" nodeType="afterEffect">
                                   <p:stCondLst>
                                     <p:cond delay="0"/>
                                   </p:stCondLst>
                                   <p:childTnLst>
                                     <p:animMotion origin="layout" path="M -0.74566 -1.11111E-6 L -0.58073 -1.11111E-6 " pathEditMode="relative" rAng="0" ptsTypes="AA">
                                       <p:cBhvr>
-                                        <p:cTn id="139" dur="1000" fill="hold"/>
+                                        <p:cTn id="129" dur="250" fill="hold"/>
                                         <p:tgtEl>
                                           <p:spTgt spid="7"/>
                                         </p:tgtEl>
@@ -25018,14 +24928,14 @@
                                 </p:cTn>
                               </p:par>
                               <p:par>
-                                <p:cTn id="140" presetID="63" presetClass="path" presetSubtype="0" accel="50000" decel="50000" fill="hold" nodeType="withEffect">
+                                <p:cTn id="130" presetID="63" presetClass="path" presetSubtype="0" accel="50000" decel="50000" fill="hold" nodeType="withEffect">
                                   <p:stCondLst>
                                     <p:cond delay="0"/>
                                   </p:stCondLst>
                                   <p:childTnLst>
                                     <p:animMotion origin="layout" path="M -2.77778E-7 -1.11111E-6 L 0.28663 -1.11111E-6 " pathEditMode="relative" rAng="0" ptsTypes="AA">
                                       <p:cBhvr>
-                                        <p:cTn id="141" dur="1000" fill="hold"/>
+                                        <p:cTn id="131" dur="250" fill="hold"/>
                                         <p:tgtEl>
                                           <p:spTgt spid="9"/>
                                         </p:tgtEl>
@@ -25035,6 +24945,112 @@
                                         </p:attrNameLst>
                                       </p:cBhvr>
                                       <p:rCtr x="14340" y="0"/>
+                                    </p:animMotion>
+                                  </p:childTnLst>
+                                </p:cTn>
+                              </p:par>
+                            </p:childTnLst>
+                          </p:cTn>
+                        </p:par>
+                        <p:par>
+                          <p:cTn id="132" fill="hold">
+                            <p:stCondLst>
+                              <p:cond delay="1000"/>
+                            </p:stCondLst>
+                            <p:childTnLst>
+                              <p:par>
+                                <p:cTn id="133" presetID="10" presetClass="entr" presetSubtype="0" fill="hold" nodeType="afterEffect">
+                                  <p:stCondLst>
+                                    <p:cond delay="0"/>
+                                  </p:stCondLst>
+                                  <p:childTnLst>
+                                    <p:set>
+                                      <p:cBhvr>
+                                        <p:cTn id="134" dur="1" fill="hold">
+                                          <p:stCondLst>
+                                            <p:cond delay="0"/>
+                                          </p:stCondLst>
+                                        </p:cTn>
+                                        <p:tgtEl>
+                                          <p:spTgt spid="31"/>
+                                        </p:tgtEl>
+                                        <p:attrNameLst>
+                                          <p:attrName>style.visibility</p:attrName>
+                                        </p:attrNameLst>
+                                      </p:cBhvr>
+                                      <p:to>
+                                        <p:strVal val="visible"/>
+                                      </p:to>
+                                    </p:set>
+                                    <p:animEffect transition="in" filter="fade">
+                                      <p:cBhvr>
+                                        <p:cTn id="135" dur="250"/>
+                                        <p:tgtEl>
+                                          <p:spTgt spid="31"/>
+                                        </p:tgtEl>
+                                      </p:cBhvr>
+                                    </p:animEffect>
+                                  </p:childTnLst>
+                                </p:cTn>
+                              </p:par>
+                            </p:childTnLst>
+                          </p:cTn>
+                        </p:par>
+                        <p:par>
+                          <p:cTn id="136" fill="hold">
+                            <p:stCondLst>
+                              <p:cond delay="1250"/>
+                            </p:stCondLst>
+                            <p:childTnLst>
+                              <p:par>
+                                <p:cTn id="137" presetID="63" presetClass="path" presetSubtype="0" accel="50000" decel="50000" fill="hold" nodeType="afterEffect">
+                                  <p:stCondLst>
+                                    <p:cond delay="0"/>
+                                  </p:stCondLst>
+                                  <p:childTnLst>
+                                    <p:animMotion origin="layout" path="M -0.58073 -1.11111E-6 L 3.88889E-6 -1.11111E-6 " pathEditMode="relative" rAng="0" ptsTypes="AA">
+                                      <p:cBhvr>
+                                        <p:cTn id="138" dur="250" fill="hold"/>
+                                        <p:tgtEl>
+                                          <p:spTgt spid="7"/>
+                                        </p:tgtEl>
+                                        <p:attrNameLst>
+                                          <p:attrName>ppt_x</p:attrName>
+                                          <p:attrName>ppt_y</p:attrName>
+                                        </p:attrNameLst>
+                                      </p:cBhvr>
+                                      <p:rCtr x="29149" y="0"/>
+                                    </p:animMotion>
+                                  </p:childTnLst>
+                                </p:cTn>
+                              </p:par>
+                            </p:childTnLst>
+                          </p:cTn>
+                        </p:par>
+                        <p:par>
+                          <p:cTn id="139" fill="hold">
+                            <p:stCondLst>
+                              <p:cond delay="1500"/>
+                            </p:stCondLst>
+                            <p:childTnLst>
+                              <p:par>
+                                <p:cTn id="140" presetID="63" presetClass="path" presetSubtype="0" accel="50000" decel="50000" fill="hold" nodeType="afterEffect">
+                                  <p:stCondLst>
+                                    <p:cond delay="0"/>
+                                  </p:stCondLst>
+                                  <p:childTnLst>
+                                    <p:animMotion origin="layout" path="M 0.28663 -4.98733E-18 L 0.44583 -1.11111E-6 " pathEditMode="relative" rAng="0" ptsTypes="AA">
+                                      <p:cBhvr>
+                                        <p:cTn id="141" dur="250" fill="hold"/>
+                                        <p:tgtEl>
+                                          <p:spTgt spid="9"/>
+                                        </p:tgtEl>
+                                        <p:attrNameLst>
+                                          <p:attrName>ppt_x</p:attrName>
+                                          <p:attrName>ppt_y</p:attrName>
+                                        </p:attrNameLst>
+                                      </p:cBhvr>
+                                      <p:rCtr x="7882" y="-69"/>
                                     </p:animMotion>
                                   </p:childTnLst>
                                 </p:cTn>
@@ -25058,7 +25074,7 @@
                             </p:stCondLst>
                             <p:childTnLst>
                               <p:par>
-                                <p:cTn id="144" presetID="10" presetClass="entr" presetSubtype="0" fill="hold" nodeType="clickEffect">
+                                <p:cTn id="144" presetID="2" presetClass="entr" presetSubtype="8" fill="hold" nodeType="clickEffect">
                                   <p:stCondLst>
                                     <p:cond delay="0"/>
                                   </p:stCondLst>
@@ -25066,121 +25082,6 @@
                                     <p:set>
                                       <p:cBhvr>
                                         <p:cTn id="145" dur="1" fill="hold">
-                                          <p:stCondLst>
-                                            <p:cond delay="0"/>
-                                          </p:stCondLst>
-                                        </p:cTn>
-                                        <p:tgtEl>
-                                          <p:spTgt spid="31"/>
-                                        </p:tgtEl>
-                                        <p:attrNameLst>
-                                          <p:attrName>style.visibility</p:attrName>
-                                        </p:attrNameLst>
-                                      </p:cBhvr>
-                                      <p:to>
-                                        <p:strVal val="visible"/>
-                                      </p:to>
-                                    </p:set>
-                                    <p:animEffect transition="in" filter="fade">
-                                      <p:cBhvr>
-                                        <p:cTn id="146" dur="500"/>
-                                        <p:tgtEl>
-                                          <p:spTgt spid="31"/>
-                                        </p:tgtEl>
-                                      </p:cBhvr>
-                                    </p:animEffect>
-                                  </p:childTnLst>
-                                </p:cTn>
-                              </p:par>
-                            </p:childTnLst>
-                          </p:cTn>
-                        </p:par>
-                      </p:childTnLst>
-                    </p:cTn>
-                  </p:par>
-                  <p:par>
-                    <p:cTn id="147" fill="hold">
-                      <p:stCondLst>
-                        <p:cond delay="indefinite"/>
-                      </p:stCondLst>
-                      <p:childTnLst>
-                        <p:par>
-                          <p:cTn id="148" fill="hold">
-                            <p:stCondLst>
-                              <p:cond delay="0"/>
-                            </p:stCondLst>
-                            <p:childTnLst>
-                              <p:par>
-                                <p:cTn id="149" presetID="63" presetClass="path" presetSubtype="0" accel="50000" decel="50000" fill="hold" nodeType="clickEffect">
-                                  <p:stCondLst>
-                                    <p:cond delay="0"/>
-                                  </p:stCondLst>
-                                  <p:childTnLst>
-                                    <p:animMotion origin="layout" path="M -0.58073 -1.11111E-6 L 3.88889E-6 -1.11111E-6 " pathEditMode="relative" rAng="0" ptsTypes="AA">
-                                      <p:cBhvr>
-                                        <p:cTn id="150" dur="1000" fill="hold"/>
-                                        <p:tgtEl>
-                                          <p:spTgt spid="7"/>
-                                        </p:tgtEl>
-                                        <p:attrNameLst>
-                                          <p:attrName>ppt_x</p:attrName>
-                                          <p:attrName>ppt_y</p:attrName>
-                                        </p:attrNameLst>
-                                      </p:cBhvr>
-                                      <p:rCtr x="29149" y="0"/>
-                                    </p:animMotion>
-                                  </p:childTnLst>
-                                </p:cTn>
-                              </p:par>
-                              <p:par>
-                                <p:cTn id="151" presetID="63" presetClass="path" presetSubtype="0" accel="50000" decel="50000" fill="hold" nodeType="withEffect">
-                                  <p:stCondLst>
-                                    <p:cond delay="0"/>
-                                  </p:stCondLst>
-                                  <p:childTnLst>
-                                    <p:animMotion origin="layout" path="M 0.28663 -4.98733E-18 L 0.44583 -1.11111E-6 " pathEditMode="relative" rAng="0" ptsTypes="AA">
-                                      <p:cBhvr>
-                                        <p:cTn id="152" dur="1000" fill="hold"/>
-                                        <p:tgtEl>
-                                          <p:spTgt spid="9"/>
-                                        </p:tgtEl>
-                                        <p:attrNameLst>
-                                          <p:attrName>ppt_x</p:attrName>
-                                          <p:attrName>ppt_y</p:attrName>
-                                        </p:attrNameLst>
-                                      </p:cBhvr>
-                                      <p:rCtr x="7882" y="-69"/>
-                                    </p:animMotion>
-                                  </p:childTnLst>
-                                </p:cTn>
-                              </p:par>
-                            </p:childTnLst>
-                          </p:cTn>
-                        </p:par>
-                      </p:childTnLst>
-                    </p:cTn>
-                  </p:par>
-                  <p:par>
-                    <p:cTn id="153" fill="hold">
-                      <p:stCondLst>
-                        <p:cond delay="indefinite"/>
-                      </p:stCondLst>
-                      <p:childTnLst>
-                        <p:par>
-                          <p:cTn id="154" fill="hold">
-                            <p:stCondLst>
-                              <p:cond delay="0"/>
-                            </p:stCondLst>
-                            <p:childTnLst>
-                              <p:par>
-                                <p:cTn id="155" presetID="2" presetClass="entr" presetSubtype="8" fill="hold" nodeType="clickEffect">
-                                  <p:stCondLst>
-                                    <p:cond delay="0"/>
-                                  </p:stCondLst>
-                                  <p:childTnLst>
-                                    <p:set>
-                                      <p:cBhvr>
-                                        <p:cTn id="156" dur="1" fill="hold">
                                           <p:stCondLst>
                                             <p:cond delay="0"/>
                                           </p:stCondLst>
@@ -25198,7 +25099,7 @@
                                     </p:set>
                                     <p:anim calcmode="lin" valueType="num">
                                       <p:cBhvr additive="base">
-                                        <p:cTn id="157" dur="500" fill="hold"/>
+                                        <p:cTn id="146" dur="250" fill="hold"/>
                                         <p:tgtEl>
                                           <p:spTgt spid="23"/>
                                         </p:tgtEl>
@@ -25221,7 +25122,7 @@
                                     </p:anim>
                                     <p:anim calcmode="lin" valueType="num">
                                       <p:cBhvr additive="base">
-                                        <p:cTn id="158" dur="500" fill="hold"/>
+                                        <p:cTn id="147" dur="250" fill="hold"/>
                                         <p:tgtEl>
                                           <p:spTgt spid="23"/>
                                         </p:tgtEl>
@@ -25248,30 +25149,21 @@
                             </p:childTnLst>
                           </p:cTn>
                         </p:par>
-                      </p:childTnLst>
-                    </p:cTn>
-                  </p:par>
-                  <p:par>
-                    <p:cTn id="159" fill="hold">
-                      <p:stCondLst>
-                        <p:cond delay="indefinite"/>
-                      </p:stCondLst>
-                      <p:childTnLst>
                         <p:par>
-                          <p:cTn id="160" fill="hold">
+                          <p:cTn id="148" fill="hold">
                             <p:stCondLst>
-                              <p:cond delay="0"/>
+                              <p:cond delay="250"/>
                             </p:stCondLst>
                             <p:childTnLst>
                               <p:par>
-                                <p:cTn id="161" presetID="2" presetClass="entr" presetSubtype="2" fill="hold" nodeType="clickEffect">
+                                <p:cTn id="149" presetID="2" presetClass="entr" presetSubtype="2" fill="hold" nodeType="afterEffect">
                                   <p:stCondLst>
                                     <p:cond delay="0"/>
                                   </p:stCondLst>
                                   <p:childTnLst>
                                     <p:set>
                                       <p:cBhvr>
-                                        <p:cTn id="162" dur="1" fill="hold">
+                                        <p:cTn id="150" dur="1" fill="hold">
                                           <p:stCondLst>
                                             <p:cond delay="0"/>
                                           </p:stCondLst>
@@ -25289,7 +25181,7 @@
                                     </p:set>
                                     <p:anim calcmode="lin" valueType="num">
                                       <p:cBhvr additive="base">
-                                        <p:cTn id="163" dur="500" fill="hold"/>
+                                        <p:cTn id="151" dur="250" fill="hold"/>
                                         <p:tgtEl>
                                           <p:spTgt spid="3"/>
                                         </p:tgtEl>
@@ -25312,7 +25204,7 @@
                                     </p:anim>
                                     <p:anim calcmode="lin" valueType="num">
                                       <p:cBhvr additive="base">
-                                        <p:cTn id="164" dur="500" fill="hold"/>
+                                        <p:cTn id="152" dur="250" fill="hold"/>
                                         <p:tgtEl>
                                           <p:spTgt spid="3"/>
                                         </p:tgtEl>
@@ -25339,30 +25231,21 @@
                             </p:childTnLst>
                           </p:cTn>
                         </p:par>
-                      </p:childTnLst>
-                    </p:cTn>
-                  </p:par>
-                  <p:par>
-                    <p:cTn id="165" fill="hold">
-                      <p:stCondLst>
-                        <p:cond delay="indefinite"/>
-                      </p:stCondLst>
-                      <p:childTnLst>
                         <p:par>
-                          <p:cTn id="166" fill="hold">
+                          <p:cTn id="153" fill="hold">
                             <p:stCondLst>
-                              <p:cond delay="0"/>
+                              <p:cond delay="500"/>
                             </p:stCondLst>
                             <p:childTnLst>
                               <p:par>
-                                <p:cTn id="167" presetID="35" presetClass="path" presetSubtype="0" accel="50000" decel="50000" fill="hold" nodeType="clickEffect">
+                                <p:cTn id="154" presetID="35" presetClass="path" presetSubtype="0" accel="50000" decel="50000" fill="hold" nodeType="afterEffect">
                                   <p:stCondLst>
                                     <p:cond delay="0"/>
                                   </p:stCondLst>
                                   <p:childTnLst>
                                     <p:animMotion origin="layout" path="M 0.63125 2.59259E-6 L 0.31632 2.59259E-6 " pathEditMode="relative" rAng="0" ptsTypes="AA">
                                       <p:cBhvr>
-                                        <p:cTn id="168" dur="1000" fill="hold"/>
+                                        <p:cTn id="155" dur="400" fill="hold"/>
                                         <p:tgtEl>
                                           <p:spTgt spid="34"/>
                                         </p:tgtEl>
@@ -25377,14 +25260,14 @@
                                 </p:cTn>
                               </p:par>
                               <p:par>
-                                <p:cTn id="169" presetID="63" presetClass="path" presetSubtype="0" accel="50000" decel="50000" fill="hold" nodeType="withEffect">
+                                <p:cTn id="156" presetID="63" presetClass="path" presetSubtype="0" accel="50000" decel="50000" fill="hold" nodeType="withEffect">
                                   <p:stCondLst>
                                     <p:cond delay="0"/>
                                   </p:stCondLst>
                                   <p:childTnLst>
                                     <p:animMotion origin="layout" path="M 0 0 L 0.3125 -0.00139 " pathEditMode="relative" rAng="0" ptsTypes="AA">
                                       <p:cBhvr>
-                                        <p:cTn id="170" dur="1000" fill="hold"/>
+                                        <p:cTn id="157" dur="400" fill="hold"/>
                                         <p:tgtEl>
                                           <p:spTgt spid="38"/>
                                         </p:tgtEl>
@@ -25401,30 +25284,21 @@
                             </p:childTnLst>
                           </p:cTn>
                         </p:par>
-                      </p:childTnLst>
-                    </p:cTn>
-                  </p:par>
-                  <p:par>
-                    <p:cTn id="171" fill="hold">
-                      <p:stCondLst>
-                        <p:cond delay="indefinite"/>
-                      </p:stCondLst>
-                      <p:childTnLst>
                         <p:par>
-                          <p:cTn id="172" fill="hold">
+                          <p:cTn id="158" fill="hold">
                             <p:stCondLst>
-                              <p:cond delay="0"/>
+                              <p:cond delay="900"/>
                             </p:stCondLst>
                             <p:childTnLst>
                               <p:par>
-                                <p:cTn id="173" presetID="2" presetClass="entr" presetSubtype="8" fill="hold" nodeType="clickEffect">
+                                <p:cTn id="159" presetID="2" presetClass="entr" presetSubtype="8" fill="hold" nodeType="afterEffect">
                                   <p:stCondLst>
                                     <p:cond delay="0"/>
                                   </p:stCondLst>
                                   <p:childTnLst>
                                     <p:set>
                                       <p:cBhvr>
-                                        <p:cTn id="174" dur="1" fill="hold">
+                                        <p:cTn id="160" dur="1" fill="hold">
                                           <p:stCondLst>
                                             <p:cond delay="0"/>
                                           </p:stCondLst>
@@ -25442,7 +25316,7 @@
                                     </p:set>
                                     <p:anim calcmode="lin" valueType="num">
                                       <p:cBhvr additive="base">
-                                        <p:cTn id="175" dur="500" fill="hold"/>
+                                        <p:cTn id="161" dur="400" fill="hold"/>
                                         <p:tgtEl>
                                           <p:spTgt spid="33"/>
                                         </p:tgtEl>
@@ -25465,7 +25339,7 @@
                                     </p:anim>
                                     <p:anim calcmode="lin" valueType="num">
                                       <p:cBhvr additive="base">
-                                        <p:cTn id="176" dur="500" fill="hold"/>
+                                        <p:cTn id="162" dur="400" fill="hold"/>
                                         <p:tgtEl>
                                           <p:spTgt spid="33"/>
                                         </p:tgtEl>
@@ -25492,30 +25366,21 @@
                             </p:childTnLst>
                           </p:cTn>
                         </p:par>
-                      </p:childTnLst>
-                    </p:cTn>
-                  </p:par>
-                  <p:par>
-                    <p:cTn id="177" fill="hold">
-                      <p:stCondLst>
-                        <p:cond delay="indefinite"/>
-                      </p:stCondLst>
-                      <p:childTnLst>
                         <p:par>
-                          <p:cTn id="178" fill="hold">
+                          <p:cTn id="163" fill="hold">
                             <p:stCondLst>
-                              <p:cond delay="0"/>
+                              <p:cond delay="1300"/>
                             </p:stCondLst>
                             <p:childTnLst>
                               <p:par>
-                                <p:cTn id="179" presetID="2" presetClass="entr" presetSubtype="8" fill="hold" nodeType="clickEffect">
+                                <p:cTn id="164" presetID="2" presetClass="entr" presetSubtype="8" fill="hold" nodeType="afterEffect">
                                   <p:stCondLst>
                                     <p:cond delay="0"/>
                                   </p:stCondLst>
                                   <p:childTnLst>
                                     <p:set>
                                       <p:cBhvr>
-                                        <p:cTn id="180" dur="1" fill="hold">
+                                        <p:cTn id="165" dur="1" fill="hold">
                                           <p:stCondLst>
                                             <p:cond delay="0"/>
                                           </p:stCondLst>
@@ -25533,7 +25398,7 @@
                                     </p:set>
                                     <p:anim calcmode="lin" valueType="num">
                                       <p:cBhvr additive="base">
-                                        <p:cTn id="181" dur="500" fill="hold"/>
+                                        <p:cTn id="166" dur="400" fill="hold"/>
                                         <p:tgtEl>
                                           <p:spTgt spid="35"/>
                                         </p:tgtEl>
@@ -25556,7 +25421,7 @@
                                     </p:anim>
                                     <p:anim calcmode="lin" valueType="num">
                                       <p:cBhvr additive="base">
-                                        <p:cTn id="182" dur="500" fill="hold"/>
+                                        <p:cTn id="167" dur="400" fill="hold"/>
                                         <p:tgtEl>
                                           <p:spTgt spid="35"/>
                                         </p:tgtEl>
@@ -25583,30 +25448,21 @@
                             </p:childTnLst>
                           </p:cTn>
                         </p:par>
-                      </p:childTnLst>
-                    </p:cTn>
-                  </p:par>
-                  <p:par>
-                    <p:cTn id="183" fill="hold">
-                      <p:stCondLst>
-                        <p:cond delay="indefinite"/>
-                      </p:stCondLst>
-                      <p:childTnLst>
                         <p:par>
-                          <p:cTn id="184" fill="hold">
+                          <p:cTn id="168" fill="hold">
                             <p:stCondLst>
-                              <p:cond delay="0"/>
+                              <p:cond delay="1700"/>
                             </p:stCondLst>
                             <p:childTnLst>
                               <p:par>
-                                <p:cTn id="185" presetID="2" presetClass="entr" presetSubtype="2" fill="hold" nodeType="clickEffect">
+                                <p:cTn id="169" presetID="2" presetClass="entr" presetSubtype="2" fill="hold" nodeType="afterEffect">
                                   <p:stCondLst>
                                     <p:cond delay="0"/>
                                   </p:stCondLst>
                                   <p:childTnLst>
                                     <p:set>
                                       <p:cBhvr>
-                                        <p:cTn id="186" dur="1" fill="hold">
+                                        <p:cTn id="170" dur="1" fill="hold">
                                           <p:stCondLst>
                                             <p:cond delay="0"/>
                                           </p:stCondLst>
@@ -25624,7 +25480,7 @@
                                     </p:set>
                                     <p:anim calcmode="lin" valueType="num">
                                       <p:cBhvr additive="base">
-                                        <p:cTn id="187" dur="500" fill="hold"/>
+                                        <p:cTn id="171" dur="400" fill="hold"/>
                                         <p:tgtEl>
                                           <p:spTgt spid="20"/>
                                         </p:tgtEl>
@@ -25647,7 +25503,7 @@
                                     </p:anim>
                                     <p:anim calcmode="lin" valueType="num">
                                       <p:cBhvr additive="base">
-                                        <p:cTn id="188" dur="500" fill="hold"/>
+                                        <p:cTn id="172" dur="400" fill="hold"/>
                                         <p:tgtEl>
                                           <p:spTgt spid="20"/>
                                         </p:tgtEl>
@@ -25674,30 +25530,21 @@
                             </p:childTnLst>
                           </p:cTn>
                         </p:par>
-                      </p:childTnLst>
-                    </p:cTn>
-                  </p:par>
-                  <p:par>
-                    <p:cTn id="189" fill="hold">
-                      <p:stCondLst>
-                        <p:cond delay="indefinite"/>
-                      </p:stCondLst>
-                      <p:childTnLst>
                         <p:par>
-                          <p:cTn id="190" fill="hold">
+                          <p:cTn id="173" fill="hold">
                             <p:stCondLst>
-                              <p:cond delay="0"/>
+                              <p:cond delay="2100"/>
                             </p:stCondLst>
                             <p:childTnLst>
                               <p:par>
-                                <p:cTn id="191" presetID="10" presetClass="exit" presetSubtype="0" fill="hold" nodeType="clickEffect">
+                                <p:cTn id="174" presetID="10" presetClass="exit" presetSubtype="0" fill="hold" nodeType="afterEffect">
                                   <p:stCondLst>
                                     <p:cond delay="0"/>
                                   </p:stCondLst>
                                   <p:childTnLst>
                                     <p:animEffect transition="out" filter="fade">
                                       <p:cBhvr>
-                                        <p:cTn id="192" dur="500"/>
+                                        <p:cTn id="175" dur="400"/>
                                         <p:tgtEl>
                                           <p:spTgt spid="3"/>
                                         </p:tgtEl>
@@ -25705,9 +25552,9 @@
                                     </p:animEffect>
                                     <p:set>
                                       <p:cBhvr>
-                                        <p:cTn id="193" dur="1" fill="hold">
+                                        <p:cTn id="176" dur="1" fill="hold">
                                           <p:stCondLst>
-                                            <p:cond delay="499"/>
+                                            <p:cond delay="399"/>
                                           </p:stCondLst>
                                         </p:cTn>
                                         <p:tgtEl>
@@ -25725,14 +25572,14 @@
                                 </p:cTn>
                               </p:par>
                               <p:par>
-                                <p:cTn id="194" presetID="10" presetClass="exit" presetSubtype="0" fill="hold" nodeType="withEffect">
+                                <p:cTn id="177" presetID="10" presetClass="exit" presetSubtype="0" fill="hold" nodeType="withEffect">
                                   <p:stCondLst>
                                     <p:cond delay="0"/>
                                   </p:stCondLst>
                                   <p:childTnLst>
                                     <p:animEffect transition="out" filter="fade">
                                       <p:cBhvr>
-                                        <p:cTn id="195" dur="500"/>
+                                        <p:cTn id="178" dur="400"/>
                                         <p:tgtEl>
                                           <p:spTgt spid="35"/>
                                         </p:tgtEl>
@@ -25740,9 +25587,9 @@
                                     </p:animEffect>
                                     <p:set>
                                       <p:cBhvr>
-                                        <p:cTn id="196" dur="1" fill="hold">
+                                        <p:cTn id="179" dur="1" fill="hold">
                                           <p:stCondLst>
-                                            <p:cond delay="499"/>
+                                            <p:cond delay="399"/>
                                           </p:stCondLst>
                                         </p:cTn>
                                         <p:tgtEl>
@@ -25760,14 +25607,14 @@
                                 </p:cTn>
                               </p:par>
                               <p:par>
-                                <p:cTn id="197" presetID="10" presetClass="exit" presetSubtype="0" fill="hold" nodeType="withEffect">
+                                <p:cTn id="180" presetID="10" presetClass="exit" presetSubtype="0" fill="hold" nodeType="withEffect">
                                   <p:stCondLst>
                                     <p:cond delay="0"/>
                                   </p:stCondLst>
                                   <p:childTnLst>
                                     <p:animEffect transition="out" filter="fade">
                                       <p:cBhvr>
-                                        <p:cTn id="198" dur="500"/>
+                                        <p:cTn id="181" dur="400"/>
                                         <p:tgtEl>
                                           <p:spTgt spid="33"/>
                                         </p:tgtEl>
@@ -25775,9 +25622,9 @@
                                     </p:animEffect>
                                     <p:set>
                                       <p:cBhvr>
-                                        <p:cTn id="199" dur="1" fill="hold">
+                                        <p:cTn id="182" dur="1" fill="hold">
                                           <p:stCondLst>
-                                            <p:cond delay="499"/>
+                                            <p:cond delay="399"/>
                                           </p:stCondLst>
                                         </p:cTn>
                                         <p:tgtEl>
@@ -25795,14 +25642,14 @@
                                 </p:cTn>
                               </p:par>
                               <p:par>
-                                <p:cTn id="200" presetID="10" presetClass="exit" presetSubtype="0" fill="hold" nodeType="withEffect">
+                                <p:cTn id="183" presetID="10" presetClass="exit" presetSubtype="0" fill="hold" nodeType="withEffect">
                                   <p:stCondLst>
                                     <p:cond delay="0"/>
                                   </p:stCondLst>
                                   <p:childTnLst>
                                     <p:animEffect transition="out" filter="fade">
                                       <p:cBhvr>
-                                        <p:cTn id="201" dur="500"/>
+                                        <p:cTn id="184" dur="400"/>
                                         <p:tgtEl>
                                           <p:spTgt spid="23"/>
                                         </p:tgtEl>
@@ -25810,9 +25657,9 @@
                                     </p:animEffect>
                                     <p:set>
                                       <p:cBhvr>
-                                        <p:cTn id="202" dur="1" fill="hold">
+                                        <p:cTn id="185" dur="1" fill="hold">
                                           <p:stCondLst>
-                                            <p:cond delay="499"/>
+                                            <p:cond delay="399"/>
                                           </p:stCondLst>
                                         </p:cTn>
                                         <p:tgtEl>
@@ -25830,14 +25677,14 @@
                                 </p:cTn>
                               </p:par>
                               <p:par>
-                                <p:cTn id="203" presetID="10" presetClass="exit" presetSubtype="0" fill="hold" nodeType="withEffect">
+                                <p:cTn id="186" presetID="10" presetClass="exit" presetSubtype="0" fill="hold" nodeType="withEffect">
                                   <p:stCondLst>
                                     <p:cond delay="0"/>
                                   </p:stCondLst>
                                   <p:childTnLst>
                                     <p:animEffect transition="out" filter="fade">
                                       <p:cBhvr>
-                                        <p:cTn id="204" dur="500"/>
+                                        <p:cTn id="187" dur="400"/>
                                         <p:tgtEl>
                                           <p:spTgt spid="3"/>
                                         </p:tgtEl>
@@ -25845,9 +25692,9 @@
                                     </p:animEffect>
                                     <p:set>
                                       <p:cBhvr>
-                                        <p:cTn id="205" dur="1" fill="hold">
+                                        <p:cTn id="188" dur="1" fill="hold">
                                           <p:stCondLst>
-                                            <p:cond delay="499"/>
+                                            <p:cond delay="399"/>
                                           </p:stCondLst>
                                         </p:cTn>
                                         <p:tgtEl>
@@ -25865,14 +25712,14 @@
                                 </p:cTn>
                               </p:par>
                               <p:par>
-                                <p:cTn id="206" presetID="10" presetClass="exit" presetSubtype="0" fill="hold" nodeType="withEffect">
+                                <p:cTn id="189" presetID="10" presetClass="exit" presetSubtype="0" fill="hold" nodeType="withEffect">
                                   <p:stCondLst>
                                     <p:cond delay="0"/>
                                   </p:stCondLst>
                                   <p:childTnLst>
                                     <p:animEffect transition="out" filter="fade">
                                       <p:cBhvr>
-                                        <p:cTn id="207" dur="500"/>
+                                        <p:cTn id="190" dur="400"/>
                                         <p:tgtEl>
                                           <p:spTgt spid="20"/>
                                         </p:tgtEl>
@@ -25880,9 +25727,9 @@
                                     </p:animEffect>
                                     <p:set>
                                       <p:cBhvr>
-                                        <p:cTn id="208" dur="1" fill="hold">
+                                        <p:cTn id="191" dur="1" fill="hold">
                                           <p:stCondLst>
-                                            <p:cond delay="499"/>
+                                            <p:cond delay="399"/>
                                           </p:stCondLst>
                                         </p:cTn>
                                         <p:tgtEl>
@@ -25902,30 +25749,21 @@
                             </p:childTnLst>
                           </p:cTn>
                         </p:par>
-                      </p:childTnLst>
-                    </p:cTn>
-                  </p:par>
-                  <p:par>
-                    <p:cTn id="209" fill="hold">
-                      <p:stCondLst>
-                        <p:cond delay="indefinite"/>
-                      </p:stCondLst>
-                      <p:childTnLst>
                         <p:par>
-                          <p:cTn id="210" fill="hold">
+                          <p:cTn id="192" fill="hold">
                             <p:stCondLst>
-                              <p:cond delay="0"/>
+                              <p:cond delay="2500"/>
                             </p:stCondLst>
                             <p:childTnLst>
                               <p:par>
-                                <p:cTn id="211" presetID="35" presetClass="path" presetSubtype="0" accel="50000" decel="50000" fill="hold" nodeType="clickEffect">
+                                <p:cTn id="193" presetID="35" presetClass="path" presetSubtype="0" accel="50000" decel="50000" fill="hold" nodeType="afterEffect">
                                   <p:stCondLst>
                                     <p:cond delay="0"/>
                                   </p:stCondLst>
                                   <p:childTnLst>
                                     <p:animMotion origin="layout" path="M 4.44444E-6 -1.11111E-6 L -0.27327 -1.11111E-6 " pathEditMode="relative" rAng="0" ptsTypes="AA">
                                       <p:cBhvr>
-                                        <p:cTn id="212" dur="1000" fill="hold"/>
+                                        <p:cTn id="194" dur="400" fill="hold"/>
                                         <p:tgtEl>
                                           <p:spTgt spid="7"/>
                                         </p:tgtEl>
@@ -25942,30 +25780,21 @@
                             </p:childTnLst>
                           </p:cTn>
                         </p:par>
-                      </p:childTnLst>
-                    </p:cTn>
-                  </p:par>
-                  <p:par>
-                    <p:cTn id="213" fill="hold">
-                      <p:stCondLst>
-                        <p:cond delay="indefinite"/>
-                      </p:stCondLst>
-                      <p:childTnLst>
                         <p:par>
-                          <p:cTn id="214" fill="hold">
+                          <p:cTn id="195" fill="hold">
                             <p:stCondLst>
-                              <p:cond delay="0"/>
+                              <p:cond delay="2900"/>
                             </p:stCondLst>
                             <p:childTnLst>
                               <p:par>
-                                <p:cTn id="215" presetID="2" presetClass="entr" presetSubtype="8" fill="hold" nodeType="clickEffect">
+                                <p:cTn id="196" presetID="2" presetClass="entr" presetSubtype="8" fill="hold" nodeType="afterEffect">
                                   <p:stCondLst>
                                     <p:cond delay="0"/>
                                   </p:stCondLst>
                                   <p:childTnLst>
                                     <p:set>
                                       <p:cBhvr>
-                                        <p:cTn id="216" dur="1" fill="hold">
+                                        <p:cTn id="197" dur="1" fill="hold">
                                           <p:stCondLst>
                                             <p:cond delay="0"/>
                                           </p:stCondLst>
@@ -25983,7 +25812,7 @@
                                     </p:set>
                                     <p:anim calcmode="lin" valueType="num">
                                       <p:cBhvr additive="base">
-                                        <p:cTn id="217" dur="500" fill="hold"/>
+                                        <p:cTn id="198" dur="400" fill="hold"/>
                                         <p:tgtEl>
                                           <p:spTgt spid="23"/>
                                         </p:tgtEl>
@@ -26006,7 +25835,7 @@
                                     </p:anim>
                                     <p:anim calcmode="lin" valueType="num">
                                       <p:cBhvr additive="base">
-                                        <p:cTn id="218" dur="500" fill="hold"/>
+                                        <p:cTn id="199" dur="400" fill="hold"/>
                                         <p:tgtEl>
                                           <p:spTgt spid="23"/>
                                         </p:tgtEl>
@@ -26033,30 +25862,21 @@
                             </p:childTnLst>
                           </p:cTn>
                         </p:par>
-                      </p:childTnLst>
-                    </p:cTn>
-                  </p:par>
-                  <p:par>
-                    <p:cTn id="219" fill="hold">
-                      <p:stCondLst>
-                        <p:cond delay="indefinite"/>
-                      </p:stCondLst>
-                      <p:childTnLst>
                         <p:par>
-                          <p:cTn id="220" fill="hold">
+                          <p:cTn id="200" fill="hold">
                             <p:stCondLst>
-                              <p:cond delay="0"/>
+                              <p:cond delay="3300"/>
                             </p:stCondLst>
                             <p:childTnLst>
                               <p:par>
-                                <p:cTn id="221" presetID="2" presetClass="entr" presetSubtype="8" fill="hold" nodeType="clickEffect">
+                                <p:cTn id="201" presetID="2" presetClass="entr" presetSubtype="8" fill="hold" nodeType="afterEffect">
                                   <p:stCondLst>
                                     <p:cond delay="0"/>
                                   </p:stCondLst>
                                   <p:childTnLst>
                                     <p:set>
                                       <p:cBhvr>
-                                        <p:cTn id="222" dur="1" fill="hold">
+                                        <p:cTn id="202" dur="1" fill="hold">
                                           <p:stCondLst>
                                             <p:cond delay="0"/>
                                           </p:stCondLst>
@@ -26074,7 +25894,7 @@
                                     </p:set>
                                     <p:anim calcmode="lin" valueType="num">
                                       <p:cBhvr additive="base">
-                                        <p:cTn id="223" dur="500" fill="hold"/>
+                                        <p:cTn id="203" dur="400" fill="hold"/>
                                         <p:tgtEl>
                                           <p:spTgt spid="33"/>
                                         </p:tgtEl>
@@ -26097,7 +25917,7 @@
                                     </p:anim>
                                     <p:anim calcmode="lin" valueType="num">
                                       <p:cBhvr additive="base">
-                                        <p:cTn id="224" dur="500" fill="hold"/>
+                                        <p:cTn id="204" dur="400" fill="hold"/>
                                         <p:tgtEl>
                                           <p:spTgt spid="33"/>
                                         </p:tgtEl>
@@ -26124,30 +25944,21 @@
                             </p:childTnLst>
                           </p:cTn>
                         </p:par>
-                      </p:childTnLst>
-                    </p:cTn>
-                  </p:par>
-                  <p:par>
-                    <p:cTn id="225" fill="hold">
-                      <p:stCondLst>
-                        <p:cond delay="indefinite"/>
-                      </p:stCondLst>
-                      <p:childTnLst>
                         <p:par>
-                          <p:cTn id="226" fill="hold">
+                          <p:cTn id="205" fill="hold">
                             <p:stCondLst>
-                              <p:cond delay="0"/>
+                              <p:cond delay="3700"/>
                             </p:stCondLst>
                             <p:childTnLst>
                               <p:par>
-                                <p:cTn id="227" presetID="2" presetClass="entr" presetSubtype="2" fill="hold" nodeType="clickEffect">
+                                <p:cTn id="206" presetID="2" presetClass="entr" presetSubtype="2" fill="hold" nodeType="afterEffect">
                                   <p:stCondLst>
                                     <p:cond delay="0"/>
                                   </p:stCondLst>
                                   <p:childTnLst>
                                     <p:set>
                                       <p:cBhvr>
-                                        <p:cTn id="228" dur="1" fill="hold">
+                                        <p:cTn id="207" dur="1" fill="hold">
                                           <p:stCondLst>
                                             <p:cond delay="0"/>
                                           </p:stCondLst>
@@ -26165,7 +25976,7 @@
                                     </p:set>
                                     <p:anim calcmode="lin" valueType="num">
                                       <p:cBhvr additive="base">
-                                        <p:cTn id="229" dur="500" fill="hold"/>
+                                        <p:cTn id="208" dur="400" fill="hold"/>
                                         <p:tgtEl>
                                           <p:spTgt spid="20"/>
                                         </p:tgtEl>
@@ -26188,7 +25999,7 @@
                                     </p:anim>
                                     <p:anim calcmode="lin" valueType="num">
                                       <p:cBhvr additive="base">
-                                        <p:cTn id="230" dur="500" fill="hold"/>
+                                        <p:cTn id="209" dur="400" fill="hold"/>
                                         <p:tgtEl>
                                           <p:spTgt spid="20"/>
                                         </p:tgtEl>
@@ -26215,30 +26026,21 @@
                             </p:childTnLst>
                           </p:cTn>
                         </p:par>
-                      </p:childTnLst>
-                    </p:cTn>
-                  </p:par>
-                  <p:par>
-                    <p:cTn id="231" fill="hold">
-                      <p:stCondLst>
-                        <p:cond delay="indefinite"/>
-                      </p:stCondLst>
-                      <p:childTnLst>
                         <p:par>
-                          <p:cTn id="232" fill="hold">
+                          <p:cTn id="210" fill="hold">
                             <p:stCondLst>
-                              <p:cond delay="0"/>
+                              <p:cond delay="4100"/>
                             </p:stCondLst>
                             <p:childTnLst>
                               <p:par>
-                                <p:cTn id="233" presetID="10" presetClass="exit" presetSubtype="0" fill="hold" nodeType="clickEffect">
+                                <p:cTn id="211" presetID="10" presetClass="exit" presetSubtype="0" fill="hold" nodeType="afterEffect">
                                   <p:stCondLst>
                                     <p:cond delay="0"/>
                                   </p:stCondLst>
                                   <p:childTnLst>
                                     <p:animEffect transition="out" filter="fade">
                                       <p:cBhvr>
-                                        <p:cTn id="234" dur="500"/>
+                                        <p:cTn id="212" dur="400"/>
                                         <p:tgtEl>
                                           <p:spTgt spid="20"/>
                                         </p:tgtEl>
@@ -26246,9 +26048,9 @@
                                     </p:animEffect>
                                     <p:set>
                                       <p:cBhvr>
-                                        <p:cTn id="235" dur="1" fill="hold">
+                                        <p:cTn id="213" dur="1" fill="hold">
                                           <p:stCondLst>
-                                            <p:cond delay="499"/>
+                                            <p:cond delay="399"/>
                                           </p:stCondLst>
                                         </p:cTn>
                                         <p:tgtEl>
@@ -26266,14 +26068,14 @@
                                 </p:cTn>
                               </p:par>
                               <p:par>
-                                <p:cTn id="236" presetID="10" presetClass="exit" presetSubtype="0" fill="hold" nodeType="withEffect">
+                                <p:cTn id="214" presetID="10" presetClass="exit" presetSubtype="0" fill="hold" nodeType="withEffect">
                                   <p:stCondLst>
                                     <p:cond delay="0"/>
                                   </p:stCondLst>
                                   <p:childTnLst>
                                     <p:animEffect transition="out" filter="fade">
                                       <p:cBhvr>
-                                        <p:cTn id="237" dur="500"/>
+                                        <p:cTn id="215" dur="400"/>
                                         <p:tgtEl>
                                           <p:spTgt spid="23"/>
                                         </p:tgtEl>
@@ -26281,9 +26083,9 @@
                                     </p:animEffect>
                                     <p:set>
                                       <p:cBhvr>
-                                        <p:cTn id="238" dur="1" fill="hold">
+                                        <p:cTn id="216" dur="1" fill="hold">
                                           <p:stCondLst>
-                                            <p:cond delay="499"/>
+                                            <p:cond delay="399"/>
                                           </p:stCondLst>
                                         </p:cTn>
                                         <p:tgtEl>
@@ -26301,14 +26103,14 @@
                                 </p:cTn>
                               </p:par>
                               <p:par>
-                                <p:cTn id="239" presetID="10" presetClass="exit" presetSubtype="0" fill="hold" nodeType="withEffect">
+                                <p:cTn id="217" presetID="10" presetClass="exit" presetSubtype="0" fill="hold" nodeType="withEffect">
                                   <p:stCondLst>
                                     <p:cond delay="0"/>
                                   </p:stCondLst>
                                   <p:childTnLst>
                                     <p:animEffect transition="out" filter="fade">
                                       <p:cBhvr>
-                                        <p:cTn id="240" dur="500"/>
+                                        <p:cTn id="218" dur="400"/>
                                         <p:tgtEl>
                                           <p:spTgt spid="33"/>
                                         </p:tgtEl>
@@ -26316,9 +26118,9 @@
                                     </p:animEffect>
                                     <p:set>
                                       <p:cBhvr>
-                                        <p:cTn id="241" dur="1" fill="hold">
+                                        <p:cTn id="219" dur="1" fill="hold">
                                           <p:stCondLst>
-                                            <p:cond delay="499"/>
+                                            <p:cond delay="399"/>
                                           </p:stCondLst>
                                         </p:cTn>
                                         <p:tgtEl>
@@ -26338,30 +26140,21 @@
                             </p:childTnLst>
                           </p:cTn>
                         </p:par>
-                      </p:childTnLst>
-                    </p:cTn>
-                  </p:par>
-                  <p:par>
-                    <p:cTn id="242" fill="hold">
-                      <p:stCondLst>
-                        <p:cond delay="indefinite"/>
-                      </p:stCondLst>
-                      <p:childTnLst>
                         <p:par>
-                          <p:cTn id="243" fill="hold">
+                          <p:cTn id="220" fill="hold">
                             <p:stCondLst>
-                              <p:cond delay="0"/>
+                              <p:cond delay="4500"/>
                             </p:stCondLst>
                             <p:childTnLst>
                               <p:par>
-                                <p:cTn id="244" presetID="35" presetClass="path" presetSubtype="0" accel="50000" decel="50000" fill="hold" nodeType="clickEffect">
+                                <p:cTn id="221" presetID="35" presetClass="path" presetSubtype="0" accel="50000" decel="50000" fill="hold" nodeType="afterEffect">
                                   <p:stCondLst>
                                     <p:cond delay="0"/>
                                   </p:stCondLst>
                                   <p:childTnLst>
                                     <p:animMotion origin="layout" path="M -0.27327 -4.98733E-18 L -0.43073 -1.11111E-6 " pathEditMode="relative" rAng="0" ptsTypes="AA">
                                       <p:cBhvr>
-                                        <p:cTn id="245" dur="1000" fill="hold"/>
+                                        <p:cTn id="222" dur="400" fill="hold"/>
                                         <p:tgtEl>
                                           <p:spTgt spid="7"/>
                                         </p:tgtEl>
@@ -26378,30 +26171,21 @@
                             </p:childTnLst>
                           </p:cTn>
                         </p:par>
-                      </p:childTnLst>
-                    </p:cTn>
-                  </p:par>
-                  <p:par>
-                    <p:cTn id="246" fill="hold">
-                      <p:stCondLst>
-                        <p:cond delay="indefinite"/>
-                      </p:stCondLst>
-                      <p:childTnLst>
                         <p:par>
-                          <p:cTn id="247" fill="hold">
+                          <p:cTn id="223" fill="hold">
                             <p:stCondLst>
-                              <p:cond delay="0"/>
+                              <p:cond delay="4900"/>
                             </p:stCondLst>
                             <p:childTnLst>
                               <p:par>
-                                <p:cTn id="248" presetID="10" presetClass="entr" presetSubtype="0" fill="hold" nodeType="clickEffect">
+                                <p:cTn id="224" presetID="10" presetClass="entr" presetSubtype="0" fill="hold" nodeType="afterEffect">
                                   <p:stCondLst>
                                     <p:cond delay="0"/>
                                   </p:stCondLst>
                                   <p:childTnLst>
                                     <p:set>
                                       <p:cBhvr>
-                                        <p:cTn id="249" dur="1" fill="hold">
+                                        <p:cTn id="225" dur="1" fill="hold">
                                           <p:stCondLst>
                                             <p:cond delay="0"/>
                                           </p:stCondLst>
@@ -26419,7 +26203,7 @@
                                     </p:set>
                                     <p:animEffect transition="in" filter="fade">
                                       <p:cBhvr>
-                                        <p:cTn id="250" dur="500"/>
+                                        <p:cTn id="226" dur="400"/>
                                         <p:tgtEl>
                                           <p:spTgt spid="37"/>
                                         </p:tgtEl>
@@ -26431,30 +26215,21 @@
                             </p:childTnLst>
                           </p:cTn>
                         </p:par>
-                      </p:childTnLst>
-                    </p:cTn>
-                  </p:par>
-                  <p:par>
-                    <p:cTn id="251" fill="hold">
-                      <p:stCondLst>
-                        <p:cond delay="indefinite"/>
-                      </p:stCondLst>
-                      <p:childTnLst>
                         <p:par>
-                          <p:cTn id="252" fill="hold">
+                          <p:cTn id="227" fill="hold">
                             <p:stCondLst>
-                              <p:cond delay="0"/>
+                              <p:cond delay="5300"/>
                             </p:stCondLst>
                             <p:childTnLst>
                               <p:par>
-                                <p:cTn id="253" presetID="63" presetClass="path" presetSubtype="0" accel="50000" decel="50000" fill="hold" nodeType="clickEffect">
+                                <p:cTn id="228" presetID="63" presetClass="path" presetSubtype="0" accel="50000" decel="50000" fill="hold" nodeType="afterEffect">
                                   <p:stCondLst>
                                     <p:cond delay="0"/>
                                   </p:stCondLst>
                                   <p:childTnLst>
                                     <p:animMotion origin="layout" path="M -0.43073 -1.11111E-6 L -0.27326 -1.11111E-6 " pathEditMode="relative" rAng="0" ptsTypes="AA">
                                       <p:cBhvr>
-                                        <p:cTn id="254" dur="1000" fill="hold"/>
+                                        <p:cTn id="229" dur="400" fill="hold"/>
                                         <p:tgtEl>
                                           <p:spTgt spid="7"/>
                                         </p:tgtEl>
@@ -26468,15 +26243,24 @@
                                   </p:childTnLst>
                                 </p:cTn>
                               </p:par>
+                            </p:childTnLst>
+                          </p:cTn>
+                        </p:par>
+                        <p:par>
+                          <p:cTn id="230" fill="hold">
+                            <p:stCondLst>
+                              <p:cond delay="5700"/>
+                            </p:stCondLst>
+                            <p:childTnLst>
                               <p:par>
-                                <p:cTn id="255" presetID="63" presetClass="path" presetSubtype="0" accel="50000" decel="50000" fill="hold" nodeType="withEffect">
+                                <p:cTn id="231" presetID="63" presetClass="path" presetSubtype="0" accel="50000" decel="50000" fill="hold" nodeType="afterEffect">
                                   <p:stCondLst>
                                     <p:cond delay="0"/>
                                   </p:stCondLst>
                                   <p:childTnLst>
                                     <p:animMotion origin="layout" path="M 0.44584 -4.98733E-18 L 0.60486 0.00139 " pathEditMode="relative" rAng="0" ptsTypes="AA">
                                       <p:cBhvr>
-                                        <p:cTn id="256" dur="1000" fill="hold"/>
+                                        <p:cTn id="232" dur="400" fill="hold"/>
                                         <p:tgtEl>
                                           <p:spTgt spid="9"/>
                                         </p:tgtEl>
@@ -26493,30 +26277,21 @@
                             </p:childTnLst>
                           </p:cTn>
                         </p:par>
-                      </p:childTnLst>
-                    </p:cTn>
-                  </p:par>
-                  <p:par>
-                    <p:cTn id="257" fill="hold">
-                      <p:stCondLst>
-                        <p:cond delay="indefinite"/>
-                      </p:stCondLst>
-                      <p:childTnLst>
                         <p:par>
-                          <p:cTn id="258" fill="hold">
+                          <p:cTn id="233" fill="hold">
                             <p:stCondLst>
-                              <p:cond delay="0"/>
+                              <p:cond delay="6100"/>
                             </p:stCondLst>
                             <p:childTnLst>
                               <p:par>
-                                <p:cTn id="259" presetID="10" presetClass="entr" presetSubtype="0" fill="hold" nodeType="clickEffect">
+                                <p:cTn id="234" presetID="10" presetClass="entr" presetSubtype="0" fill="hold" nodeType="afterEffect">
                                   <p:stCondLst>
                                     <p:cond delay="0"/>
                                   </p:stCondLst>
                                   <p:childTnLst>
                                     <p:set>
                                       <p:cBhvr>
-                                        <p:cTn id="260" dur="1" fill="hold">
+                                        <p:cTn id="235" dur="1" fill="hold">
                                           <p:stCondLst>
                                             <p:cond delay="0"/>
                                           </p:stCondLst>
@@ -26534,7 +26309,7 @@
                                     </p:set>
                                     <p:animEffect transition="in" filter="fade">
                                       <p:cBhvr>
-                                        <p:cTn id="261" dur="500"/>
+                                        <p:cTn id="236" dur="400"/>
                                         <p:tgtEl>
                                           <p:spTgt spid="39"/>
                                         </p:tgtEl>
@@ -26546,30 +26321,21 @@
                             </p:childTnLst>
                           </p:cTn>
                         </p:par>
-                      </p:childTnLst>
-                    </p:cTn>
-                  </p:par>
-                  <p:par>
-                    <p:cTn id="262" fill="hold">
-                      <p:stCondLst>
-                        <p:cond delay="indefinite"/>
-                      </p:stCondLst>
-                      <p:childTnLst>
                         <p:par>
-                          <p:cTn id="263" fill="hold">
+                          <p:cTn id="237" fill="hold">
                             <p:stCondLst>
-                              <p:cond delay="0"/>
+                              <p:cond delay="6500"/>
                             </p:stCondLst>
                             <p:childTnLst>
                               <p:par>
-                                <p:cTn id="264" presetID="63" presetClass="path" presetSubtype="0" accel="50000" decel="50000" fill="hold" nodeType="clickEffect">
+                                <p:cTn id="238" presetID="63" presetClass="path" presetSubtype="0" accel="50000" decel="50000" fill="hold" nodeType="afterEffect">
                                   <p:stCondLst>
                                     <p:cond delay="0"/>
                                   </p:stCondLst>
                                   <p:childTnLst>
                                     <p:animMotion origin="layout" path="M -0.27327 -1.11111E-6 L -4.72222E-6 -1.11111E-6 " pathEditMode="relative" rAng="0" ptsTypes="AA">
                                       <p:cBhvr>
-                                        <p:cTn id="265" dur="1000" fill="hold"/>
+                                        <p:cTn id="239" dur="400" fill="hold"/>
                                         <p:tgtEl>
                                           <p:spTgt spid="7"/>
                                         </p:tgtEl>
@@ -26584,14 +26350,14 @@
                                 </p:cTn>
                               </p:par>
                               <p:par>
-                                <p:cTn id="266" presetID="63" presetClass="path" presetSubtype="0" accel="50000" decel="50000" fill="hold" nodeType="withEffect">
+                                <p:cTn id="240" presetID="63" presetClass="path" presetSubtype="0" accel="50000" decel="50000" fill="hold" nodeType="withEffect">
                                   <p:stCondLst>
                                     <p:cond delay="0"/>
                                   </p:stCondLst>
                                   <p:childTnLst>
                                     <p:animMotion origin="layout" path="M 0.60486 0.00139 L 0.76076 -1.11111E-6 " pathEditMode="relative" rAng="0" ptsTypes="AA">
                                       <p:cBhvr>
-                                        <p:cTn id="267" dur="1000" fill="hold"/>
+                                        <p:cTn id="241" dur="400" fill="hold"/>
                                         <p:tgtEl>
                                           <p:spTgt spid="9"/>
                                         </p:tgtEl>
@@ -26608,30 +26374,21 @@
                             </p:childTnLst>
                           </p:cTn>
                         </p:par>
-                      </p:childTnLst>
-                    </p:cTn>
-                  </p:par>
-                  <p:par>
-                    <p:cTn id="268" fill="hold">
-                      <p:stCondLst>
-                        <p:cond delay="indefinite"/>
-                      </p:stCondLst>
-                      <p:childTnLst>
                         <p:par>
-                          <p:cTn id="269" fill="hold">
+                          <p:cTn id="242" fill="hold">
                             <p:stCondLst>
-                              <p:cond delay="0"/>
+                              <p:cond delay="6900"/>
                             </p:stCondLst>
                             <p:childTnLst>
                               <p:par>
-                                <p:cTn id="270" presetID="10" presetClass="entr" presetSubtype="0" fill="hold" nodeType="clickEffect">
+                                <p:cTn id="243" presetID="10" presetClass="entr" presetSubtype="0" fill="hold" nodeType="afterEffect">
                                   <p:stCondLst>
                                     <p:cond delay="0"/>
                                   </p:stCondLst>
                                   <p:childTnLst>
                                     <p:set>
                                       <p:cBhvr>
-                                        <p:cTn id="271" dur="1" fill="hold">
+                                        <p:cTn id="244" dur="1" fill="hold">
                                           <p:stCondLst>
                                             <p:cond delay="0"/>
                                           </p:stCondLst>
@@ -26649,7 +26406,7 @@
                                     </p:set>
                                     <p:animEffect transition="in" filter="fade">
                                       <p:cBhvr>
-                                        <p:cTn id="272" dur="500"/>
+                                        <p:cTn id="245" dur="400"/>
                                         <p:tgtEl>
                                           <p:spTgt spid="40"/>
                                         </p:tgtEl>
@@ -26661,30 +26418,21 @@
                             </p:childTnLst>
                           </p:cTn>
                         </p:par>
-                      </p:childTnLst>
-                    </p:cTn>
-                  </p:par>
-                  <p:par>
-                    <p:cTn id="273" fill="hold">
-                      <p:stCondLst>
-                        <p:cond delay="indefinite"/>
-                      </p:stCondLst>
-                      <p:childTnLst>
                         <p:par>
-                          <p:cTn id="274" fill="hold">
+                          <p:cTn id="246" fill="hold">
                             <p:stCondLst>
-                              <p:cond delay="0"/>
+                              <p:cond delay="7300"/>
                             </p:stCondLst>
                             <p:childTnLst>
                               <p:par>
-                                <p:cTn id="275" presetID="35" presetClass="path" presetSubtype="0" accel="50000" decel="50000" fill="hold" nodeType="clickEffect">
+                                <p:cTn id="247" presetID="35" presetClass="path" presetSubtype="0" accel="50000" decel="50000" fill="hold" nodeType="afterEffect">
                                   <p:stCondLst>
                                     <p:cond delay="0"/>
                                   </p:stCondLst>
                                   <p:childTnLst>
                                     <p:animMotion origin="layout" path="M 0.76076 -1.11111E-6 L -1.38889E-6 -4.98733E-18 " pathEditMode="relative" rAng="0" ptsTypes="AA">
                                       <p:cBhvr>
-                                        <p:cTn id="276" dur="1000" fill="hold"/>
+                                        <p:cTn id="248" dur="400" fill="hold"/>
                                         <p:tgtEl>
                                           <p:spTgt spid="9"/>
                                         </p:tgtEl>
@@ -26705,26 +26453,26 @@
                     </p:cTn>
                   </p:par>
                   <p:par>
-                    <p:cTn id="277" fill="hold">
+                    <p:cTn id="249" fill="hold">
                       <p:stCondLst>
                         <p:cond delay="indefinite"/>
                       </p:stCondLst>
                       <p:childTnLst>
                         <p:par>
-                          <p:cTn id="278" fill="hold">
+                          <p:cTn id="250" fill="hold">
                             <p:stCondLst>
                               <p:cond delay="0"/>
                             </p:stCondLst>
                             <p:childTnLst>
                               <p:par>
-                                <p:cTn id="279" presetID="10" presetClass="exit" presetSubtype="0" fill="hold" nodeType="clickEffect">
+                                <p:cTn id="251" presetID="10" presetClass="exit" presetSubtype="0" fill="hold" nodeType="clickEffect">
                                   <p:stCondLst>
                                     <p:cond delay="0"/>
                                   </p:stCondLst>
                                   <p:childTnLst>
                                     <p:animEffect transition="out" filter="fade">
                                       <p:cBhvr>
-                                        <p:cTn id="280" dur="500"/>
+                                        <p:cTn id="252" dur="500"/>
                                         <p:tgtEl>
                                           <p:spTgt spid="37"/>
                                         </p:tgtEl>
@@ -26732,7 +26480,7 @@
                                     </p:animEffect>
                                     <p:set>
                                       <p:cBhvr>
-                                        <p:cTn id="281" dur="1" fill="hold">
+                                        <p:cTn id="253" dur="1" fill="hold">
                                           <p:stCondLst>
                                             <p:cond delay="499"/>
                                           </p:stCondLst>
@@ -26752,14 +26500,14 @@
                                 </p:cTn>
                               </p:par>
                               <p:par>
-                                <p:cTn id="282" presetID="10" presetClass="exit" presetSubtype="0" fill="hold" nodeType="withEffect">
+                                <p:cTn id="254" presetID="10" presetClass="exit" presetSubtype="0" fill="hold" nodeType="withEffect">
                                   <p:stCondLst>
                                     <p:cond delay="0"/>
                                   </p:stCondLst>
                                   <p:childTnLst>
                                     <p:animEffect transition="out" filter="fade">
                                       <p:cBhvr>
-                                        <p:cTn id="283" dur="500"/>
+                                        <p:cTn id="255" dur="500"/>
                                         <p:tgtEl>
                                           <p:spTgt spid="31"/>
                                         </p:tgtEl>
@@ -26767,7 +26515,7 @@
                                     </p:animEffect>
                                     <p:set>
                                       <p:cBhvr>
-                                        <p:cTn id="284" dur="1" fill="hold">
+                                        <p:cTn id="256" dur="1" fill="hold">
                                           <p:stCondLst>
                                             <p:cond delay="499"/>
                                           </p:stCondLst>
@@ -26787,14 +26535,14 @@
                                 </p:cTn>
                               </p:par>
                               <p:par>
-                                <p:cTn id="285" presetID="10" presetClass="exit" presetSubtype="0" fill="hold" nodeType="withEffect">
+                                <p:cTn id="257" presetID="10" presetClass="exit" presetSubtype="0" fill="hold" nodeType="withEffect">
                                   <p:stCondLst>
                                     <p:cond delay="0"/>
                                   </p:stCondLst>
                                   <p:childTnLst>
                                     <p:animEffect transition="out" filter="fade">
                                       <p:cBhvr>
-                                        <p:cTn id="286" dur="500"/>
+                                        <p:cTn id="258" dur="500"/>
                                         <p:tgtEl>
                                           <p:spTgt spid="11"/>
                                         </p:tgtEl>
@@ -26802,7 +26550,7 @@
                                     </p:animEffect>
                                     <p:set>
                                       <p:cBhvr>
-                                        <p:cTn id="287" dur="1" fill="hold">
+                                        <p:cTn id="259" dur="1" fill="hold">
                                           <p:stCondLst>
                                             <p:cond delay="499"/>
                                           </p:stCondLst>
@@ -26822,14 +26570,14 @@
                                 </p:cTn>
                               </p:par>
                               <p:par>
-                                <p:cTn id="288" presetID="10" presetClass="exit" presetSubtype="0" fill="hold" nodeType="withEffect">
+                                <p:cTn id="260" presetID="10" presetClass="exit" presetSubtype="0" fill="hold" nodeType="withEffect">
                                   <p:stCondLst>
                                     <p:cond delay="0"/>
                                   </p:stCondLst>
                                   <p:childTnLst>
                                     <p:animEffect transition="out" filter="fade">
                                       <p:cBhvr>
-                                        <p:cTn id="289" dur="500"/>
+                                        <p:cTn id="261" dur="500"/>
                                         <p:tgtEl>
                                           <p:spTgt spid="39"/>
                                         </p:tgtEl>
@@ -26837,7 +26585,7 @@
                                     </p:animEffect>
                                     <p:set>
                                       <p:cBhvr>
-                                        <p:cTn id="290" dur="1" fill="hold">
+                                        <p:cTn id="262" dur="1" fill="hold">
                                           <p:stCondLst>
                                             <p:cond delay="499"/>
                                           </p:stCondLst>
@@ -26857,14 +26605,14 @@
                                 </p:cTn>
                               </p:par>
                               <p:par>
-                                <p:cTn id="291" presetID="10" presetClass="exit" presetSubtype="0" fill="hold" nodeType="withEffect">
+                                <p:cTn id="263" presetID="10" presetClass="exit" presetSubtype="0" fill="hold" nodeType="withEffect">
                                   <p:stCondLst>
                                     <p:cond delay="0"/>
                                   </p:stCondLst>
                                   <p:childTnLst>
                                     <p:animEffect transition="out" filter="fade">
                                       <p:cBhvr>
-                                        <p:cTn id="292" dur="500"/>
+                                        <p:cTn id="264" dur="500"/>
                                         <p:tgtEl>
                                           <p:spTgt spid="40"/>
                                         </p:tgtEl>
@@ -26872,7 +26620,7 @@
                                     </p:animEffect>
                                     <p:set>
                                       <p:cBhvr>
-                                        <p:cTn id="293" dur="1" fill="hold">
+                                        <p:cTn id="265" dur="1" fill="hold">
                                           <p:stCondLst>
                                             <p:cond delay="499"/>
                                           </p:stCondLst>
@@ -27000,15 +26748,7 @@
             </a:r>
             <a:r>
               <a:rPr lang="es-ES" dirty="0"/>
-              <a:t> El pivote elegido es siempre el primer elemento del array, luego se realizan n</a:t>
-            </a:r>
-            <a:r>
-              <a:rPr lang="es-ES" baseline="30000" dirty="0"/>
-              <a:t>2</a:t>
-            </a:r>
-            <a:r>
-              <a:rPr lang="es-ES" dirty="0"/>
-              <a:t> divisiones.</a:t>
+              <a:t> El pivote elegido es siempre el primer elemento del array, luego se realizan n divisiones.</a:t>
             </a:r>
           </a:p>
           <a:p>
@@ -30376,8 +30116,8 @@
         </p:nvSpPr>
         <p:spPr>
           <a:xfrm>
-            <a:off x="827584" y="1484198"/>
-            <a:ext cx="7748091" cy="3600986"/>
+            <a:off x="574675" y="1268760"/>
+            <a:ext cx="7813749" cy="5509200"/>
           </a:xfrm>
           <a:prstGeom prst="rect">
             <a:avLst/>
@@ -30389,99 +30129,102 @@
           </a:bodyPr>
           <a:lstStyle/>
           <a:p>
-            <a:pPr marL="342900" indent="-342900">
+            <a:pPr marL="342900" lvl="0" indent="-342900">
               <a:buFont typeface="Wingdings" panose="05000000000000000000" pitchFamily="2" charset="2"/>
               <a:buChar char="q"/>
             </a:pPr>
             <a:r>
-              <a:rPr lang="es-ES" sz="2000" dirty="0">
-                <a:latin typeface="+mn-lt"/>
-              </a:rPr>
-              <a:t>Los algoritmos lentos, de orden N^2, no pueden competir contra los rápidos, </a:t>
-            </a:r>
-            <a:r>
-              <a:rPr lang="es-ES" sz="2000" dirty="0" err="1">
-                <a:latin typeface="+mn-lt"/>
-              </a:rPr>
-              <a:t>NlogN</a:t>
-            </a:r>
-            <a:r>
-              <a:rPr lang="es-ES" sz="2000" dirty="0">
-                <a:latin typeface="+mn-lt"/>
-              </a:rPr>
-              <a:t>. Una comparación más justa sería </a:t>
-            </a:r>
-            <a:r>
-              <a:rPr lang="es-ES" sz="2000" dirty="0" err="1">
-                <a:latin typeface="+mn-lt"/>
-              </a:rPr>
+              <a:rPr lang="es-ES" dirty="0"/>
+              <a:t>Los algoritmos lentos, de orden n</a:t>
+            </a:r>
+            <a:r>
+              <a:rPr lang="es-ES" baseline="30000" dirty="0"/>
+              <a:t>2</a:t>
+            </a:r>
+            <a:r>
+              <a:rPr lang="es-ES" dirty="0"/>
+              <a:t>, no pueden competir contra los rápidos, de orden </a:t>
+            </a:r>
+            <a:r>
+              <a:rPr lang="es-ES" dirty="0" err="1"/>
+              <a:t>n·log</a:t>
+            </a:r>
+            <a:r>
+              <a:rPr lang="es-ES" dirty="0"/>
+              <a:t> n. Una comparación más justa sería </a:t>
+            </a:r>
+            <a:r>
+              <a:rPr lang="es-ES" dirty="0" err="1"/>
               <a:t>QuickSort</a:t>
             </a:r>
             <a:r>
-              <a:rPr lang="es-ES" sz="2000" dirty="0">
-                <a:latin typeface="+mn-lt"/>
-              </a:rPr>
+              <a:rPr lang="es-ES" dirty="0"/>
               <a:t> vs </a:t>
             </a:r>
             <a:r>
-              <a:rPr lang="es-ES" sz="2000" dirty="0" err="1">
-                <a:latin typeface="+mn-lt"/>
-              </a:rPr>
+              <a:rPr lang="es-ES" dirty="0" err="1"/>
               <a:t>Mergesort</a:t>
             </a:r>
             <a:r>
-              <a:rPr lang="es-ES" sz="2000" dirty="0">
-                <a:latin typeface="+mn-lt"/>
-              </a:rPr>
+              <a:rPr lang="es-ES" dirty="0"/>
               <a:t> o </a:t>
             </a:r>
             <a:r>
-              <a:rPr lang="es-ES" sz="2000" dirty="0" err="1">
-                <a:latin typeface="+mn-lt"/>
-              </a:rPr>
+              <a:rPr lang="es-ES" dirty="0" err="1"/>
               <a:t>Heapsort</a:t>
             </a:r>
             <a:r>
-              <a:rPr lang="es-ES" sz="2000" dirty="0">
-                <a:latin typeface="+mn-lt"/>
-              </a:rPr>
+              <a:rPr lang="es-ES" dirty="0"/>
               <a:t>.</a:t>
             </a:r>
           </a:p>
           <a:p>
-            <a:pPr marL="342900" indent="-342900">
+            <a:pPr marL="342900" lvl="0" indent="-342900">
               <a:buFont typeface="Wingdings" panose="05000000000000000000" pitchFamily="2" charset="2"/>
               <a:buChar char="q"/>
             </a:pPr>
             <a:r>
               <a:rPr lang="es-ES" dirty="0"/>
-              <a:t>Un fallo implementando el código es bastante difícil de detectar. Además, el orden de elementos idénticos variaría.</a:t>
-            </a:r>
-            <a:endParaRPr lang="es-ES" sz="2000" dirty="0">
-              <a:latin typeface="+mn-lt"/>
-            </a:endParaRPr>
-          </a:p>
-          <a:p>
-            <a:pPr marL="342900" indent="-342900">
+              <a:t>Selección es eficiente en vectores de poco tamaño.</a:t>
+            </a:r>
+          </a:p>
+          <a:p>
+            <a:pPr marL="342900" lvl="0" indent="-342900">
               <a:buFont typeface="Wingdings" panose="05000000000000000000" pitchFamily="2" charset="2"/>
               <a:buChar char="q"/>
             </a:pPr>
             <a:r>
-              <a:rPr lang="es-ES" sz="2000" dirty="0">
-                <a:latin typeface="+mn-lt"/>
-              </a:rPr>
-              <a:t>No merece la pena optimizar Selección.</a:t>
-            </a:r>
-          </a:p>
-          <a:p>
-            <a:pPr marL="342900" indent="-342900">
+              <a:rPr lang="es-ES" dirty="0"/>
+              <a:t>Quicksort es eficiente con cualquier tamaño, pero su eficiencia depende de elegir un pivote adecuado.</a:t>
+            </a:r>
+          </a:p>
+          <a:p>
+            <a:pPr marL="342900" lvl="0" indent="-342900">
               <a:buFont typeface="Wingdings" panose="05000000000000000000" pitchFamily="2" charset="2"/>
               <a:buChar char="q"/>
             </a:pPr>
             <a:r>
-              <a:rPr lang="es-ES" sz="2000" dirty="0">
-                <a:latin typeface="+mn-lt"/>
-              </a:rPr>
+              <a:rPr lang="es-ES" dirty="0"/>
+              <a:t>Un fallo implementando el código de Quicksort es bastante difícil de detectar. Además, el orden de elementos idénticos variaría.</a:t>
+            </a:r>
+          </a:p>
+          <a:p>
+            <a:pPr marL="342900" lvl="0" indent="-342900">
+              <a:buFont typeface="Wingdings" panose="05000000000000000000" pitchFamily="2" charset="2"/>
+              <a:buChar char="q"/>
+            </a:pPr>
+            <a:r>
+              <a:rPr lang="es-ES" dirty="0"/>
+              <a:t>No merece la pena optimizar Selección.</a:t>
+            </a:r>
+          </a:p>
+          <a:p>
+            <a:pPr marL="342900" lvl="0" indent="-342900">
+              <a:buFont typeface="Wingdings" panose="05000000000000000000" pitchFamily="2" charset="2"/>
+              <a:buChar char="q"/>
+            </a:pPr>
+            <a:r>
+              <a:rPr lang="es-ES" dirty="0"/>
               <a:t>Quicksort cuenta con posibles modificaciones que reducen el tiempo de ejecución en determinados casos, dependiendo de los datos de entrada.</a:t>
             </a:r>
           </a:p>
@@ -33679,30 +33422,21 @@
                             </p:childTnLst>
                           </p:cTn>
                         </p:par>
-                      </p:childTnLst>
-                    </p:cTn>
-                  </p:par>
-                  <p:par>
-                    <p:cTn id="15" fill="hold">
-                      <p:stCondLst>
-                        <p:cond delay="indefinite"/>
-                      </p:stCondLst>
-                      <p:childTnLst>
                         <p:par>
-                          <p:cTn id="16" fill="hold">
+                          <p:cTn id="15" fill="hold">
                             <p:stCondLst>
-                              <p:cond delay="0"/>
+                              <p:cond delay="500"/>
                             </p:stCondLst>
                             <p:childTnLst>
                               <p:par>
-                                <p:cTn id="17" presetID="63" presetClass="path" presetSubtype="0" accel="50000" decel="50000" fill="hold" nodeType="clickEffect">
+                                <p:cTn id="16" presetID="63" presetClass="path" presetSubtype="0" accel="50000" decel="50000" fill="hold" nodeType="afterEffect">
                                   <p:stCondLst>
                                     <p:cond delay="0"/>
                                   </p:stCondLst>
                                   <p:childTnLst>
                                     <p:animMotion origin="layout" path="M -4.72222E-6 -1.85185E-6 L 0.15625 -1.85185E-6 " pathEditMode="fixed" rAng="0" ptsTypes="AA">
                                       <p:cBhvr>
-                                        <p:cTn id="18" dur="1000" fill="hold"/>
+                                        <p:cTn id="17" dur="1000" fill="hold"/>
                                         <p:tgtEl>
                                           <p:spTgt spid="44"/>
                                         </p:tgtEl>
@@ -33719,30 +33453,21 @@
                             </p:childTnLst>
                           </p:cTn>
                         </p:par>
-                      </p:childTnLst>
-                    </p:cTn>
-                  </p:par>
-                  <p:par>
-                    <p:cTn id="19" fill="hold">
-                      <p:stCondLst>
-                        <p:cond delay="indefinite"/>
-                      </p:stCondLst>
-                      <p:childTnLst>
                         <p:par>
-                          <p:cTn id="20" fill="hold">
+                          <p:cTn id="18" fill="hold">
                             <p:stCondLst>
-                              <p:cond delay="0"/>
+                              <p:cond delay="1500"/>
                             </p:stCondLst>
                             <p:childTnLst>
                               <p:par>
-                                <p:cTn id="21" presetID="63" presetClass="path" presetSubtype="0" accel="50000" decel="50000" fill="hold" nodeType="clickEffect">
+                                <p:cTn id="19" presetID="63" presetClass="path" presetSubtype="0" accel="50000" decel="50000" fill="hold" nodeType="afterEffect">
                                   <p:stCondLst>
                                     <p:cond delay="0"/>
                                   </p:stCondLst>
                                   <p:childTnLst>
                                     <p:animMotion origin="layout" path="M 0.15625 -1.85185E-6 L 0.31372 -1.85185E-6 " pathEditMode="fixed" rAng="0" ptsTypes="AA">
                                       <p:cBhvr>
-                                        <p:cTn id="22" dur="1000" fill="hold"/>
+                                        <p:cTn id="20" dur="1000" fill="hold"/>
                                         <p:tgtEl>
                                           <p:spTgt spid="44"/>
                                         </p:tgtEl>
@@ -33763,26 +33488,26 @@
                     </p:cTn>
                   </p:par>
                   <p:par>
-                    <p:cTn id="23" fill="hold">
+                    <p:cTn id="21" fill="hold">
                       <p:stCondLst>
                         <p:cond delay="indefinite"/>
                       </p:stCondLst>
                       <p:childTnLst>
                         <p:par>
-                          <p:cTn id="24" fill="hold">
+                          <p:cTn id="22" fill="hold">
                             <p:stCondLst>
                               <p:cond delay="0"/>
                             </p:stCondLst>
                             <p:childTnLst>
                               <p:par>
-                                <p:cTn id="25" presetID="10" presetClass="exit" presetSubtype="0" fill="hold" nodeType="clickEffect">
+                                <p:cTn id="23" presetID="10" presetClass="exit" presetSubtype="0" fill="hold" nodeType="clickEffect">
                                   <p:stCondLst>
                                     <p:cond delay="0"/>
                                   </p:stCondLst>
                                   <p:childTnLst>
                                     <p:animEffect transition="out" filter="fade">
                                       <p:cBhvr>
-                                        <p:cTn id="26" dur="500"/>
+                                        <p:cTn id="24" dur="500"/>
                                         <p:tgtEl>
                                           <p:spTgt spid="44"/>
                                         </p:tgtEl>
@@ -33790,7 +33515,7 @@
                                     </p:animEffect>
                                     <p:set>
                                       <p:cBhvr>
-                                        <p:cTn id="27" dur="1" fill="hold">
+                                        <p:cTn id="25" dur="1" fill="hold">
                                           <p:stCondLst>
                                             <p:cond delay="499"/>
                                           </p:stCondLst>
@@ -33813,20 +33538,20 @@
                           </p:cTn>
                         </p:par>
                         <p:par>
-                          <p:cTn id="28" fill="hold">
+                          <p:cTn id="26" fill="hold">
                             <p:stCondLst>
                               <p:cond delay="500"/>
                             </p:stCondLst>
                             <p:childTnLst>
                               <p:par>
-                                <p:cTn id="29" presetID="63" presetClass="path" presetSubtype="0" accel="50000" decel="50000" fill="hold" nodeType="afterEffect">
+                                <p:cTn id="27" presetID="63" presetClass="path" presetSubtype="0" accel="50000" decel="50000" fill="hold" nodeType="afterEffect">
                                   <p:stCondLst>
                                     <p:cond delay="0"/>
                                   </p:stCondLst>
                                   <p:childTnLst>
                                     <p:animMotion origin="layout" path="M -1.38889E-6 0 L 0.3158 0 " pathEditMode="relative" rAng="0" ptsTypes="AA">
                                       <p:cBhvr>
-                                        <p:cTn id="30" dur="1000" fill="hold"/>
+                                        <p:cTn id="28" dur="1000" fill="hold"/>
                                         <p:tgtEl>
                                           <p:spTgt spid="36"/>
                                         </p:tgtEl>
@@ -33841,14 +33566,14 @@
                                 </p:cTn>
                               </p:par>
                               <p:par>
-                                <p:cTn id="31" presetID="35" presetClass="path" presetSubtype="0" accel="50000" decel="50000" fill="hold" nodeType="withEffect">
+                                <p:cTn id="29" presetID="35" presetClass="path" presetSubtype="0" accel="50000" decel="50000" fill="hold" nodeType="withEffect">
                                   <p:stCondLst>
                                     <p:cond delay="0"/>
                                   </p:stCondLst>
                                   <p:childTnLst>
                                     <p:animMotion origin="layout" path="M 3.61111E-6 4.44444E-6 L -0.31354 0.00255 " pathEditMode="relative" rAng="0" ptsTypes="AA">
                                       <p:cBhvr>
-                                        <p:cTn id="32" dur="1000" fill="hold"/>
+                                        <p:cTn id="30" dur="1000" fill="hold"/>
                                         <p:tgtEl>
                                           <p:spTgt spid="30"/>
                                         </p:tgtEl>
@@ -33862,26 +33587,52 @@
                                   </p:childTnLst>
                                 </p:cTn>
                               </p:par>
+                              <p:par>
+                                <p:cTn id="31" presetID="10" presetClass="entr" presetSubtype="0" fill="hold" nodeType="withEffect">
+                                  <p:stCondLst>
+                                    <p:cond delay="0"/>
+                                  </p:stCondLst>
+                                  <p:childTnLst>
+                                    <p:set>
+                                      <p:cBhvr>
+                                        <p:cTn id="32" dur="1" fill="hold">
+                                          <p:stCondLst>
+                                            <p:cond delay="0"/>
+                                          </p:stCondLst>
+                                        </p:cTn>
+                                        <p:tgtEl>
+                                          <p:spTgt spid="52"/>
+                                        </p:tgtEl>
+                                        <p:attrNameLst>
+                                          <p:attrName>style.visibility</p:attrName>
+                                        </p:attrNameLst>
+                                      </p:cBhvr>
+                                      <p:to>
+                                        <p:strVal val="visible"/>
+                                      </p:to>
+                                    </p:set>
+                                    <p:animEffect transition="in" filter="fade">
+                                      <p:cBhvr>
+                                        <p:cTn id="33" dur="500"/>
+                                        <p:tgtEl>
+                                          <p:spTgt spid="52"/>
+                                        </p:tgtEl>
+                                      </p:cBhvr>
+                                    </p:animEffect>
+                                  </p:childTnLst>
+                                </p:cTn>
+                              </p:par>
                             </p:childTnLst>
                           </p:cTn>
                         </p:par>
-                      </p:childTnLst>
-                    </p:cTn>
-                  </p:par>
-                  <p:par>
-                    <p:cTn id="33" fill="hold">
-                      <p:stCondLst>
-                        <p:cond delay="indefinite"/>
-                      </p:stCondLst>
-                      <p:childTnLst>
                         <p:par>
                           <p:cTn id="34" fill="hold">
                             <p:stCondLst>
-                              <p:cond delay="0"/>
+                              <p:cond delay="1500"/>
                             </p:stCondLst>
                             <p:childTnLst>
                               <p:par>
-                                <p:cTn id="35" presetID="63" presetClass="path" presetSubtype="0" accel="50000" decel="50000" fill="hold" nodeType="clickEffect">
+                                <p:cTn id="35" presetID="63" presetClass="path" presetSubtype="0" accel="50000" decel="50000" fill="hold" nodeType="afterEffect">
                                   <p:stCondLst>
                                     <p:cond delay="0"/>
                                   </p:stCondLst>
@@ -33902,41 +33653,6 @@
                                   </p:childTnLst>
                                 </p:cTn>
                               </p:par>
-                              <p:par>
-                                <p:cTn id="37" presetID="10" presetClass="entr" presetSubtype="0" fill="hold" nodeType="withEffect">
-                                  <p:stCondLst>
-                                    <p:cond delay="0"/>
-                                  </p:stCondLst>
-                                  <p:childTnLst>
-                                    <p:set>
-                                      <p:cBhvr>
-                                        <p:cTn id="38" dur="1" fill="hold">
-                                          <p:stCondLst>
-                                            <p:cond delay="0"/>
-                                          </p:stCondLst>
-                                        </p:cTn>
-                                        <p:tgtEl>
-                                          <p:spTgt spid="52"/>
-                                        </p:tgtEl>
-                                        <p:attrNameLst>
-                                          <p:attrName>style.visibility</p:attrName>
-                                        </p:attrNameLst>
-                                      </p:cBhvr>
-                                      <p:to>
-                                        <p:strVal val="visible"/>
-                                      </p:to>
-                                    </p:set>
-                                    <p:animEffect transition="in" filter="fade">
-                                      <p:cBhvr>
-                                        <p:cTn id="39" dur="500"/>
-                                        <p:tgtEl>
-                                          <p:spTgt spid="52"/>
-                                        </p:tgtEl>
-                                      </p:cBhvr>
-                                    </p:animEffect>
-                                  </p:childTnLst>
-                                </p:cTn>
-                              </p:par>
                             </p:childTnLst>
                           </p:cTn>
                         </p:par>
@@ -33944,26 +33660,26 @@
                     </p:cTn>
                   </p:par>
                   <p:par>
-                    <p:cTn id="40" fill="hold">
+                    <p:cTn id="37" fill="hold">
                       <p:stCondLst>
                         <p:cond delay="indefinite"/>
                       </p:stCondLst>
                       <p:childTnLst>
                         <p:par>
-                          <p:cTn id="41" fill="hold">
+                          <p:cTn id="38" fill="hold">
                             <p:stCondLst>
                               <p:cond delay="0"/>
                             </p:stCondLst>
                             <p:childTnLst>
                               <p:par>
-                                <p:cTn id="42" presetID="2" presetClass="entr" presetSubtype="8" fill="hold" nodeType="clickEffect">
+                                <p:cTn id="39" presetID="2" presetClass="entr" presetSubtype="8" fill="hold" nodeType="clickEffect">
                                   <p:stCondLst>
                                     <p:cond delay="0"/>
                                   </p:stCondLst>
                                   <p:childTnLst>
                                     <p:set>
                                       <p:cBhvr>
-                                        <p:cTn id="43" dur="1" fill="hold">
+                                        <p:cTn id="40" dur="1" fill="hold">
                                           <p:stCondLst>
                                             <p:cond delay="0"/>
                                           </p:stCondLst>
@@ -33981,7 +33697,7 @@
                                     </p:set>
                                     <p:anim calcmode="lin" valueType="num">
                                       <p:cBhvr additive="base">
-                                        <p:cTn id="44" dur="500" fill="hold"/>
+                                        <p:cTn id="41" dur="500" fill="hold"/>
                                         <p:tgtEl>
                                           <p:spTgt spid="48"/>
                                         </p:tgtEl>
@@ -34004,7 +33720,7 @@
                                     </p:anim>
                                     <p:anim calcmode="lin" valueType="num">
                                       <p:cBhvr additive="base">
-                                        <p:cTn id="45" dur="500" fill="hold"/>
+                                        <p:cTn id="42" dur="500" fill="hold"/>
                                         <p:tgtEl>
                                           <p:spTgt spid="48"/>
                                         </p:tgtEl>
@@ -34035,26 +33751,26 @@
                     </p:cTn>
                   </p:par>
                   <p:par>
-                    <p:cTn id="46" fill="hold">
+                    <p:cTn id="43" fill="hold">
                       <p:stCondLst>
                         <p:cond delay="indefinite"/>
                       </p:stCondLst>
                       <p:childTnLst>
                         <p:par>
-                          <p:cTn id="47" fill="hold">
+                          <p:cTn id="44" fill="hold">
                             <p:stCondLst>
                               <p:cond delay="0"/>
                             </p:stCondLst>
                             <p:childTnLst>
                               <p:par>
-                                <p:cTn id="48" presetID="10" presetClass="exit" presetSubtype="0" fill="hold" nodeType="clickEffect">
+                                <p:cTn id="45" presetID="10" presetClass="exit" presetSubtype="0" fill="hold" nodeType="clickEffect">
                                   <p:stCondLst>
                                     <p:cond delay="0"/>
                                   </p:stCondLst>
                                   <p:childTnLst>
                                     <p:animEffect transition="out" filter="fade">
                                       <p:cBhvr>
-                                        <p:cTn id="49" dur="500"/>
+                                        <p:cTn id="46" dur="500"/>
                                         <p:tgtEl>
                                           <p:spTgt spid="48"/>
                                         </p:tgtEl>
@@ -34062,7 +33778,7 @@
                                     </p:animEffect>
                                     <p:set>
                                       <p:cBhvr>
-                                        <p:cTn id="50" dur="1" fill="hold">
+                                        <p:cTn id="47" dur="1" fill="hold">
                                           <p:stCondLst>
                                             <p:cond delay="499"/>
                                           </p:stCondLst>
@@ -34084,30 +33800,21 @@
                             </p:childTnLst>
                           </p:cTn>
                         </p:par>
-                      </p:childTnLst>
-                    </p:cTn>
-                  </p:par>
-                  <p:par>
-                    <p:cTn id="51" fill="hold">
-                      <p:stCondLst>
-                        <p:cond delay="indefinite"/>
-                      </p:stCondLst>
-                      <p:childTnLst>
                         <p:par>
-                          <p:cTn id="52" fill="hold">
+                          <p:cTn id="48" fill="hold">
                             <p:stCondLst>
-                              <p:cond delay="0"/>
+                              <p:cond delay="500"/>
                             </p:stCondLst>
                             <p:childTnLst>
                               <p:par>
-                                <p:cTn id="53" presetID="63" presetClass="path" presetSubtype="0" accel="50000" decel="50000" fill="hold" nodeType="clickEffect">
+                                <p:cTn id="49" presetID="63" presetClass="path" presetSubtype="0" accel="50000" decel="50000" fill="hold" nodeType="afterEffect">
                                   <p:stCondLst>
                                     <p:cond delay="0"/>
                                   </p:stCondLst>
                                   <p:childTnLst>
                                     <p:animMotion origin="layout" path="M 0.15642 0 L 0.31389 0 " pathEditMode="relative" rAng="0" ptsTypes="AA">
                                       <p:cBhvr>
-                                        <p:cTn id="54" dur="1000" fill="hold"/>
+                                        <p:cTn id="50" dur="1000" fill="hold"/>
                                         <p:tgtEl>
                                           <p:spTgt spid="46"/>
                                         </p:tgtEl>
@@ -34122,14 +33829,14 @@
                                 </p:cTn>
                               </p:par>
                               <p:par>
-                                <p:cTn id="55" presetID="10" presetClass="entr" presetSubtype="0" fill="hold" nodeType="withEffect">
+                                <p:cTn id="51" presetID="10" presetClass="entr" presetSubtype="0" fill="hold" nodeType="withEffect">
                                   <p:stCondLst>
                                     <p:cond delay="0"/>
                                   </p:stCondLst>
                                   <p:childTnLst>
                                     <p:set>
                                       <p:cBhvr>
-                                        <p:cTn id="56" dur="1" fill="hold">
+                                        <p:cTn id="52" dur="1" fill="hold">
                                           <p:stCondLst>
                                             <p:cond delay="0"/>
                                           </p:stCondLst>
@@ -34147,7 +33854,7 @@
                                     </p:set>
                                     <p:animEffect transition="in" filter="fade">
                                       <p:cBhvr>
-                                        <p:cTn id="57" dur="500"/>
+                                        <p:cTn id="53" dur="500"/>
                                         <p:tgtEl>
                                           <p:spTgt spid="53"/>
                                         </p:tgtEl>
@@ -34163,26 +33870,26 @@
                     </p:cTn>
                   </p:par>
                   <p:par>
-                    <p:cTn id="58" fill="hold">
+                    <p:cTn id="54" fill="hold">
                       <p:stCondLst>
                         <p:cond delay="indefinite"/>
                       </p:stCondLst>
                       <p:childTnLst>
                         <p:par>
-                          <p:cTn id="59" fill="hold">
+                          <p:cTn id="55" fill="hold">
                             <p:stCondLst>
                               <p:cond delay="0"/>
                             </p:stCondLst>
                             <p:childTnLst>
                               <p:par>
-                                <p:cTn id="60" presetID="2" presetClass="entr" presetSubtype="8" fill="hold" nodeType="clickEffect">
+                                <p:cTn id="56" presetID="2" presetClass="entr" presetSubtype="8" fill="hold" nodeType="clickEffect">
                                   <p:stCondLst>
                                     <p:cond delay="0"/>
                                   </p:stCondLst>
                                   <p:childTnLst>
                                     <p:set>
                                       <p:cBhvr>
-                                        <p:cTn id="61" dur="1" fill="hold">
+                                        <p:cTn id="57" dur="1" fill="hold">
                                           <p:stCondLst>
                                             <p:cond delay="0"/>
                                           </p:stCondLst>
@@ -34200,7 +33907,7 @@
                                     </p:set>
                                     <p:anim calcmode="lin" valueType="num">
                                       <p:cBhvr additive="base">
-                                        <p:cTn id="62" dur="500" fill="hold"/>
+                                        <p:cTn id="58" dur="500" fill="hold"/>
                                         <p:tgtEl>
                                           <p:spTgt spid="50"/>
                                         </p:tgtEl>
@@ -34223,7 +33930,7 @@
                                     </p:anim>
                                     <p:anim calcmode="lin" valueType="num">
                                       <p:cBhvr additive="base">
-                                        <p:cTn id="63" dur="500" fill="hold"/>
+                                        <p:cTn id="59" dur="500" fill="hold"/>
                                         <p:tgtEl>
                                           <p:spTgt spid="50"/>
                                         </p:tgtEl>
@@ -34250,30 +33957,21 @@
                             </p:childTnLst>
                           </p:cTn>
                         </p:par>
-                      </p:childTnLst>
-                    </p:cTn>
-                  </p:par>
-                  <p:par>
-                    <p:cTn id="64" fill="hold">
-                      <p:stCondLst>
-                        <p:cond delay="indefinite"/>
-                      </p:stCondLst>
-                      <p:childTnLst>
                         <p:par>
-                          <p:cTn id="65" fill="hold">
+                          <p:cTn id="60" fill="hold">
                             <p:stCondLst>
-                              <p:cond delay="0"/>
+                              <p:cond delay="500"/>
                             </p:stCondLst>
                             <p:childTnLst>
                               <p:par>
-                                <p:cTn id="66" presetID="63" presetClass="path" presetSubtype="0" accel="50000" decel="50000" fill="hold" nodeType="clickEffect">
+                                <p:cTn id="61" presetID="63" presetClass="path" presetSubtype="0" accel="50000" decel="50000" fill="hold" nodeType="afterEffect">
                                   <p:stCondLst>
                                     <p:cond delay="0"/>
                                   </p:stCondLst>
                                   <p:childTnLst>
                                     <p:animMotion origin="layout" path="M -2.5E-6 4.44444E-6 L 0.15591 4.44444E-6 " pathEditMode="relative" rAng="0" ptsTypes="AA">
                                       <p:cBhvr>
-                                        <p:cTn id="67" dur="1000" fill="hold"/>
+                                        <p:cTn id="62" dur="1000" fill="hold"/>
                                         <p:tgtEl>
                                           <p:spTgt spid="50"/>
                                         </p:tgtEl>
@@ -34294,26 +33992,26 @@
                     </p:cTn>
                   </p:par>
                   <p:par>
-                    <p:cTn id="68" fill="hold">
+                    <p:cTn id="63" fill="hold">
                       <p:stCondLst>
                         <p:cond delay="indefinite"/>
                       </p:stCondLst>
                       <p:childTnLst>
                         <p:par>
-                          <p:cTn id="69" fill="hold">
+                          <p:cTn id="64" fill="hold">
                             <p:stCondLst>
                               <p:cond delay="0"/>
                             </p:stCondLst>
                             <p:childTnLst>
                               <p:par>
-                                <p:cTn id="70" presetID="10" presetClass="exit" presetSubtype="0" fill="hold" nodeType="clickEffect">
+                                <p:cTn id="65" presetID="10" presetClass="exit" presetSubtype="0" fill="hold" nodeType="clickEffect">
                                   <p:stCondLst>
                                     <p:cond delay="0"/>
                                   </p:stCondLst>
                                   <p:childTnLst>
                                     <p:animEffect transition="out" filter="fade">
                                       <p:cBhvr>
-                                        <p:cTn id="71" dur="500"/>
+                                        <p:cTn id="66" dur="500"/>
                                         <p:tgtEl>
                                           <p:spTgt spid="50"/>
                                         </p:tgtEl>
@@ -34321,7 +34019,7 @@
                                     </p:animEffect>
                                     <p:set>
                                       <p:cBhvr>
-                                        <p:cTn id="72" dur="1" fill="hold">
+                                        <p:cTn id="67" dur="1" fill="hold">
                                           <p:stCondLst>
                                             <p:cond delay="499"/>
                                           </p:stCondLst>
@@ -34344,20 +34042,20 @@
                           </p:cTn>
                         </p:par>
                         <p:par>
-                          <p:cTn id="73" fill="hold">
+                          <p:cTn id="68" fill="hold">
                             <p:stCondLst>
                               <p:cond delay="500"/>
                             </p:stCondLst>
                             <p:childTnLst>
                               <p:par>
-                                <p:cTn id="74" presetID="35" presetClass="path" presetSubtype="0" accel="50000" decel="50000" fill="hold" nodeType="afterEffect">
+                                <p:cTn id="69" presetID="35" presetClass="path" presetSubtype="0" accel="50000" decel="50000" fill="hold" nodeType="afterEffect">
                                   <p:stCondLst>
                                     <p:cond delay="0"/>
                                   </p:stCondLst>
                                   <p:childTnLst>
                                     <p:animMotion origin="layout" path="M 4.72222E-6 -1.85185E-6 L -0.15764 -0.00255 " pathEditMode="relative" rAng="0" ptsTypes="AA">
                                       <p:cBhvr>
-                                        <p:cTn id="75" dur="1000" fill="hold"/>
+                                        <p:cTn id="70" dur="1000" fill="hold"/>
                                         <p:tgtEl>
                                           <p:spTgt spid="34"/>
                                         </p:tgtEl>
@@ -34372,14 +34070,14 @@
                                 </p:cTn>
                               </p:par>
                               <p:par>
-                                <p:cTn id="76" presetID="63" presetClass="path" presetSubtype="0" accel="50000" decel="50000" fill="hold" nodeType="withEffect">
+                                <p:cTn id="71" presetID="63" presetClass="path" presetSubtype="0" accel="50000" decel="50000" fill="hold" nodeType="withEffect">
                                   <p:stCondLst>
                                     <p:cond delay="0"/>
                                   </p:stCondLst>
                                   <p:childTnLst>
                                     <p:animMotion origin="layout" path="M 0.3158 0.00185 L 0.47327 0.00185 " pathEditMode="relative" rAng="0" ptsTypes="AA">
                                       <p:cBhvr>
-                                        <p:cTn id="77" dur="1000" fill="hold"/>
+                                        <p:cTn id="72" dur="1000" fill="hold"/>
                                         <p:tgtEl>
                                           <p:spTgt spid="36"/>
                                         </p:tgtEl>
@@ -34393,55 +34091,15 @@
                                   </p:childTnLst>
                                 </p:cTn>
                               </p:par>
-                            </p:childTnLst>
-                          </p:cTn>
-                        </p:par>
-                      </p:childTnLst>
-                    </p:cTn>
-                  </p:par>
-                  <p:par>
-                    <p:cTn id="78" fill="hold">
-                      <p:stCondLst>
-                        <p:cond delay="indefinite"/>
-                      </p:stCondLst>
-                      <p:childTnLst>
-                        <p:par>
-                          <p:cTn id="79" fill="hold">
-                            <p:stCondLst>
-                              <p:cond delay="0"/>
-                            </p:stCondLst>
-                            <p:childTnLst>
                               <p:par>
-                                <p:cTn id="80" presetID="63" presetClass="path" presetSubtype="0" accel="50000" decel="50000" fill="hold" nodeType="clickEffect">
-                                  <p:stCondLst>
-                                    <p:cond delay="0"/>
-                                  </p:stCondLst>
-                                  <p:childTnLst>
-                                    <p:animMotion origin="layout" path="M 0.31389 0 L 0.47136 0 " pathEditMode="relative" rAng="0" ptsTypes="AA">
-                                      <p:cBhvr>
-                                        <p:cTn id="81" dur="1000" fill="hold"/>
-                                        <p:tgtEl>
-                                          <p:spTgt spid="46"/>
-                                        </p:tgtEl>
-                                        <p:attrNameLst>
-                                          <p:attrName>ppt_x</p:attrName>
-                                          <p:attrName>ppt_y</p:attrName>
-                                        </p:attrNameLst>
-                                      </p:cBhvr>
-                                      <p:rCtr x="7882" y="0"/>
-                                    </p:animMotion>
-                                  </p:childTnLst>
-                                </p:cTn>
-                              </p:par>
-                              <p:par>
-                                <p:cTn id="82" presetID="10" presetClass="entr" presetSubtype="0" fill="hold" nodeType="withEffect">
+                                <p:cTn id="73" presetID="10" presetClass="entr" presetSubtype="0" fill="hold" nodeType="withEffect">
                                   <p:stCondLst>
                                     <p:cond delay="0"/>
                                   </p:stCondLst>
                                   <p:childTnLst>
                                     <p:set>
                                       <p:cBhvr>
-                                        <p:cTn id="83" dur="1" fill="hold">
+                                        <p:cTn id="74" dur="1" fill="hold">
                                           <p:stCondLst>
                                             <p:cond delay="0"/>
                                           </p:stCondLst>
@@ -34459,7 +34117,7 @@
                                     </p:set>
                                     <p:animEffect transition="in" filter="fade">
                                       <p:cBhvr>
-                                        <p:cTn id="84" dur="500"/>
+                                        <p:cTn id="75" dur="500"/>
                                         <p:tgtEl>
                                           <p:spTgt spid="54"/>
                                         </p:tgtEl>
@@ -34475,26 +34133,57 @@
                     </p:cTn>
                   </p:par>
                   <p:par>
-                    <p:cTn id="85" fill="hold">
+                    <p:cTn id="76" fill="hold">
                       <p:stCondLst>
                         <p:cond delay="indefinite"/>
                       </p:stCondLst>
                       <p:childTnLst>
                         <p:par>
-                          <p:cTn id="86" fill="hold">
+                          <p:cTn id="77" fill="hold">
                             <p:stCondLst>
                               <p:cond delay="0"/>
                             </p:stCondLst>
                             <p:childTnLst>
                               <p:par>
-                                <p:cTn id="87" presetID="2" presetClass="entr" presetSubtype="8" fill="hold" nodeType="clickEffect">
+                                <p:cTn id="78" presetID="63" presetClass="path" presetSubtype="0" accel="50000" decel="50000" fill="hold" nodeType="clickEffect">
+                                  <p:stCondLst>
+                                    <p:cond delay="0"/>
+                                  </p:stCondLst>
+                                  <p:childTnLst>
+                                    <p:animMotion origin="layout" path="M 0.31389 0 L 0.47136 0 " pathEditMode="relative" rAng="0" ptsTypes="AA">
+                                      <p:cBhvr>
+                                        <p:cTn id="79" dur="1000" fill="hold"/>
+                                        <p:tgtEl>
+                                          <p:spTgt spid="46"/>
+                                        </p:tgtEl>
+                                        <p:attrNameLst>
+                                          <p:attrName>ppt_x</p:attrName>
+                                          <p:attrName>ppt_y</p:attrName>
+                                        </p:attrNameLst>
+                                      </p:cBhvr>
+                                      <p:rCtr x="7882" y="0"/>
+                                    </p:animMotion>
+                                  </p:childTnLst>
+                                </p:cTn>
+                              </p:par>
+                            </p:childTnLst>
+                          </p:cTn>
+                        </p:par>
+                        <p:par>
+                          <p:cTn id="80" fill="hold">
+                            <p:stCondLst>
+                              <p:cond delay="1000"/>
+                            </p:stCondLst>
+                            <p:childTnLst>
+                              <p:par>
+                                <p:cTn id="81" presetID="2" presetClass="entr" presetSubtype="8" fill="hold" nodeType="afterEffect">
                                   <p:stCondLst>
                                     <p:cond delay="0"/>
                                   </p:stCondLst>
                                   <p:childTnLst>
                                     <p:set>
                                       <p:cBhvr>
-                                        <p:cTn id="88" dur="1" fill="hold">
+                                        <p:cTn id="82" dur="1" fill="hold">
                                           <p:stCondLst>
                                             <p:cond delay="0"/>
                                           </p:stCondLst>
@@ -34512,7 +34201,7 @@
                                     </p:set>
                                     <p:anim calcmode="lin" valueType="num">
                                       <p:cBhvr additive="base">
-                                        <p:cTn id="89" dur="500" fill="hold"/>
+                                        <p:cTn id="83" dur="500" fill="hold"/>
                                         <p:tgtEl>
                                           <p:spTgt spid="51"/>
                                         </p:tgtEl>
@@ -34535,7 +34224,7 @@
                                     </p:anim>
                                     <p:anim calcmode="lin" valueType="num">
                                       <p:cBhvr additive="base">
-                                        <p:cTn id="90" dur="500" fill="hold"/>
+                                        <p:cTn id="84" dur="500" fill="hold"/>
                                         <p:tgtEl>
                                           <p:spTgt spid="51"/>
                                         </p:tgtEl>
@@ -34566,26 +34255,26 @@
                     </p:cTn>
                   </p:par>
                   <p:par>
-                    <p:cTn id="91" fill="hold">
+                    <p:cTn id="85" fill="hold">
                       <p:stCondLst>
                         <p:cond delay="indefinite"/>
                       </p:stCondLst>
                       <p:childTnLst>
                         <p:par>
-                          <p:cTn id="92" fill="hold">
+                          <p:cTn id="86" fill="hold">
                             <p:stCondLst>
                               <p:cond delay="0"/>
                             </p:stCondLst>
                             <p:childTnLst>
                               <p:par>
-                                <p:cTn id="93" presetID="10" presetClass="exit" presetSubtype="0" fill="hold" nodeType="clickEffect">
+                                <p:cTn id="87" presetID="10" presetClass="exit" presetSubtype="0" fill="hold" nodeType="clickEffect">
                                   <p:stCondLst>
                                     <p:cond delay="0"/>
                                   </p:stCondLst>
                                   <p:childTnLst>
                                     <p:animEffect transition="out" filter="fade">
                                       <p:cBhvr>
-                                        <p:cTn id="94" dur="500"/>
+                                        <p:cTn id="88" dur="500"/>
                                         <p:tgtEl>
                                           <p:spTgt spid="51"/>
                                         </p:tgtEl>
@@ -34593,7 +34282,7 @@
                                     </p:animEffect>
                                     <p:set>
                                       <p:cBhvr>
-                                        <p:cTn id="95" dur="1" fill="hold">
+                                        <p:cTn id="89" dur="1" fill="hold">
                                           <p:stCondLst>
                                             <p:cond delay="499"/>
                                           </p:stCondLst>
@@ -34615,30 +34304,21 @@
                             </p:childTnLst>
                           </p:cTn>
                         </p:par>
-                      </p:childTnLst>
-                    </p:cTn>
-                  </p:par>
-                  <p:par>
-                    <p:cTn id="96" fill="hold">
-                      <p:stCondLst>
-                        <p:cond delay="indefinite"/>
-                      </p:stCondLst>
-                      <p:childTnLst>
                         <p:par>
-                          <p:cTn id="97" fill="hold">
+                          <p:cTn id="90" fill="hold">
                             <p:stCondLst>
-                              <p:cond delay="0"/>
+                              <p:cond delay="500"/>
                             </p:stCondLst>
                             <p:childTnLst>
                               <p:par>
-                                <p:cTn id="98" presetID="2" presetClass="exit" presetSubtype="2" fill="hold" nodeType="clickEffect">
+                                <p:cTn id="91" presetID="2" presetClass="exit" presetSubtype="2" fill="hold" nodeType="afterEffect">
                                   <p:stCondLst>
                                     <p:cond delay="0"/>
                                   </p:stCondLst>
                                   <p:childTnLst>
                                     <p:anim calcmode="lin" valueType="num">
                                       <p:cBhvr additive="base">
-                                        <p:cTn id="99" dur="500"/>
+                                        <p:cTn id="92" dur="500"/>
                                         <p:tgtEl>
                                           <p:spTgt spid="46"/>
                                         </p:tgtEl>
@@ -34661,7 +34341,7 @@
                                     </p:anim>
                                     <p:anim calcmode="lin" valueType="num">
                                       <p:cBhvr additive="base">
-                                        <p:cTn id="100" dur="500"/>
+                                        <p:cTn id="93" dur="500"/>
                                         <p:tgtEl>
                                           <p:spTgt spid="46"/>
                                         </p:tgtEl>
@@ -34684,7 +34364,7 @@
                                     </p:anim>
                                     <p:set>
                                       <p:cBhvr>
-                                        <p:cTn id="101" dur="1" fill="hold">
+                                        <p:cTn id="94" dur="1" fill="hold">
                                           <p:stCondLst>
                                             <p:cond delay="499"/>
                                           </p:stCondLst>
@@ -34704,14 +34384,14 @@
                                 </p:cTn>
                               </p:par>
                               <p:par>
-                                <p:cTn id="102" presetID="10" presetClass="entr" presetSubtype="0" fill="hold" nodeType="withEffect">
+                                <p:cTn id="95" presetID="10" presetClass="entr" presetSubtype="0" fill="hold" nodeType="withEffect">
                                   <p:stCondLst>
                                     <p:cond delay="0"/>
                                   </p:stCondLst>
                                   <p:childTnLst>
                                     <p:set>
                                       <p:cBhvr>
-                                        <p:cTn id="103" dur="1" fill="hold">
+                                        <p:cTn id="96" dur="1" fill="hold">
                                           <p:stCondLst>
                                             <p:cond delay="0"/>
                                           </p:stCondLst>
@@ -34729,7 +34409,7 @@
                                     </p:set>
                                     <p:animEffect transition="in" filter="fade">
                                       <p:cBhvr>
-                                        <p:cTn id="104" dur="500"/>
+                                        <p:cTn id="97" dur="500"/>
                                         <p:tgtEl>
                                           <p:spTgt spid="55"/>
                                         </p:tgtEl>
@@ -34739,14 +34419,14 @@
                                 </p:cTn>
                               </p:par>
                               <p:par>
-                                <p:cTn id="105" presetID="10" presetClass="entr" presetSubtype="0" fill="hold" nodeType="withEffect">
+                                <p:cTn id="98" presetID="10" presetClass="entr" presetSubtype="0" fill="hold" nodeType="withEffect">
                                   <p:stCondLst>
                                     <p:cond delay="0"/>
                                   </p:stCondLst>
                                   <p:childTnLst>
                                     <p:set>
                                       <p:cBhvr>
-                                        <p:cTn id="106" dur="1" fill="hold">
+                                        <p:cTn id="99" dur="1" fill="hold">
                                           <p:stCondLst>
                                             <p:cond delay="0"/>
                                           </p:stCondLst>
@@ -34764,7 +34444,7 @@
                                     </p:set>
                                     <p:animEffect transition="in" filter="fade">
                                       <p:cBhvr>
-                                        <p:cTn id="107" dur="500"/>
+                                        <p:cTn id="100" dur="500"/>
                                         <p:tgtEl>
                                           <p:spTgt spid="56"/>
                                         </p:tgtEl>
@@ -34780,26 +34460,26 @@
                     </p:cTn>
                   </p:par>
                   <p:par>
-                    <p:cTn id="108" fill="hold">
+                    <p:cTn id="101" fill="hold">
                       <p:stCondLst>
                         <p:cond delay="indefinite"/>
                       </p:stCondLst>
                       <p:childTnLst>
                         <p:par>
-                          <p:cTn id="109" fill="hold">
+                          <p:cTn id="102" fill="hold">
                             <p:stCondLst>
                               <p:cond delay="0"/>
                             </p:stCondLst>
                             <p:childTnLst>
                               <p:par>
-                                <p:cTn id="110" presetID="10" presetClass="exit" presetSubtype="0" fill="hold" nodeType="clickEffect">
+                                <p:cTn id="103" presetID="10" presetClass="exit" presetSubtype="0" fill="hold" nodeType="clickEffect">
                                   <p:stCondLst>
                                     <p:cond delay="0"/>
                                   </p:stCondLst>
                                   <p:childTnLst>
                                     <p:animEffect transition="out" filter="fade">
                                       <p:cBhvr>
-                                        <p:cTn id="111" dur="500"/>
+                                        <p:cTn id="104" dur="500"/>
                                         <p:tgtEl>
                                           <p:spTgt spid="52"/>
                                         </p:tgtEl>
@@ -34807,7 +34487,7 @@
                                     </p:animEffect>
                                     <p:set>
                                       <p:cBhvr>
-                                        <p:cTn id="112" dur="1" fill="hold">
+                                        <p:cTn id="105" dur="1" fill="hold">
                                           <p:stCondLst>
                                             <p:cond delay="499"/>
                                           </p:stCondLst>
@@ -34827,14 +34507,14 @@
                                 </p:cTn>
                               </p:par>
                               <p:par>
-                                <p:cTn id="113" presetID="10" presetClass="exit" presetSubtype="0" fill="hold" nodeType="withEffect">
+                                <p:cTn id="106" presetID="10" presetClass="exit" presetSubtype="0" fill="hold" nodeType="withEffect">
                                   <p:stCondLst>
                                     <p:cond delay="0"/>
                                   </p:stCondLst>
                                   <p:childTnLst>
                                     <p:animEffect transition="out" filter="fade">
                                       <p:cBhvr>
-                                        <p:cTn id="114" dur="500"/>
+                                        <p:cTn id="107" dur="500"/>
                                         <p:tgtEl>
                                           <p:spTgt spid="53"/>
                                         </p:tgtEl>
@@ -34842,7 +34522,7 @@
                                     </p:animEffect>
                                     <p:set>
                                       <p:cBhvr>
-                                        <p:cTn id="115" dur="1" fill="hold">
+                                        <p:cTn id="108" dur="1" fill="hold">
                                           <p:stCondLst>
                                             <p:cond delay="499"/>
                                           </p:stCondLst>
@@ -34862,14 +34542,14 @@
                                 </p:cTn>
                               </p:par>
                               <p:par>
-                                <p:cTn id="116" presetID="10" presetClass="exit" presetSubtype="0" fill="hold" nodeType="withEffect">
+                                <p:cTn id="109" presetID="10" presetClass="exit" presetSubtype="0" fill="hold" nodeType="withEffect">
                                   <p:stCondLst>
                                     <p:cond delay="0"/>
                                   </p:stCondLst>
                                   <p:childTnLst>
                                     <p:animEffect transition="out" filter="fade">
                                       <p:cBhvr>
-                                        <p:cTn id="117" dur="500"/>
+                                        <p:cTn id="110" dur="500"/>
                                         <p:tgtEl>
                                           <p:spTgt spid="54"/>
                                         </p:tgtEl>
@@ -34877,7 +34557,7 @@
                                     </p:animEffect>
                                     <p:set>
                                       <p:cBhvr>
-                                        <p:cTn id="118" dur="1" fill="hold">
+                                        <p:cTn id="111" dur="1" fill="hold">
                                           <p:stCondLst>
                                             <p:cond delay="499"/>
                                           </p:stCondLst>
@@ -34897,14 +34577,14 @@
                                 </p:cTn>
                               </p:par>
                               <p:par>
-                                <p:cTn id="119" presetID="10" presetClass="exit" presetSubtype="0" fill="hold" nodeType="withEffect">
+                                <p:cTn id="112" presetID="10" presetClass="exit" presetSubtype="0" fill="hold" nodeType="withEffect">
                                   <p:stCondLst>
                                     <p:cond delay="0"/>
                                   </p:stCondLst>
                                   <p:childTnLst>
                                     <p:animEffect transition="out" filter="fade">
                                       <p:cBhvr>
-                                        <p:cTn id="120" dur="500"/>
+                                        <p:cTn id="113" dur="500"/>
                                         <p:tgtEl>
                                           <p:spTgt spid="55"/>
                                         </p:tgtEl>
@@ -34912,7 +34592,7 @@
                                     </p:animEffect>
                                     <p:set>
                                       <p:cBhvr>
-                                        <p:cTn id="121" dur="1" fill="hold">
+                                        <p:cTn id="114" dur="1" fill="hold">
                                           <p:stCondLst>
                                             <p:cond delay="499"/>
                                           </p:stCondLst>
@@ -34932,14 +34612,14 @@
                                 </p:cTn>
                               </p:par>
                               <p:par>
-                                <p:cTn id="122" presetID="10" presetClass="exit" presetSubtype="0" fill="hold" nodeType="withEffect">
+                                <p:cTn id="115" presetID="10" presetClass="exit" presetSubtype="0" fill="hold" nodeType="withEffect">
                                   <p:stCondLst>
                                     <p:cond delay="0"/>
                                   </p:stCondLst>
                                   <p:childTnLst>
                                     <p:animEffect transition="out" filter="fade">
                                       <p:cBhvr>
-                                        <p:cTn id="123" dur="500"/>
+                                        <p:cTn id="116" dur="500"/>
                                         <p:tgtEl>
                                           <p:spTgt spid="56"/>
                                         </p:tgtEl>
@@ -34947,7 +34627,7 @@
                                     </p:animEffect>
                                     <p:set>
                                       <p:cBhvr>
-                                        <p:cTn id="124" dur="1" fill="hold">
+                                        <p:cTn id="117" dur="1" fill="hold">
                                           <p:stCondLst>
                                             <p:cond delay="499"/>
                                           </p:stCondLst>
